--- a/Presentation/感情認識に基づく対話システム.pptx
+++ b/Presentation/感情認識に基づく対話システム.pptx
@@ -145,6 +145,59 @@
 </p:presentation>
 </file>
 
+<file path=ppt/authors.xml><?xml version="1.0" encoding="utf-8"?>
+<p188:authorLst xmlns:a="http://schemas.openxmlformats.org/drawingml/2006/main" xmlns:r="http://schemas.openxmlformats.org/officeDocument/2006/relationships" xmlns:p188="http://schemas.microsoft.com/office/powerpoint/2018/8/main">
+  <p188:author id="{1EFC48C2-2497-73DC-7537-DF61019DF009}" name="9LDI1101" initials="9" userId="9LDI1101" providerId="None"/>
+</p188:authorLst>
+</file>
+
+<file path=ppt/comments/modernComment_99F_10C09C6A.xml><?xml version="1.0" encoding="utf-8"?>
+<p188:cmLst xmlns:a="http://schemas.openxmlformats.org/drawingml/2006/main" xmlns:r="http://schemas.openxmlformats.org/officeDocument/2006/relationships" xmlns:p188="http://schemas.microsoft.com/office/powerpoint/2018/8/main">
+  <p188:cm id="{0300F9F1-95B3-4788-9B19-87159DBB3712}" authorId="{1EFC48C2-2497-73DC-7537-DF61019DF009}" created="2023-01-15T09:20:29.568">
+    <pc:sldMkLst xmlns:pc="http://schemas.microsoft.com/office/powerpoint/2013/main/command">
+      <pc:docMk/>
+      <pc:sldMk cId="281058410" sldId="2463"/>
+    </pc:sldMkLst>
+    <p188:txBody>
+      <a:bodyPr/>
+      <a:lstStyle/>
+      <a:p>
+        <a:r>
+          <a:rPr lang="ko-KR" altLang="en-US"/>
+          <a:t>BARTとは、Seq2Seqモデルを事前学習させるための Denoising autoencoderである。
+BARTは任意の noising fuctionでテキストを変形させ、元に復元するようにモデルを学習させるようになっている。
+BARTは、BERTとGPTというモデルをそれぞれEncoder, Decoderとして合わせて作られたモデルである。</a:t>
+        </a:r>
+      </a:p>
+    </p188:txBody>
+  </p188:cm>
+</p188:cmLst>
+</file>
+
+<file path=ppt/comments/modernComment_9A0_FD2BB0D8.xml><?xml version="1.0" encoding="utf-8"?>
+<p188:cmLst xmlns:a="http://schemas.openxmlformats.org/drawingml/2006/main" xmlns:r="http://schemas.openxmlformats.org/officeDocument/2006/relationships" xmlns:p188="http://schemas.microsoft.com/office/powerpoint/2018/8/main">
+  <p188:cm id="{FDEDEFB6-6EAF-4DC0-B423-F03FC27BEDC7}" authorId="{1EFC48C2-2497-73DC-7537-DF61019DF009}" created="2023-01-15T12:00:33.744">
+    <pc:sldMkLst xmlns:pc="http://schemas.microsoft.com/office/powerpoint/2013/main/command">
+      <pc:docMk/>
+      <pc:sldMk cId="4247498968" sldId="2464"/>
+    </pc:sldMkLst>
+    <p188:txBody>
+      <a:bodyPr/>
+      <a:lstStyle/>
+      <a:p>
+        <a:r>
+          <a:rPr lang="ko-KR" altLang="en-US"/>
+          <a:t>BERT と GPT両方共、Transformerから出てるもので、BERTはTransformerのEncorderの部分、GPTはDecorderの所だけを使ってトレーニングされたモデルである。
+Transformerとは、Seq2Seq構造を基として作られたモデルで、論文の名前からも分けれるように、Attentionメカニズムを使ったモデルである。
+Attentionメカニズムとは、単語の間の相関関係を数値化し、学習に反映することで、文章を単語の間のAttention達の集まりとしてあつかうようになり、より正確で自然に自然語の処理ができるようにしたメカニズムである。
+BERTはAttentionの参照の方向がBi-directionalであるため、情報量が多く、より優れている性能を見せるが、文章の生成は片方から反対の方にされるので、文章の生成には使うことが出来ず、Uni-directionalであるGPTが文章とかの生成には使われる。</a:t>
+        </a:r>
+      </a:p>
+    </p188:txBody>
+  </p188:cm>
+</p188:cmLst>
+</file>
+
 <file path=ppt/handoutMasters/handoutMaster1.xml><?xml version="1.0" encoding="utf-8"?>
 <p:handoutMaster xmlns:a="http://schemas.openxmlformats.org/drawingml/2006/main" xmlns:r="http://schemas.openxmlformats.org/officeDocument/2006/relationships" xmlns:p="http://schemas.openxmlformats.org/presentationml/2006/main">
   <p:cSld>
@@ -247,7 +300,7 @@
                 <a:latin typeface="Meiryo UI" panose="020B0604030504040204" pitchFamily="50" charset="-128"/>
                 <a:ea typeface="Meiryo UI" panose="020B0604030504040204" pitchFamily="50" charset="-128"/>
               </a:rPr>
-              <a:t>2023/1/14</a:t>
+              <a:t>2023/1/15</a:t>
             </a:fld>
             <a:endParaRPr lang="ja-JP" altLang="en-US">
               <a:latin typeface="Meiryo UI" panose="020B0604030504040204" pitchFamily="50" charset="-128"/>
@@ -449,7 +502,7 @@
             <a:fld id="{FE6E828E-191C-489F-B083-9CD39052DDA4}" type="datetime1">
               <a:rPr lang="ja-JP" altLang="en-US" smtClean="0"/>
               <a:pPr/>
-              <a:t>2023/1/14</a:t>
+              <a:t>2023/1/15</a:t>
             </a:fld>
             <a:endParaRPr lang="ja-JP" altLang="en-US" dirty="0"/>
           </a:p>
@@ -6865,7 +6918,7 @@
           <p:nvPr/>
         </p:nvPicPr>
         <p:blipFill>
-          <a:blip r:embed="rId2">
+          <a:blip r:embed="rId3">
             <a:extLst>
               <a:ext uri="{28A0092B-C50C-407E-A947-70E740481C1C}">
                 <a14:useLocalDpi xmlns:a14="http://schemas.microsoft.com/office/drawing/2010/main" val="0"/>
@@ -6942,6 +6995,11 @@
   <p:clrMapOvr>
     <a:masterClrMapping/>
   </p:clrMapOvr>
+  <p:extLst>
+    <p:ext uri="{6950BFC3-D8DA-4A85-94F7-54DA5524770B}">
+      <p188:commentRel xmlns:p188="http://schemas.microsoft.com/office/powerpoint/2018/8/main" r:id="rId2"/>
+    </p:ext>
+  </p:extLst>
 </p:sld>
 </file>
 
@@ -7711,9 +7769,9 @@
         <p:grpSpPr>
           <a:xfrm>
             <a:off x="4375940" y="3177912"/>
-            <a:ext cx="2692176" cy="3670166"/>
+            <a:ext cx="2692176" cy="3676653"/>
             <a:chOff x="4817328" y="3395547"/>
-            <a:chExt cx="2540713" cy="3463681"/>
+            <a:chExt cx="2540713" cy="3469803"/>
           </a:xfrm>
         </p:grpSpPr>
         <p:pic>
@@ -7731,7 +7789,7 @@
             <p:nvPr/>
           </p:nvPicPr>
           <p:blipFill>
-            <a:blip r:embed="rId2">
+            <a:blip r:embed="rId3">
               <a:extLst>
                 <a:ext uri="{28A0092B-C50C-407E-A947-70E740481C1C}">
                   <a14:useLocalDpi xmlns:a14="http://schemas.microsoft.com/office/drawing/2010/main" val="0"/>
@@ -7829,8 +7887,8 @@
           </p:nvSpPr>
           <p:spPr>
             <a:xfrm>
-              <a:off x="4817328" y="4545260"/>
-              <a:ext cx="1278672" cy="2288168"/>
+              <a:off x="4817328" y="4553034"/>
+              <a:ext cx="1278672" cy="2311492"/>
             </a:xfrm>
             <a:prstGeom prst="rect">
               <a:avLst/>
@@ -7881,8 +7939,8 @@
           </p:nvSpPr>
           <p:spPr>
             <a:xfrm>
-              <a:off x="6127713" y="4091871"/>
-              <a:ext cx="1230328" cy="2750155"/>
+              <a:off x="6127713" y="4081479"/>
+              <a:ext cx="1230328" cy="2783871"/>
             </a:xfrm>
             <a:prstGeom prst="rect">
               <a:avLst/>
@@ -8012,6 +8070,11 @@
   <p:clrMapOvr>
     <a:masterClrMapping/>
   </p:clrMapOvr>
+  <p:extLst>
+    <p:ext uri="{6950BFC3-D8DA-4A85-94F7-54DA5524770B}">
+      <p188:commentRel xmlns:p188="http://schemas.microsoft.com/office/powerpoint/2018/8/main" r:id="rId2"/>
+    </p:ext>
+  </p:extLst>
 </p:sld>
 </file>
 
@@ -8245,7 +8308,7 @@
         </p:nvSpPr>
         <p:spPr>
           <a:xfrm>
-            <a:off x="6495671" y="3429000"/>
+            <a:off x="6495671" y="4073765"/>
             <a:ext cx="4811666" cy="1795347"/>
           </a:xfrm>
           <a:prstGeom prst="rect">
@@ -8320,6 +8383,36 @@
           </a:p>
         </p:txBody>
       </p:sp>
+      <p:pic>
+        <p:nvPicPr>
+          <p:cNvPr id="3" name="그림 2">
+            <a:extLst>
+              <a:ext uri="{FF2B5EF4-FFF2-40B4-BE49-F238E27FC236}">
+                <a16:creationId xmlns:a16="http://schemas.microsoft.com/office/drawing/2014/main" id="{0744C347-4C93-432A-5B3B-06839CEB3E65}"/>
+              </a:ext>
+            </a:extLst>
+          </p:cNvPr>
+          <p:cNvPicPr>
+            <a:picLocks noChangeAspect="1"/>
+          </p:cNvPicPr>
+          <p:nvPr/>
+        </p:nvPicPr>
+        <p:blipFill>
+          <a:blip r:embed="rId3"/>
+          <a:stretch>
+            <a:fillRect/>
+          </a:stretch>
+        </p:blipFill>
+        <p:spPr>
+          <a:xfrm>
+            <a:off x="6495671" y="1375779"/>
+            <a:ext cx="4450423" cy="2592479"/>
+          </a:xfrm>
+          <a:prstGeom prst="rect">
+            <a:avLst/>
+          </a:prstGeom>
+        </p:spPr>
+      </p:pic>
     </p:spTree>
     <p:extLst>
       <p:ext uri="{BB962C8B-B14F-4D97-AF65-F5344CB8AC3E}">
@@ -8766,7 +8859,7 @@
               </a:lnSpc>
             </a:pPr>
             <a:r>
-              <a:rPr lang="en-US" altLang="ja-JP" dirty="0"/>
+              <a:rPr lang="en-US" altLang="ja-JP" sz="1200" dirty="0"/>
               <a:t>8BDI2226</a:t>
             </a:r>
           </a:p>
@@ -9707,12 +9800,12 @@
 </file>
 
 <file path=customXml/item1.xml><?xml version="1.0" encoding="utf-8"?>
-<p:properties xmlns:p="http://schemas.microsoft.com/office/2006/metadata/properties" xmlns:xsi="http://www.w3.org/2001/XMLSchema-instance" xmlns:pc="http://schemas.microsoft.com/office/infopath/2007/PartnerControls">
-  <documentManagement>
-    <Status xmlns="71af3243-3dd4-4a8d-8c0d-dd76da1f02a5">Not started</Status>
-    <MediaServiceKeyPoints xmlns="71af3243-3dd4-4a8d-8c0d-dd76da1f02a5" xsi:nil="true"/>
-  </documentManagement>
-</p:properties>
+<?mso-contentType ?>
+<FormTemplates xmlns="http://schemas.microsoft.com/sharepoint/v3/contenttype/forms">
+  <Display>DocumentLibraryForm</Display>
+  <Edit>DocumentLibraryForm</Edit>
+  <New>DocumentLibraryForm</New>
+</FormTemplates>
 </file>
 
 <file path=customXml/item2.xml><?xml version="1.0" encoding="utf-8"?>
@@ -9937,20 +10030,18 @@
 </file>
 
 <file path=customXml/item3.xml><?xml version="1.0" encoding="utf-8"?>
-<?mso-contentType ?>
-<FormTemplates xmlns="http://schemas.microsoft.com/sharepoint/v3/contenttype/forms">
-  <Display>DocumentLibraryForm</Display>
-  <Edit>DocumentLibraryForm</Edit>
-  <New>DocumentLibraryForm</New>
-</FormTemplates>
+<p:properties xmlns:p="http://schemas.microsoft.com/office/2006/metadata/properties" xmlns:xsi="http://www.w3.org/2001/XMLSchema-instance" xmlns:pc="http://schemas.microsoft.com/office/infopath/2007/PartnerControls">
+  <documentManagement>
+    <Status xmlns="71af3243-3dd4-4a8d-8c0d-dd76da1f02a5">Not started</Status>
+    <MediaServiceKeyPoints xmlns="71af3243-3dd4-4a8d-8c0d-dd76da1f02a5" xsi:nil="true"/>
+  </documentManagement>
+</p:properties>
 </file>
 
 <file path=customXml/itemProps1.xml><?xml version="1.0" encoding="utf-8"?>
-<ds:datastoreItem xmlns:ds="http://schemas.openxmlformats.org/officeDocument/2006/customXml" ds:itemID="{E3D9F223-918A-45AF-9B53-56AB9E5E2182}">
+<ds:datastoreItem xmlns:ds="http://schemas.openxmlformats.org/officeDocument/2006/customXml" ds:itemID="{1B7E2D32-4FDD-4266-880C-17595B801432}">
   <ds:schemaRefs>
-    <ds:schemaRef ds:uri="http://schemas.microsoft.com/office/2006/metadata/properties"/>
-    <ds:schemaRef ds:uri="http://schemas.microsoft.com/office/infopath/2007/PartnerControls"/>
-    <ds:schemaRef ds:uri="71af3243-3dd4-4a8d-8c0d-dd76da1f02a5"/>
+    <ds:schemaRef ds:uri="http://schemas.microsoft.com/sharepoint/v3/contenttype/forms"/>
   </ds:schemaRefs>
 </ds:datastoreItem>
 </file>
@@ -9975,9 +10066,11 @@
 </file>
 
 <file path=customXml/itemProps3.xml><?xml version="1.0" encoding="utf-8"?>
-<ds:datastoreItem xmlns:ds="http://schemas.openxmlformats.org/officeDocument/2006/customXml" ds:itemID="{1B7E2D32-4FDD-4266-880C-17595B801432}">
+<ds:datastoreItem xmlns:ds="http://schemas.openxmlformats.org/officeDocument/2006/customXml" ds:itemID="{E3D9F223-918A-45AF-9B53-56AB9E5E2182}">
   <ds:schemaRefs>
-    <ds:schemaRef ds:uri="http://schemas.microsoft.com/sharepoint/v3/contenttype/forms"/>
+    <ds:schemaRef ds:uri="http://schemas.microsoft.com/office/2006/metadata/properties"/>
+    <ds:schemaRef ds:uri="http://schemas.microsoft.com/office/infopath/2007/PartnerControls"/>
+    <ds:schemaRef ds:uri="71af3243-3dd4-4a8d-8c0d-dd76da1f02a5"/>
   </ds:schemaRefs>
 </ds:datastoreItem>
 </file>
--- a/Presentation/感情認識に基づく対話システム.pptx
+++ b/Presentation/感情認識に基づく対話システム.pptx
@@ -5,21 +5,22 @@
     <p:sldMasterId id="2147483648" r:id="rId4"/>
   </p:sldMasterIdLst>
   <p:notesMasterIdLst>
-    <p:notesMasterId r:id="rId14"/>
+    <p:notesMasterId r:id="rId15"/>
   </p:notesMasterIdLst>
   <p:handoutMasterIdLst>
-    <p:handoutMasterId r:id="rId15"/>
+    <p:handoutMasterId r:id="rId16"/>
   </p:handoutMasterIdLst>
   <p:sldIdLst>
     <p:sldId id="2448" r:id="rId5"/>
     <p:sldId id="2462" r:id="rId6"/>
     <p:sldId id="259" r:id="rId7"/>
-    <p:sldId id="2451" r:id="rId8"/>
-    <p:sldId id="2463" r:id="rId9"/>
-    <p:sldId id="2464" r:id="rId10"/>
-    <p:sldId id="2465" r:id="rId11"/>
-    <p:sldId id="2450" r:id="rId12"/>
-    <p:sldId id="2436" r:id="rId13"/>
+    <p:sldId id="2463" r:id="rId8"/>
+    <p:sldId id="2464" r:id="rId9"/>
+    <p:sldId id="2465" r:id="rId10"/>
+    <p:sldId id="2467" r:id="rId11"/>
+    <p:sldId id="2468" r:id="rId12"/>
+    <p:sldId id="2466" r:id="rId13"/>
+    <p:sldId id="2436" r:id="rId14"/>
   </p:sldIdLst>
   <p:sldSz cx="12192000" cy="6858000"/>
   <p:notesSz cx="6858000" cy="9144000"/>
@@ -300,7 +301,7 @@
                 <a:latin typeface="Meiryo UI" panose="020B0604030504040204" pitchFamily="50" charset="-128"/>
                 <a:ea typeface="Meiryo UI" panose="020B0604030504040204" pitchFamily="50" charset="-128"/>
               </a:rPr>
-              <a:t>2023/1/15</a:t>
+              <a:t>2023/1/16</a:t>
             </a:fld>
             <a:endParaRPr lang="ja-JP" altLang="en-US">
               <a:latin typeface="Meiryo UI" panose="020B0604030504040204" pitchFamily="50" charset="-128"/>
@@ -502,7 +503,7 @@
             <a:fld id="{FE6E828E-191C-489F-B083-9CD39052DDA4}" type="datetime1">
               <a:rPr lang="ja-JP" altLang="en-US" smtClean="0"/>
               <a:pPr/>
-              <a:t>2023/1/15</a:t>
+              <a:t>2023/1/16</a:t>
             </a:fld>
             <a:endParaRPr lang="ja-JP" altLang="en-US" dirty="0"/>
           </a:p>
@@ -1153,185 +1154,7 @@
             <a:pPr rtl="0"/>
             <a:fld id="{228B34ED-4CDD-41C9-90F7-D768D5559A6F}" type="slidenum">
               <a:rPr lang="en-US" altLang="ja-JP" smtClean="0"/>
-              <a:t>4</a:t>
-            </a:fld>
-            <a:endParaRPr lang="ja-JP" altLang="en-US"/>
-          </a:p>
-        </p:txBody>
-      </p:sp>
-    </p:spTree>
-    <p:extLst>
-      <p:ext uri="{BB962C8B-B14F-4D97-AF65-F5344CB8AC3E}">
-        <p14:creationId xmlns:p14="http://schemas.microsoft.com/office/powerpoint/2010/main" val="3220755251"/>
-      </p:ext>
-    </p:extLst>
-  </p:cSld>
-  <p:clrMapOvr>
-    <a:masterClrMapping/>
-  </p:clrMapOvr>
-</p:notes>
-</file>
-
-<file path=ppt/notesSlides/notesSlide5.xml><?xml version="1.0" encoding="utf-8"?>
-<p:notes xmlns:a="http://schemas.openxmlformats.org/drawingml/2006/main" xmlns:r="http://schemas.openxmlformats.org/officeDocument/2006/relationships" xmlns:p="http://schemas.openxmlformats.org/presentationml/2006/main">
-  <p:cSld>
-    <p:spTree>
-      <p:nvGrpSpPr>
-        <p:cNvPr id="1" name=""/>
-        <p:cNvGrpSpPr/>
-        <p:nvPr/>
-      </p:nvGrpSpPr>
-      <p:grpSpPr>
-        <a:xfrm>
-          <a:off x="0" y="0"/>
-          <a:ext cx="0" cy="0"/>
-          <a:chOff x="0" y="0"/>
-          <a:chExt cx="0" cy="0"/>
-        </a:xfrm>
-      </p:grpSpPr>
-      <p:sp>
-        <p:nvSpPr>
-          <p:cNvPr id="2" name="スライド イメージ プレースホルダー 1"/>
-          <p:cNvSpPr>
-            <a:spLocks noGrp="1" noRot="1" noChangeAspect="1"/>
-          </p:cNvSpPr>
-          <p:nvPr>
-            <p:ph type="sldImg"/>
-          </p:nvPr>
-        </p:nvSpPr>
-        <p:spPr/>
-      </p:sp>
-      <p:sp>
-        <p:nvSpPr>
-          <p:cNvPr id="3" name="ノート プレースホルダー 2"/>
-          <p:cNvSpPr>
-            <a:spLocks noGrp="1"/>
-          </p:cNvSpPr>
-          <p:nvPr>
-            <p:ph type="body" idx="1"/>
-          </p:nvPr>
-        </p:nvSpPr>
-        <p:spPr/>
-        <p:txBody>
-          <a:bodyPr rtlCol="0"/>
-          <a:lstStyle/>
-          <a:p>
-            <a:pPr rtl="0"/>
-            <a:endParaRPr lang="ja-JP" altLang="en-US">
-              <a:latin typeface="Meiryo UI" panose="020B0604030504040204" pitchFamily="50" charset="-128"/>
-              <a:ea typeface="Meiryo UI" panose="020B0604030504040204" pitchFamily="50" charset="-128"/>
-            </a:endParaRPr>
-          </a:p>
-        </p:txBody>
-      </p:sp>
-      <p:sp>
-        <p:nvSpPr>
-          <p:cNvPr id="4" name="スライド番号プレースホルダー 3"/>
-          <p:cNvSpPr>
-            <a:spLocks noGrp="1"/>
-          </p:cNvSpPr>
-          <p:nvPr>
-            <p:ph type="sldNum" sz="quarter" idx="5"/>
-          </p:nvPr>
-        </p:nvSpPr>
-        <p:spPr/>
-        <p:txBody>
-          <a:bodyPr rtlCol="0"/>
-          <a:lstStyle/>
-          <a:p>
-            <a:pPr rtl="0"/>
-            <a:fld id="{228B34ED-4CDD-41C9-90F7-D768D5559A6F}" type="slidenum">
-              <a:rPr lang="en-US" altLang="ja-JP" smtClean="0"/>
-              <a:t>8</a:t>
-            </a:fld>
-            <a:endParaRPr lang="ja-JP" altLang="en-US"/>
-          </a:p>
-        </p:txBody>
-      </p:sp>
-    </p:spTree>
-    <p:extLst>
-      <p:ext uri="{BB962C8B-B14F-4D97-AF65-F5344CB8AC3E}">
-        <p14:creationId xmlns:p14="http://schemas.microsoft.com/office/powerpoint/2010/main" val="2575837993"/>
-      </p:ext>
-    </p:extLst>
-  </p:cSld>
-  <p:clrMapOvr>
-    <a:masterClrMapping/>
-  </p:clrMapOvr>
-</p:notes>
-</file>
-
-<file path=ppt/notesSlides/notesSlide6.xml><?xml version="1.0" encoding="utf-8"?>
-<p:notes xmlns:a="http://schemas.openxmlformats.org/drawingml/2006/main" xmlns:r="http://schemas.openxmlformats.org/officeDocument/2006/relationships" xmlns:p="http://schemas.openxmlformats.org/presentationml/2006/main">
-  <p:cSld>
-    <p:spTree>
-      <p:nvGrpSpPr>
-        <p:cNvPr id="1" name=""/>
-        <p:cNvGrpSpPr/>
-        <p:nvPr/>
-      </p:nvGrpSpPr>
-      <p:grpSpPr>
-        <a:xfrm>
-          <a:off x="0" y="0"/>
-          <a:ext cx="0" cy="0"/>
-          <a:chOff x="0" y="0"/>
-          <a:chExt cx="0" cy="0"/>
-        </a:xfrm>
-      </p:grpSpPr>
-      <p:sp>
-        <p:nvSpPr>
-          <p:cNvPr id="2" name="スライド イメージ プレースホルダー 1"/>
-          <p:cNvSpPr>
-            <a:spLocks noGrp="1" noRot="1" noChangeAspect="1"/>
-          </p:cNvSpPr>
-          <p:nvPr>
-            <p:ph type="sldImg"/>
-          </p:nvPr>
-        </p:nvSpPr>
-        <p:spPr/>
-      </p:sp>
-      <p:sp>
-        <p:nvSpPr>
-          <p:cNvPr id="3" name="ノート プレースホルダー 2"/>
-          <p:cNvSpPr>
-            <a:spLocks noGrp="1"/>
-          </p:cNvSpPr>
-          <p:nvPr>
-            <p:ph type="body" idx="1"/>
-          </p:nvPr>
-        </p:nvSpPr>
-        <p:spPr/>
-        <p:txBody>
-          <a:bodyPr rtlCol="0"/>
-          <a:lstStyle/>
-          <a:p>
-            <a:pPr rtl="0"/>
-            <a:endParaRPr lang="ja-JP" altLang="en-US">
-              <a:latin typeface="Meiryo UI" panose="020B0604030504040204" pitchFamily="50" charset="-128"/>
-              <a:ea typeface="Meiryo UI" panose="020B0604030504040204" pitchFamily="50" charset="-128"/>
-            </a:endParaRPr>
-          </a:p>
-        </p:txBody>
-      </p:sp>
-      <p:sp>
-        <p:nvSpPr>
-          <p:cNvPr id="4" name="スライド番号プレースホルダー 3"/>
-          <p:cNvSpPr>
-            <a:spLocks noGrp="1"/>
-          </p:cNvSpPr>
-          <p:nvPr>
-            <p:ph type="sldNum" sz="quarter" idx="5"/>
-          </p:nvPr>
-        </p:nvSpPr>
-        <p:spPr/>
-        <p:txBody>
-          <a:bodyPr rtlCol="0"/>
-          <a:lstStyle/>
-          <a:p>
-            <a:pPr rtl="0"/>
-            <a:fld id="{228B34ED-4CDD-41C9-90F7-D768D5559A6F}" type="slidenum">
-              <a:rPr lang="en-US" altLang="ja-JP" smtClean="0"/>
-              <a:t>9</a:t>
+              <a:t>10</a:t>
             </a:fld>
             <a:endParaRPr lang="ja-JP" altLang="en-US"/>
           </a:p>
@@ -6246,6 +6069,348 @@
 </p:sld>
 </file>
 
+<file path=ppt/slides/slide10.xml><?xml version="1.0" encoding="utf-8"?>
+<p:sld xmlns:a="http://schemas.openxmlformats.org/drawingml/2006/main" xmlns:r="http://schemas.openxmlformats.org/officeDocument/2006/relationships" xmlns:p="http://schemas.openxmlformats.org/presentationml/2006/main">
+  <p:cSld>
+    <p:bg>
+      <p:bgPr>
+        <a:solidFill>
+          <a:schemeClr val="bg1"/>
+        </a:solidFill>
+        <a:effectLst/>
+      </p:bgPr>
+    </p:bg>
+    <p:spTree>
+      <p:nvGrpSpPr>
+        <p:cNvPr id="1" name=""/>
+        <p:cNvGrpSpPr/>
+        <p:nvPr/>
+      </p:nvGrpSpPr>
+      <p:grpSpPr>
+        <a:xfrm>
+          <a:off x="0" y="0"/>
+          <a:ext cx="0" cy="0"/>
+          <a:chOff x="0" y="0"/>
+          <a:chExt cx="0" cy="0"/>
+        </a:xfrm>
+      </p:grpSpPr>
+      <p:pic>
+        <p:nvPicPr>
+          <p:cNvPr id="40" name="図プレースホルダー 7" descr="抽象的な画像">
+            <a:extLst>
+              <a:ext uri="{FF2B5EF4-FFF2-40B4-BE49-F238E27FC236}">
+                <a16:creationId xmlns:a16="http://schemas.microsoft.com/office/drawing/2014/main" id="{D5C5EA1B-F06D-4AD1-B526-89C2DF772232}"/>
+              </a:ext>
+            </a:extLst>
+          </p:cNvPr>
+          <p:cNvPicPr>
+            <a:picLocks noChangeAspect="1"/>
+          </p:cNvPicPr>
+          <p:nvPr/>
+        </p:nvPicPr>
+        <p:blipFill rotWithShape="1">
+          <a:blip r:embed="rId3">
+            <a:alphaModFix amt="52000"/>
+            <a:extLst>
+              <a:ext uri="{BEBA8EAE-BF5A-486C-A8C5-ECC9F3942E4B}">
+                <a14:imgProps xmlns:a14="http://schemas.microsoft.com/office/drawing/2010/main">
+                  <a14:imgLayer r:embed="rId4">
+                    <a14:imgEffect>
+                      <a14:saturation sat="0"/>
+                    </a14:imgEffect>
+                  </a14:imgLayer>
+                </a14:imgProps>
+              </a:ext>
+            </a:extLst>
+          </a:blip>
+          <a:srcRect l="22717" r="45642"/>
+          <a:stretch/>
+        </p:blipFill>
+        <p:spPr>
+          <a:xfrm rot="16200000">
+            <a:off x="2667001" y="-2666999"/>
+            <a:ext cx="6858000" cy="12192000"/>
+          </a:xfrm>
+          <a:prstGeom prst="rect">
+            <a:avLst/>
+          </a:prstGeom>
+          <a:noFill/>
+        </p:spPr>
+      </p:pic>
+      <p:sp>
+        <p:nvSpPr>
+          <p:cNvPr id="6" name="タイトル 5">
+            <a:extLst>
+              <a:ext uri="{FF2B5EF4-FFF2-40B4-BE49-F238E27FC236}">
+                <a16:creationId xmlns:a16="http://schemas.microsoft.com/office/drawing/2014/main" id="{4F7706BE-EF2E-459C-8778-01DDD354C634}"/>
+              </a:ext>
+            </a:extLst>
+          </p:cNvPr>
+          <p:cNvSpPr>
+            <a:spLocks noGrp="1"/>
+          </p:cNvSpPr>
+          <p:nvPr>
+            <p:ph type="title" idx="4294967295"/>
+          </p:nvPr>
+        </p:nvSpPr>
+        <p:spPr>
+          <a:xfrm>
+            <a:off x="702365" y="1660810"/>
+            <a:ext cx="10787270" cy="830649"/>
+          </a:xfrm>
+        </p:spPr>
+        <p:txBody>
+          <a:bodyPr rtlCol="0">
+            <a:normAutofit/>
+          </a:bodyPr>
+          <a:lstStyle/>
+          <a:p>
+            <a:pPr rtl="0"/>
+            <a:r>
+              <a:rPr lang="ja-JP" altLang="en-US" sz="4000" spc="300" dirty="0"/>
+              <a:t>ありがとうございます</a:t>
+            </a:r>
+          </a:p>
+        </p:txBody>
+      </p:sp>
+      <p:pic>
+        <p:nvPicPr>
+          <p:cNvPr id="24" name="オンライン イメージ プレースホルダー 23" descr="ユーザー">
+            <a:extLst>
+              <a:ext uri="{FF2B5EF4-FFF2-40B4-BE49-F238E27FC236}">
+                <a16:creationId xmlns:a16="http://schemas.microsoft.com/office/drawing/2014/main" id="{E896B487-8C07-495F-95BF-B8F4960E1E8D}"/>
+              </a:ext>
+            </a:extLst>
+          </p:cNvPr>
+          <p:cNvPicPr>
+            <a:picLocks noGrp="1" noChangeAspect="1"/>
+          </p:cNvPicPr>
+          <p:nvPr>
+            <p:ph type="clipArt" sz="quarter" idx="19"/>
+          </p:nvPr>
+        </p:nvPicPr>
+        <p:blipFill>
+          <a:blip r:embed="rId5" cstate="email">
+            <a:extLst>
+              <a:ext uri="{28A0092B-C50C-407E-A947-70E740481C1C}">
+                <a14:useLocalDpi xmlns:a14="http://schemas.microsoft.com/office/drawing/2010/main"/>
+              </a:ext>
+              <a:ext uri="{96DAC541-7B7A-43D3-8B79-37D633B846F1}">
+                <asvg:svgBlip xmlns:asvg="http://schemas.microsoft.com/office/drawing/2016/SVG/main" r:embed="rId6"/>
+              </a:ext>
+            </a:extLst>
+          </a:blip>
+          <a:stretch>
+            <a:fillRect/>
+          </a:stretch>
+        </p:blipFill>
+        <p:spPr/>
+      </p:pic>
+      <p:pic>
+        <p:nvPicPr>
+          <p:cNvPr id="12" name="オンライン イメージ プレースホルダー 11" descr="펼쳐진 책 단색으로 채워진">
+            <a:extLst>
+              <a:ext uri="{FF2B5EF4-FFF2-40B4-BE49-F238E27FC236}">
+                <a16:creationId xmlns:a16="http://schemas.microsoft.com/office/drawing/2014/main" id="{4E709B75-16EA-4581-AED9-567DEF45A6B2}"/>
+              </a:ext>
+            </a:extLst>
+          </p:cNvPr>
+          <p:cNvPicPr>
+            <a:picLocks noGrp="1" noChangeAspect="1"/>
+          </p:cNvPicPr>
+          <p:nvPr>
+            <p:ph type="clipArt" sz="quarter" idx="20"/>
+          </p:nvPr>
+        </p:nvPicPr>
+        <p:blipFill>
+          <a:blip r:embed="rId7">
+            <a:extLst>
+              <a:ext uri="{96DAC541-7B7A-43D3-8B79-37D633B846F1}">
+                <asvg:svgBlip xmlns:asvg="http://schemas.microsoft.com/office/drawing/2016/SVG/main" r:embed="rId8"/>
+              </a:ext>
+            </a:extLst>
+          </a:blip>
+          <a:srcRect/>
+          <a:stretch/>
+        </p:blipFill>
+        <p:spPr>
+          <a:xfrm>
+            <a:off x="5730873" y="3118670"/>
+            <a:ext cx="730250" cy="730250"/>
+          </a:xfrm>
+        </p:spPr>
+      </p:pic>
+      <p:pic>
+        <p:nvPicPr>
+          <p:cNvPr id="28" name="オンライン イメージ プレースホルダー 27" descr="封筒">
+            <a:extLst>
+              <a:ext uri="{FF2B5EF4-FFF2-40B4-BE49-F238E27FC236}">
+                <a16:creationId xmlns:a16="http://schemas.microsoft.com/office/drawing/2014/main" id="{D4D09222-33EB-4F99-9A89-51E2E1E97584}"/>
+              </a:ext>
+            </a:extLst>
+          </p:cNvPr>
+          <p:cNvPicPr>
+            <a:picLocks noGrp="1" noChangeAspect="1"/>
+          </p:cNvPicPr>
+          <p:nvPr>
+            <p:ph type="clipArt" sz="quarter" idx="21"/>
+          </p:nvPr>
+        </p:nvPicPr>
+        <p:blipFill>
+          <a:blip r:embed="rId9" cstate="email">
+            <a:extLst>
+              <a:ext uri="{28A0092B-C50C-407E-A947-70E740481C1C}">
+                <a14:useLocalDpi xmlns:a14="http://schemas.microsoft.com/office/drawing/2010/main"/>
+              </a:ext>
+              <a:ext uri="{96DAC541-7B7A-43D3-8B79-37D633B846F1}">
+                <asvg:svgBlip xmlns:asvg="http://schemas.microsoft.com/office/drawing/2016/SVG/main" r:embed="rId10"/>
+              </a:ext>
+            </a:extLst>
+          </a:blip>
+          <a:stretch>
+            <a:fillRect/>
+          </a:stretch>
+        </p:blipFill>
+        <p:spPr/>
+      </p:pic>
+      <p:sp>
+        <p:nvSpPr>
+          <p:cNvPr id="8" name="テキスト プレースホルダー 7">
+            <a:extLst>
+              <a:ext uri="{FF2B5EF4-FFF2-40B4-BE49-F238E27FC236}">
+                <a16:creationId xmlns:a16="http://schemas.microsoft.com/office/drawing/2014/main" id="{0B070B25-2BBC-49AC-9CFA-1CD7195DF2D6}"/>
+              </a:ext>
+            </a:extLst>
+          </p:cNvPr>
+          <p:cNvSpPr>
+            <a:spLocks noGrp="1"/>
+          </p:cNvSpPr>
+          <p:nvPr>
+            <p:ph type="body" sz="quarter" idx="16"/>
+          </p:nvPr>
+        </p:nvSpPr>
+        <p:spPr>
+          <a:xfrm>
+            <a:off x="421941" y="3903126"/>
+            <a:ext cx="3387275" cy="518795"/>
+          </a:xfrm>
+        </p:spPr>
+        <p:txBody>
+          <a:bodyPr rtlCol="0"/>
+          <a:lstStyle/>
+          <a:p>
+            <a:pPr rtl="0"/>
+            <a:r>
+              <a:rPr lang="en-US" altLang="ja-JP" dirty="0"/>
+              <a:t>Siwon Seo</a:t>
+            </a:r>
+          </a:p>
+        </p:txBody>
+      </p:sp>
+      <p:sp>
+        <p:nvSpPr>
+          <p:cNvPr id="9" name="テキスト プレースホルダー 8">
+            <a:extLst>
+              <a:ext uri="{FF2B5EF4-FFF2-40B4-BE49-F238E27FC236}">
+                <a16:creationId xmlns:a16="http://schemas.microsoft.com/office/drawing/2014/main" id="{9E2524A0-105C-4170-BB48-CD0756FB3DFE}"/>
+              </a:ext>
+            </a:extLst>
+          </p:cNvPr>
+          <p:cNvSpPr>
+            <a:spLocks noGrp="1"/>
+          </p:cNvSpPr>
+          <p:nvPr>
+            <p:ph type="body" sz="quarter" idx="17"/>
+          </p:nvPr>
+        </p:nvSpPr>
+        <p:spPr/>
+        <p:txBody>
+          <a:bodyPr rtlCol="0"/>
+          <a:lstStyle/>
+          <a:p>
+            <a:pPr rtl="0">
+              <a:lnSpc>
+                <a:spcPct val="100000"/>
+              </a:lnSpc>
+            </a:pPr>
+            <a:r>
+              <a:rPr lang="en-US" altLang="ja-JP" dirty="0"/>
+              <a:t>Tokai Univ.</a:t>
+            </a:r>
+          </a:p>
+          <a:p>
+            <a:pPr rtl="0">
+              <a:lnSpc>
+                <a:spcPct val="100000"/>
+              </a:lnSpc>
+            </a:pPr>
+            <a:r>
+              <a:rPr lang="en-US" altLang="ja-JP" dirty="0"/>
+              <a:t>9LDI1101</a:t>
+            </a:r>
+          </a:p>
+          <a:p>
+            <a:pPr rtl="0">
+              <a:lnSpc>
+                <a:spcPct val="100000"/>
+              </a:lnSpc>
+            </a:pPr>
+            <a:r>
+              <a:rPr lang="en-US" altLang="ja-JP" sz="1200" dirty="0"/>
+              <a:t>8BDI2226</a:t>
+            </a:r>
+          </a:p>
+        </p:txBody>
+      </p:sp>
+      <p:sp>
+        <p:nvSpPr>
+          <p:cNvPr id="10" name="テキスト プレースホルダー 9">
+            <a:extLst>
+              <a:ext uri="{FF2B5EF4-FFF2-40B4-BE49-F238E27FC236}">
+                <a16:creationId xmlns:a16="http://schemas.microsoft.com/office/drawing/2014/main" id="{6E57A531-5B0F-485D-A015-BC78AD089BA6}"/>
+              </a:ext>
+            </a:extLst>
+          </p:cNvPr>
+          <p:cNvSpPr>
+            <a:spLocks noGrp="1"/>
+          </p:cNvSpPr>
+          <p:nvPr>
+            <p:ph type="body" sz="quarter" idx="18"/>
+          </p:nvPr>
+        </p:nvSpPr>
+        <p:spPr>
+          <a:xfrm>
+            <a:off x="8382784" y="3892871"/>
+            <a:ext cx="3387275" cy="518795"/>
+          </a:xfrm>
+        </p:spPr>
+        <p:txBody>
+          <a:bodyPr rtlCol="0">
+            <a:noAutofit/>
+          </a:bodyPr>
+          <a:lstStyle/>
+          <a:p>
+            <a:pPr rtl="0"/>
+            <a:r>
+              <a:rPr lang="en-US" altLang="ja-JP" dirty="0"/>
+              <a:t>visiopo44@naver.com</a:t>
+            </a:r>
+          </a:p>
+        </p:txBody>
+      </p:sp>
+    </p:spTree>
+    <p:extLst>
+      <p:ext uri="{BB962C8B-B14F-4D97-AF65-F5344CB8AC3E}">
+        <p14:creationId xmlns:p14="http://schemas.microsoft.com/office/powerpoint/2010/main" val="927727573"/>
+      </p:ext>
+    </p:extLst>
+  </p:cSld>
+  <p:clrMapOvr>
+    <a:masterClrMapping/>
+  </p:clrMapOvr>
+</p:sld>
+</file>
+
 <file path=ppt/slides/slide2.xml><?xml version="1.0" encoding="utf-8"?>
 <p:sld xmlns:a="http://schemas.openxmlformats.org/drawingml/2006/main" xmlns:r="http://schemas.openxmlformats.org/officeDocument/2006/relationships" xmlns:p="http://schemas.openxmlformats.org/presentationml/2006/main">
   <p:cSld>
@@ -6286,9 +6451,10 @@
           <a:p>
             <a:pPr rtl="0"/>
             <a:r>
-              <a:rPr lang="ja-JP" altLang="en-US" dirty="0"/>
+              <a:rPr lang="ja-JP" altLang="en-US"/>
               <a:t>目次</a:t>
             </a:r>
+            <a:endParaRPr lang="ja-JP" altLang="en-US" dirty="0"/>
           </a:p>
         </p:txBody>
       </p:sp>
@@ -6348,26 +6514,47 @@
           <a:bodyPr rtlCol="0"/>
           <a:lstStyle/>
           <a:p>
-            <a:pPr rtl="0"/>
+            <a:pPr marL="285750" indent="-285750">
+              <a:buFont typeface="Arial" panose="020B0604020202020204" pitchFamily="34" charset="0"/>
+              <a:buChar char="•"/>
+            </a:pPr>
             <a:r>
               <a:rPr lang="ja-JP" altLang="en-US" dirty="0"/>
-              <a:t>概要</a:t>
+              <a:t>研究背景</a:t>
             </a:r>
             <a:endParaRPr lang="en-US" altLang="ja-JP" dirty="0"/>
           </a:p>
           <a:p>
-            <a:pPr rtl="0"/>
+            <a:pPr marL="285750" indent="-285750" rtl="0">
+              <a:buFont typeface="Arial" panose="020B0604020202020204" pitchFamily="34" charset="0"/>
+              <a:buChar char="•"/>
+            </a:pPr>
             <a:r>
               <a:rPr lang="en-US" altLang="ja-JP" dirty="0"/>
-              <a:t>Bart</a:t>
-            </a:r>
-          </a:p>
-          <a:p>
-            <a:pPr rtl="0"/>
+              <a:t>BART</a:t>
+            </a:r>
+          </a:p>
+          <a:p>
+            <a:pPr marL="285750" indent="-285750" rtl="0">
+              <a:buFont typeface="Arial" panose="020B0604020202020204" pitchFamily="34" charset="0"/>
+              <a:buChar char="•"/>
+            </a:pPr>
             <a:r>
               <a:rPr lang="ja-JP" altLang="en-US" dirty="0"/>
               <a:t>感情的な応答生成モデル</a:t>
             </a:r>
+            <a:endParaRPr lang="en-US" altLang="ja-JP" dirty="0"/>
+          </a:p>
+          <a:p>
+            <a:pPr marL="285750" indent="-285750" rtl="0">
+              <a:buFont typeface="Arial" panose="020B0604020202020204" pitchFamily="34" charset="0"/>
+              <a:buChar char="•"/>
+            </a:pPr>
+            <a:r>
+              <a:rPr lang="en-JP" altLang="ja-JP" sz="1800" dirty="0"/>
+              <a:t>関連研究</a:t>
+            </a:r>
+            <a:endParaRPr lang="ja-JP" altLang="en-US" dirty="0"/>
           </a:p>
         </p:txBody>
       </p:sp>
@@ -6455,8 +6642,8 @@
           <a:p>
             <a:pPr rtl="0"/>
             <a:r>
-              <a:rPr lang="ja-JP" altLang="en-US"/>
-              <a:t>概要</a:t>
+              <a:rPr lang="ja-JP" altLang="en-US" sz="4000" dirty="0"/>
+              <a:t>研究背景</a:t>
             </a:r>
           </a:p>
         </p:txBody>
@@ -6519,8 +6706,8 @@
         </p:nvSpPr>
         <p:spPr>
           <a:xfrm>
-            <a:off x="6096000" y="2799617"/>
-            <a:ext cx="4911969" cy="3446346"/>
+            <a:off x="6095999" y="2024917"/>
+            <a:ext cx="4911969" cy="4058383"/>
           </a:xfrm>
         </p:spPr>
         <p:txBody>
@@ -6539,7 +6726,7 @@
               <a:rPr lang="ja-JP" altLang="en-US" dirty="0">
                 <a:cs typeface="Biome Light" panose="020B0303030204020804" pitchFamily="34" charset="0"/>
               </a:rPr>
-              <a:t>コンピューターが人の指示をより正確に理解したり、友達みたいな存在になるためには、人間のように話せる必要があると考えられる。</a:t>
+              <a:t>共感は、人間社会で凄く大事なことである。</a:t>
             </a:r>
             <a:endParaRPr lang="en-US" altLang="ja-JP" dirty="0">
               <a:cs typeface="Biome Light" panose="020B0303030204020804" pitchFamily="34" charset="0"/>
@@ -6553,22 +6740,66 @@
               <a:buNone/>
             </a:pPr>
             <a:r>
+              <a:rPr lang="en-US" altLang="ja-JP" dirty="0">
+                <a:cs typeface="Biome Light" panose="020B0303030204020804" pitchFamily="34" charset="0"/>
+              </a:rPr>
+              <a:t>“</a:t>
+            </a:r>
+            <a:r>
               <a:rPr lang="ja-JP" altLang="en-US" dirty="0">
                 <a:cs typeface="Biome Light" panose="020B0303030204020804" pitchFamily="34" charset="0"/>
               </a:rPr>
-              <a:t>この研究では、</a:t>
-            </a:r>
-            <a:r>
-              <a:rPr lang="en-US" altLang="ko-KR" dirty="0">
+              <a:t>共感</a:t>
+            </a:r>
+            <a:r>
+              <a:rPr lang="en-US" altLang="ja-JP" dirty="0">
                 <a:cs typeface="Biome Light" panose="020B0303030204020804" pitchFamily="34" charset="0"/>
               </a:rPr>
-              <a:t>BART(Mike Lewis et al., 2020)</a:t>
+              <a:t>(Empathy)”</a:t>
             </a:r>
             <a:r>
               <a:rPr lang="ja-JP" altLang="en-US" dirty="0">
                 <a:cs typeface="Biome Light" panose="020B0303030204020804" pitchFamily="34" charset="0"/>
               </a:rPr>
-              <a:t>を使い、感情を理解し、それに適する</a:t>
+              <a:t>というのは、相手の立場から物事を理解したり、考える能力である。</a:t>
+            </a:r>
+            <a:r>
+              <a:rPr lang="en-US" altLang="ja-JP" dirty="0">
+                <a:cs typeface="Biome Light" panose="020B0303030204020804" pitchFamily="34" charset="0"/>
+              </a:rPr>
+              <a:t>[The Importance of Empathy as an Interviewing Skill in</a:t>
+            </a:r>
+            <a:r>
+              <a:rPr lang="ja-JP" altLang="en-US" dirty="0">
+                <a:cs typeface="Biome Light" panose="020B0303030204020804" pitchFamily="34" charset="0"/>
+              </a:rPr>
+              <a:t>　</a:t>
+            </a:r>
+            <a:r>
+              <a:rPr lang="en-US" altLang="ja-JP" dirty="0">
+                <a:cs typeface="Biome Light" panose="020B0303030204020804" pitchFamily="34" charset="0"/>
+              </a:rPr>
+              <a:t>Medicine (</a:t>
+            </a:r>
+            <a:r>
+              <a:rPr lang="en-US" altLang="ja-JP" dirty="0" err="1">
+                <a:cs typeface="Biome Light" panose="020B0303030204020804" pitchFamily="34" charset="0"/>
+              </a:rPr>
+              <a:t>Bellet</a:t>
+            </a:r>
+            <a:r>
+              <a:rPr lang="en-US" altLang="ja-JP" dirty="0">
+                <a:cs typeface="Biome Light" panose="020B0303030204020804" pitchFamily="34" charset="0"/>
+              </a:rPr>
+              <a:t> PS, Maloney MJ, 1991)]</a:t>
+            </a:r>
+          </a:p>
+          <a:p>
+            <a:r>
+              <a:rPr lang="ja-JP" altLang="en-US" dirty="0">
+                <a:cs typeface="Biome Light" panose="020B0303030204020804" pitchFamily="34" charset="0"/>
+              </a:rPr>
+              <a:t>人は、このような</a:t>
             </a:r>
             <a:r>
               <a:rPr lang="en-US" altLang="ja-JP" dirty="0">
@@ -6580,7 +6811,7 @@
               <a:rPr lang="ja-JP" altLang="en-US" dirty="0">
                 <a:cs typeface="Biome Light" panose="020B0303030204020804" pitchFamily="34" charset="0"/>
               </a:rPr>
-              <a:t>感情的</a:t>
+              <a:t>感情</a:t>
             </a:r>
             <a:r>
               <a:rPr lang="en-US" altLang="ja-JP" dirty="0">
@@ -6592,9 +6823,93 @@
               <a:rPr lang="ja-JP" altLang="en-US" dirty="0">
                 <a:cs typeface="Biome Light" panose="020B0303030204020804" pitchFamily="34" charset="0"/>
               </a:rPr>
-              <a:t>な答えができるチャットボットを具現することを目標とする。</a:t>
-            </a:r>
-            <a:endParaRPr lang="ja-JP" altLang="en-US" dirty="0"/>
+              <a:t>を認識し、</a:t>
+            </a:r>
+            <a:r>
+              <a:rPr lang="en-US" altLang="ja-JP" dirty="0">
+                <a:cs typeface="Biome Light" panose="020B0303030204020804" pitchFamily="34" charset="0"/>
+              </a:rPr>
+              <a:t>”</a:t>
+            </a:r>
+            <a:r>
+              <a:rPr lang="ja-JP" altLang="en-US" dirty="0">
+                <a:cs typeface="Biome Light" panose="020B0303030204020804" pitchFamily="34" charset="0"/>
+              </a:rPr>
+              <a:t>共感</a:t>
+            </a:r>
+            <a:r>
+              <a:rPr lang="en-US" altLang="ja-JP" dirty="0">
+                <a:cs typeface="Biome Light" panose="020B0303030204020804" pitchFamily="34" charset="0"/>
+              </a:rPr>
+              <a:t>”</a:t>
+            </a:r>
+            <a:r>
+              <a:rPr lang="ja-JP" altLang="en-US" dirty="0">
+                <a:cs typeface="Biome Light" panose="020B0303030204020804" pitchFamily="34" charset="0"/>
+              </a:rPr>
+              <a:t>することで、相手の意図をはっきり把握したり、相手を理解する</a:t>
+            </a:r>
+            <a:r>
+              <a:rPr lang="de-DE" altLang="ja-JP" dirty="0">
+                <a:cs typeface="Biome Light" panose="020B0303030204020804" pitchFamily="34" charset="0"/>
+              </a:rPr>
+              <a:t>[Warum ich fühle, was Du fühlst (Joachim Bauer, 2005)]</a:t>
+            </a:r>
+            <a:r>
+              <a:rPr lang="ja-JP" altLang="en-US" dirty="0">
+                <a:cs typeface="Biome Light" panose="020B0303030204020804" pitchFamily="34" charset="0"/>
+              </a:rPr>
+              <a:t>ことで社会的な関係を築いていく。</a:t>
+            </a:r>
+            <a:endParaRPr lang="en-US" altLang="ja-JP" dirty="0">
+              <a:cs typeface="Biome Light" panose="020B0303030204020804" pitchFamily="34" charset="0"/>
+            </a:endParaRPr>
+          </a:p>
+          <a:p>
+            <a:r>
+              <a:rPr lang="ja-JP" altLang="en-US" dirty="0">
+                <a:cs typeface="Biome Light" panose="020B0303030204020804" pitchFamily="34" charset="0"/>
+              </a:rPr>
+              <a:t>コンピューターが人の指示をより正確に理解したり、友達みたいな存在になるためには、人間のように感情を理解し、感情を考慮して言葉の意味を把握したり、</a:t>
+            </a:r>
+            <a:r>
+              <a:rPr lang="en-US" altLang="ja-JP" dirty="0">
+                <a:cs typeface="Biome Light" panose="020B0303030204020804" pitchFamily="34" charset="0"/>
+              </a:rPr>
+              <a:t>”</a:t>
+            </a:r>
+            <a:r>
+              <a:rPr lang="ja-JP" altLang="en-US" dirty="0">
+                <a:cs typeface="Biome Light" panose="020B0303030204020804" pitchFamily="34" charset="0"/>
+              </a:rPr>
+              <a:t>感情的</a:t>
+            </a:r>
+            <a:r>
+              <a:rPr lang="en-US" altLang="ja-JP" dirty="0">
+                <a:cs typeface="Biome Light" panose="020B0303030204020804" pitchFamily="34" charset="0"/>
+              </a:rPr>
+              <a:t>”</a:t>
+            </a:r>
+            <a:r>
+              <a:rPr lang="ja-JP" altLang="en-US" dirty="0">
+                <a:cs typeface="Biome Light" panose="020B0303030204020804" pitchFamily="34" charset="0"/>
+              </a:rPr>
+              <a:t>である回答をする必要があると考えられる。</a:t>
+            </a:r>
+            <a:endParaRPr lang="en-US" altLang="ja-JP" dirty="0">
+              <a:cs typeface="Biome Light" panose="020B0303030204020804" pitchFamily="34" charset="0"/>
+            </a:endParaRPr>
+          </a:p>
+          <a:p>
+            <a:pPr marL="0" indent="0" rtl="0">
+              <a:lnSpc>
+                <a:spcPct val="100000"/>
+              </a:lnSpc>
+              <a:buNone/>
+            </a:pPr>
+            <a:endParaRPr lang="en-US" altLang="ja-JP" dirty="0">
+              <a:cs typeface="Biome Light" panose="020B0303030204020804" pitchFamily="34" charset="0"/>
+            </a:endParaRPr>
           </a:p>
         </p:txBody>
       </p:sp>
@@ -6660,118 +6975,401 @@
       </p:grpSpPr>
       <p:sp>
         <p:nvSpPr>
-          <p:cNvPr id="3" name="タイトル 2">
-            <a:extLst>
-              <a:ext uri="{FF2B5EF4-FFF2-40B4-BE49-F238E27FC236}">
-                <a16:creationId xmlns:a16="http://schemas.microsoft.com/office/drawing/2014/main" id="{1D24B42B-925B-494C-A986-BD85E8117E1E}"/>
-              </a:ext>
-            </a:extLst>
-          </p:cNvPr>
-          <p:cNvSpPr>
-            <a:spLocks noGrp="1"/>
-          </p:cNvSpPr>
-          <p:nvPr>
-            <p:ph type="title"/>
+          <p:cNvPr id="5" name="スライド番号プレースホルダー 4">
+            <a:extLst>
+              <a:ext uri="{FF2B5EF4-FFF2-40B4-BE49-F238E27FC236}">
+                <a16:creationId xmlns:a16="http://schemas.microsoft.com/office/drawing/2014/main" id="{65B69BD9-6E2E-60CB-3980-7BC8A9B92AA7}"/>
+              </a:ext>
+            </a:extLst>
+          </p:cNvPr>
+          <p:cNvSpPr>
+            <a:spLocks noGrp="1"/>
+          </p:cNvSpPr>
+          <p:nvPr>
+            <p:ph type="sldNum" sz="quarter" idx="12"/>
           </p:nvPr>
         </p:nvSpPr>
         <p:spPr/>
         <p:txBody>
-          <a:bodyPr rtlCol="0">
-            <a:normAutofit/>
+          <a:bodyPr/>
+          <a:lstStyle/>
+          <a:p>
+            <a:pPr rtl="0"/>
+            <a:fld id="{8C2E478F-E849-4A8C-AF1F-CBCC78A7CBFA}" type="slidenum">
+              <a:rPr lang="en-US" altLang="ja-JP" noProof="0" smtClean="0"/>
+              <a:t>4</a:t>
+            </a:fld>
+            <a:endParaRPr lang="ja-JP" altLang="en-US" noProof="0"/>
+          </a:p>
+        </p:txBody>
+      </p:sp>
+      <p:sp>
+        <p:nvSpPr>
+          <p:cNvPr id="6" name="テキスト ボックス 5">
+            <a:extLst>
+              <a:ext uri="{FF2B5EF4-FFF2-40B4-BE49-F238E27FC236}">
+                <a16:creationId xmlns:a16="http://schemas.microsoft.com/office/drawing/2014/main" id="{973A2E6C-DBCF-001D-BE02-307CC57DA3A7}"/>
+              </a:ext>
+            </a:extLst>
+          </p:cNvPr>
+          <p:cNvSpPr txBox="1"/>
+          <p:nvPr/>
+        </p:nvSpPr>
+        <p:spPr>
+          <a:xfrm>
+            <a:off x="312512" y="281944"/>
+            <a:ext cx="11798460" cy="830997"/>
+          </a:xfrm>
+          <a:prstGeom prst="rect">
+            <a:avLst/>
+          </a:prstGeom>
+          <a:noFill/>
+        </p:spPr>
+        <p:txBody>
+          <a:bodyPr wrap="square" rtlCol="0">
+            <a:spAutoFit/>
           </a:bodyPr>
           <a:lstStyle/>
           <a:p>
-            <a:pPr rtl="0"/>
-            <a:r>
-              <a:rPr lang="en-US" altLang="ja-JP" dirty="0">
+            <a:pPr algn="ctr"/>
+            <a:r>
+              <a:rPr kumimoji="1" lang="en-US" altLang="ja-JP" sz="4800" dirty="0">
                 <a:solidFill>
                   <a:srgbClr val="FFC000"/>
                 </a:solidFill>
+                <a:latin typeface="Arial" panose="020B0604020202020204" pitchFamily="34" charset="0"/>
+                <a:cs typeface="Arial" panose="020B0604020202020204" pitchFamily="34" charset="0"/>
               </a:rPr>
-              <a:t>BART</a:t>
-            </a:r>
-            <a:r>
-              <a:rPr lang="ja-JP" altLang="en-US" dirty="0"/>
-              <a:t>とは。</a:t>
-            </a:r>
+              <a:t>B</a:t>
+            </a:r>
+            <a:r>
+              <a:rPr kumimoji="1" lang="en-US" altLang="ja-JP" sz="4800" dirty="0">
+                <a:latin typeface="Arial" panose="020B0604020202020204" pitchFamily="34" charset="0"/>
+                <a:cs typeface="Arial" panose="020B0604020202020204" pitchFamily="34" charset="0"/>
+              </a:rPr>
+              <a:t>idirectional </a:t>
+            </a:r>
+            <a:r>
+              <a:rPr kumimoji="1" lang="en-US" altLang="ja-JP" sz="4800" dirty="0">
+                <a:solidFill>
+                  <a:srgbClr val="FFC000"/>
+                </a:solidFill>
+                <a:latin typeface="Arial" panose="020B0604020202020204" pitchFamily="34" charset="0"/>
+                <a:cs typeface="Arial" panose="020B0604020202020204" pitchFamily="34" charset="0"/>
+              </a:rPr>
+              <a:t>A</a:t>
+            </a:r>
+            <a:r>
+              <a:rPr kumimoji="1" lang="en-US" altLang="ja-JP" sz="4800" dirty="0">
+                <a:latin typeface="Arial" panose="020B0604020202020204" pitchFamily="34" charset="0"/>
+                <a:cs typeface="Arial" panose="020B0604020202020204" pitchFamily="34" charset="0"/>
+              </a:rPr>
+              <a:t>uto-</a:t>
+            </a:r>
+            <a:r>
+              <a:rPr kumimoji="1" lang="en-US" altLang="ja-JP" sz="4800" dirty="0">
+                <a:solidFill>
+                  <a:srgbClr val="FFC000"/>
+                </a:solidFill>
+                <a:latin typeface="Arial" panose="020B0604020202020204" pitchFamily="34" charset="0"/>
+                <a:cs typeface="Arial" panose="020B0604020202020204" pitchFamily="34" charset="0"/>
+              </a:rPr>
+              <a:t>R</a:t>
+            </a:r>
+            <a:r>
+              <a:rPr kumimoji="1" lang="en-US" altLang="ja-JP" sz="4800" dirty="0">
+                <a:latin typeface="Arial" panose="020B0604020202020204" pitchFamily="34" charset="0"/>
+                <a:cs typeface="Arial" panose="020B0604020202020204" pitchFamily="34" charset="0"/>
+              </a:rPr>
+              <a:t>egressive </a:t>
+            </a:r>
+            <a:r>
+              <a:rPr kumimoji="1" lang="en-US" altLang="ja-JP" sz="4800" dirty="0">
+                <a:solidFill>
+                  <a:srgbClr val="FFC000"/>
+                </a:solidFill>
+                <a:latin typeface="Arial" panose="020B0604020202020204" pitchFamily="34" charset="0"/>
+                <a:cs typeface="Arial" panose="020B0604020202020204" pitchFamily="34" charset="0"/>
+              </a:rPr>
+              <a:t>T</a:t>
+            </a:r>
+            <a:r>
+              <a:rPr kumimoji="1" lang="en-US" altLang="ja-JP" sz="4800" dirty="0">
+                <a:solidFill>
+                  <a:schemeClr val="accent5">
+                    <a:lumMod val="90000"/>
+                    <a:lumOff val="10000"/>
+                  </a:schemeClr>
+                </a:solidFill>
+                <a:latin typeface="Arial" panose="020B0604020202020204" pitchFamily="34" charset="0"/>
+                <a:cs typeface="Arial" panose="020B0604020202020204" pitchFamily="34" charset="0"/>
+              </a:rPr>
+              <a:t>ransformer</a:t>
+            </a:r>
+            <a:endParaRPr kumimoji="1" lang="ja-JP" altLang="en-US" sz="4800" dirty="0">
+              <a:solidFill>
+                <a:schemeClr val="accent5">
+                  <a:lumMod val="90000"/>
+                  <a:lumOff val="10000"/>
+                </a:schemeClr>
+              </a:solidFill>
+              <a:latin typeface="Arial" panose="020B0604020202020204" pitchFamily="34" charset="0"/>
+              <a:cs typeface="Arial" panose="020B0604020202020204" pitchFamily="34" charset="0"/>
+            </a:endParaRPr>
           </a:p>
         </p:txBody>
       </p:sp>
       <p:pic>
         <p:nvPicPr>
-          <p:cNvPr id="8" name="図プレースホルダー 7" descr="コンピューター コードのクローズアップ">
-            <a:extLst>
-              <a:ext uri="{FF2B5EF4-FFF2-40B4-BE49-F238E27FC236}">
-                <a16:creationId xmlns:a16="http://schemas.microsoft.com/office/drawing/2014/main" id="{A596BF19-CC58-4709-B5D6-3FC378FDC7BA}"/>
+          <p:cNvPr id="1026" name="Picture 2" descr="그림1">
+            <a:extLst>
+              <a:ext uri="{FF2B5EF4-FFF2-40B4-BE49-F238E27FC236}">
+                <a16:creationId xmlns:a16="http://schemas.microsoft.com/office/drawing/2014/main" id="{E93F2E84-20C8-50FA-DEE6-6C0330AB6ACA}"/>
               </a:ext>
             </a:extLst>
           </p:cNvPr>
           <p:cNvPicPr>
-            <a:picLocks noGrp="1" noChangeAspect="1"/>
+            <a:picLocks noChangeAspect="1" noChangeArrowheads="1"/>
           </p:cNvPicPr>
-          <p:nvPr>
-            <p:ph type="pic" sz="quarter" idx="13"/>
-          </p:nvPr>
+          <p:nvPr/>
         </p:nvPicPr>
         <p:blipFill rotWithShape="1">
           <a:blip r:embed="rId3">
             <a:extLst>
-              <a:ext uri="{BEBA8EAE-BF5A-486C-A8C5-ECC9F3942E4B}">
-                <a14:imgProps xmlns:a14="http://schemas.microsoft.com/office/drawing/2010/main">
-                  <a14:imgLayer r:embed="rId4">
-                    <a14:imgEffect>
-                      <a14:saturation sat="0"/>
-                    </a14:imgEffect>
-                  </a14:imgLayer>
-                </a14:imgProps>
+              <a:ext uri="{28A0092B-C50C-407E-A947-70E740481C1C}">
+                <a14:useLocalDpi xmlns:a14="http://schemas.microsoft.com/office/drawing/2010/main" val="0"/>
               </a:ext>
             </a:extLst>
           </a:blip>
-          <a:srcRect l="20370" r="20370"/>
+          <a:srcRect b="68105"/>
           <a:stretch/>
         </p:blipFill>
-        <p:spPr/>
+        <p:spPr bwMode="auto">
+          <a:xfrm>
+            <a:off x="1948906" y="1397663"/>
+            <a:ext cx="8525673" cy="1608882"/>
+          </a:xfrm>
+          <a:prstGeom prst="rect">
+            <a:avLst/>
+          </a:prstGeom>
+          <a:noFill/>
+          <a:extLst>
+            <a:ext uri="{909E8E84-426E-40DD-AFC4-6F175D3DCCD1}">
+              <a14:hiddenFill xmlns:a14="http://schemas.microsoft.com/office/drawing/2010/main">
+                <a:solidFill>
+                  <a:srgbClr val="FFFFFF"/>
+                </a:solidFill>
+              </a14:hiddenFill>
+            </a:ext>
+          </a:extLst>
+        </p:spPr>
       </p:pic>
-      <p:sp>
-        <p:nvSpPr>
-          <p:cNvPr id="6" name="スライド番号プレースホルダー 5">
-            <a:extLst>
-              <a:ext uri="{FF2B5EF4-FFF2-40B4-BE49-F238E27FC236}">
-                <a16:creationId xmlns:a16="http://schemas.microsoft.com/office/drawing/2014/main" id="{FC6A5C12-E784-444E-B868-DE2AE85742BB}"/>
-              </a:ext>
-            </a:extLst>
-          </p:cNvPr>
-          <p:cNvSpPr>
-            <a:spLocks noGrp="1"/>
-          </p:cNvSpPr>
-          <p:nvPr>
-            <p:ph type="sldNum" sz="quarter" idx="12"/>
-          </p:nvPr>
-        </p:nvSpPr>
-        <p:spPr/>
-        <p:txBody>
-          <a:bodyPr rtlCol="0"/>
+      <p:pic>
+        <p:nvPicPr>
+          <p:cNvPr id="2" name="Picture 2" descr="그림1">
+            <a:extLst>
+              <a:ext uri="{FF2B5EF4-FFF2-40B4-BE49-F238E27FC236}">
+                <a16:creationId xmlns:a16="http://schemas.microsoft.com/office/drawing/2014/main" id="{666DE930-26E0-66DD-0319-5AA0B02AA0B4}"/>
+              </a:ext>
+            </a:extLst>
+          </p:cNvPr>
+          <p:cNvPicPr>
+            <a:picLocks noChangeAspect="1" noChangeArrowheads="1"/>
+          </p:cNvPicPr>
+          <p:nvPr/>
+        </p:nvPicPr>
+        <p:blipFill rotWithShape="1">
+          <a:blip r:embed="rId3">
+            <a:extLst>
+              <a:ext uri="{28A0092B-C50C-407E-A947-70E740481C1C}">
+                <a14:useLocalDpi xmlns:a14="http://schemas.microsoft.com/office/drawing/2010/main" val="0"/>
+              </a:ext>
+            </a:extLst>
+          </a:blip>
+          <a:srcRect t="47944" b="20161"/>
+          <a:stretch/>
+        </p:blipFill>
+        <p:spPr bwMode="auto">
+          <a:xfrm>
+            <a:off x="1948905" y="4447297"/>
+            <a:ext cx="8525673" cy="1608881"/>
+          </a:xfrm>
+          <a:prstGeom prst="rect">
+            <a:avLst/>
+          </a:prstGeom>
+          <a:noFill/>
+          <a:extLst>
+            <a:ext uri="{909E8E84-426E-40DD-AFC4-6F175D3DCCD1}">
+              <a14:hiddenFill xmlns:a14="http://schemas.microsoft.com/office/drawing/2010/main">
+                <a:solidFill>
+                  <a:srgbClr val="FFFFFF"/>
+                </a:solidFill>
+              </a14:hiddenFill>
+            </a:ext>
+          </a:extLst>
+        </p:spPr>
+      </p:pic>
+      <p:sp>
+        <p:nvSpPr>
+          <p:cNvPr id="3" name="Down Arrow 2">
+            <a:extLst>
+              <a:ext uri="{FF2B5EF4-FFF2-40B4-BE49-F238E27FC236}">
+                <a16:creationId xmlns:a16="http://schemas.microsoft.com/office/drawing/2014/main" id="{FD9E42B2-93AF-7941-DF96-5300F06AA023}"/>
+              </a:ext>
+            </a:extLst>
+          </p:cNvPr>
+          <p:cNvSpPr/>
+          <p:nvPr/>
+        </p:nvSpPr>
+        <p:spPr>
+          <a:xfrm>
+            <a:off x="5187381" y="3321807"/>
+            <a:ext cx="2048719" cy="810228"/>
+          </a:xfrm>
+          <a:prstGeom prst="downArrow">
+            <a:avLst/>
+          </a:prstGeom>
+          <a:solidFill>
+            <a:schemeClr val="accent4">
+              <a:lumMod val="60000"/>
+              <a:lumOff val="40000"/>
+            </a:schemeClr>
+          </a:solidFill>
+          <a:ln>
+            <a:solidFill>
+              <a:srgbClr val="0070C0"/>
+            </a:solidFill>
+          </a:ln>
+        </p:spPr>
+        <p:style>
+          <a:lnRef idx="2">
+            <a:schemeClr val="accent1">
+              <a:shade val="50000"/>
+            </a:schemeClr>
+          </a:lnRef>
+          <a:fillRef idx="1">
+            <a:schemeClr val="accent1"/>
+          </a:fillRef>
+          <a:effectRef idx="0">
+            <a:schemeClr val="accent1"/>
+          </a:effectRef>
+          <a:fontRef idx="minor">
+            <a:schemeClr val="lt1"/>
+          </a:fontRef>
+        </p:style>
+        <p:txBody>
+          <a:bodyPr rtlCol="0" anchor="ctr"/>
           <a:lstStyle/>
           <a:p>
-            <a:pPr rtl="0"/>
-            <a:fld id="{8C2E478F-E849-4A8C-AF1F-CBCC78A7CBFA}" type="slidenum">
-              <a:rPr lang="en-US" altLang="ja-JP" smtClean="0"/>
-              <a:t>4</a:t>
-            </a:fld>
-            <a:endParaRPr lang="ja-JP" altLang="en-US"/>
+            <a:pPr algn="ctr"/>
+            <a:endParaRPr lang="en-JP"/>
+          </a:p>
+        </p:txBody>
+      </p:sp>
+      <p:sp>
+        <p:nvSpPr>
+          <p:cNvPr id="4" name="加算記号 3">
+            <a:extLst>
+              <a:ext uri="{FF2B5EF4-FFF2-40B4-BE49-F238E27FC236}">
+                <a16:creationId xmlns:a16="http://schemas.microsoft.com/office/drawing/2014/main" id="{13030CCB-0BF0-3CED-EF2E-4A5F72ADEF2E}"/>
+              </a:ext>
+            </a:extLst>
+          </p:cNvPr>
+          <p:cNvSpPr/>
+          <p:nvPr/>
+        </p:nvSpPr>
+        <p:spPr>
+          <a:xfrm>
+            <a:off x="5670057" y="1727811"/>
+            <a:ext cx="1083365" cy="1083365"/>
+          </a:xfrm>
+          <a:prstGeom prst="mathPlus">
+            <a:avLst>
+              <a:gd name="adj1" fmla="val 12511"/>
+            </a:avLst>
+          </a:prstGeom>
+          <a:solidFill>
+            <a:schemeClr val="accent4">
+              <a:lumMod val="40000"/>
+              <a:lumOff val="60000"/>
+            </a:schemeClr>
+          </a:solidFill>
+        </p:spPr>
+        <p:style>
+          <a:lnRef idx="2">
+            <a:schemeClr val="accent1">
+              <a:shade val="50000"/>
+            </a:schemeClr>
+          </a:lnRef>
+          <a:fillRef idx="1">
+            <a:schemeClr val="accent1"/>
+          </a:fillRef>
+          <a:effectRef idx="0">
+            <a:schemeClr val="accent1"/>
+          </a:effectRef>
+          <a:fontRef idx="minor">
+            <a:schemeClr val="lt1"/>
+          </a:fontRef>
+        </p:style>
+        <p:txBody>
+          <a:bodyPr rtlCol="0" anchor="ctr"/>
+          <a:lstStyle/>
+          <a:p>
+            <a:pPr algn="ctr"/>
+            <a:endParaRPr kumimoji="1" lang="ja-JP" altLang="en-US"/>
+          </a:p>
+        </p:txBody>
+      </p:sp>
+      <p:sp>
+        <p:nvSpPr>
+          <p:cNvPr id="7" name="TextBox 11">
+            <a:extLst>
+              <a:ext uri="{FF2B5EF4-FFF2-40B4-BE49-F238E27FC236}">
+                <a16:creationId xmlns:a16="http://schemas.microsoft.com/office/drawing/2014/main" id="{BBA88393-AFF6-0E57-6050-CF0012E37745}"/>
+              </a:ext>
+            </a:extLst>
+          </p:cNvPr>
+          <p:cNvSpPr txBox="1"/>
+          <p:nvPr/>
+        </p:nvSpPr>
+        <p:spPr>
+          <a:xfrm>
+            <a:off x="99391" y="6581001"/>
+            <a:ext cx="11993218" cy="276999"/>
+          </a:xfrm>
+          <a:prstGeom prst="rect">
+            <a:avLst/>
+          </a:prstGeom>
+          <a:noFill/>
+        </p:spPr>
+        <p:txBody>
+          <a:bodyPr wrap="square">
+            <a:spAutoFit/>
+          </a:bodyPr>
+          <a:lstStyle/>
+          <a:p>
+            <a:r>
+              <a:rPr lang="ja-JP" altLang="en-US" sz="1200" dirty="0"/>
+              <a:t>[BART: Denoising Sequence-to-Sequence Pre-training for Natural Language Generation, Translation, and Comprehension](https://aclanthology.org/2020.acl-main.703) (Lewis et al., ACL 2020)</a:t>
+            </a:r>
           </a:p>
         </p:txBody>
       </p:sp>
     </p:spTree>
     <p:extLst>
       <p:ext uri="{BB962C8B-B14F-4D97-AF65-F5344CB8AC3E}">
-        <p14:creationId xmlns:p14="http://schemas.microsoft.com/office/powerpoint/2010/main" val="2944765398"/>
+        <p14:creationId xmlns:p14="http://schemas.microsoft.com/office/powerpoint/2010/main" val="281058410"/>
       </p:ext>
     </p:extLst>
   </p:cSld>
   <p:clrMapOvr>
     <a:masterClrMapping/>
   </p:clrMapOvr>
+  <p:extLst>
+    <p:ext uri="{6950BFC3-D8DA-4A85-94F7-54DA5524770B}">
+      <p188:commentRel xmlns:p188="http://schemas.microsoft.com/office/powerpoint/2018/8/main" r:id="rId2"/>
+    </p:ext>
+  </p:extLst>
 </p:sld>
 </file>
 
@@ -6794,263 +7392,41 @@
       </p:grpSpPr>
       <p:sp>
         <p:nvSpPr>
-          <p:cNvPr id="5" name="スライド番号プレースホルダー 4">
-            <a:extLst>
-              <a:ext uri="{FF2B5EF4-FFF2-40B4-BE49-F238E27FC236}">
-                <a16:creationId xmlns:a16="http://schemas.microsoft.com/office/drawing/2014/main" id="{65B69BD9-6E2E-60CB-3980-7BC8A9B92AA7}"/>
-              </a:ext>
-            </a:extLst>
-          </p:cNvPr>
-          <p:cNvSpPr>
-            <a:spLocks noGrp="1"/>
-          </p:cNvSpPr>
-          <p:nvPr>
-            <p:ph type="sldNum" sz="quarter" idx="12"/>
-          </p:nvPr>
-        </p:nvSpPr>
-        <p:spPr/>
+          <p:cNvPr id="6" name="タイトル 5">
+            <a:extLst>
+              <a:ext uri="{FF2B5EF4-FFF2-40B4-BE49-F238E27FC236}">
+                <a16:creationId xmlns:a16="http://schemas.microsoft.com/office/drawing/2014/main" id="{2F47917E-3FBE-2E0A-EC0E-52FFC48E9FA2}"/>
+              </a:ext>
+            </a:extLst>
+          </p:cNvPr>
+          <p:cNvSpPr>
+            <a:spLocks noGrp="1"/>
+          </p:cNvSpPr>
+          <p:nvPr>
+            <p:ph type="title"/>
+          </p:nvPr>
+        </p:nvSpPr>
+        <p:spPr>
+          <a:xfrm>
+            <a:off x="594519" y="236200"/>
+            <a:ext cx="11002962" cy="861645"/>
+          </a:xfrm>
+        </p:spPr>
         <p:txBody>
           <a:bodyPr/>
           <a:lstStyle/>
           <a:p>
-            <a:pPr rtl="0"/>
-            <a:fld id="{8C2E478F-E849-4A8C-AF1F-CBCC78A7CBFA}" type="slidenum">
-              <a:rPr lang="en-US" altLang="ja-JP" noProof="0" smtClean="0"/>
-              <a:t>5</a:t>
-            </a:fld>
-            <a:endParaRPr lang="ja-JP" altLang="en-US" noProof="0"/>
-          </a:p>
-        </p:txBody>
-      </p:sp>
-      <p:sp>
-        <p:nvSpPr>
-          <p:cNvPr id="6" name="テキスト ボックス 5">
-            <a:extLst>
-              <a:ext uri="{FF2B5EF4-FFF2-40B4-BE49-F238E27FC236}">
-                <a16:creationId xmlns:a16="http://schemas.microsoft.com/office/drawing/2014/main" id="{973A2E6C-DBCF-001D-BE02-307CC57DA3A7}"/>
-              </a:ext>
-            </a:extLst>
-          </p:cNvPr>
-          <p:cNvSpPr txBox="1"/>
-          <p:nvPr/>
-        </p:nvSpPr>
-        <p:spPr>
-          <a:xfrm>
-            <a:off x="567550" y="193431"/>
-            <a:ext cx="11056900" cy="830997"/>
-          </a:xfrm>
-          <a:prstGeom prst="rect">
-            <a:avLst/>
-          </a:prstGeom>
-          <a:noFill/>
-        </p:spPr>
-        <p:txBody>
-          <a:bodyPr wrap="square" rtlCol="0">
-            <a:spAutoFit/>
-          </a:bodyPr>
-          <a:lstStyle/>
-          <a:p>
-            <a:pPr algn="ctr"/>
-            <a:r>
-              <a:rPr kumimoji="1" lang="en-US" altLang="ja-JP" sz="4800" dirty="0">
-                <a:solidFill>
-                  <a:srgbClr val="FF0000"/>
-                </a:solidFill>
+            <a:r>
+              <a:rPr lang="en-US" altLang="ja-JP" sz="4000" dirty="0">
+                <a:latin typeface="Arial" panose="020B0604020202020204" pitchFamily="34" charset="0"/>
+                <a:cs typeface="Arial" panose="020B0604020202020204" pitchFamily="34" charset="0"/>
               </a:rPr>
-              <a:t>B</a:t>
-            </a:r>
-            <a:r>
-              <a:rPr kumimoji="1" lang="en-US" altLang="ja-JP" sz="4800" dirty="0"/>
-              <a:t>idirectional </a:t>
-            </a:r>
-            <a:r>
-              <a:rPr kumimoji="1" lang="en-US" altLang="ja-JP" sz="4800" dirty="0">
-                <a:solidFill>
-                  <a:srgbClr val="FF0000"/>
-                </a:solidFill>
-              </a:rPr>
-              <a:t>A</a:t>
-            </a:r>
-            <a:r>
-              <a:rPr kumimoji="1" lang="en-US" altLang="ja-JP" sz="4800" dirty="0"/>
-              <a:t>uto-</a:t>
-            </a:r>
-            <a:r>
-              <a:rPr kumimoji="1" lang="en-US" altLang="ja-JP" sz="4800" dirty="0">
-                <a:solidFill>
-                  <a:srgbClr val="FF0000"/>
-                </a:solidFill>
-              </a:rPr>
-              <a:t>R</a:t>
-            </a:r>
-            <a:r>
-              <a:rPr kumimoji="1" lang="en-US" altLang="ja-JP" sz="4800" dirty="0"/>
-              <a:t>egressive </a:t>
-            </a:r>
-            <a:r>
-              <a:rPr kumimoji="1" lang="en-US" altLang="ja-JP" sz="4800" dirty="0">
-                <a:solidFill>
-                  <a:srgbClr val="FF0000"/>
-                </a:solidFill>
-              </a:rPr>
-              <a:t>T</a:t>
-            </a:r>
-            <a:r>
-              <a:rPr kumimoji="1" lang="en-US" altLang="ja-JP" sz="4800" dirty="0"/>
-              <a:t>ransformer</a:t>
-            </a:r>
-            <a:endParaRPr kumimoji="1" lang="ja-JP" altLang="en-US" sz="4800" dirty="0"/>
-          </a:p>
-        </p:txBody>
-      </p:sp>
-      <p:pic>
-        <p:nvPicPr>
-          <p:cNvPr id="1026" name="Picture 2" descr="그림1">
-            <a:extLst>
-              <a:ext uri="{FF2B5EF4-FFF2-40B4-BE49-F238E27FC236}">
-                <a16:creationId xmlns:a16="http://schemas.microsoft.com/office/drawing/2014/main" id="{E93F2E84-20C8-50FA-DEE6-6C0330AB6ACA}"/>
-              </a:ext>
-            </a:extLst>
-          </p:cNvPr>
-          <p:cNvPicPr>
-            <a:picLocks noChangeAspect="1" noChangeArrowheads="1"/>
-          </p:cNvPicPr>
-          <p:nvPr/>
-        </p:nvPicPr>
-        <p:blipFill>
-          <a:blip r:embed="rId3">
-            <a:extLst>
-              <a:ext uri="{28A0092B-C50C-407E-A947-70E740481C1C}">
-                <a14:useLocalDpi xmlns:a14="http://schemas.microsoft.com/office/drawing/2010/main" val="0"/>
-              </a:ext>
-            </a:extLst>
-          </a:blip>
-          <a:srcRect/>
-          <a:stretch>
-            <a:fillRect/>
-          </a:stretch>
-        </p:blipFill>
-        <p:spPr bwMode="auto">
-          <a:xfrm>
-            <a:off x="1833162" y="1100297"/>
-            <a:ext cx="8525673" cy="5044267"/>
-          </a:xfrm>
-          <a:prstGeom prst="rect">
-            <a:avLst/>
-          </a:prstGeom>
-          <a:noFill/>
-          <a:extLst>
-            <a:ext uri="{909E8E84-426E-40DD-AFC4-6F175D3DCCD1}">
-              <a14:hiddenFill xmlns:a14="http://schemas.microsoft.com/office/drawing/2010/main">
-                <a:solidFill>
-                  <a:srgbClr val="FFFFFF"/>
-                </a:solidFill>
-              </a14:hiddenFill>
-            </a:ext>
-          </a:extLst>
-        </p:spPr>
-      </p:pic>
-      <p:sp>
-        <p:nvSpPr>
-          <p:cNvPr id="8" name="テキスト ボックス 7">
-            <a:extLst>
-              <a:ext uri="{FF2B5EF4-FFF2-40B4-BE49-F238E27FC236}">
-                <a16:creationId xmlns:a16="http://schemas.microsoft.com/office/drawing/2014/main" id="{DE629213-52A0-47D7-4575-A3EDBB32C0A0}"/>
-              </a:ext>
-            </a:extLst>
-          </p:cNvPr>
-          <p:cNvSpPr txBox="1"/>
-          <p:nvPr/>
-        </p:nvSpPr>
-        <p:spPr>
-          <a:xfrm>
-            <a:off x="1360976" y="6220434"/>
-            <a:ext cx="9470047" cy="646331"/>
-          </a:xfrm>
-          <a:prstGeom prst="rect">
-            <a:avLst/>
-          </a:prstGeom>
-          <a:noFill/>
-        </p:spPr>
-        <p:txBody>
-          <a:bodyPr wrap="square">
-            <a:spAutoFit/>
-          </a:bodyPr>
-          <a:lstStyle/>
-          <a:p>
-            <a:r>
-              <a:rPr lang="ja-JP" altLang="en-US" dirty="0"/>
-              <a:t>[BART: Denoising Sequence-to-Sequence Pre-training for Natural Language Generation, Translation, and Comprehension](https://aclanthology.org/2020.acl-main.703) (Lewis et al., ACL 2020)</a:t>
-            </a:r>
-          </a:p>
-        </p:txBody>
-      </p:sp>
-    </p:spTree>
-    <p:extLst>
-      <p:ext uri="{BB962C8B-B14F-4D97-AF65-F5344CB8AC3E}">
-        <p14:creationId xmlns:p14="http://schemas.microsoft.com/office/powerpoint/2010/main" val="281058410"/>
-      </p:ext>
-    </p:extLst>
-  </p:cSld>
-  <p:clrMapOvr>
-    <a:masterClrMapping/>
-  </p:clrMapOvr>
-  <p:extLst>
-    <p:ext uri="{6950BFC3-D8DA-4A85-94F7-54DA5524770B}">
-      <p188:commentRel xmlns:p188="http://schemas.microsoft.com/office/powerpoint/2018/8/main" r:id="rId2"/>
-    </p:ext>
-  </p:extLst>
-</p:sld>
-</file>
-
-<file path=ppt/slides/slide6.xml><?xml version="1.0" encoding="utf-8"?>
-<p:sld xmlns:a="http://schemas.openxmlformats.org/drawingml/2006/main" xmlns:r="http://schemas.openxmlformats.org/officeDocument/2006/relationships" xmlns:p="http://schemas.openxmlformats.org/presentationml/2006/main">
-  <p:cSld>
-    <p:spTree>
-      <p:nvGrpSpPr>
-        <p:cNvPr id="1" name=""/>
-        <p:cNvGrpSpPr/>
-        <p:nvPr/>
-      </p:nvGrpSpPr>
-      <p:grpSpPr>
-        <a:xfrm>
-          <a:off x="0" y="0"/>
-          <a:ext cx="0" cy="0"/>
-          <a:chOff x="0" y="0"/>
-          <a:chExt cx="0" cy="0"/>
-        </a:xfrm>
-      </p:grpSpPr>
-      <p:sp>
-        <p:nvSpPr>
-          <p:cNvPr id="6" name="タイトル 5">
-            <a:extLst>
-              <a:ext uri="{FF2B5EF4-FFF2-40B4-BE49-F238E27FC236}">
-                <a16:creationId xmlns:a16="http://schemas.microsoft.com/office/drawing/2014/main" id="{2F47917E-3FBE-2E0A-EC0E-52FFC48E9FA2}"/>
-              </a:ext>
-            </a:extLst>
-          </p:cNvPr>
-          <p:cNvSpPr>
-            <a:spLocks noGrp="1"/>
-          </p:cNvSpPr>
-          <p:nvPr>
-            <p:ph type="title"/>
-          </p:nvPr>
-        </p:nvSpPr>
-        <p:spPr>
-          <a:xfrm>
-            <a:off x="594519" y="120450"/>
-            <a:ext cx="11002962" cy="861645"/>
-          </a:xfrm>
-        </p:spPr>
-        <p:txBody>
-          <a:bodyPr/>
-          <a:lstStyle/>
-          <a:p>
-            <a:r>
-              <a:rPr lang="en-US" altLang="ja-JP" sz="4000" dirty="0"/>
               <a:t>BERT &amp; GPT</a:t>
             </a:r>
-            <a:endParaRPr lang="ja-JP" altLang="en-US" sz="4000" dirty="0"/>
+            <a:endParaRPr lang="ja-JP" altLang="en-US" sz="4000" dirty="0">
+              <a:latin typeface="Arial" panose="020B0604020202020204" pitchFamily="34" charset="0"/>
+              <a:cs typeface="Arial" panose="020B0604020202020204" pitchFamily="34" charset="0"/>
+            </a:endParaRPr>
           </a:p>
         </p:txBody>
       </p:sp>
@@ -7116,7 +7492,7 @@
             <a:pPr rtl="0"/>
             <a:fld id="{8C2E478F-E849-4A8C-AF1F-CBCC78A7CBFA}" type="slidenum">
               <a:rPr lang="en-US" altLang="ja-JP" noProof="0" smtClean="0"/>
-              <a:t>6</a:t>
+              <a:t>5</a:t>
             </a:fld>
             <a:endParaRPr lang="ja-JP" altLang="en-US" noProof="0"/>
           </a:p>
@@ -8078,6 +8454,352 @@
 </p:sld>
 </file>
 
+<file path=ppt/slides/slide6.xml><?xml version="1.0" encoding="utf-8"?>
+<p:sld xmlns:a="http://schemas.openxmlformats.org/drawingml/2006/main" xmlns:r="http://schemas.openxmlformats.org/officeDocument/2006/relationships" xmlns:p="http://schemas.openxmlformats.org/presentationml/2006/main">
+  <p:cSld>
+    <p:spTree>
+      <p:nvGrpSpPr>
+        <p:cNvPr id="1" name=""/>
+        <p:cNvGrpSpPr/>
+        <p:nvPr/>
+      </p:nvGrpSpPr>
+      <p:grpSpPr>
+        <a:xfrm>
+          <a:off x="0" y="0"/>
+          <a:ext cx="0" cy="0"/>
+          <a:chOff x="0" y="0"/>
+          <a:chExt cx="0" cy="0"/>
+        </a:xfrm>
+      </p:grpSpPr>
+      <p:sp>
+        <p:nvSpPr>
+          <p:cNvPr id="9" name="슬라이드 번호 개체 틀 8">
+            <a:extLst>
+              <a:ext uri="{FF2B5EF4-FFF2-40B4-BE49-F238E27FC236}">
+                <a16:creationId xmlns:a16="http://schemas.microsoft.com/office/drawing/2014/main" id="{5958C26C-D347-0D76-057B-06496EC005AA}"/>
+              </a:ext>
+            </a:extLst>
+          </p:cNvPr>
+          <p:cNvSpPr>
+            <a:spLocks noGrp="1"/>
+          </p:cNvSpPr>
+          <p:nvPr>
+            <p:ph type="sldNum" sz="quarter" idx="4"/>
+          </p:nvPr>
+        </p:nvSpPr>
+        <p:spPr>
+          <a:xfrm>
+            <a:off x="11549269" y="6468303"/>
+            <a:ext cx="443948" cy="365125"/>
+          </a:xfrm>
+        </p:spPr>
+        <p:txBody>
+          <a:bodyPr anchor="ctr">
+            <a:normAutofit/>
+          </a:bodyPr>
+          <a:lstStyle/>
+          <a:p>
+            <a:pPr rtl="0">
+              <a:spcAft>
+                <a:spcPts val="600"/>
+              </a:spcAft>
+            </a:pPr>
+            <a:fld id="{8C2E478F-E849-4A8C-AF1F-CBCC78A7CBFA}" type="slidenum">
+              <a:rPr lang="en-US" altLang="ja-JP" noProof="0" smtClean="0"/>
+              <a:pPr rtl="0">
+                <a:spcAft>
+                  <a:spcPts val="600"/>
+                </a:spcAft>
+              </a:pPr>
+              <a:t>6</a:t>
+            </a:fld>
+            <a:endParaRPr lang="ja-JP" altLang="en-US" noProof="0"/>
+          </a:p>
+        </p:txBody>
+      </p:sp>
+      <p:sp>
+        <p:nvSpPr>
+          <p:cNvPr id="19" name="Title 4">
+            <a:extLst>
+              <a:ext uri="{FF2B5EF4-FFF2-40B4-BE49-F238E27FC236}">
+                <a16:creationId xmlns:a16="http://schemas.microsoft.com/office/drawing/2014/main" id="{477A6310-C793-28A2-CACA-9CD8CC183F90}"/>
+              </a:ext>
+            </a:extLst>
+          </p:cNvPr>
+          <p:cNvSpPr>
+            <a:spLocks noGrp="1"/>
+          </p:cNvSpPr>
+          <p:nvPr>
+            <p:ph type="title"/>
+          </p:nvPr>
+        </p:nvSpPr>
+        <p:spPr>
+          <a:xfrm>
+            <a:off x="598453" y="511678"/>
+            <a:ext cx="5897218" cy="884238"/>
+          </a:xfrm>
+        </p:spPr>
+        <p:txBody>
+          <a:bodyPr/>
+          <a:lstStyle/>
+          <a:p>
+            <a:r>
+              <a:rPr lang="ja-JP" altLang="en-US" sz="4000" dirty="0"/>
+              <a:t>感情的な応答生成モデル</a:t>
+            </a:r>
+            <a:br>
+              <a:rPr lang="ja-JP" altLang="en-US" sz="4000" dirty="0"/>
+            </a:br>
+            <a:endParaRPr lang="en-US" sz="4000" dirty="0"/>
+          </a:p>
+        </p:txBody>
+      </p:sp>
+      <p:sp>
+        <p:nvSpPr>
+          <p:cNvPr id="12" name="TextBox 11">
+            <a:extLst>
+              <a:ext uri="{FF2B5EF4-FFF2-40B4-BE49-F238E27FC236}">
+                <a16:creationId xmlns:a16="http://schemas.microsoft.com/office/drawing/2014/main" id="{E5D31119-D6E1-7E50-A2C7-9FAFA53D4BB5}"/>
+              </a:ext>
+            </a:extLst>
+          </p:cNvPr>
+          <p:cNvSpPr txBox="1"/>
+          <p:nvPr/>
+        </p:nvSpPr>
+        <p:spPr>
+          <a:xfrm>
+            <a:off x="600315" y="4793674"/>
+            <a:ext cx="5421341" cy="646331"/>
+          </a:xfrm>
+          <a:prstGeom prst="rect">
+            <a:avLst/>
+          </a:prstGeom>
+          <a:noFill/>
+        </p:spPr>
+        <p:txBody>
+          <a:bodyPr wrap="square">
+            <a:spAutoFit/>
+          </a:bodyPr>
+          <a:lstStyle/>
+          <a:p>
+            <a:r>
+              <a:rPr lang="ja-JP" altLang="en-US" sz="1200" dirty="0"/>
+              <a:t>[BART: Denoising Sequence-to-Sequence Pre-training for Natural Language Generation, Translation, and Comprehension](https://aclanthology.org/2020.acl-main.703) (Lewis et al., ACL 2020)</a:t>
+            </a:r>
+          </a:p>
+        </p:txBody>
+      </p:sp>
+      <p:sp>
+        <p:nvSpPr>
+          <p:cNvPr id="13" name="말풍선: 사각형 12">
+            <a:extLst>
+              <a:ext uri="{FF2B5EF4-FFF2-40B4-BE49-F238E27FC236}">
+                <a16:creationId xmlns:a16="http://schemas.microsoft.com/office/drawing/2014/main" id="{AB1D14C3-9E36-B463-D166-A080DA1CCCFE}"/>
+              </a:ext>
+            </a:extLst>
+          </p:cNvPr>
+          <p:cNvSpPr/>
+          <p:nvPr/>
+        </p:nvSpPr>
+        <p:spPr>
+          <a:xfrm>
+            <a:off x="3838830" y="1772434"/>
+            <a:ext cx="1210046" cy="545357"/>
+          </a:xfrm>
+          <a:prstGeom prst="wedgeRectCallout">
+            <a:avLst>
+              <a:gd name="adj1" fmla="val 21128"/>
+              <a:gd name="adj2" fmla="val 86143"/>
+            </a:avLst>
+          </a:prstGeom>
+        </p:spPr>
+        <p:style>
+          <a:lnRef idx="0">
+            <a:schemeClr val="accent2"/>
+          </a:lnRef>
+          <a:fillRef idx="3">
+            <a:schemeClr val="accent2"/>
+          </a:fillRef>
+          <a:effectRef idx="3">
+            <a:schemeClr val="accent2"/>
+          </a:effectRef>
+          <a:fontRef idx="minor">
+            <a:schemeClr val="lt1"/>
+          </a:fontRef>
+        </p:style>
+        <p:txBody>
+          <a:bodyPr rtlCol="0" anchor="ctr"/>
+          <a:lstStyle/>
+          <a:p>
+            <a:pPr algn="ctr"/>
+            <a:r>
+              <a:rPr lang="ja-JP" altLang="en-US" dirty="0"/>
+              <a:t>感情分類</a:t>
+            </a:r>
+            <a:endParaRPr lang="ko-KR" altLang="en-US" dirty="0"/>
+          </a:p>
+        </p:txBody>
+      </p:sp>
+      <p:pic>
+        <p:nvPicPr>
+          <p:cNvPr id="16" name="그림 15">
+            <a:extLst>
+              <a:ext uri="{FF2B5EF4-FFF2-40B4-BE49-F238E27FC236}">
+                <a16:creationId xmlns:a16="http://schemas.microsoft.com/office/drawing/2014/main" id="{505D70A9-22D2-D053-D512-BF88FA29A867}"/>
+              </a:ext>
+            </a:extLst>
+          </p:cNvPr>
+          <p:cNvPicPr>
+            <a:picLocks noChangeAspect="1"/>
+          </p:cNvPicPr>
+          <p:nvPr/>
+        </p:nvPicPr>
+        <p:blipFill rotWithShape="1">
+          <a:blip r:embed="rId2"/>
+          <a:srcRect b="28760"/>
+          <a:stretch/>
+        </p:blipFill>
+        <p:spPr>
+          <a:xfrm>
+            <a:off x="598453" y="2542200"/>
+            <a:ext cx="4450423" cy="1795347"/>
+          </a:xfrm>
+          <a:prstGeom prst="rect">
+            <a:avLst/>
+          </a:prstGeom>
+        </p:spPr>
+      </p:pic>
+      <p:sp>
+        <p:nvSpPr>
+          <p:cNvPr id="21" name="TextBox 20">
+            <a:extLst>
+              <a:ext uri="{FF2B5EF4-FFF2-40B4-BE49-F238E27FC236}">
+                <a16:creationId xmlns:a16="http://schemas.microsoft.com/office/drawing/2014/main" id="{876A3200-E7FF-83DE-D1AA-689D5EEE3F01}"/>
+              </a:ext>
+            </a:extLst>
+          </p:cNvPr>
+          <p:cNvSpPr txBox="1"/>
+          <p:nvPr/>
+        </p:nvSpPr>
+        <p:spPr>
+          <a:xfrm>
+            <a:off x="6495671" y="3612439"/>
+            <a:ext cx="4811666" cy="1795347"/>
+          </a:xfrm>
+          <a:prstGeom prst="rect">
+            <a:avLst/>
+          </a:prstGeom>
+          <a:noFill/>
+        </p:spPr>
+        <p:txBody>
+          <a:bodyPr wrap="square" rtlCol="0">
+            <a:spAutoFit/>
+          </a:bodyPr>
+          <a:lstStyle/>
+          <a:p>
+            <a:r>
+              <a:rPr lang="en-US" altLang="ko-KR" dirty="0"/>
+              <a:t>BART</a:t>
+            </a:r>
+            <a:r>
+              <a:rPr lang="ja-JP" altLang="en-US" dirty="0"/>
+              <a:t>の</a:t>
+            </a:r>
+            <a:endParaRPr lang="en-US" altLang="ja-JP" dirty="0"/>
+          </a:p>
+          <a:p>
+            <a:r>
+              <a:rPr lang="en-US" altLang="ko-KR" dirty="0"/>
+              <a:t>Machine</a:t>
+            </a:r>
+            <a:r>
+              <a:rPr lang="ko-KR" altLang="en-US" dirty="0"/>
+              <a:t> </a:t>
+            </a:r>
+            <a:r>
+              <a:rPr lang="en-US" altLang="ko-KR" dirty="0"/>
+              <a:t>Translation</a:t>
+            </a:r>
+            <a:r>
+              <a:rPr lang="ja-JP" altLang="en-US" dirty="0"/>
+              <a:t>作業で答えを生成し、</a:t>
+            </a:r>
+            <a:endParaRPr lang="en-US" altLang="ja-JP" dirty="0"/>
+          </a:p>
+          <a:p>
+            <a:r>
+              <a:rPr lang="en-US" altLang="ko-KR" dirty="0"/>
+              <a:t>Sequence Classification Tasks</a:t>
+            </a:r>
+            <a:r>
+              <a:rPr lang="ja-JP" altLang="en-US" dirty="0"/>
+              <a:t>を用いて感情の認識をする。</a:t>
+            </a:r>
+            <a:endParaRPr lang="en-US" altLang="ja-JP" dirty="0"/>
+          </a:p>
+          <a:p>
+            <a:r>
+              <a:rPr lang="en-US" altLang="ko-KR" dirty="0"/>
+              <a:t>Multi </a:t>
+            </a:r>
+            <a:r>
+              <a:rPr lang="en-US" altLang="ja-JP" dirty="0"/>
+              <a:t>task</a:t>
+            </a:r>
+            <a:r>
+              <a:rPr lang="en-US" altLang="ko-KR" dirty="0"/>
+              <a:t> learning</a:t>
+            </a:r>
+            <a:r>
+              <a:rPr lang="ja-JP" altLang="en-US" dirty="0"/>
+              <a:t>であるため、感情を反映し、答えを生成することが出来るようになる。</a:t>
+            </a:r>
+            <a:endParaRPr lang="ko-KR" altLang="en-US" dirty="0"/>
+          </a:p>
+        </p:txBody>
+      </p:sp>
+      <p:pic>
+        <p:nvPicPr>
+          <p:cNvPr id="3" name="그림 2">
+            <a:extLst>
+              <a:ext uri="{FF2B5EF4-FFF2-40B4-BE49-F238E27FC236}">
+                <a16:creationId xmlns:a16="http://schemas.microsoft.com/office/drawing/2014/main" id="{0744C347-4C93-432A-5B3B-06839CEB3E65}"/>
+              </a:ext>
+            </a:extLst>
+          </p:cNvPr>
+          <p:cNvPicPr>
+            <a:picLocks noChangeAspect="1"/>
+          </p:cNvPicPr>
+          <p:nvPr/>
+        </p:nvPicPr>
+        <p:blipFill rotWithShape="1">
+          <a:blip r:embed="rId3"/>
+          <a:srcRect b="30748"/>
+          <a:stretch/>
+        </p:blipFill>
+        <p:spPr>
+          <a:xfrm>
+            <a:off x="6021656" y="1074723"/>
+            <a:ext cx="5774544" cy="2329513"/>
+          </a:xfrm>
+          <a:prstGeom prst="rect">
+            <a:avLst/>
+          </a:prstGeom>
+        </p:spPr>
+      </p:pic>
+    </p:spTree>
+    <p:extLst>
+      <p:ext uri="{BB962C8B-B14F-4D97-AF65-F5344CB8AC3E}">
+        <p14:creationId xmlns:p14="http://schemas.microsoft.com/office/powerpoint/2010/main" val="1433064983"/>
+      </p:ext>
+    </p:extLst>
+  </p:cSld>
+  <p:clrMapOvr>
+    <a:masterClrMapping/>
+  </p:clrMapOvr>
+</p:sld>
+</file>
+
 <file path=ppt/slides/slide7.xml><?xml version="1.0" encoding="utf-8"?>
 <p:sld xmlns:a="http://schemas.openxmlformats.org/drawingml/2006/main" xmlns:r="http://schemas.openxmlformats.org/officeDocument/2006/relationships" xmlns:p="http://schemas.openxmlformats.org/presentationml/2006/main">
   <p:cSld>
@@ -8097,10 +8819,51 @@
       </p:grpSpPr>
       <p:sp>
         <p:nvSpPr>
-          <p:cNvPr id="9" name="슬라이드 번호 개체 틀 8">
-            <a:extLst>
-              <a:ext uri="{FF2B5EF4-FFF2-40B4-BE49-F238E27FC236}">
-                <a16:creationId xmlns:a16="http://schemas.microsoft.com/office/drawing/2014/main" id="{5958C26C-D347-0D76-057B-06496EC005AA}"/>
+          <p:cNvPr id="2" name="Text Placeholder 1">
+            <a:extLst>
+              <a:ext uri="{FF2B5EF4-FFF2-40B4-BE49-F238E27FC236}">
+                <a16:creationId xmlns:a16="http://schemas.microsoft.com/office/drawing/2014/main" id="{859FCCEE-25FF-E697-36AE-49259692A329}"/>
+              </a:ext>
+            </a:extLst>
+          </p:cNvPr>
+          <p:cNvSpPr>
+            <a:spLocks noGrp="1"/>
+          </p:cNvSpPr>
+          <p:nvPr>
+            <p:ph type="body" sz="quarter" idx="16"/>
+          </p:nvPr>
+        </p:nvSpPr>
+        <p:spPr>
+          <a:xfrm>
+            <a:off x="734291" y="1479649"/>
+            <a:ext cx="9901151" cy="464871"/>
+          </a:xfrm>
+        </p:spPr>
+        <p:txBody>
+          <a:bodyPr/>
+          <a:lstStyle/>
+          <a:p>
+            <a:r>
+              <a:rPr lang="en-US" altLang="ja-JP" sz="1400" dirty="0"/>
+              <a:t>Ide, Tatsuya and Daisuke Kawahara. “</a:t>
+            </a:r>
+            <a:r>
+              <a:rPr lang="en-US" altLang="ja-JP" sz="1400" b="1" dirty="0"/>
+              <a:t>Multi-Task Learning of Generation and Classification for Emotion-Aware Dialogue Response Generation</a:t>
+            </a:r>
+            <a:r>
+              <a:rPr lang="en-US" altLang="ja-JP" sz="1400" dirty="0"/>
+              <a:t>.” (2021).</a:t>
+            </a:r>
+          </a:p>
+        </p:txBody>
+      </p:sp>
+      <p:sp>
+        <p:nvSpPr>
+          <p:cNvPr id="4" name="Slide Number Placeholder 3">
+            <a:extLst>
+              <a:ext uri="{FF2B5EF4-FFF2-40B4-BE49-F238E27FC236}">
+                <a16:creationId xmlns:a16="http://schemas.microsoft.com/office/drawing/2014/main" id="{0A0CF66B-F20A-F87E-4B71-1CD35E4D633E}"/>
               </a:ext>
             </a:extLst>
           </p:cNvPr>
@@ -8111,30 +8874,14 @@
             <p:ph type="sldNum" sz="quarter" idx="4"/>
           </p:nvPr>
         </p:nvSpPr>
-        <p:spPr>
-          <a:xfrm>
-            <a:off x="11549269" y="6468303"/>
-            <a:ext cx="443948" cy="365125"/>
-          </a:xfrm>
-        </p:spPr>
-        <p:txBody>
-          <a:bodyPr anchor="ctr">
-            <a:normAutofit/>
-          </a:bodyPr>
+        <p:spPr/>
+        <p:txBody>
+          <a:bodyPr/>
           <a:lstStyle/>
           <a:p>
-            <a:pPr rtl="0">
-              <a:spcAft>
-                <a:spcPts val="600"/>
-              </a:spcAft>
-            </a:pPr>
             <a:fld id="{8C2E478F-E849-4A8C-AF1F-CBCC78A7CBFA}" type="slidenum">
               <a:rPr lang="en-US" altLang="ja-JP" noProof="0" smtClean="0"/>
-              <a:pPr rtl="0">
-                <a:spcAft>
-                  <a:spcPts val="600"/>
-                </a:spcAft>
-              </a:pPr>
+              <a:pPr/>
               <a:t>7</a:t>
             </a:fld>
             <a:endParaRPr lang="ja-JP" altLang="en-US" noProof="0"/>
@@ -8143,10 +8890,10 @@
       </p:sp>
       <p:sp>
         <p:nvSpPr>
-          <p:cNvPr id="19" name="Title 4">
-            <a:extLst>
-              <a:ext uri="{FF2B5EF4-FFF2-40B4-BE49-F238E27FC236}">
-                <a16:creationId xmlns:a16="http://schemas.microsoft.com/office/drawing/2014/main" id="{477A6310-C793-28A2-CACA-9CD8CC183F90}"/>
+          <p:cNvPr id="6" name="Title 5">
+            <a:extLst>
+              <a:ext uri="{FF2B5EF4-FFF2-40B4-BE49-F238E27FC236}">
+                <a16:creationId xmlns:a16="http://schemas.microsoft.com/office/drawing/2014/main" id="{1049D00C-58EE-9690-CE55-0FE89BA6A855}"/>
               </a:ext>
             </a:extLst>
           </p:cNvPr>
@@ -8159,7 +8906,7 @@
         </p:nvSpPr>
         <p:spPr>
           <a:xfrm>
-            <a:off x="598453" y="511678"/>
+            <a:off x="734291" y="570011"/>
             <a:ext cx="5897218" cy="884238"/>
           </a:xfrm>
         </p:spPr>
@@ -8168,108 +8915,18 @@
           <a:lstStyle/>
           <a:p>
             <a:r>
-              <a:rPr lang="ja-JP" altLang="en-US" dirty="0"/>
-              <a:t>感情的な応答生成モデル</a:t>
-            </a:r>
-            <a:br>
-              <a:rPr lang="ja-JP" altLang="en-US" dirty="0"/>
-            </a:br>
-            <a:endParaRPr lang="en-US" dirty="0"/>
-          </a:p>
-        </p:txBody>
-      </p:sp>
-      <p:sp>
-        <p:nvSpPr>
-          <p:cNvPr id="12" name="TextBox 11">
-            <a:extLst>
-              <a:ext uri="{FF2B5EF4-FFF2-40B4-BE49-F238E27FC236}">
-                <a16:creationId xmlns:a16="http://schemas.microsoft.com/office/drawing/2014/main" id="{E5D31119-D6E1-7E50-A2C7-9FAFA53D4BB5}"/>
-              </a:ext>
-            </a:extLst>
-          </p:cNvPr>
-          <p:cNvSpPr txBox="1"/>
-          <p:nvPr/>
-        </p:nvSpPr>
-        <p:spPr>
-          <a:xfrm>
-            <a:off x="600315" y="5084621"/>
-            <a:ext cx="5421341" cy="646331"/>
-          </a:xfrm>
-          <a:prstGeom prst="rect">
-            <a:avLst/>
-          </a:prstGeom>
-          <a:noFill/>
-        </p:spPr>
-        <p:txBody>
-          <a:bodyPr wrap="square">
-            <a:spAutoFit/>
-          </a:bodyPr>
-          <a:lstStyle/>
-          <a:p>
-            <a:r>
-              <a:rPr lang="ja-JP" altLang="en-US" sz="1200" dirty="0"/>
-              <a:t>[BART: Denoising Sequence-to-Sequence Pre-training for Natural Language Generation, Translation, and Comprehension](https://aclanthology.org/2020.acl-main.703) (Lewis et al., ACL 2020)</a:t>
-            </a:r>
-          </a:p>
-        </p:txBody>
-      </p:sp>
-      <p:sp>
-        <p:nvSpPr>
-          <p:cNvPr id="13" name="말풍선: 사각형 12">
-            <a:extLst>
-              <a:ext uri="{FF2B5EF4-FFF2-40B4-BE49-F238E27FC236}">
-                <a16:creationId xmlns:a16="http://schemas.microsoft.com/office/drawing/2014/main" id="{AB1D14C3-9E36-B463-D166-A080DA1CCCFE}"/>
-              </a:ext>
-            </a:extLst>
-          </p:cNvPr>
-          <p:cNvSpPr/>
-          <p:nvPr/>
-        </p:nvSpPr>
-        <p:spPr>
-          <a:xfrm>
-            <a:off x="3838830" y="1772434"/>
-            <a:ext cx="1210046" cy="545357"/>
-          </a:xfrm>
-          <a:prstGeom prst="wedgeRectCallout">
-            <a:avLst>
-              <a:gd name="adj1" fmla="val 21128"/>
-              <a:gd name="adj2" fmla="val 86143"/>
-            </a:avLst>
-          </a:prstGeom>
-        </p:spPr>
-        <p:style>
-          <a:lnRef idx="0">
-            <a:schemeClr val="accent2"/>
-          </a:lnRef>
-          <a:fillRef idx="3">
-            <a:schemeClr val="accent2"/>
-          </a:fillRef>
-          <a:effectRef idx="3">
-            <a:schemeClr val="accent2"/>
-          </a:effectRef>
-          <a:fontRef idx="minor">
-            <a:schemeClr val="lt1"/>
-          </a:fontRef>
-        </p:style>
-        <p:txBody>
-          <a:bodyPr rtlCol="0" anchor="ctr"/>
-          <a:lstStyle/>
-          <a:p>
-            <a:pPr algn="ctr"/>
-            <a:r>
-              <a:rPr lang="ja-JP" altLang="en-US" dirty="0"/>
-              <a:t>感情分類</a:t>
-            </a:r>
-            <a:endParaRPr lang="ko-KR" altLang="en-US" dirty="0"/>
+              <a:rPr lang="en-JP" sz="4000" dirty="0"/>
+              <a:t>関連研究</a:t>
+            </a:r>
           </a:p>
         </p:txBody>
       </p:sp>
       <p:pic>
         <p:nvPicPr>
-          <p:cNvPr id="16" name="그림 15">
-            <a:extLst>
-              <a:ext uri="{FF2B5EF4-FFF2-40B4-BE49-F238E27FC236}">
-                <a16:creationId xmlns:a16="http://schemas.microsoft.com/office/drawing/2014/main" id="{505D70A9-22D2-D053-D512-BF88FA29A867}"/>
+          <p:cNvPr id="8" name="図 7">
+            <a:extLst>
+              <a:ext uri="{FF2B5EF4-FFF2-40B4-BE49-F238E27FC236}">
+                <a16:creationId xmlns:a16="http://schemas.microsoft.com/office/drawing/2014/main" id="{E47A7519-21C3-8E80-8B33-C7CC76FBC974}"/>
               </a:ext>
             </a:extLst>
           </p:cNvPr>
@@ -8286,127 +8943,8 @@
         </p:blipFill>
         <p:spPr>
           <a:xfrm>
-            <a:off x="598453" y="2542200"/>
-            <a:ext cx="4450423" cy="2520119"/>
-          </a:xfrm>
-          <a:prstGeom prst="rect">
-            <a:avLst/>
-          </a:prstGeom>
-        </p:spPr>
-      </p:pic>
-      <p:sp>
-        <p:nvSpPr>
-          <p:cNvPr id="21" name="TextBox 20">
-            <a:extLst>
-              <a:ext uri="{FF2B5EF4-FFF2-40B4-BE49-F238E27FC236}">
-                <a16:creationId xmlns:a16="http://schemas.microsoft.com/office/drawing/2014/main" id="{876A3200-E7FF-83DE-D1AA-689D5EEE3F01}"/>
-              </a:ext>
-            </a:extLst>
-          </p:cNvPr>
-          <p:cNvSpPr txBox="1"/>
-          <p:nvPr/>
-        </p:nvSpPr>
-        <p:spPr>
-          <a:xfrm>
-            <a:off x="6495671" y="4073765"/>
-            <a:ext cx="4811666" cy="1795347"/>
-          </a:xfrm>
-          <a:prstGeom prst="rect">
-            <a:avLst/>
-          </a:prstGeom>
-          <a:noFill/>
-        </p:spPr>
-        <p:txBody>
-          <a:bodyPr wrap="square" rtlCol="0">
-            <a:spAutoFit/>
-          </a:bodyPr>
-          <a:lstStyle/>
-          <a:p>
-            <a:r>
-              <a:rPr lang="en-US" altLang="ko-KR" dirty="0"/>
-              <a:t>BART</a:t>
-            </a:r>
-            <a:r>
-              <a:rPr lang="ja-JP" altLang="en-US" dirty="0"/>
-              <a:t>の</a:t>
-            </a:r>
-            <a:endParaRPr lang="en-US" altLang="ja-JP" dirty="0"/>
-          </a:p>
-          <a:p>
-            <a:r>
-              <a:rPr lang="en-US" altLang="ko-KR" dirty="0"/>
-              <a:t>Machine</a:t>
-            </a:r>
-            <a:r>
-              <a:rPr lang="ko-KR" altLang="en-US" dirty="0"/>
-              <a:t> </a:t>
-            </a:r>
-            <a:r>
-              <a:rPr lang="en-US" altLang="ko-KR" dirty="0"/>
-              <a:t>Translation</a:t>
-            </a:r>
-            <a:r>
-              <a:rPr lang="ja-JP" altLang="en-US" dirty="0"/>
-              <a:t>作業で答えを生成し、</a:t>
-            </a:r>
-            <a:endParaRPr lang="en-US" altLang="ja-JP" dirty="0"/>
-          </a:p>
-          <a:p>
-            <a:r>
-              <a:rPr lang="en-US" altLang="ko-KR" dirty="0"/>
-              <a:t>Sequence Classification Tasks</a:t>
-            </a:r>
-            <a:r>
-              <a:rPr lang="ja-JP" altLang="en-US" dirty="0"/>
-              <a:t>を用いて感情の認識をする。</a:t>
-            </a:r>
-            <a:endParaRPr lang="en-US" altLang="ja-JP" dirty="0"/>
-          </a:p>
-          <a:p>
-            <a:r>
-              <a:rPr lang="en-US" altLang="ko-KR" dirty="0"/>
-              <a:t>Multi </a:t>
-            </a:r>
-            <a:r>
-              <a:rPr lang="en-US" altLang="ja-JP" dirty="0"/>
-              <a:t>task</a:t>
-            </a:r>
-            <a:r>
-              <a:rPr lang="en-US" altLang="ko-KR" dirty="0"/>
-              <a:t> learning</a:t>
-            </a:r>
-            <a:r>
-              <a:rPr lang="ja-JP" altLang="en-US" dirty="0"/>
-              <a:t>であるため、感情を反映し、答えを生成することが出来るようになる。</a:t>
-            </a:r>
-            <a:endParaRPr lang="ko-KR" altLang="en-US" dirty="0"/>
-          </a:p>
-        </p:txBody>
-      </p:sp>
-      <p:pic>
-        <p:nvPicPr>
-          <p:cNvPr id="3" name="그림 2">
-            <a:extLst>
-              <a:ext uri="{FF2B5EF4-FFF2-40B4-BE49-F238E27FC236}">
-                <a16:creationId xmlns:a16="http://schemas.microsoft.com/office/drawing/2014/main" id="{0744C347-4C93-432A-5B3B-06839CEB3E65}"/>
-              </a:ext>
-            </a:extLst>
-          </p:cNvPr>
-          <p:cNvPicPr>
-            <a:picLocks noChangeAspect="1"/>
-          </p:cNvPicPr>
-          <p:nvPr/>
-        </p:nvPicPr>
-        <p:blipFill>
-          <a:blip r:embed="rId3"/>
-          <a:stretch>
-            <a:fillRect/>
-          </a:stretch>
-        </p:blipFill>
-        <p:spPr>
-          <a:xfrm>
-            <a:off x="6495671" y="1375779"/>
-            <a:ext cx="4450423" cy="2592479"/>
+            <a:off x="734291" y="2363887"/>
+            <a:ext cx="7165109" cy="3429810"/>
           </a:xfrm>
           <a:prstGeom prst="rect">
             <a:avLst/>
@@ -8416,7 +8954,7 @@
     </p:spTree>
     <p:extLst>
       <p:ext uri="{BB962C8B-B14F-4D97-AF65-F5344CB8AC3E}">
-        <p14:creationId xmlns:p14="http://schemas.microsoft.com/office/powerpoint/2010/main" val="1433064983"/>
+        <p14:creationId xmlns:p14="http://schemas.microsoft.com/office/powerpoint/2010/main" val="2652472914"/>
       </p:ext>
     </p:extLst>
   </p:cSld>
@@ -8429,14 +8967,6 @@
 <file path=ppt/slides/slide8.xml><?xml version="1.0" encoding="utf-8"?>
 <p:sld xmlns:a="http://schemas.openxmlformats.org/drawingml/2006/main" xmlns:r="http://schemas.openxmlformats.org/officeDocument/2006/relationships" xmlns:p="http://schemas.openxmlformats.org/presentationml/2006/main">
   <p:cSld>
-    <p:bg>
-      <p:bgPr>
-        <a:solidFill>
-          <a:schemeClr val="bg1"/>
-        </a:solidFill>
-        <a:effectLst/>
-      </p:bgPr>
-    </p:bg>
     <p:spTree>
       <p:nvGrpSpPr>
         <p:cNvPr id="1" name=""/>
@@ -8451,48 +8981,155 @@
           <a:chExt cx="0" cy="0"/>
         </a:xfrm>
       </p:grpSpPr>
-      <p:pic>
-        <p:nvPicPr>
-          <p:cNvPr id="8" name="図プレースホルダー 7" descr="コンピューター コードのクローズアップ">
-            <a:extLst>
-              <a:ext uri="{FF2B5EF4-FFF2-40B4-BE49-F238E27FC236}">
-                <a16:creationId xmlns:a16="http://schemas.microsoft.com/office/drawing/2014/main" id="{1D5DB266-C804-437C-AED7-3D057820D244}"/>
-              </a:ext>
-            </a:extLst>
-          </p:cNvPr>
-          <p:cNvPicPr>
-            <a:picLocks noGrp="1" noChangeAspect="1"/>
-          </p:cNvPicPr>
-          <p:nvPr>
-            <p:ph type="pic" sz="quarter" idx="10"/>
-          </p:nvPr>
-        </p:nvPicPr>
-        <p:blipFill rotWithShape="1">
-          <a:blip r:embed="rId3">
-            <a:alphaModFix amt="35000"/>
-            <a:extLst>
-              <a:ext uri="{BEBA8EAE-BF5A-486C-A8C5-ECC9F3942E4B}">
-                <a14:imgProps xmlns:a14="http://schemas.microsoft.com/office/drawing/2010/main">
-                  <a14:imgLayer r:embed="rId4">
-                    <a14:imgEffect>
-                      <a14:saturation sat="0"/>
-                    </a14:imgEffect>
-                  </a14:imgLayer>
-                </a14:imgProps>
-              </a:ext>
-            </a:extLst>
-          </a:blip>
-          <a:srcRect t="7813" b="7813"/>
-          <a:stretch/>
-        </p:blipFill>
+      <p:sp>
+        <p:nvSpPr>
+          <p:cNvPr id="2" name="Text Placeholder 1">
+            <a:extLst>
+              <a:ext uri="{FF2B5EF4-FFF2-40B4-BE49-F238E27FC236}">
+                <a16:creationId xmlns:a16="http://schemas.microsoft.com/office/drawing/2014/main" id="{3CE832AD-29BC-434F-9B09-30D215989E8D}"/>
+              </a:ext>
+            </a:extLst>
+          </p:cNvPr>
+          <p:cNvSpPr>
+            <a:spLocks noGrp="1"/>
+          </p:cNvSpPr>
+          <p:nvPr>
+            <p:ph type="body" sz="quarter" idx="16"/>
+          </p:nvPr>
+        </p:nvSpPr>
         <p:spPr/>
-      </p:pic>
-      <p:sp>
-        <p:nvSpPr>
-          <p:cNvPr id="5" name="タイトル 4">
-            <a:extLst>
-              <a:ext uri="{FF2B5EF4-FFF2-40B4-BE49-F238E27FC236}">
-                <a16:creationId xmlns:a16="http://schemas.microsoft.com/office/drawing/2014/main" id="{14AB6F96-E5E8-4B40-A18C-2D078D1C2D4F}"/>
+        <p:txBody>
+          <a:bodyPr/>
+          <a:lstStyle/>
+          <a:p>
+            <a:endParaRPr lang="en-JP" dirty="0"/>
+          </a:p>
+        </p:txBody>
+      </p:sp>
+      <p:sp>
+        <p:nvSpPr>
+          <p:cNvPr id="3" name="Picture Placeholder 2">
+            <a:extLst>
+              <a:ext uri="{FF2B5EF4-FFF2-40B4-BE49-F238E27FC236}">
+                <a16:creationId xmlns:a16="http://schemas.microsoft.com/office/drawing/2014/main" id="{BC65FA6E-2633-92A2-35F5-5022B8070E6B}"/>
+              </a:ext>
+            </a:extLst>
+          </p:cNvPr>
+          <p:cNvSpPr>
+            <a:spLocks noGrp="1"/>
+          </p:cNvSpPr>
+          <p:nvPr>
+            <p:ph type="pic" sz="quarter" idx="14"/>
+          </p:nvPr>
+        </p:nvSpPr>
+        <p:spPr/>
+      </p:sp>
+      <p:sp>
+        <p:nvSpPr>
+          <p:cNvPr id="4" name="Slide Number Placeholder 3">
+            <a:extLst>
+              <a:ext uri="{FF2B5EF4-FFF2-40B4-BE49-F238E27FC236}">
+                <a16:creationId xmlns:a16="http://schemas.microsoft.com/office/drawing/2014/main" id="{251863AC-2231-D0E6-8FE7-1943CD76657F}"/>
+              </a:ext>
+            </a:extLst>
+          </p:cNvPr>
+          <p:cNvSpPr>
+            <a:spLocks noGrp="1"/>
+          </p:cNvSpPr>
+          <p:nvPr>
+            <p:ph type="sldNum" sz="quarter" idx="4"/>
+          </p:nvPr>
+        </p:nvSpPr>
+        <p:spPr/>
+        <p:txBody>
+          <a:bodyPr/>
+          <a:lstStyle/>
+          <a:p>
+            <a:fld id="{8C2E478F-E849-4A8C-AF1F-CBCC78A7CBFA}" type="slidenum">
+              <a:rPr lang="en-US" altLang="ja-JP" noProof="0" smtClean="0"/>
+              <a:pPr/>
+              <a:t>8</a:t>
+            </a:fld>
+            <a:endParaRPr lang="ja-JP" altLang="en-US" noProof="0"/>
+          </a:p>
+        </p:txBody>
+      </p:sp>
+      <p:sp>
+        <p:nvSpPr>
+          <p:cNvPr id="5" name="Content Placeholder 4">
+            <a:extLst>
+              <a:ext uri="{FF2B5EF4-FFF2-40B4-BE49-F238E27FC236}">
+                <a16:creationId xmlns:a16="http://schemas.microsoft.com/office/drawing/2014/main" id="{61F4FF6F-A491-1A20-B460-7915CCE841B2}"/>
+              </a:ext>
+            </a:extLst>
+          </p:cNvPr>
+          <p:cNvSpPr>
+            <a:spLocks noGrp="1"/>
+          </p:cNvSpPr>
+          <p:nvPr>
+            <p:ph idx="1"/>
+          </p:nvPr>
+        </p:nvSpPr>
+        <p:spPr/>
+        <p:txBody>
+          <a:bodyPr/>
+          <a:lstStyle/>
+          <a:p>
+            <a:r>
+              <a:rPr lang="ja-JP" altLang="en-US" dirty="0">
+                <a:cs typeface="Biome Light" panose="020B0303030204020804" pitchFamily="34" charset="0"/>
+              </a:rPr>
+              <a:t>この研究では、</a:t>
+            </a:r>
+            <a:r>
+              <a:rPr lang="en-US" altLang="ko-KR" dirty="0">
+                <a:cs typeface="Biome Light" panose="020B0303030204020804" pitchFamily="34" charset="0"/>
+              </a:rPr>
+              <a:t>BART(Mike Lewis et al., 2020)</a:t>
+            </a:r>
+            <a:r>
+              <a:rPr lang="ja-JP" altLang="en-US" dirty="0">
+                <a:cs typeface="Biome Light" panose="020B0303030204020804" pitchFamily="34" charset="0"/>
+              </a:rPr>
+              <a:t>を使い、感情を理解し、それに適する</a:t>
+            </a:r>
+            <a:r>
+              <a:rPr lang="en-US" altLang="ja-JP" dirty="0">
+                <a:cs typeface="Biome Light" panose="020B0303030204020804" pitchFamily="34" charset="0"/>
+              </a:rPr>
+              <a:t>”</a:t>
+            </a:r>
+            <a:r>
+              <a:rPr lang="ja-JP" altLang="en-US" dirty="0">
+                <a:cs typeface="Biome Light" panose="020B0303030204020804" pitchFamily="34" charset="0"/>
+              </a:rPr>
+              <a:t>感情的</a:t>
+            </a:r>
+            <a:r>
+              <a:rPr lang="en-US" altLang="ja-JP" dirty="0">
+                <a:cs typeface="Biome Light" panose="020B0303030204020804" pitchFamily="34" charset="0"/>
+              </a:rPr>
+              <a:t>”</a:t>
+            </a:r>
+            <a:r>
+              <a:rPr lang="ja-JP" altLang="en-US" dirty="0">
+                <a:cs typeface="Biome Light" panose="020B0303030204020804" pitchFamily="34" charset="0"/>
+              </a:rPr>
+              <a:t>な答えができるチャットボットを具現することを目標とする。</a:t>
+            </a:r>
+            <a:endParaRPr lang="ja-JP" altLang="en-US" dirty="0"/>
+          </a:p>
+          <a:p>
+            <a:endParaRPr lang="en-JP" dirty="0"/>
+          </a:p>
+        </p:txBody>
+      </p:sp>
+      <p:sp>
+        <p:nvSpPr>
+          <p:cNvPr id="6" name="Title 5">
+            <a:extLst>
+              <a:ext uri="{FF2B5EF4-FFF2-40B4-BE49-F238E27FC236}">
+                <a16:creationId xmlns:a16="http://schemas.microsoft.com/office/drawing/2014/main" id="{6A4DC3A8-34A8-5EA6-7DCC-17EDE35E5AC1}"/>
               </a:ext>
             </a:extLst>
           </p:cNvPr>
@@ -8505,56 +9142,12 @@
         </p:nvSpPr>
         <p:spPr/>
         <p:txBody>
-          <a:bodyPr rtlCol="0">
-            <a:normAutofit/>
-          </a:bodyPr>
+          <a:bodyPr/>
           <a:lstStyle/>
           <a:p>
-            <a:pPr rtl="0"/>
-            <a:r>
-              <a:rPr lang="ja-JP" altLang="en-US"/>
-              <a:t>満足のいく顧客</a:t>
-            </a:r>
-          </a:p>
-        </p:txBody>
-      </p:sp>
-      <p:sp>
-        <p:nvSpPr>
-          <p:cNvPr id="2" name="テキスト プレースホルダー 1">
-            <a:extLst>
-              <a:ext uri="{FF2B5EF4-FFF2-40B4-BE49-F238E27FC236}">
-                <a16:creationId xmlns:a16="http://schemas.microsoft.com/office/drawing/2014/main" id="{DAF72BBC-FC90-4B63-96CA-ABED853DBAD0}"/>
-              </a:ext>
-            </a:extLst>
-          </p:cNvPr>
-          <p:cNvSpPr>
-            <a:spLocks noGrp="1"/>
-          </p:cNvSpPr>
-          <p:nvPr>
-            <p:ph type="body" sz="quarter" idx="11"/>
-          </p:nvPr>
-        </p:nvSpPr>
-        <p:spPr/>
-        <p:txBody>
-          <a:bodyPr rtlCol="0"/>
-          <a:lstStyle/>
-          <a:p>
-            <a:pPr rtl="0"/>
-            <a:r>
-              <a:rPr lang="en-US" altLang="ja-JP"/>
-              <a:t>FABRIKAM </a:t>
-            </a:r>
-            <a:r>
-              <a:rPr lang="ja-JP" altLang="en-US"/>
-              <a:t>は一緒に仕事をするのに最高でした。</a:t>
-            </a:r>
-            <a:r>
-              <a:rPr lang="en-US" altLang="ja-JP"/>
-              <a:t>LARISSA </a:t>
-            </a:r>
-            <a:r>
-              <a:rPr lang="ja-JP" altLang="en-US"/>
-              <a:t>は私の代理人で、私のニーズを予測し、私の問題を解決するために熱心に働いてくれました。</a:t>
+            <a:r>
+              <a:rPr lang="en-JP" dirty="0"/>
+              <a:t>目的</a:t>
             </a:r>
           </a:p>
         </p:txBody>
@@ -8562,7 +9155,7 @@
     </p:spTree>
     <p:extLst>
       <p:ext uri="{BB962C8B-B14F-4D97-AF65-F5344CB8AC3E}">
-        <p14:creationId xmlns:p14="http://schemas.microsoft.com/office/powerpoint/2010/main" val="839779156"/>
+        <p14:creationId xmlns:p14="http://schemas.microsoft.com/office/powerpoint/2010/main" val="1195508520"/>
       </p:ext>
     </p:extLst>
   </p:cSld>
@@ -8575,14 +9168,6 @@
 <file path=ppt/slides/slide9.xml><?xml version="1.0" encoding="utf-8"?>
 <p:sld xmlns:a="http://schemas.openxmlformats.org/drawingml/2006/main" xmlns:r="http://schemas.openxmlformats.org/officeDocument/2006/relationships" xmlns:p="http://schemas.openxmlformats.org/presentationml/2006/main">
   <p:cSld>
-    <p:bg>
-      <p:bgPr>
-        <a:solidFill>
-          <a:schemeClr val="bg1"/>
-        </a:solidFill>
-        <a:effectLst/>
-      </p:bgPr>
-    </p:bg>
     <p:spTree>
       <p:nvGrpSpPr>
         <p:cNvPr id="1" name=""/>
@@ -8597,314 +9182,273 @@
           <a:chExt cx="0" cy="0"/>
         </a:xfrm>
       </p:grpSpPr>
-      <p:pic>
-        <p:nvPicPr>
-          <p:cNvPr id="40" name="図プレースホルダー 7" descr="抽象的な画像">
-            <a:extLst>
-              <a:ext uri="{FF2B5EF4-FFF2-40B4-BE49-F238E27FC236}">
-                <a16:creationId xmlns:a16="http://schemas.microsoft.com/office/drawing/2014/main" id="{D5C5EA1B-F06D-4AD1-B526-89C2DF772232}"/>
-              </a:ext>
-            </a:extLst>
-          </p:cNvPr>
-          <p:cNvPicPr>
-            <a:picLocks noChangeAspect="1"/>
-          </p:cNvPicPr>
+      <p:sp>
+        <p:nvSpPr>
+          <p:cNvPr id="8" name="テキスト ボックス 7">
+            <a:extLst>
+              <a:ext uri="{FF2B5EF4-FFF2-40B4-BE49-F238E27FC236}">
+                <a16:creationId xmlns:a16="http://schemas.microsoft.com/office/drawing/2014/main" id="{5D1D6EDA-BD39-C281-09B3-F69EAAFD63D9}"/>
+              </a:ext>
+            </a:extLst>
+          </p:cNvPr>
+          <p:cNvSpPr txBox="1"/>
           <p:nvPr/>
-        </p:nvPicPr>
-        <p:blipFill rotWithShape="1">
-          <a:blip r:embed="rId3">
-            <a:alphaModFix amt="52000"/>
-            <a:extLst>
-              <a:ext uri="{BEBA8EAE-BF5A-486C-A8C5-ECC9F3942E4B}">
-                <a14:imgProps xmlns:a14="http://schemas.microsoft.com/office/drawing/2010/main">
-                  <a14:imgLayer r:embed="rId4">
-                    <a14:imgEffect>
-                      <a14:saturation sat="0"/>
-                    </a14:imgEffect>
-                  </a14:imgLayer>
-                </a14:imgProps>
-              </a:ext>
-            </a:extLst>
-          </a:blip>
-          <a:srcRect l="22717" r="45642"/>
-          <a:stretch/>
-        </p:blipFill>
-        <p:spPr>
-          <a:xfrm rot="16200000">
-            <a:off x="2667001" y="-2666999"/>
-            <a:ext cx="6858000" cy="12192000"/>
+        </p:nvSpPr>
+        <p:spPr>
+          <a:xfrm>
+            <a:off x="2393092" y="227971"/>
+            <a:ext cx="7405816" cy="707886"/>
           </a:xfrm>
           <a:prstGeom prst="rect">
             <a:avLst/>
           </a:prstGeom>
           <a:noFill/>
         </p:spPr>
-      </p:pic>
-      <p:sp>
-        <p:nvSpPr>
-          <p:cNvPr id="6" name="タイトル 5">
-            <a:extLst>
-              <a:ext uri="{FF2B5EF4-FFF2-40B4-BE49-F238E27FC236}">
-                <a16:creationId xmlns:a16="http://schemas.microsoft.com/office/drawing/2014/main" id="{4F7706BE-EF2E-459C-8778-01DDD354C634}"/>
-              </a:ext>
-            </a:extLst>
-          </p:cNvPr>
-          <p:cNvSpPr>
-            <a:spLocks noGrp="1"/>
-          </p:cNvSpPr>
-          <p:nvPr>
-            <p:ph type="title" idx="4294967295"/>
-          </p:nvPr>
-        </p:nvSpPr>
-        <p:spPr>
-          <a:xfrm>
-            <a:off x="702365" y="1660810"/>
-            <a:ext cx="10787270" cy="830649"/>
-          </a:xfrm>
-        </p:spPr>
-        <p:txBody>
-          <a:bodyPr rtlCol="0">
-            <a:normAutofit/>
+        <p:txBody>
+          <a:bodyPr wrap="square" rtlCol="0">
+            <a:spAutoFit/>
           </a:bodyPr>
           <a:lstStyle/>
           <a:p>
-            <a:pPr rtl="0"/>
-            <a:r>
-              <a:rPr lang="ja-JP" altLang="en-US" sz="4000" spc="300" dirty="0"/>
-              <a:t>ありがとうございます</a:t>
-            </a:r>
-          </a:p>
-        </p:txBody>
-      </p:sp>
-      <p:pic>
-        <p:nvPicPr>
-          <p:cNvPr id="24" name="オンライン イメージ プレースホルダー 23" descr="ユーザー">
-            <a:extLst>
-              <a:ext uri="{FF2B5EF4-FFF2-40B4-BE49-F238E27FC236}">
-                <a16:creationId xmlns:a16="http://schemas.microsoft.com/office/drawing/2014/main" id="{E896B487-8C07-495F-95BF-B8F4960E1E8D}"/>
-              </a:ext>
-            </a:extLst>
-          </p:cNvPr>
-          <p:cNvPicPr>
-            <a:picLocks noGrp="1" noChangeAspect="1"/>
-          </p:cNvPicPr>
-          <p:nvPr>
-            <p:ph type="clipArt" sz="quarter" idx="19"/>
-          </p:nvPr>
-        </p:nvPicPr>
-        <p:blipFill>
-          <a:blip r:embed="rId5" cstate="email">
-            <a:extLst>
-              <a:ext uri="{28A0092B-C50C-407E-A947-70E740481C1C}">
-                <a14:useLocalDpi xmlns:a14="http://schemas.microsoft.com/office/drawing/2010/main"/>
-              </a:ext>
-              <a:ext uri="{96DAC541-7B7A-43D3-8B79-37D633B846F1}">
-                <asvg:svgBlip xmlns:asvg="http://schemas.microsoft.com/office/drawing/2016/SVG/main" r:embed="rId6"/>
-              </a:ext>
-            </a:extLst>
-          </a:blip>
-          <a:stretch>
-            <a:fillRect/>
-          </a:stretch>
-        </p:blipFill>
-        <p:spPr/>
-      </p:pic>
-      <p:pic>
-        <p:nvPicPr>
-          <p:cNvPr id="12" name="オンライン イメージ プレースホルダー 11" descr="펼쳐진 책 단색으로 채워진">
-            <a:extLst>
-              <a:ext uri="{FF2B5EF4-FFF2-40B4-BE49-F238E27FC236}">
-                <a16:creationId xmlns:a16="http://schemas.microsoft.com/office/drawing/2014/main" id="{4E709B75-16EA-4581-AED9-567DEF45A6B2}"/>
-              </a:ext>
-            </a:extLst>
-          </p:cNvPr>
-          <p:cNvPicPr>
-            <a:picLocks noGrp="1" noChangeAspect="1"/>
-          </p:cNvPicPr>
-          <p:nvPr>
-            <p:ph type="clipArt" sz="quarter" idx="20"/>
-          </p:nvPr>
-        </p:nvPicPr>
-        <p:blipFill>
-          <a:blip r:embed="rId7">
-            <a:extLst>
-              <a:ext uri="{96DAC541-7B7A-43D3-8B79-37D633B846F1}">
-                <asvg:svgBlip xmlns:asvg="http://schemas.microsoft.com/office/drawing/2016/SVG/main" r:embed="rId8"/>
-              </a:ext>
-            </a:extLst>
-          </a:blip>
-          <a:srcRect/>
-          <a:stretch/>
-        </p:blipFill>
-        <p:spPr>
-          <a:xfrm>
-            <a:off x="5730873" y="3118670"/>
-            <a:ext cx="730250" cy="730250"/>
-          </a:xfrm>
-        </p:spPr>
-      </p:pic>
-      <p:pic>
-        <p:nvPicPr>
-          <p:cNvPr id="28" name="オンライン イメージ プレースホルダー 27" descr="封筒">
-            <a:extLst>
-              <a:ext uri="{FF2B5EF4-FFF2-40B4-BE49-F238E27FC236}">
-                <a16:creationId xmlns:a16="http://schemas.microsoft.com/office/drawing/2014/main" id="{D4D09222-33EB-4F99-9A89-51E2E1E97584}"/>
-              </a:ext>
-            </a:extLst>
-          </p:cNvPr>
-          <p:cNvPicPr>
-            <a:picLocks noGrp="1" noChangeAspect="1"/>
-          </p:cNvPicPr>
-          <p:nvPr>
-            <p:ph type="clipArt" sz="quarter" idx="21"/>
-          </p:nvPr>
-        </p:nvPicPr>
-        <p:blipFill>
-          <a:blip r:embed="rId9" cstate="email">
-            <a:extLst>
-              <a:ext uri="{28A0092B-C50C-407E-A947-70E740481C1C}">
-                <a14:useLocalDpi xmlns:a14="http://schemas.microsoft.com/office/drawing/2010/main"/>
-              </a:ext>
-              <a:ext uri="{96DAC541-7B7A-43D3-8B79-37D633B846F1}">
-                <asvg:svgBlip xmlns:asvg="http://schemas.microsoft.com/office/drawing/2016/SVG/main" r:embed="rId10"/>
-              </a:ext>
-            </a:extLst>
-          </a:blip>
-          <a:stretch>
-            <a:fillRect/>
-          </a:stretch>
-        </p:blipFill>
-        <p:spPr/>
-      </p:pic>
-      <p:sp>
-        <p:nvSpPr>
-          <p:cNvPr id="8" name="テキスト プレースホルダー 7">
-            <a:extLst>
-              <a:ext uri="{FF2B5EF4-FFF2-40B4-BE49-F238E27FC236}">
-                <a16:creationId xmlns:a16="http://schemas.microsoft.com/office/drawing/2014/main" id="{0B070B25-2BBC-49AC-9CFA-1CD7195DF2D6}"/>
-              </a:ext>
-            </a:extLst>
-          </p:cNvPr>
-          <p:cNvSpPr>
-            <a:spLocks noGrp="1"/>
-          </p:cNvSpPr>
-          <p:nvPr>
-            <p:ph type="body" sz="quarter" idx="16"/>
-          </p:nvPr>
-        </p:nvSpPr>
-        <p:spPr>
-          <a:xfrm>
-            <a:off x="421941" y="3903126"/>
-            <a:ext cx="3387275" cy="518795"/>
-          </a:xfrm>
-        </p:spPr>
-        <p:txBody>
-          <a:bodyPr rtlCol="0"/>
+            <a:pPr algn="ctr"/>
+            <a:r>
+              <a:rPr kumimoji="1" lang="ja-JP" altLang="en-US" sz="4000" b="1" dirty="0"/>
+              <a:t>参考文献</a:t>
+            </a:r>
+          </a:p>
+        </p:txBody>
+      </p:sp>
+      <p:sp>
+        <p:nvSpPr>
+          <p:cNvPr id="10" name="テキスト プレースホルダー 9">
+            <a:extLst>
+              <a:ext uri="{FF2B5EF4-FFF2-40B4-BE49-F238E27FC236}">
+                <a16:creationId xmlns:a16="http://schemas.microsoft.com/office/drawing/2014/main" id="{3D5FA6A7-F5C9-B781-C258-FF5668FA5258}"/>
+              </a:ext>
+            </a:extLst>
+          </p:cNvPr>
+          <p:cNvSpPr>
+            <a:spLocks noGrp="1"/>
+          </p:cNvSpPr>
+          <p:nvPr>
+            <p:ph type="body" sz="quarter" idx="11"/>
+          </p:nvPr>
+        </p:nvSpPr>
+        <p:spPr>
+          <a:xfrm>
+            <a:off x="1478756" y="1177156"/>
+            <a:ext cx="9234488" cy="5680843"/>
+          </a:xfrm>
+        </p:spPr>
+        <p:txBody>
+          <a:bodyPr/>
           <a:lstStyle/>
           <a:p>
-            <a:pPr rtl="0"/>
-            <a:r>
-              <a:rPr lang="en-US" altLang="ja-JP" dirty="0"/>
-              <a:t>Siwon Seo</a:t>
-            </a:r>
-          </a:p>
-        </p:txBody>
-      </p:sp>
-      <p:sp>
-        <p:nvSpPr>
-          <p:cNvPr id="9" name="テキスト プレースホルダー 8">
-            <a:extLst>
-              <a:ext uri="{FF2B5EF4-FFF2-40B4-BE49-F238E27FC236}">
-                <a16:creationId xmlns:a16="http://schemas.microsoft.com/office/drawing/2014/main" id="{9E2524A0-105C-4170-BB48-CD0756FB3DFE}"/>
-              </a:ext>
-            </a:extLst>
-          </p:cNvPr>
-          <p:cNvSpPr>
-            <a:spLocks noGrp="1"/>
-          </p:cNvSpPr>
-          <p:nvPr>
-            <p:ph type="body" sz="quarter" idx="17"/>
-          </p:nvPr>
-        </p:nvSpPr>
-        <p:spPr/>
-        <p:txBody>
-          <a:bodyPr rtlCol="0"/>
-          <a:lstStyle/>
-          <a:p>
-            <a:pPr rtl="0">
-              <a:lnSpc>
-                <a:spcPct val="100000"/>
-              </a:lnSpc>
-            </a:pPr>
-            <a:r>
-              <a:rPr lang="en-US" altLang="ja-JP" dirty="0"/>
-              <a:t>Tokai Univ.</a:t>
-            </a:r>
-          </a:p>
-          <a:p>
-            <a:pPr rtl="0">
-              <a:lnSpc>
-                <a:spcPct val="100000"/>
-              </a:lnSpc>
-            </a:pPr>
-            <a:r>
-              <a:rPr lang="en-US" altLang="ja-JP" dirty="0"/>
-              <a:t>9LDI1101</a:t>
-            </a:r>
-          </a:p>
-          <a:p>
-            <a:pPr rtl="0">
-              <a:lnSpc>
-                <a:spcPct val="100000"/>
-              </a:lnSpc>
-            </a:pPr>
+            <a:r>
+              <a:rPr lang="en-US" altLang="ja-JP" sz="1200" dirty="0" err="1"/>
+              <a:t>Bellet</a:t>
+            </a:r>
             <a:r>
               <a:rPr lang="en-US" altLang="ja-JP" sz="1200" dirty="0"/>
-              <a:t>8BDI2226</a:t>
-            </a:r>
-          </a:p>
-        </p:txBody>
-      </p:sp>
-      <p:sp>
-        <p:nvSpPr>
-          <p:cNvPr id="10" name="テキスト プレースホルダー 9">
-            <a:extLst>
-              <a:ext uri="{FF2B5EF4-FFF2-40B4-BE49-F238E27FC236}">
-                <a16:creationId xmlns:a16="http://schemas.microsoft.com/office/drawing/2014/main" id="{6E57A531-5B0F-485D-A015-BC78AD089BA6}"/>
-              </a:ext>
-            </a:extLst>
-          </p:cNvPr>
-          <p:cNvSpPr>
-            <a:spLocks noGrp="1"/>
-          </p:cNvSpPr>
-          <p:nvPr>
-            <p:ph type="body" sz="quarter" idx="18"/>
-          </p:nvPr>
-        </p:nvSpPr>
-        <p:spPr>
-          <a:xfrm>
-            <a:off x="8382784" y="3892871"/>
-            <a:ext cx="3387275" cy="518795"/>
-          </a:xfrm>
-        </p:spPr>
-        <p:txBody>
-          <a:bodyPr rtlCol="0">
-            <a:noAutofit/>
-          </a:bodyPr>
-          <a:lstStyle/>
-          <a:p>
-            <a:pPr rtl="0"/>
-            <a:r>
-              <a:rPr lang="en-US" altLang="ja-JP" dirty="0"/>
-              <a:t>visiopo44@naver.com</a:t>
-            </a:r>
+              <a:t> PS, Maloney MJ. The Importance of Empathy as an Interviewing Skill in Medicine. JAMA. 1991;266(13):1831–1832. doi:10.1001/jama.1991.03470130111039</a:t>
+            </a:r>
+          </a:p>
+          <a:p>
+            <a:r>
+              <a:rPr lang="de-DE" altLang="ja-JP" sz="1200" dirty="0"/>
+              <a:t>Warum ich fühle, was Du fühlst (Joachim Bauer, 2005)</a:t>
+            </a:r>
+            <a:endParaRPr lang="en-US" altLang="ja-JP" sz="1200" dirty="0"/>
+          </a:p>
+          <a:p>
+            <a:r>
+              <a:rPr lang="en-US" altLang="ja-JP" sz="1200" dirty="0"/>
+              <a:t>[BART: Denoising Sequence-to-Sequence Pre-training for Natural Language Generation, Translation, and Comprehension](https://aclanthology.org/2020.acl-main.703) (Lewis et al., ACL 2020)</a:t>
+            </a:r>
+          </a:p>
+          <a:p>
+            <a:r>
+              <a:rPr lang="en-US" altLang="ja-JP" sz="1200" dirty="0"/>
+              <a:t>Vaswani, Ashish et al. “Attention is All you Need.” </a:t>
+            </a:r>
+            <a:r>
+              <a:rPr lang="en-US" altLang="ja-JP" sz="1200" dirty="0" err="1"/>
+              <a:t>ArXiv</a:t>
+            </a:r>
+            <a:r>
+              <a:rPr lang="en-US" altLang="ja-JP" sz="1200" dirty="0"/>
+              <a:t> abs/1706.03762 (2017): n. </a:t>
+            </a:r>
+            <a:r>
+              <a:rPr lang="en-US" altLang="ja-JP" sz="1200" dirty="0" err="1"/>
+              <a:t>pag</a:t>
+            </a:r>
+            <a:r>
+              <a:rPr lang="en-US" altLang="ja-JP" sz="1200" dirty="0"/>
+              <a:t>.</a:t>
+            </a:r>
+          </a:p>
+          <a:p>
+            <a:r>
+              <a:rPr lang="en-US" altLang="ja-JP" sz="1200" dirty="0"/>
+              <a:t>Devlin, Jacob, Ming-Wei Chang, Kenton Lee and Kristina Toutanova. “BERT: Pre-training of Deep Bidirectional Transformers for Language Understanding.” </a:t>
+            </a:r>
+            <a:r>
+              <a:rPr lang="en-US" altLang="ja-JP" sz="1200" dirty="0" err="1"/>
+              <a:t>ArXiv</a:t>
+            </a:r>
+            <a:r>
+              <a:rPr lang="en-US" altLang="ja-JP" sz="1200" dirty="0"/>
+              <a:t> abs/1810.04805 (2019): n. </a:t>
+            </a:r>
+            <a:r>
+              <a:rPr lang="en-US" altLang="ja-JP" sz="1200" dirty="0" err="1"/>
+              <a:t>pag</a:t>
+            </a:r>
+            <a:r>
+              <a:rPr lang="en-US" altLang="ja-JP" sz="1200" dirty="0"/>
+              <a:t>.</a:t>
+            </a:r>
+          </a:p>
+          <a:p>
+            <a:r>
+              <a:rPr lang="en-US" altLang="ja-JP" sz="1200" dirty="0"/>
+              <a:t>Alec Radford, Karthik Narasimhan, Tim </a:t>
+            </a:r>
+            <a:r>
+              <a:rPr lang="en-US" altLang="ja-JP" sz="1200" dirty="0" err="1"/>
+              <a:t>Salimans</a:t>
+            </a:r>
+            <a:r>
+              <a:rPr lang="en-US" altLang="ja-JP" sz="1200" dirty="0"/>
+              <a:t>, Ilya </a:t>
+            </a:r>
+            <a:r>
+              <a:rPr lang="en-US" altLang="ja-JP" sz="1200" dirty="0" err="1"/>
+              <a:t>Sutskever</a:t>
+            </a:r>
+            <a:r>
+              <a:rPr lang="en-US" altLang="ja-JP" sz="1200" dirty="0"/>
+              <a:t>. "Improving Language Understanding by Generative Pre-Training." openai.com/blog/language-unsupervised (2018): n. </a:t>
+            </a:r>
+            <a:r>
+              <a:rPr lang="en-US" altLang="ja-JP" sz="1200" dirty="0" err="1"/>
+              <a:t>pag</a:t>
+            </a:r>
+            <a:r>
+              <a:rPr lang="en-US" altLang="ja-JP" sz="1200" dirty="0"/>
+              <a:t>.</a:t>
+            </a:r>
+          </a:p>
+          <a:p>
+            <a:r>
+              <a:rPr lang="en-US" altLang="ja-JP" sz="1200" dirty="0"/>
+              <a:t>Brown, Tom B., Benjamin Mann, Nick Ryder, Melanie Subbiah, Jared Kaplan, Prafulla </a:t>
+            </a:r>
+            <a:r>
+              <a:rPr lang="en-US" altLang="ja-JP" sz="1200" dirty="0" err="1"/>
+              <a:t>Dhariwal</a:t>
+            </a:r>
+            <a:r>
+              <a:rPr lang="en-US" altLang="ja-JP" sz="1200" dirty="0"/>
+              <a:t>, Arvind </a:t>
+            </a:r>
+            <a:r>
+              <a:rPr lang="en-US" altLang="ja-JP" sz="1200" dirty="0" err="1"/>
+              <a:t>Neelakantan</a:t>
+            </a:r>
+            <a:r>
+              <a:rPr lang="en-US" altLang="ja-JP" sz="1200" dirty="0"/>
+              <a:t>, Pranav </a:t>
+            </a:r>
+            <a:r>
+              <a:rPr lang="en-US" altLang="ja-JP" sz="1200" dirty="0" err="1"/>
+              <a:t>Shyam</a:t>
+            </a:r>
+            <a:r>
+              <a:rPr lang="en-US" altLang="ja-JP" sz="1200" dirty="0"/>
+              <a:t>, Girish Sastry, Amanda </a:t>
+            </a:r>
+            <a:r>
+              <a:rPr lang="en-US" altLang="ja-JP" sz="1200" dirty="0" err="1"/>
+              <a:t>Askell</a:t>
+            </a:r>
+            <a:r>
+              <a:rPr lang="en-US" altLang="ja-JP" sz="1200" dirty="0"/>
+              <a:t>, </a:t>
+            </a:r>
+            <a:r>
+              <a:rPr lang="en-US" altLang="ja-JP" sz="1200" dirty="0" err="1"/>
+              <a:t>Sandhini</a:t>
+            </a:r>
+            <a:r>
+              <a:rPr lang="en-US" altLang="ja-JP" sz="1200" dirty="0"/>
+              <a:t> Agarwal, Ariel Herbert-Voss, Gretchen Krueger, T. J. </a:t>
+            </a:r>
+            <a:r>
+              <a:rPr lang="en-US" altLang="ja-JP" sz="1200" dirty="0" err="1"/>
+              <a:t>Henighan</a:t>
+            </a:r>
+            <a:r>
+              <a:rPr lang="en-US" altLang="ja-JP" sz="1200" dirty="0"/>
+              <a:t>, Rewon Child, Aditya Ramesh, Daniel M. Ziegler, Jeff Wu, Clemens Winter, Christopher Hesse, Mark Chen, Eric Sigler, Mateusz Litwin, Scott Gray, Benjamin Chess, Jack Clark, Christopher Berner, Sam </a:t>
+            </a:r>
+            <a:r>
+              <a:rPr lang="en-US" altLang="ja-JP" sz="1200" dirty="0" err="1"/>
+              <a:t>McCandlish</a:t>
+            </a:r>
+            <a:r>
+              <a:rPr lang="en-US" altLang="ja-JP" sz="1200" dirty="0"/>
+              <a:t>, Alec Radford, Ilya </a:t>
+            </a:r>
+            <a:r>
+              <a:rPr lang="en-US" altLang="ja-JP" sz="1200" dirty="0" err="1"/>
+              <a:t>Sutskever</a:t>
+            </a:r>
+            <a:r>
+              <a:rPr lang="en-US" altLang="ja-JP" sz="1200" dirty="0"/>
+              <a:t> and Dario </a:t>
+            </a:r>
+            <a:r>
+              <a:rPr lang="en-US" altLang="ja-JP" sz="1200" dirty="0" err="1"/>
+              <a:t>Amodei</a:t>
+            </a:r>
+            <a:r>
+              <a:rPr lang="en-US" altLang="ja-JP" sz="1200" dirty="0"/>
+              <a:t>. “Language Models are Few-Shot Learners.” </a:t>
+            </a:r>
+            <a:r>
+              <a:rPr lang="en-US" altLang="ja-JP" sz="1200" dirty="0" err="1"/>
+              <a:t>ArXiv</a:t>
+            </a:r>
+            <a:r>
+              <a:rPr lang="en-US" altLang="ja-JP" sz="1200" dirty="0"/>
+              <a:t> abs/2005.14165 (2020): n. </a:t>
+            </a:r>
+            <a:r>
+              <a:rPr lang="en-US" altLang="ja-JP" sz="1200" dirty="0" err="1"/>
+              <a:t>pag</a:t>
+            </a:r>
+            <a:r>
+              <a:rPr lang="en-US" altLang="ja-JP" sz="1200" dirty="0"/>
+              <a:t>.</a:t>
+            </a:r>
+          </a:p>
+          <a:p>
+            <a:r>
+              <a:rPr lang="en-US" altLang="ja-JP" sz="1200" dirty="0"/>
+              <a:t>Ide, Tatsuya and Daisuke Kawahara. “Multi-Task Learning of Generation and Classification for Emotion-Aware Dialogue Response Generation.” North American Chapter of the Association for Computational Linguistics (2021).</a:t>
+            </a:r>
+          </a:p>
+          <a:p>
+            <a:endParaRPr lang="ja-JP" altLang="en-US" sz="1200" dirty="0"/>
           </a:p>
         </p:txBody>
       </p:sp>
     </p:spTree>
     <p:extLst>
       <p:ext uri="{BB962C8B-B14F-4D97-AF65-F5344CB8AC3E}">
-        <p14:creationId xmlns:p14="http://schemas.microsoft.com/office/powerpoint/2010/main" val="927727573"/>
+        <p14:creationId xmlns:p14="http://schemas.microsoft.com/office/powerpoint/2010/main" val="3037795224"/>
       </p:ext>
     </p:extLst>
   </p:cSld>

--- a/Presentation/感情認識に基づく対話システム.pptx
+++ b/Presentation/感情認識に基づく対話システム.pptx
@@ -15,10 +15,10 @@
     <p:sldId id="2462" r:id="rId6"/>
     <p:sldId id="259" r:id="rId7"/>
     <p:sldId id="2463" r:id="rId8"/>
-    <p:sldId id="2464" r:id="rId9"/>
-    <p:sldId id="2465" r:id="rId10"/>
-    <p:sldId id="2467" r:id="rId11"/>
-    <p:sldId id="2468" r:id="rId12"/>
+    <p:sldId id="2465" r:id="rId9"/>
+    <p:sldId id="2467" r:id="rId10"/>
+    <p:sldId id="2468" r:id="rId11"/>
+    <p:sldId id="2469" r:id="rId12"/>
     <p:sldId id="2466" r:id="rId13"/>
     <p:sldId id="2436" r:id="rId14"/>
   </p:sldIdLst>
@@ -148,6 +148,7 @@
 
 <file path=ppt/authors.xml><?xml version="1.0" encoding="utf-8"?>
 <p188:authorLst xmlns:a="http://schemas.openxmlformats.org/drawingml/2006/main" xmlns:r="http://schemas.openxmlformats.org/officeDocument/2006/relationships" xmlns:p188="http://schemas.microsoft.com/office/powerpoint/2018/8/main">
+  <p188:author id="{CE5DED92-5D91-C7EC-D967-EEE81D3D9608}" name="9LDI1101" initials="9" userId="S::9LDI1101@cc.u-tokai.ac.jp::618cf31b-7011-4bc7-914d-d56dc4599318" providerId="AD"/>
   <p188:author id="{1EFC48C2-2497-73DC-7537-DF61019DF009}" name="9LDI1101" initials="9" userId="9LDI1101" providerId="None"/>
 </p188:authorLst>
 </file>
@@ -172,22 +173,17 @@
       </a:p>
     </p188:txBody>
   </p188:cm>
-</p188:cmLst>
-</file>
-
-<file path=ppt/comments/modernComment_9A0_FD2BB0D8.xml><?xml version="1.0" encoding="utf-8"?>
-<p188:cmLst xmlns:a="http://schemas.openxmlformats.org/drawingml/2006/main" xmlns:r="http://schemas.openxmlformats.org/officeDocument/2006/relationships" xmlns:p188="http://schemas.microsoft.com/office/powerpoint/2018/8/main">
-  <p188:cm id="{FDEDEFB6-6EAF-4DC0-B423-F03FC27BEDC7}" authorId="{1EFC48C2-2497-73DC-7537-DF61019DF009}" created="2023-01-15T12:00:33.744">
+  <p188:cm id="{7C275100-51B4-4A77-8E80-A1E94E9B6078}" authorId="{CE5DED92-5D91-C7EC-D967-EEE81D3D9608}" created="2023-01-16T11:42:43.874">
     <pc:sldMkLst xmlns:pc="http://schemas.microsoft.com/office/powerpoint/2013/main/command">
       <pc:docMk/>
-      <pc:sldMk cId="4247498968" sldId="2464"/>
+      <pc:sldMk cId="281058410" sldId="2463"/>
     </pc:sldMkLst>
     <p188:txBody>
       <a:bodyPr/>
       <a:lstStyle/>
       <a:p>
         <a:r>
-          <a:rPr lang="ko-KR" altLang="en-US"/>
+          <a:rPr lang="ja-JP" altLang="en-US"/>
           <a:t>BERT と GPT両方共、Transformerから出てるもので、BERTはTransformerのEncorderの部分、GPTはDecorderの所だけを使ってトレーニングされたモデルである。
 Transformerとは、Seq2Seq構造を基として作られたモデルで、論文の名前からも分けれるように、Attentionメカニズムを使ったモデルである。
 Attentionメカニズムとは、単語の間の相関関係を数値化し、学習に反映することで、文章を単語の間のAttention達の集まりとしてあつかうようになり、より正確で自然に自然語の処理ができるようにしたメカニズムである。
@@ -6444,17 +6440,21 @@
             <p:ph type="title"/>
           </p:nvPr>
         </p:nvSpPr>
-        <p:spPr/>
+        <p:spPr>
+          <a:xfrm>
+            <a:off x="7068819" y="355542"/>
+            <a:ext cx="4846320" cy="1435947"/>
+          </a:xfrm>
+        </p:spPr>
         <p:txBody>
           <a:bodyPr rtlCol="0"/>
           <a:lstStyle/>
           <a:p>
             <a:pPr rtl="0"/>
             <a:r>
-              <a:rPr lang="ja-JP" altLang="en-US"/>
+              <a:rPr lang="ja-JP" altLang="en-US" dirty="0"/>
               <a:t>目次</a:t>
             </a:r>
-            <a:endParaRPr lang="ja-JP" altLang="en-US" dirty="0"/>
           </a:p>
         </p:txBody>
       </p:sp>
@@ -6509,7 +6509,12 @@
             <p:ph type="body" sz="quarter" idx="15"/>
           </p:nvPr>
         </p:nvSpPr>
-        <p:spPr/>
+        <p:spPr>
+          <a:xfrm>
+            <a:off x="7068819" y="1791489"/>
+            <a:ext cx="4846319" cy="3798888"/>
+          </a:xfrm>
+        </p:spPr>
         <p:txBody>
           <a:bodyPr rtlCol="0"/>
           <a:lstStyle/>
@@ -6519,10 +6524,10 @@
               <a:buChar char="•"/>
             </a:pPr>
             <a:r>
-              <a:rPr lang="ja-JP" altLang="en-US" dirty="0"/>
+              <a:rPr lang="ja-JP" altLang="en-US" sz="2800" dirty="0"/>
               <a:t>研究背景</a:t>
             </a:r>
-            <a:endParaRPr lang="en-US" altLang="ja-JP" dirty="0"/>
+            <a:endParaRPr lang="en-US" altLang="ja-JP" sz="2800" dirty="0"/>
           </a:p>
           <a:p>
             <a:pPr marL="285750" indent="-285750" rtl="0">
@@ -6530,7 +6535,7 @@
               <a:buChar char="•"/>
             </a:pPr>
             <a:r>
-              <a:rPr lang="en-US" altLang="ja-JP" dirty="0"/>
+              <a:rPr lang="en-US" altLang="ja-JP" sz="2800" dirty="0"/>
               <a:t>BART</a:t>
             </a:r>
           </a:p>
@@ -6540,10 +6545,10 @@
               <a:buChar char="•"/>
             </a:pPr>
             <a:r>
-              <a:rPr lang="ja-JP" altLang="en-US" dirty="0"/>
+              <a:rPr lang="ja-JP" altLang="en-US" sz="2800" dirty="0"/>
               <a:t>感情的な応答生成モデル</a:t>
             </a:r>
-            <a:endParaRPr lang="en-US" altLang="ja-JP" dirty="0"/>
+            <a:endParaRPr lang="en-US" altLang="ja-JP" sz="2800" dirty="0"/>
           </a:p>
           <a:p>
             <a:pPr marL="285750" indent="-285750" rtl="0">
@@ -6551,10 +6556,31 @@
               <a:buChar char="•"/>
             </a:pPr>
             <a:r>
-              <a:rPr lang="en-JP" altLang="ja-JP" sz="1800" dirty="0"/>
+              <a:rPr lang="en-JP" altLang="ja-JP" sz="2800" dirty="0"/>
               <a:t>関連研究</a:t>
             </a:r>
-            <a:endParaRPr lang="ja-JP" altLang="en-US" dirty="0"/>
+            <a:endParaRPr lang="en-US" altLang="ja-JP" sz="2800" dirty="0"/>
+          </a:p>
+          <a:p>
+            <a:pPr marL="285750" indent="-285750" rtl="0">
+              <a:buFont typeface="Arial" panose="020B0604020202020204" pitchFamily="34" charset="0"/>
+              <a:buChar char="•"/>
+            </a:pPr>
+            <a:r>
+              <a:rPr lang="ja-JP" altLang="en-US" sz="2800" dirty="0"/>
+              <a:t>目的</a:t>
+            </a:r>
+            <a:endParaRPr lang="en-US" altLang="ja-JP" sz="2800" dirty="0"/>
+          </a:p>
+          <a:p>
+            <a:pPr marL="285750" indent="-285750" rtl="0">
+              <a:buFont typeface="Arial" panose="020B0604020202020204" pitchFamily="34" charset="0"/>
+              <a:buChar char="•"/>
+            </a:pPr>
+            <a:r>
+              <a:rPr lang="ja-JP" altLang="en-US" sz="2800" dirty="0"/>
+              <a:t>予定</a:t>
+            </a:r>
           </a:p>
         </p:txBody>
       </p:sp>
@@ -6635,7 +6661,12 @@
             <p:ph type="title"/>
           </p:nvPr>
         </p:nvSpPr>
-        <p:spPr/>
+        <p:spPr>
+          <a:xfrm>
+            <a:off x="6095999" y="561237"/>
+            <a:ext cx="5897218" cy="884238"/>
+          </a:xfrm>
+        </p:spPr>
         <p:txBody>
           <a:bodyPr rtlCol="0"/>
           <a:lstStyle/>
@@ -6706,13 +6737,13 @@
         </p:nvSpPr>
         <p:spPr>
           <a:xfrm>
-            <a:off x="6095999" y="2024917"/>
-            <a:ext cx="4911969" cy="4058383"/>
+            <a:off x="6095999" y="1688277"/>
+            <a:ext cx="5416550" cy="4665726"/>
           </a:xfrm>
         </p:spPr>
         <p:txBody>
           <a:bodyPr rtlCol="0">
-            <a:normAutofit/>
+            <a:noAutofit/>
           </a:bodyPr>
           <a:lstStyle/>
           <a:p>
@@ -6723,12 +6754,21 @@
               <a:buNone/>
             </a:pPr>
             <a:r>
-              <a:rPr lang="ja-JP" altLang="en-US" dirty="0">
+              <a:rPr lang="ja-JP" altLang="en-US" sz="2200" dirty="0">
+                <a:solidFill>
+                  <a:srgbClr val="FF0000"/>
+                </a:solidFill>
                 <a:cs typeface="Biome Light" panose="020B0303030204020804" pitchFamily="34" charset="0"/>
               </a:rPr>
-              <a:t>共感は、人間社会で凄く大事なことである。</a:t>
-            </a:r>
-            <a:endParaRPr lang="en-US" altLang="ja-JP" dirty="0">
+              <a:t>共感</a:t>
+            </a:r>
+            <a:r>
+              <a:rPr lang="ja-JP" altLang="en-US" sz="2200" dirty="0">
+                <a:cs typeface="Biome Light" panose="020B0303030204020804" pitchFamily="34" charset="0"/>
+              </a:rPr>
+              <a:t>は、人間社会で凄く大事なことである。</a:t>
+            </a:r>
+            <a:endParaRPr lang="en-US" altLang="ja-JP" sz="2200" dirty="0">
               <a:cs typeface="Biome Light" panose="020B0303030204020804" pitchFamily="34" charset="0"/>
             </a:endParaRPr>
           </a:p>
@@ -6740,163 +6780,132 @@
               <a:buNone/>
             </a:pPr>
             <a:r>
-              <a:rPr lang="en-US" altLang="ja-JP" dirty="0">
-                <a:cs typeface="Biome Light" panose="020B0303030204020804" pitchFamily="34" charset="0"/>
-              </a:rPr>
-              <a:t>“</a:t>
-            </a:r>
-            <a:r>
-              <a:rPr lang="ja-JP" altLang="en-US" dirty="0">
+              <a:rPr lang="ja-JP" altLang="en-US" sz="2200" dirty="0">
+                <a:solidFill>
+                  <a:srgbClr val="FF0000"/>
+                </a:solidFill>
                 <a:cs typeface="Biome Light" panose="020B0303030204020804" pitchFamily="34" charset="0"/>
               </a:rPr>
               <a:t>共感</a:t>
             </a:r>
             <a:r>
-              <a:rPr lang="en-US" altLang="ja-JP" dirty="0">
+              <a:rPr lang="en-US" altLang="ja-JP" sz="2200" dirty="0">
+                <a:solidFill>
+                  <a:srgbClr val="FF0000"/>
+                </a:solidFill>
                 <a:cs typeface="Biome Light" panose="020B0303030204020804" pitchFamily="34" charset="0"/>
               </a:rPr>
-              <a:t>(Empathy)”</a:t>
-            </a:r>
-            <a:r>
-              <a:rPr lang="ja-JP" altLang="en-US" dirty="0">
+              <a:t>(Empathy)</a:t>
+            </a:r>
+            <a:r>
+              <a:rPr lang="ja-JP" altLang="en-US" sz="2200" dirty="0">
                 <a:cs typeface="Biome Light" panose="020B0303030204020804" pitchFamily="34" charset="0"/>
               </a:rPr>
               <a:t>というのは、相手の立場から物事を理解したり、考える能力である。</a:t>
             </a:r>
             <a:r>
-              <a:rPr lang="en-US" altLang="ja-JP" dirty="0">
+              <a:rPr lang="en-US" altLang="ja-JP" sz="2200" dirty="0">
                 <a:cs typeface="Biome Light" panose="020B0303030204020804" pitchFamily="34" charset="0"/>
               </a:rPr>
-              <a:t>[The Importance of Empathy as an Interviewing Skill in</a:t>
-            </a:r>
-            <a:r>
-              <a:rPr lang="ja-JP" altLang="en-US" dirty="0">
-                <a:cs typeface="Biome Light" panose="020B0303030204020804" pitchFamily="34" charset="0"/>
-              </a:rPr>
-              <a:t>　</a:t>
-            </a:r>
-            <a:r>
-              <a:rPr lang="en-US" altLang="ja-JP" dirty="0">
-                <a:cs typeface="Biome Light" panose="020B0303030204020804" pitchFamily="34" charset="0"/>
-              </a:rPr>
-              <a:t>Medicine (</a:t>
-            </a:r>
-            <a:r>
-              <a:rPr lang="en-US" altLang="ja-JP" dirty="0" err="1">
-                <a:cs typeface="Biome Light" panose="020B0303030204020804" pitchFamily="34" charset="0"/>
-              </a:rPr>
-              <a:t>Bellet</a:t>
-            </a:r>
-            <a:r>
-              <a:rPr lang="en-US" altLang="ja-JP" dirty="0">
-                <a:cs typeface="Biome Light" panose="020B0303030204020804" pitchFamily="34" charset="0"/>
-              </a:rPr>
-              <a:t> PS, Maloney MJ, 1991)]</a:t>
-            </a:r>
-          </a:p>
-          <a:p>
-            <a:r>
-              <a:rPr lang="ja-JP" altLang="en-US" dirty="0">
+              <a:t>[1]</a:t>
+            </a:r>
+          </a:p>
+          <a:p>
+            <a:r>
+              <a:rPr lang="ja-JP" altLang="en-US" sz="2200" dirty="0">
                 <a:cs typeface="Biome Light" panose="020B0303030204020804" pitchFamily="34" charset="0"/>
               </a:rPr>
               <a:t>人は、このような</a:t>
             </a:r>
             <a:r>
-              <a:rPr lang="en-US" altLang="ja-JP" dirty="0">
-                <a:cs typeface="Biome Light" panose="020B0303030204020804" pitchFamily="34" charset="0"/>
-              </a:rPr>
-              <a:t>”</a:t>
-            </a:r>
-            <a:r>
-              <a:rPr lang="ja-JP" altLang="en-US" dirty="0">
+              <a:rPr lang="ja-JP" altLang="en-US" sz="2200" dirty="0">
+                <a:solidFill>
+                  <a:srgbClr val="FF0000"/>
+                </a:solidFill>
                 <a:cs typeface="Biome Light" panose="020B0303030204020804" pitchFamily="34" charset="0"/>
               </a:rPr>
               <a:t>感情</a:t>
             </a:r>
             <a:r>
-              <a:rPr lang="en-US" altLang="ja-JP" dirty="0">
-                <a:cs typeface="Biome Light" panose="020B0303030204020804" pitchFamily="34" charset="0"/>
-              </a:rPr>
-              <a:t>”</a:t>
-            </a:r>
-            <a:r>
-              <a:rPr lang="ja-JP" altLang="en-US" dirty="0">
+              <a:rPr lang="ja-JP" altLang="en-US" sz="2200" dirty="0">
                 <a:cs typeface="Biome Light" panose="020B0303030204020804" pitchFamily="34" charset="0"/>
               </a:rPr>
               <a:t>を認識し、</a:t>
             </a:r>
             <a:r>
-              <a:rPr lang="en-US" altLang="ja-JP" dirty="0">
-                <a:cs typeface="Biome Light" panose="020B0303030204020804" pitchFamily="34" charset="0"/>
-              </a:rPr>
-              <a:t>”</a:t>
-            </a:r>
-            <a:r>
-              <a:rPr lang="ja-JP" altLang="en-US" dirty="0">
+              <a:rPr lang="ja-JP" altLang="en-US" sz="2200" dirty="0">
+                <a:solidFill>
+                  <a:srgbClr val="FF0000"/>
+                </a:solidFill>
                 <a:cs typeface="Biome Light" panose="020B0303030204020804" pitchFamily="34" charset="0"/>
               </a:rPr>
               <a:t>共感</a:t>
             </a:r>
             <a:r>
-              <a:rPr lang="en-US" altLang="ja-JP" dirty="0">
-                <a:cs typeface="Biome Light" panose="020B0303030204020804" pitchFamily="34" charset="0"/>
-              </a:rPr>
-              <a:t>”</a:t>
-            </a:r>
-            <a:r>
-              <a:rPr lang="ja-JP" altLang="en-US" dirty="0">
+              <a:rPr lang="ja-JP" altLang="en-US" sz="2200" dirty="0">
                 <a:cs typeface="Biome Light" panose="020B0303030204020804" pitchFamily="34" charset="0"/>
               </a:rPr>
               <a:t>することで、相手の意図をはっきり把握したり、相手を理解する</a:t>
             </a:r>
             <a:r>
-              <a:rPr lang="de-DE" altLang="ja-JP" dirty="0">
+              <a:rPr lang="de-DE" altLang="ja-JP" sz="2200" dirty="0">
                 <a:cs typeface="Biome Light" panose="020B0303030204020804" pitchFamily="34" charset="0"/>
               </a:rPr>
-              <a:t>[Warum ich fühle, was Du fühlst (Joachim Bauer, 2005)]</a:t>
-            </a:r>
-            <a:r>
-              <a:rPr lang="ja-JP" altLang="en-US" dirty="0">
+              <a:t>[2]</a:t>
+            </a:r>
+            <a:r>
+              <a:rPr lang="ja-JP" altLang="en-US" sz="2200" dirty="0">
                 <a:cs typeface="Biome Light" panose="020B0303030204020804" pitchFamily="34" charset="0"/>
               </a:rPr>
               <a:t>ことで社会的な関係を築いていく。</a:t>
             </a:r>
-            <a:endParaRPr lang="en-US" altLang="ja-JP" dirty="0">
+            <a:endParaRPr lang="en-US" altLang="ja-JP" sz="2200" dirty="0">
               <a:cs typeface="Biome Light" panose="020B0303030204020804" pitchFamily="34" charset="0"/>
             </a:endParaRPr>
           </a:p>
           <a:p>
-            <a:r>
-              <a:rPr lang="ja-JP" altLang="en-US" dirty="0">
+            <a:endParaRPr lang="en-US" altLang="ja-JP" sz="2200" dirty="0">
+              <a:cs typeface="Biome Light" panose="020B0303030204020804" pitchFamily="34" charset="0"/>
+            </a:endParaRPr>
+          </a:p>
+          <a:p>
+            <a:r>
+              <a:rPr lang="ja-JP" altLang="en-US" sz="2200" dirty="0">
                 <a:cs typeface="Biome Light" panose="020B0303030204020804" pitchFamily="34" charset="0"/>
               </a:rPr>
-              <a:t>コンピューターが人の指示をより正確に理解したり、友達みたいな存在になるためには、人間のように感情を理解し、感情を考慮して言葉の意味を把握したり、</a:t>
-            </a:r>
-            <a:r>
-              <a:rPr lang="en-US" altLang="ja-JP" dirty="0">
+              <a:t>コンピューターも同様で，人の指示をより正確に理解したり、より親しみのある、信頼できる存在になるためには、人間のように感情を理解し、</a:t>
+            </a:r>
+            <a:r>
+              <a:rPr lang="ja-JP" altLang="en-US" sz="2200" dirty="0">
+                <a:solidFill>
+                  <a:srgbClr val="FF0000"/>
+                </a:solidFill>
                 <a:cs typeface="Biome Light" panose="020B0303030204020804" pitchFamily="34" charset="0"/>
               </a:rPr>
-              <a:t>”</a:t>
-            </a:r>
-            <a:r>
-              <a:rPr lang="ja-JP" altLang="en-US" dirty="0">
+              <a:t>感情</a:t>
+            </a:r>
+            <a:r>
+              <a:rPr lang="ja-JP" altLang="en-US" sz="2200" dirty="0">
+                <a:cs typeface="Biome Light" panose="020B0303030204020804" pitchFamily="34" charset="0"/>
+              </a:rPr>
+              <a:t>を考慮して言葉の意味を把握したり、</a:t>
+            </a:r>
+            <a:r>
+              <a:rPr lang="ja-JP" altLang="en-US" sz="2200" dirty="0">
+                <a:solidFill>
+                  <a:srgbClr val="FF0000"/>
+                </a:solidFill>
                 <a:cs typeface="Biome Light" panose="020B0303030204020804" pitchFamily="34" charset="0"/>
               </a:rPr>
               <a:t>感情的</a:t>
             </a:r>
             <a:r>
-              <a:rPr lang="en-US" altLang="ja-JP" dirty="0">
-                <a:cs typeface="Biome Light" panose="020B0303030204020804" pitchFamily="34" charset="0"/>
-              </a:rPr>
-              <a:t>”</a:t>
-            </a:r>
-            <a:r>
-              <a:rPr lang="ja-JP" altLang="en-US" dirty="0">
+              <a:rPr lang="ja-JP" altLang="en-US" sz="2200" dirty="0">
                 <a:cs typeface="Biome Light" panose="020B0303030204020804" pitchFamily="34" charset="0"/>
               </a:rPr>
               <a:t>である回答をする必要があると考えられる。</a:t>
             </a:r>
-            <a:endParaRPr lang="en-US" altLang="ja-JP" dirty="0">
+            <a:endParaRPr lang="en-US" altLang="ja-JP" sz="2200" dirty="0">
               <a:cs typeface="Biome Light" panose="020B0303030204020804" pitchFamily="34" charset="0"/>
             </a:endParaRPr>
           </a:p>
@@ -6907,7 +6916,7 @@
               </a:lnSpc>
               <a:buNone/>
             </a:pPr>
-            <a:endParaRPr lang="en-US" altLang="ja-JP" dirty="0">
+            <a:endParaRPr lang="en-US" altLang="ja-JP" sz="2200" dirty="0">
               <a:cs typeface="Biome Light" panose="020B0303030204020804" pitchFamily="34" charset="0"/>
             </a:endParaRPr>
           </a:p>
@@ -6940,6 +6949,113 @@
               <a:t>3</a:t>
             </a:fld>
             <a:endParaRPr lang="ja-JP" altLang="en-US"/>
+          </a:p>
+        </p:txBody>
+      </p:sp>
+      <p:sp>
+        <p:nvSpPr>
+          <p:cNvPr id="2" name="テキスト ボックス 1">
+            <a:extLst>
+              <a:ext uri="{FF2B5EF4-FFF2-40B4-BE49-F238E27FC236}">
+                <a16:creationId xmlns:a16="http://schemas.microsoft.com/office/drawing/2014/main" id="{7D1CE7A1-AEE2-29F1-184B-2EE1566C8A95}"/>
+              </a:ext>
+            </a:extLst>
+          </p:cNvPr>
+          <p:cNvSpPr txBox="1"/>
+          <p:nvPr/>
+        </p:nvSpPr>
+        <p:spPr>
+          <a:xfrm>
+            <a:off x="6095999" y="6350169"/>
+            <a:ext cx="5416550" cy="507831"/>
+          </a:xfrm>
+          <a:prstGeom prst="rect">
+            <a:avLst/>
+          </a:prstGeom>
+          <a:noFill/>
+        </p:spPr>
+        <p:txBody>
+          <a:bodyPr wrap="square" rtlCol="0">
+            <a:spAutoFit/>
+          </a:bodyPr>
+          <a:lstStyle/>
+          <a:p>
+            <a:r>
+              <a:rPr kumimoji="1" lang="en-US" altLang="ja-JP" sz="900" dirty="0">
+                <a:latin typeface="Noto Sans CJK KR Regular" panose="020B0500000000000000" pitchFamily="34" charset="-128"/>
+                <a:ea typeface="Noto Sans CJK KR Regular" panose="020B0500000000000000" pitchFamily="34" charset="-128"/>
+              </a:rPr>
+              <a:t>[1] </a:t>
+            </a:r>
+            <a:r>
+              <a:rPr kumimoji="1" lang="en-US" altLang="ja-JP" sz="900" dirty="0" err="1">
+                <a:latin typeface="Noto Sans CJK KR Regular" panose="020B0500000000000000" pitchFamily="34" charset="-128"/>
+                <a:ea typeface="Noto Sans CJK KR Regular" panose="020B0500000000000000" pitchFamily="34" charset="-128"/>
+              </a:rPr>
+              <a:t>Bellet</a:t>
+            </a:r>
+            <a:r>
+              <a:rPr kumimoji="1" lang="en-US" altLang="ja-JP" sz="900" dirty="0">
+                <a:latin typeface="Noto Sans CJK KR Regular" panose="020B0500000000000000" pitchFamily="34" charset="-128"/>
+                <a:ea typeface="Noto Sans CJK KR Regular" panose="020B0500000000000000" pitchFamily="34" charset="-128"/>
+              </a:rPr>
+              <a:t> PS, Maloney MJ. The Importance of Empathy as an Interviewing Skill in Medicine. JAMA. 1991;266(13):1831–1832. doi:10.1001/jama.1991.03470130111039</a:t>
+            </a:r>
+          </a:p>
+          <a:p>
+            <a:r>
+              <a:rPr kumimoji="1" lang="en-US" altLang="ja-JP" sz="900" dirty="0">
+                <a:latin typeface="Noto Sans CJK KR Regular" panose="020B0500000000000000" pitchFamily="34" charset="-128"/>
+                <a:ea typeface="Noto Sans CJK KR Regular" panose="020B0500000000000000" pitchFamily="34" charset="-128"/>
+              </a:rPr>
+              <a:t>[2] </a:t>
+            </a:r>
+            <a:r>
+              <a:rPr kumimoji="1" lang="en-US" altLang="ja-JP" sz="900" dirty="0" err="1">
+                <a:latin typeface="Noto Sans CJK KR Regular" panose="020B0500000000000000" pitchFamily="34" charset="-128"/>
+                <a:ea typeface="Noto Sans CJK KR Regular" panose="020B0500000000000000" pitchFamily="34" charset="-128"/>
+              </a:rPr>
+              <a:t>Warum</a:t>
+            </a:r>
+            <a:r>
+              <a:rPr kumimoji="1" lang="en-US" altLang="ja-JP" sz="900" dirty="0">
+                <a:latin typeface="Noto Sans CJK KR Regular" panose="020B0500000000000000" pitchFamily="34" charset="-128"/>
+                <a:ea typeface="Noto Sans CJK KR Regular" panose="020B0500000000000000" pitchFamily="34" charset="-128"/>
+              </a:rPr>
+              <a:t> ich </a:t>
+            </a:r>
+            <a:r>
+              <a:rPr kumimoji="1" lang="en-US" altLang="ja-JP" sz="900" dirty="0" err="1">
+                <a:latin typeface="Noto Sans CJK KR Regular" panose="020B0500000000000000" pitchFamily="34" charset="-128"/>
+                <a:ea typeface="Noto Sans CJK KR Regular" panose="020B0500000000000000" pitchFamily="34" charset="-128"/>
+              </a:rPr>
+              <a:t>fühle</a:t>
+            </a:r>
+            <a:r>
+              <a:rPr kumimoji="1" lang="en-US" altLang="ja-JP" sz="900" dirty="0">
+                <a:latin typeface="Noto Sans CJK KR Regular" panose="020B0500000000000000" pitchFamily="34" charset="-128"/>
+                <a:ea typeface="Noto Sans CJK KR Regular" panose="020B0500000000000000" pitchFamily="34" charset="-128"/>
+              </a:rPr>
+              <a:t>, was Du </a:t>
+            </a:r>
+            <a:r>
+              <a:rPr kumimoji="1" lang="en-US" altLang="ja-JP" sz="900" dirty="0" err="1">
+                <a:latin typeface="Noto Sans CJK KR Regular" panose="020B0500000000000000" pitchFamily="34" charset="-128"/>
+                <a:ea typeface="Noto Sans CJK KR Regular" panose="020B0500000000000000" pitchFamily="34" charset="-128"/>
+              </a:rPr>
+              <a:t>fühlst</a:t>
+            </a:r>
+            <a:r>
+              <a:rPr kumimoji="1" lang="en-US" altLang="ja-JP" sz="900" dirty="0">
+                <a:latin typeface="Noto Sans CJK KR Regular" panose="020B0500000000000000" pitchFamily="34" charset="-128"/>
+                <a:ea typeface="Noto Sans CJK KR Regular" panose="020B0500000000000000" pitchFamily="34" charset="-128"/>
+              </a:rPr>
+              <a:t> (Joachim Bauer, 2005)</a:t>
+            </a:r>
+            <a:endParaRPr kumimoji="1" lang="ja-JP" altLang="en-US" sz="900" dirty="0">
+              <a:latin typeface="Noto Sans CJK KR Regular" panose="020B0500000000000000" pitchFamily="34" charset="-128"/>
+              <a:ea typeface="Noto Sans CJK KR Regular" panose="020B0500000000000000" pitchFamily="34" charset="-128"/>
+            </a:endParaRPr>
           </a:p>
         </p:txBody>
       </p:sp>
@@ -7024,6 +7140,9 @@
             <a:avLst/>
           </a:prstGeom>
           <a:noFill/>
+          <a:ln>
+            <a:noFill/>
+          </a:ln>
         </p:spPr>
         <p:txBody>
           <a:bodyPr wrap="square" rtlCol="0">
@@ -7096,10 +7215,7 @@
             <a:r>
               <a:rPr kumimoji="1" lang="en-US" altLang="ja-JP" sz="4800" dirty="0">
                 <a:solidFill>
-                  <a:schemeClr val="accent5">
-                    <a:lumMod val="90000"/>
-                    <a:lumOff val="10000"/>
-                  </a:schemeClr>
+                  <a:srgbClr val="7030A0"/>
                 </a:solidFill>
                 <a:latin typeface="Arial" panose="020B0604020202020204" pitchFamily="34" charset="0"/>
                 <a:cs typeface="Arial" panose="020B0604020202020204" pitchFamily="34" charset="0"/>
@@ -7108,10 +7224,7 @@
             </a:r>
             <a:endParaRPr kumimoji="1" lang="ja-JP" altLang="en-US" sz="4800" dirty="0">
               <a:solidFill>
-                <a:schemeClr val="accent5">
-                  <a:lumMod val="90000"/>
-                  <a:lumOff val="10000"/>
-                </a:schemeClr>
+                <a:srgbClr val="7030A0"/>
               </a:solidFill>
               <a:latin typeface="Arial" panose="020B0604020202020204" pitchFamily="34" charset="0"/>
               <a:cs typeface="Arial" panose="020B0604020202020204" pitchFamily="34" charset="0"/>
@@ -7121,10 +7234,10 @@
       </p:sp>
       <p:pic>
         <p:nvPicPr>
-          <p:cNvPr id="1026" name="Picture 2" descr="그림1">
-            <a:extLst>
-              <a:ext uri="{FF2B5EF4-FFF2-40B4-BE49-F238E27FC236}">
-                <a16:creationId xmlns:a16="http://schemas.microsoft.com/office/drawing/2014/main" id="{E93F2E84-20C8-50FA-DEE6-6C0330AB6ACA}"/>
+          <p:cNvPr id="2" name="Picture 2" descr="그림1">
+            <a:extLst>
+              <a:ext uri="{FF2B5EF4-FFF2-40B4-BE49-F238E27FC236}">
+                <a16:creationId xmlns:a16="http://schemas.microsoft.com/office/drawing/2014/main" id="{666DE930-26E0-66DD-0319-5AA0B02AA0B4}"/>
               </a:ext>
             </a:extLst>
           </p:cNvPr>
@@ -7141,13 +7254,13 @@
               </a:ext>
             </a:extLst>
           </a:blip>
-          <a:srcRect b="68105"/>
+          <a:srcRect l="23617" t="47944" r="25885" b="20161"/>
           <a:stretch/>
         </p:blipFill>
         <p:spPr bwMode="auto">
           <a:xfrm>
-            <a:off x="1948906" y="1397663"/>
-            <a:ext cx="8525673" cy="1608882"/>
+            <a:off x="3875360" y="4896647"/>
+            <a:ext cx="4305300" cy="1608881"/>
           </a:xfrm>
           <a:prstGeom prst="rect">
             <a:avLst/>
@@ -7164,178 +7277,22 @@
           </a:extLst>
         </p:spPr>
       </p:pic>
-      <p:pic>
-        <p:nvPicPr>
-          <p:cNvPr id="2" name="Picture 2" descr="그림1">
-            <a:extLst>
-              <a:ext uri="{FF2B5EF4-FFF2-40B4-BE49-F238E27FC236}">
-                <a16:creationId xmlns:a16="http://schemas.microsoft.com/office/drawing/2014/main" id="{666DE930-26E0-66DD-0319-5AA0B02AA0B4}"/>
-              </a:ext>
-            </a:extLst>
-          </p:cNvPr>
-          <p:cNvPicPr>
-            <a:picLocks noChangeAspect="1" noChangeArrowheads="1"/>
-          </p:cNvPicPr>
-          <p:nvPr/>
-        </p:nvPicPr>
-        <p:blipFill rotWithShape="1">
-          <a:blip r:embed="rId3">
-            <a:extLst>
-              <a:ext uri="{28A0092B-C50C-407E-A947-70E740481C1C}">
-                <a14:useLocalDpi xmlns:a14="http://schemas.microsoft.com/office/drawing/2010/main" val="0"/>
-              </a:ext>
-            </a:extLst>
-          </a:blip>
-          <a:srcRect t="47944" b="20161"/>
-          <a:stretch/>
-        </p:blipFill>
-        <p:spPr bwMode="auto">
-          <a:xfrm>
-            <a:off x="1948905" y="4447297"/>
-            <a:ext cx="8525673" cy="1608881"/>
-          </a:xfrm>
-          <a:prstGeom prst="rect">
-            <a:avLst/>
-          </a:prstGeom>
-          <a:noFill/>
-          <a:extLst>
-            <a:ext uri="{909E8E84-426E-40DD-AFC4-6F175D3DCCD1}">
-              <a14:hiddenFill xmlns:a14="http://schemas.microsoft.com/office/drawing/2010/main">
-                <a:solidFill>
-                  <a:srgbClr val="FFFFFF"/>
-                </a:solidFill>
-              </a14:hiddenFill>
-            </a:ext>
-          </a:extLst>
-        </p:spPr>
-      </p:pic>
-      <p:sp>
-        <p:nvSpPr>
-          <p:cNvPr id="3" name="Down Arrow 2">
-            <a:extLst>
-              <a:ext uri="{FF2B5EF4-FFF2-40B4-BE49-F238E27FC236}">
-                <a16:creationId xmlns:a16="http://schemas.microsoft.com/office/drawing/2014/main" id="{FD9E42B2-93AF-7941-DF96-5300F06AA023}"/>
-              </a:ext>
-            </a:extLst>
-          </p:cNvPr>
-          <p:cNvSpPr/>
+      <p:sp>
+        <p:nvSpPr>
+          <p:cNvPr id="7" name="TextBox 11">
+            <a:extLst>
+              <a:ext uri="{FF2B5EF4-FFF2-40B4-BE49-F238E27FC236}">
+                <a16:creationId xmlns:a16="http://schemas.microsoft.com/office/drawing/2014/main" id="{BBA88393-AFF6-0E57-6050-CF0012E37745}"/>
+              </a:ext>
+            </a:extLst>
+          </p:cNvPr>
+          <p:cNvSpPr txBox="1"/>
           <p:nvPr/>
         </p:nvSpPr>
         <p:spPr>
           <a:xfrm>
-            <a:off x="5187381" y="3321807"/>
-            <a:ext cx="2048719" cy="810228"/>
-          </a:xfrm>
-          <a:prstGeom prst="downArrow">
-            <a:avLst/>
-          </a:prstGeom>
-          <a:solidFill>
-            <a:schemeClr val="accent4">
-              <a:lumMod val="60000"/>
-              <a:lumOff val="40000"/>
-            </a:schemeClr>
-          </a:solidFill>
-          <a:ln>
-            <a:solidFill>
-              <a:srgbClr val="0070C0"/>
-            </a:solidFill>
-          </a:ln>
-        </p:spPr>
-        <p:style>
-          <a:lnRef idx="2">
-            <a:schemeClr val="accent1">
-              <a:shade val="50000"/>
-            </a:schemeClr>
-          </a:lnRef>
-          <a:fillRef idx="1">
-            <a:schemeClr val="accent1"/>
-          </a:fillRef>
-          <a:effectRef idx="0">
-            <a:schemeClr val="accent1"/>
-          </a:effectRef>
-          <a:fontRef idx="minor">
-            <a:schemeClr val="lt1"/>
-          </a:fontRef>
-        </p:style>
-        <p:txBody>
-          <a:bodyPr rtlCol="0" anchor="ctr"/>
-          <a:lstStyle/>
-          <a:p>
-            <a:pPr algn="ctr"/>
-            <a:endParaRPr lang="en-JP"/>
-          </a:p>
-        </p:txBody>
-      </p:sp>
-      <p:sp>
-        <p:nvSpPr>
-          <p:cNvPr id="4" name="加算記号 3">
-            <a:extLst>
-              <a:ext uri="{FF2B5EF4-FFF2-40B4-BE49-F238E27FC236}">
-                <a16:creationId xmlns:a16="http://schemas.microsoft.com/office/drawing/2014/main" id="{13030CCB-0BF0-3CED-EF2E-4A5F72ADEF2E}"/>
-              </a:ext>
-            </a:extLst>
-          </p:cNvPr>
-          <p:cNvSpPr/>
-          <p:nvPr/>
-        </p:nvSpPr>
-        <p:spPr>
-          <a:xfrm>
-            <a:off x="5670057" y="1727811"/>
-            <a:ext cx="1083365" cy="1083365"/>
-          </a:xfrm>
-          <a:prstGeom prst="mathPlus">
-            <a:avLst>
-              <a:gd name="adj1" fmla="val 12511"/>
-            </a:avLst>
-          </a:prstGeom>
-          <a:solidFill>
-            <a:schemeClr val="accent4">
-              <a:lumMod val="40000"/>
-              <a:lumOff val="60000"/>
-            </a:schemeClr>
-          </a:solidFill>
-        </p:spPr>
-        <p:style>
-          <a:lnRef idx="2">
-            <a:schemeClr val="accent1">
-              <a:shade val="50000"/>
-            </a:schemeClr>
-          </a:lnRef>
-          <a:fillRef idx="1">
-            <a:schemeClr val="accent1"/>
-          </a:fillRef>
-          <a:effectRef idx="0">
-            <a:schemeClr val="accent1"/>
-          </a:effectRef>
-          <a:fontRef idx="minor">
-            <a:schemeClr val="lt1"/>
-          </a:fontRef>
-        </p:style>
-        <p:txBody>
-          <a:bodyPr rtlCol="0" anchor="ctr"/>
-          <a:lstStyle/>
-          <a:p>
-            <a:pPr algn="ctr"/>
-            <a:endParaRPr kumimoji="1" lang="ja-JP" altLang="en-US"/>
-          </a:p>
-        </p:txBody>
-      </p:sp>
-      <p:sp>
-        <p:nvSpPr>
-          <p:cNvPr id="7" name="TextBox 11">
-            <a:extLst>
-              <a:ext uri="{FF2B5EF4-FFF2-40B4-BE49-F238E27FC236}">
-                <a16:creationId xmlns:a16="http://schemas.microsoft.com/office/drawing/2014/main" id="{BBA88393-AFF6-0E57-6050-CF0012E37745}"/>
-              </a:ext>
-            </a:extLst>
-          </p:cNvPr>
-          <p:cNvSpPr txBox="1"/>
-          <p:nvPr/>
-        </p:nvSpPr>
-        <p:spPr>
-          <a:xfrm>
-            <a:off x="99391" y="6581001"/>
-            <a:ext cx="11993218" cy="276999"/>
+            <a:off x="99391" y="6442977"/>
+            <a:ext cx="11993218" cy="461665"/>
           </a:xfrm>
           <a:prstGeom prst="rect">
             <a:avLst/>
@@ -7348,54 +7305,293 @@
           </a:bodyPr>
           <a:lstStyle/>
           <a:p>
-            <a:r>
-              <a:rPr lang="ja-JP" altLang="en-US" sz="1200" dirty="0"/>
-              <a:t>[BART: Denoising Sequence-to-Sequence Pre-training for Natural Language Generation, Translation, and Comprehension](https://aclanthology.org/2020.acl-main.703) (Lewis et al., ACL 2020)</a:t>
-            </a:r>
-          </a:p>
-        </p:txBody>
-      </p:sp>
-    </p:spTree>
-    <p:extLst>
-      <p:ext uri="{BB962C8B-B14F-4D97-AF65-F5344CB8AC3E}">
-        <p14:creationId xmlns:p14="http://schemas.microsoft.com/office/powerpoint/2010/main" val="281058410"/>
-      </p:ext>
-    </p:extLst>
-  </p:cSld>
-  <p:clrMapOvr>
-    <a:masterClrMapping/>
-  </p:clrMapOvr>
-  <p:extLst>
-    <p:ext uri="{6950BFC3-D8DA-4A85-94F7-54DA5524770B}">
-      <p188:commentRel xmlns:p188="http://schemas.microsoft.com/office/powerpoint/2018/8/main" r:id="rId2"/>
-    </p:ext>
-  </p:extLst>
-</p:sld>
-</file>
-
-<file path=ppt/slides/slide5.xml><?xml version="1.0" encoding="utf-8"?>
-<p:sld xmlns:a="http://schemas.openxmlformats.org/drawingml/2006/main" xmlns:r="http://schemas.openxmlformats.org/officeDocument/2006/relationships" xmlns:p="http://schemas.openxmlformats.org/presentationml/2006/main">
-  <p:cSld>
-    <p:spTree>
-      <p:nvGrpSpPr>
-        <p:cNvPr id="1" name=""/>
-        <p:cNvGrpSpPr/>
-        <p:nvPr/>
-      </p:nvGrpSpPr>
-      <p:grpSpPr>
-        <a:xfrm>
-          <a:off x="0" y="0"/>
-          <a:ext cx="0" cy="0"/>
-          <a:chOff x="0" y="0"/>
-          <a:chExt cx="0" cy="0"/>
-        </a:xfrm>
-      </p:grpSpPr>
-      <p:sp>
-        <p:nvSpPr>
-          <p:cNvPr id="6" name="タイトル 5">
-            <a:extLst>
-              <a:ext uri="{FF2B5EF4-FFF2-40B4-BE49-F238E27FC236}">
-                <a16:creationId xmlns:a16="http://schemas.microsoft.com/office/drawing/2014/main" id="{2F47917E-3FBE-2E0A-EC0E-52FFC48E9FA2}"/>
+            <a:pPr algn="ctr"/>
+            <a:r>
+              <a:rPr lang="en-US" altLang="ko-KR" sz="1200" b="0" i="0" dirty="0">
+                <a:solidFill>
+                  <a:schemeClr val="tx1">
+                    <a:lumMod val="75000"/>
+                    <a:lumOff val="25000"/>
+                  </a:schemeClr>
+                </a:solidFill>
+                <a:effectLst/>
+                <a:latin typeface="Noto Sans CJK KR Regular" panose="020B0500000000000000" pitchFamily="34" charset="-128"/>
+                <a:ea typeface="Noto Sans CJK KR Regular" panose="020B0500000000000000" pitchFamily="34" charset="-128"/>
+              </a:rPr>
+              <a:t>[4] Vaswani, Ashish et al. “Attention is All you Need” (2017)</a:t>
+            </a:r>
+            <a:endParaRPr lang="en-US" altLang="ja-JP" sz="1200" dirty="0">
+              <a:solidFill>
+                <a:schemeClr val="tx1">
+                  <a:lumMod val="75000"/>
+                  <a:lumOff val="25000"/>
+                </a:schemeClr>
+              </a:solidFill>
+              <a:latin typeface="Noto Sans CJK KR Regular" panose="020B0500000000000000" pitchFamily="34" charset="-128"/>
+              <a:ea typeface="Noto Sans CJK KR Regular" panose="020B0500000000000000" pitchFamily="34" charset="-128"/>
+            </a:endParaRPr>
+          </a:p>
+          <a:p>
+            <a:pPr algn="ctr"/>
+            <a:r>
+              <a:rPr lang="en-US" altLang="ja-JP" sz="1200" dirty="0">
+                <a:solidFill>
+                  <a:schemeClr val="tx1">
+                    <a:lumMod val="75000"/>
+                    <a:lumOff val="25000"/>
+                  </a:schemeClr>
+                </a:solidFill>
+                <a:latin typeface="Noto Sans CJK KR Regular" panose="020B0500000000000000" pitchFamily="34" charset="-128"/>
+                <a:ea typeface="Noto Sans CJK KR Regular" panose="020B0500000000000000" pitchFamily="34" charset="-128"/>
+              </a:rPr>
+              <a:t>[3] </a:t>
+            </a:r>
+            <a:r>
+              <a:rPr lang="ja-JP" altLang="en-US" sz="1200" dirty="0">
+                <a:solidFill>
+                  <a:schemeClr val="tx1">
+                    <a:lumMod val="75000"/>
+                    <a:lumOff val="25000"/>
+                  </a:schemeClr>
+                </a:solidFill>
+                <a:latin typeface="Noto Sans CJK KR Regular" panose="020B0500000000000000" pitchFamily="34" charset="-128"/>
+                <a:ea typeface="Noto Sans CJK KR Regular" panose="020B0500000000000000" pitchFamily="34" charset="-128"/>
+              </a:rPr>
+              <a:t>[BART: Denoising Sequence-to-Sequence Pre-training for Natural Language Generation, Translation, and Comprehension] (Lewis et al., ACL 2020)</a:t>
+            </a:r>
+          </a:p>
+        </p:txBody>
+      </p:sp>
+      <p:grpSp>
+        <p:nvGrpSpPr>
+          <p:cNvPr id="8" name="그룹 11">
+            <a:extLst>
+              <a:ext uri="{FF2B5EF4-FFF2-40B4-BE49-F238E27FC236}">
+                <a16:creationId xmlns:a16="http://schemas.microsoft.com/office/drawing/2014/main" id="{006CC6D0-DC75-2920-554B-864D77D15225}"/>
+              </a:ext>
+            </a:extLst>
+          </p:cNvPr>
+          <p:cNvGrpSpPr/>
+          <p:nvPr/>
+        </p:nvGrpSpPr>
+        <p:grpSpPr>
+          <a:xfrm>
+            <a:off x="4749912" y="1219994"/>
+            <a:ext cx="2692176" cy="3676653"/>
+            <a:chOff x="4817328" y="3395547"/>
+            <a:chExt cx="2540713" cy="3469803"/>
+          </a:xfrm>
+        </p:grpSpPr>
+        <p:pic>
+          <p:nvPicPr>
+            <p:cNvPr id="9" name="Picture 2">
+              <a:extLst>
+                <a:ext uri="{FF2B5EF4-FFF2-40B4-BE49-F238E27FC236}">
+                  <a16:creationId xmlns:a16="http://schemas.microsoft.com/office/drawing/2014/main" id="{57FF5490-3A73-3513-3CF9-B7DBC3359BAE}"/>
+                </a:ext>
+              </a:extLst>
+            </p:cNvPr>
+            <p:cNvPicPr>
+              <a:picLocks noChangeAspect="1" noChangeArrowheads="1"/>
+            </p:cNvPicPr>
+            <p:nvPr/>
+          </p:nvPicPr>
+          <p:blipFill>
+            <a:blip r:embed="rId4">
+              <a:extLst>
+                <a:ext uri="{28A0092B-C50C-407E-A947-70E740481C1C}">
+                  <a14:useLocalDpi xmlns:a14="http://schemas.microsoft.com/office/drawing/2010/main" val="0"/>
+                </a:ext>
+              </a:extLst>
+            </a:blip>
+            <a:srcRect/>
+            <a:stretch>
+              <a:fillRect/>
+            </a:stretch>
+          </p:blipFill>
+          <p:spPr bwMode="auto">
+            <a:xfrm>
+              <a:off x="4924093" y="3395547"/>
+              <a:ext cx="2350355" cy="3463681"/>
+            </a:xfrm>
+            <a:prstGeom prst="rect">
+              <a:avLst/>
+            </a:prstGeom>
+            <a:noFill/>
+            <a:extLst>
+              <a:ext uri="{909E8E84-426E-40DD-AFC4-6F175D3DCCD1}">
+                <a14:hiddenFill xmlns:a14="http://schemas.microsoft.com/office/drawing/2010/main">
+                  <a:solidFill>
+                    <a:srgbClr val="FFFFFF"/>
+                  </a:solidFill>
+                </a14:hiddenFill>
+              </a:ext>
+            </a:extLst>
+          </p:spPr>
+        </p:pic>
+        <p:sp>
+          <p:nvSpPr>
+            <p:cNvPr id="10" name="곱하기 기호 8">
+              <a:extLst>
+                <a:ext uri="{FF2B5EF4-FFF2-40B4-BE49-F238E27FC236}">
+                  <a16:creationId xmlns:a16="http://schemas.microsoft.com/office/drawing/2014/main" id="{D8BF6578-5F18-7497-FF33-472D207AC9C9}"/>
+                </a:ext>
+              </a:extLst>
+            </p:cNvPr>
+            <p:cNvSpPr/>
+            <p:nvPr/>
+          </p:nvSpPr>
+          <p:spPr>
+            <a:xfrm>
+              <a:off x="6023520" y="4545260"/>
+              <a:ext cx="1009237" cy="647040"/>
+            </a:xfrm>
+            <a:prstGeom prst="mathMultiply">
+              <a:avLst/>
+            </a:prstGeom>
+            <a:solidFill>
+              <a:srgbClr val="C00000"/>
+            </a:solidFill>
+            <a:ln>
+              <a:noFill/>
+            </a:ln>
+          </p:spPr>
+          <p:style>
+            <a:lnRef idx="2">
+              <a:schemeClr val="accent1">
+                <a:shade val="50000"/>
+              </a:schemeClr>
+            </a:lnRef>
+            <a:fillRef idx="1">
+              <a:schemeClr val="accent1"/>
+            </a:fillRef>
+            <a:effectRef idx="0">
+              <a:schemeClr val="accent1"/>
+            </a:effectRef>
+            <a:fontRef idx="minor">
+              <a:schemeClr val="lt1"/>
+            </a:fontRef>
+          </p:style>
+          <p:txBody>
+            <a:bodyPr rtlCol="0" anchor="ctr"/>
+            <a:lstStyle/>
+            <a:p>
+              <a:pPr algn="ctr"/>
+              <a:endParaRPr lang="ko-KR" altLang="en-US"/>
+            </a:p>
+          </p:txBody>
+        </p:sp>
+        <p:sp>
+          <p:nvSpPr>
+            <p:cNvPr id="11" name="직사각형 9">
+              <a:extLst>
+                <a:ext uri="{FF2B5EF4-FFF2-40B4-BE49-F238E27FC236}">
+                  <a16:creationId xmlns:a16="http://schemas.microsoft.com/office/drawing/2014/main" id="{FB5DD099-CE16-360F-393A-7C0ABE80596C}"/>
+                </a:ext>
+              </a:extLst>
+            </p:cNvPr>
+            <p:cNvSpPr/>
+            <p:nvPr/>
+          </p:nvSpPr>
+          <p:spPr>
+            <a:xfrm>
+              <a:off x="4817328" y="4553034"/>
+              <a:ext cx="1278672" cy="2311492"/>
+            </a:xfrm>
+            <a:prstGeom prst="rect">
+              <a:avLst/>
+            </a:prstGeom>
+            <a:noFill/>
+            <a:ln w="38100">
+              <a:solidFill>
+                <a:srgbClr val="002060"/>
+              </a:solidFill>
+            </a:ln>
+          </p:spPr>
+          <p:style>
+            <a:lnRef idx="2">
+              <a:schemeClr val="accent1">
+                <a:shade val="50000"/>
+              </a:schemeClr>
+            </a:lnRef>
+            <a:fillRef idx="1">
+              <a:schemeClr val="accent1"/>
+            </a:fillRef>
+            <a:effectRef idx="0">
+              <a:schemeClr val="accent1"/>
+            </a:effectRef>
+            <a:fontRef idx="minor">
+              <a:schemeClr val="lt1"/>
+            </a:fontRef>
+          </p:style>
+          <p:txBody>
+            <a:bodyPr rtlCol="0" anchor="ctr"/>
+            <a:lstStyle/>
+            <a:p>
+              <a:pPr algn="ctr"/>
+              <a:endParaRPr lang="ko-KR" altLang="en-US"/>
+            </a:p>
+          </p:txBody>
+        </p:sp>
+        <p:sp>
+          <p:nvSpPr>
+            <p:cNvPr id="12" name="직사각형 10">
+              <a:extLst>
+                <a:ext uri="{FF2B5EF4-FFF2-40B4-BE49-F238E27FC236}">
+                  <a16:creationId xmlns:a16="http://schemas.microsoft.com/office/drawing/2014/main" id="{C7E4E530-E559-AF7E-0A6F-507A0DA671D1}"/>
+                </a:ext>
+              </a:extLst>
+            </p:cNvPr>
+            <p:cNvSpPr/>
+            <p:nvPr/>
+          </p:nvSpPr>
+          <p:spPr>
+            <a:xfrm>
+              <a:off x="6127713" y="4081479"/>
+              <a:ext cx="1230328" cy="2783871"/>
+            </a:xfrm>
+            <a:prstGeom prst="rect">
+              <a:avLst/>
+            </a:prstGeom>
+            <a:noFill/>
+            <a:ln w="38100">
+              <a:solidFill>
+                <a:srgbClr val="C00000"/>
+              </a:solidFill>
+            </a:ln>
+          </p:spPr>
+          <p:style>
+            <a:lnRef idx="2">
+              <a:schemeClr val="accent1">
+                <a:shade val="50000"/>
+              </a:schemeClr>
+            </a:lnRef>
+            <a:fillRef idx="1">
+              <a:schemeClr val="accent1"/>
+            </a:fillRef>
+            <a:effectRef idx="0">
+              <a:schemeClr val="accent1"/>
+            </a:effectRef>
+            <a:fontRef idx="minor">
+              <a:schemeClr val="lt1"/>
+            </a:fontRef>
+          </p:style>
+          <p:txBody>
+            <a:bodyPr rtlCol="0" anchor="ctr"/>
+            <a:lstStyle/>
+            <a:p>
+              <a:pPr algn="ctr"/>
+              <a:endParaRPr lang="ko-KR" altLang="en-US"/>
+            </a:p>
+          </p:txBody>
+        </p:sp>
+      </p:grpSp>
+      <p:sp>
+        <p:nvSpPr>
+          <p:cNvPr id="13" name="テキスト プレースホルダー 6">
+            <a:extLst>
+              <a:ext uri="{FF2B5EF4-FFF2-40B4-BE49-F238E27FC236}">
+                <a16:creationId xmlns:a16="http://schemas.microsoft.com/office/drawing/2014/main" id="{93730802-92BF-AEC2-2562-06B8B35F8665}"/>
               </a:ext>
             </a:extLst>
           </p:cNvPr>
@@ -7403,62 +7599,23 @@
             <a:spLocks noGrp="1"/>
           </p:cNvSpPr>
           <p:nvPr>
-            <p:ph type="title"/>
+            <p:ph type="body" idx="1"/>
           </p:nvPr>
         </p:nvSpPr>
         <p:spPr>
           <a:xfrm>
-            <a:off x="594519" y="236200"/>
-            <a:ext cx="11002962" cy="861645"/>
+            <a:off x="2272381" y="2894660"/>
+            <a:ext cx="2098247" cy="861644"/>
           </a:xfrm>
+          <a:noFill/>
         </p:spPr>
         <p:txBody>
           <a:bodyPr/>
           <a:lstStyle/>
           <a:p>
-            <a:r>
-              <a:rPr lang="en-US" altLang="ja-JP" sz="4000" dirty="0">
-                <a:latin typeface="Arial" panose="020B0604020202020204" pitchFamily="34" charset="0"/>
-                <a:cs typeface="Arial" panose="020B0604020202020204" pitchFamily="34" charset="0"/>
-              </a:rPr>
-              <a:t>BERT &amp; GPT</a:t>
-            </a:r>
-            <a:endParaRPr lang="ja-JP" altLang="en-US" sz="4000" dirty="0">
-              <a:latin typeface="Arial" panose="020B0604020202020204" pitchFamily="34" charset="0"/>
-              <a:cs typeface="Arial" panose="020B0604020202020204" pitchFamily="34" charset="0"/>
-            </a:endParaRPr>
-          </a:p>
-        </p:txBody>
-      </p:sp>
-      <p:sp>
-        <p:nvSpPr>
-          <p:cNvPr id="7" name="テキスト プレースホルダー 6">
-            <a:extLst>
-              <a:ext uri="{FF2B5EF4-FFF2-40B4-BE49-F238E27FC236}">
-                <a16:creationId xmlns:a16="http://schemas.microsoft.com/office/drawing/2014/main" id="{F3B168CF-43A0-0CAE-9948-CEA296D46ACB}"/>
-              </a:ext>
-            </a:extLst>
-          </p:cNvPr>
-          <p:cNvSpPr>
-            <a:spLocks noGrp="1"/>
-          </p:cNvSpPr>
-          <p:nvPr>
-            <p:ph type="body" idx="1"/>
-          </p:nvPr>
-        </p:nvSpPr>
-        <p:spPr>
-          <a:xfrm>
-            <a:off x="1770184" y="4672092"/>
-            <a:ext cx="2098247" cy="861644"/>
-          </a:xfrm>
-        </p:spPr>
-        <p:txBody>
-          <a:bodyPr/>
-          <a:lstStyle/>
-          <a:p>
             <a:pPr algn="ctr"/>
             <a:r>
-              <a:rPr lang="en-US" altLang="ja-JP" dirty="0">
+              <a:rPr lang="en-US" altLang="ja-JP" sz="3200" spc="0" dirty="0">
                 <a:solidFill>
                   <a:srgbClr val="002060"/>
                 </a:solidFill>
@@ -7470,31 +7627,52 @@
       </p:sp>
       <p:sp>
         <p:nvSpPr>
-          <p:cNvPr id="5" name="スライド番号プレースホルダー 4">
-            <a:extLst>
-              <a:ext uri="{FF2B5EF4-FFF2-40B4-BE49-F238E27FC236}">
-                <a16:creationId xmlns:a16="http://schemas.microsoft.com/office/drawing/2014/main" id="{C32DE5E6-D79C-32AA-9C48-EA2CDB1A3704}"/>
-              </a:ext>
-            </a:extLst>
-          </p:cNvPr>
-          <p:cNvSpPr>
-            <a:spLocks noGrp="1"/>
-          </p:cNvSpPr>
-          <p:nvPr>
-            <p:ph type="sldNum" sz="quarter" idx="12"/>
-          </p:nvPr>
-        </p:nvSpPr>
-        <p:spPr/>
-        <p:txBody>
-          <a:bodyPr/>
+          <p:cNvPr id="14" name="TextBox 1">
+            <a:extLst>
+              <a:ext uri="{FF2B5EF4-FFF2-40B4-BE49-F238E27FC236}">
+                <a16:creationId xmlns:a16="http://schemas.microsoft.com/office/drawing/2014/main" id="{E55D0FA6-9824-8D52-B159-E1B50D6EB874}"/>
+              </a:ext>
+            </a:extLst>
+          </p:cNvPr>
+          <p:cNvSpPr txBox="1"/>
+          <p:nvPr/>
+        </p:nvSpPr>
+        <p:spPr>
+          <a:xfrm>
+            <a:off x="2585523" y="3497572"/>
+            <a:ext cx="1471961" cy="923330"/>
+          </a:xfrm>
+          <a:prstGeom prst="rect">
+            <a:avLst/>
+          </a:prstGeom>
+          <a:noFill/>
+        </p:spPr>
+        <p:txBody>
+          <a:bodyPr wrap="square" rtlCol="0">
+            <a:spAutoFit/>
+          </a:bodyPr>
           <a:lstStyle/>
           <a:p>
-            <a:pPr rtl="0"/>
-            <a:fld id="{8C2E478F-E849-4A8C-AF1F-CBCC78A7CBFA}" type="slidenum">
-              <a:rPr lang="en-US" altLang="ja-JP" noProof="0" smtClean="0"/>
-              <a:t>5</a:t>
-            </a:fld>
-            <a:endParaRPr lang="ja-JP" altLang="en-US" noProof="0"/>
+            <a:pPr algn="ctr"/>
+            <a:r>
+              <a:rPr lang="en-US" altLang="ko-KR" dirty="0"/>
+              <a:t>Self-Attention</a:t>
+            </a:r>
+          </a:p>
+          <a:p>
+            <a:pPr algn="ctr"/>
+            <a:r>
+              <a:rPr lang="en-US" altLang="ko-KR" dirty="0"/>
+              <a:t>Bi-directional</a:t>
+            </a:r>
+          </a:p>
+          <a:p>
+            <a:pPr algn="ctr"/>
+            <a:r>
+              <a:rPr lang="en-US" altLang="ko-KR" dirty="0"/>
+              <a:t>Google</a:t>
+            </a:r>
+            <a:endParaRPr lang="ko-KR" altLang="en-US" dirty="0"/>
           </a:p>
         </p:txBody>
       </p:sp>
@@ -7503,7 +7681,7 @@
           <p:cNvPr id="15" name="テキスト プレースホルダー 6">
             <a:extLst>
               <a:ext uri="{FF2B5EF4-FFF2-40B4-BE49-F238E27FC236}">
-                <a16:creationId xmlns:a16="http://schemas.microsoft.com/office/drawing/2014/main" id="{575EEFD4-30C5-FFF1-591C-2E581B83664E}"/>
+                <a16:creationId xmlns:a16="http://schemas.microsoft.com/office/drawing/2014/main" id="{6B22EDA8-C4B2-B572-5F99-559FC03BE788}"/>
               </a:ext>
             </a:extLst>
           </p:cNvPr>
@@ -7514,8 +7692,8 @@
         </p:nvSpPr>
         <p:spPr>
           <a:xfrm>
-            <a:off x="1770184" y="1223058"/>
-            <a:ext cx="8651631" cy="2099256"/>
+            <a:off x="7922356" y="2894660"/>
+            <a:ext cx="2098247" cy="861644"/>
           </a:xfrm>
           <a:prstGeom prst="rect">
             <a:avLst/>
@@ -7692,64 +7870,139 @@
           <a:p>
             <a:pPr algn="ctr"/>
             <a:r>
-              <a:rPr lang="en-US" altLang="ja-JP" sz="2800" b="1" dirty="0"/>
-              <a:t>Transformer</a:t>
-            </a:r>
-          </a:p>
+              <a:rPr lang="en-US" altLang="ja-JP" sz="3200" dirty="0">
+                <a:solidFill>
+                  <a:srgbClr val="C00000"/>
+                </a:solidFill>
+              </a:rPr>
+              <a:t>GPT</a:t>
+            </a:r>
+            <a:endParaRPr lang="ja-JP" altLang="en-US" sz="3200" dirty="0">
+              <a:solidFill>
+                <a:srgbClr val="C00000"/>
+              </a:solidFill>
+            </a:endParaRPr>
+          </a:p>
+        </p:txBody>
+      </p:sp>
+      <p:sp>
+        <p:nvSpPr>
+          <p:cNvPr id="16" name="TextBox 2">
+            <a:extLst>
+              <a:ext uri="{FF2B5EF4-FFF2-40B4-BE49-F238E27FC236}">
+                <a16:creationId xmlns:a16="http://schemas.microsoft.com/office/drawing/2014/main" id="{34E1D1D8-2F56-8D52-67A7-458FDC80FD8D}"/>
+              </a:ext>
+            </a:extLst>
+          </p:cNvPr>
+          <p:cNvSpPr txBox="1"/>
+          <p:nvPr/>
+        </p:nvSpPr>
+        <p:spPr>
+          <a:xfrm>
+            <a:off x="7714146" y="3459472"/>
+            <a:ext cx="2514666" cy="923330"/>
+          </a:xfrm>
+          <a:prstGeom prst="rect">
+            <a:avLst/>
+          </a:prstGeom>
+          <a:noFill/>
+        </p:spPr>
+        <p:txBody>
+          <a:bodyPr wrap="square" rtlCol="0">
+            <a:spAutoFit/>
+          </a:bodyPr>
+          <a:lstStyle/>
           <a:p>
             <a:pPr algn="ctr"/>
             <a:r>
-              <a:rPr lang="en-US" altLang="ja-JP" dirty="0"/>
-              <a:t>Seq2Seq Based, </a:t>
-            </a:r>
-            <a:r>
-              <a:rPr lang="ja-JP" altLang="en-US" dirty="0"/>
-              <a:t>文章＝単語の間の</a:t>
-            </a:r>
-            <a:r>
-              <a:rPr lang="en-US" altLang="ja-JP" dirty="0"/>
-              <a:t>Attention</a:t>
-            </a:r>
-            <a:r>
-              <a:rPr lang="ja-JP" altLang="en-US" dirty="0"/>
-              <a:t>達の集まり</a:t>
-            </a:r>
-            <a:endParaRPr lang="en-US" altLang="ja-JP" dirty="0"/>
+              <a:rPr lang="en-US" altLang="ko-KR" dirty="0"/>
+              <a:t>Masked-Self-Attention</a:t>
+            </a:r>
           </a:p>
           <a:p>
             <a:pPr algn="ctr"/>
             <a:r>
-              <a:rPr lang="en-US" altLang="ja-JP" dirty="0"/>
-              <a:t>Encoder – Decoder Model</a:t>
+              <a:rPr lang="en-US" altLang="ko-KR" dirty="0"/>
+              <a:t>Uni-directional</a:t>
             </a:r>
           </a:p>
           <a:p>
             <a:pPr algn="ctr"/>
-            <a:endParaRPr lang="ja-JP" altLang="en-US" dirty="0"/>
+            <a:r>
+              <a:rPr lang="en-US" altLang="ko-KR" dirty="0" err="1"/>
+              <a:t>OpenAI</a:t>
+            </a:r>
+            <a:endParaRPr lang="ko-KR" altLang="en-US" dirty="0"/>
           </a:p>
         </p:txBody>
       </p:sp>
       <p:cxnSp>
         <p:nvCxnSpPr>
-          <p:cNvPr id="19" name="直線矢印コネクタ 18">
-            <a:extLst>
-              <a:ext uri="{FF2B5EF4-FFF2-40B4-BE49-F238E27FC236}">
-                <a16:creationId xmlns:a16="http://schemas.microsoft.com/office/drawing/2014/main" id="{7F729901-FE3C-CF37-39B9-04A89313B0A1}"/>
+          <p:cNvPr id="24" name="コネクタ: カギ線 23">
+            <a:extLst>
+              <a:ext uri="{FF2B5EF4-FFF2-40B4-BE49-F238E27FC236}">
+                <a16:creationId xmlns:a16="http://schemas.microsoft.com/office/drawing/2014/main" id="{8BF56CC6-9E8D-E88B-4F2F-1C9378A9EDF1}"/>
               </a:ext>
             </a:extLst>
           </p:cNvPr>
           <p:cNvCxnSpPr>
             <a:cxnSpLocks/>
-            <a:endCxn id="7" idx="0"/>
           </p:cNvCxnSpPr>
           <p:nvPr/>
         </p:nvCxnSpPr>
         <p:spPr>
-          <a:xfrm flipH="1">
-            <a:off x="2819308" y="3322314"/>
-            <a:ext cx="1638347" cy="1349778"/>
+          <a:xfrm rot="10800000" flipV="1">
+            <a:off x="7714146" y="1112938"/>
+            <a:ext cx="2636354" cy="595091"/>
           </a:xfrm>
-          <a:prstGeom prst="straightConnector1">
+          <a:prstGeom prst="bentConnector3">
+            <a:avLst>
+              <a:gd name="adj1" fmla="val -1045"/>
+            </a:avLst>
+          </a:prstGeom>
+          <a:ln w="57150">
+            <a:solidFill>
+              <a:srgbClr val="7030A0"/>
+            </a:solidFill>
+            <a:tailEnd type="triangle"/>
+          </a:ln>
+        </p:spPr>
+        <p:style>
+          <a:lnRef idx="3">
+            <a:schemeClr val="accent5"/>
+          </a:lnRef>
+          <a:fillRef idx="0">
+            <a:schemeClr val="accent5"/>
+          </a:fillRef>
+          <a:effectRef idx="2">
+            <a:schemeClr val="accent5"/>
+          </a:effectRef>
+          <a:fontRef idx="minor">
+            <a:schemeClr val="tx1"/>
+          </a:fontRef>
+        </p:style>
+      </p:cxnSp>
+      <p:cxnSp>
+        <p:nvCxnSpPr>
+          <p:cNvPr id="32" name="コネクタ: カギ線 31">
+            <a:extLst>
+              <a:ext uri="{FF2B5EF4-FFF2-40B4-BE49-F238E27FC236}">
+                <a16:creationId xmlns:a16="http://schemas.microsoft.com/office/drawing/2014/main" id="{328721CB-1C67-492B-118A-B8C3263F4306}"/>
+              </a:ext>
+            </a:extLst>
+          </p:cNvPr>
+          <p:cNvCxnSpPr>
+            <a:stCxn id="14" idx="2"/>
+            <a:endCxn id="2" idx="1"/>
+          </p:cNvCxnSpPr>
+          <p:nvPr/>
+        </p:nvCxnSpPr>
+        <p:spPr>
+          <a:xfrm rot="16200000" flipH="1">
+            <a:off x="2958339" y="4784067"/>
+            <a:ext cx="1280186" cy="553856"/>
+          </a:xfrm>
+          <a:prstGeom prst="bentConnector2">
             <a:avLst/>
           </a:prstGeom>
           <a:ln>
@@ -7761,249 +8014,40 @@
         </p:spPr>
         <p:style>
           <a:lnRef idx="3">
-            <a:schemeClr val="accent3"/>
+            <a:schemeClr val="accent4"/>
           </a:lnRef>
           <a:fillRef idx="0">
-            <a:schemeClr val="accent3"/>
+            <a:schemeClr val="accent4"/>
           </a:fillRef>
           <a:effectRef idx="2">
-            <a:schemeClr val="accent3"/>
+            <a:schemeClr val="accent4"/>
           </a:effectRef>
           <a:fontRef idx="minor">
             <a:schemeClr val="tx1"/>
           </a:fontRef>
         </p:style>
       </p:cxnSp>
-      <p:sp>
-        <p:nvSpPr>
-          <p:cNvPr id="24" name="テキスト プレースホルダー 6">
-            <a:extLst>
-              <a:ext uri="{FF2B5EF4-FFF2-40B4-BE49-F238E27FC236}">
-                <a16:creationId xmlns:a16="http://schemas.microsoft.com/office/drawing/2014/main" id="{8C7737FF-E329-CA68-1BB4-F12D75754DA7}"/>
-              </a:ext>
-            </a:extLst>
-          </p:cNvPr>
-          <p:cNvSpPr txBox="1">
-            <a:spLocks/>
-          </p:cNvSpPr>
-          <p:nvPr/>
-        </p:nvSpPr>
-        <p:spPr>
-          <a:xfrm>
-            <a:off x="8323571" y="4672092"/>
-            <a:ext cx="2098247" cy="861644"/>
-          </a:xfrm>
-          <a:prstGeom prst="rect">
-            <a:avLst/>
-          </a:prstGeom>
-        </p:spPr>
-        <p:txBody>
-          <a:bodyPr vert="horz" lIns="91440" tIns="45720" rIns="91440" bIns="45720" rtlCol="0">
-            <a:noAutofit/>
-          </a:bodyPr>
-          <a:lstStyle>
-            <a:lvl1pPr marL="0" indent="0" algn="l" defTabSz="914400" rtl="0" eaLnBrk="1" latinLnBrk="0" hangingPunct="1">
-              <a:lnSpc>
-                <a:spcPct val="150000"/>
-              </a:lnSpc>
-              <a:spcBef>
-                <a:spcPts val="1000"/>
-              </a:spcBef>
-              <a:buFont typeface="Arial" panose="020B0604020202020204" pitchFamily="34" charset="0"/>
-              <a:buNone/>
-              <a:defRPr kumimoji="1" sz="2400" kern="1200">
-                <a:solidFill>
-                  <a:schemeClr val="tx1"/>
-                </a:solidFill>
-                <a:latin typeface="Meiryo UI" panose="020B0604030504040204" pitchFamily="50" charset="-128"/>
-                <a:ea typeface="Meiryo UI" panose="020B0604030504040204" pitchFamily="50" charset="-128"/>
-                <a:cs typeface="+mn-cs"/>
-              </a:defRPr>
-            </a:lvl1pPr>
-            <a:lvl2pPr marL="685800" indent="-228600" algn="l" defTabSz="914400" rtl="0" eaLnBrk="1" latinLnBrk="0" hangingPunct="1">
-              <a:lnSpc>
-                <a:spcPct val="150000"/>
-              </a:lnSpc>
-              <a:spcBef>
-                <a:spcPts val="500"/>
-              </a:spcBef>
-              <a:buFont typeface="Arial" panose="020B0604020202020204" pitchFamily="34" charset="0"/>
-              <a:buChar char="•"/>
-              <a:defRPr kumimoji="1" sz="1400" kern="1200">
-                <a:solidFill>
-                  <a:schemeClr val="tx1"/>
-                </a:solidFill>
-                <a:latin typeface="Meiryo UI" panose="020B0604030504040204" pitchFamily="50" charset="-128"/>
-                <a:ea typeface="Meiryo UI" panose="020B0604030504040204" pitchFamily="50" charset="-128"/>
-                <a:cs typeface="+mn-cs"/>
-              </a:defRPr>
-            </a:lvl2pPr>
-            <a:lvl3pPr marL="1143000" indent="-228600" algn="l" defTabSz="914400" rtl="0" eaLnBrk="1" latinLnBrk="0" hangingPunct="1">
-              <a:lnSpc>
-                <a:spcPct val="150000"/>
-              </a:lnSpc>
-              <a:spcBef>
-                <a:spcPts val="500"/>
-              </a:spcBef>
-              <a:buFont typeface="Arial" panose="020B0604020202020204" pitchFamily="34" charset="0"/>
-              <a:buChar char="•"/>
-              <a:defRPr kumimoji="1" sz="1400" kern="1200">
-                <a:solidFill>
-                  <a:schemeClr val="tx1"/>
-                </a:solidFill>
-                <a:latin typeface="Meiryo UI" panose="020B0604030504040204" pitchFamily="50" charset="-128"/>
-                <a:ea typeface="Meiryo UI" panose="020B0604030504040204" pitchFamily="50" charset="-128"/>
-                <a:cs typeface="+mn-cs"/>
-              </a:defRPr>
-            </a:lvl3pPr>
-            <a:lvl4pPr marL="1600200" indent="-228600" algn="l" defTabSz="914400" rtl="0" eaLnBrk="1" latinLnBrk="0" hangingPunct="1">
-              <a:lnSpc>
-                <a:spcPct val="150000"/>
-              </a:lnSpc>
-              <a:spcBef>
-                <a:spcPts val="500"/>
-              </a:spcBef>
-              <a:buFont typeface="Arial" panose="020B0604020202020204" pitchFamily="34" charset="0"/>
-              <a:buChar char="•"/>
-              <a:defRPr kumimoji="1" sz="1200" kern="1200">
-                <a:solidFill>
-                  <a:schemeClr val="tx1"/>
-                </a:solidFill>
-                <a:latin typeface="Meiryo UI" panose="020B0604030504040204" pitchFamily="50" charset="-128"/>
-                <a:ea typeface="Meiryo UI" panose="020B0604030504040204" pitchFamily="50" charset="-128"/>
-                <a:cs typeface="+mn-cs"/>
-              </a:defRPr>
-            </a:lvl4pPr>
-            <a:lvl5pPr marL="2057400" indent="-228600" algn="l" defTabSz="914400" rtl="0" eaLnBrk="1" latinLnBrk="0" hangingPunct="1">
-              <a:lnSpc>
-                <a:spcPct val="150000"/>
-              </a:lnSpc>
-              <a:spcBef>
-                <a:spcPts val="500"/>
-              </a:spcBef>
-              <a:buFont typeface="Arial" panose="020B0604020202020204" pitchFamily="34" charset="0"/>
-              <a:buChar char="•"/>
-              <a:defRPr kumimoji="1" sz="1200" kern="1200">
-                <a:solidFill>
-                  <a:schemeClr val="tx1"/>
-                </a:solidFill>
-                <a:latin typeface="Meiryo UI" panose="020B0604030504040204" pitchFamily="50" charset="-128"/>
-                <a:ea typeface="Meiryo UI" panose="020B0604030504040204" pitchFamily="50" charset="-128"/>
-                <a:cs typeface="+mn-cs"/>
-              </a:defRPr>
-            </a:lvl5pPr>
-            <a:lvl6pPr marL="2514600" indent="-228600" algn="l" defTabSz="914400" rtl="0" eaLnBrk="1" latinLnBrk="0" hangingPunct="1">
-              <a:lnSpc>
-                <a:spcPct val="90000"/>
-              </a:lnSpc>
-              <a:spcBef>
-                <a:spcPts val="500"/>
-              </a:spcBef>
-              <a:buFont typeface="Arial" panose="020B0604020202020204" pitchFamily="34" charset="0"/>
-              <a:buChar char="•"/>
-              <a:defRPr kumimoji="1" sz="1800" kern="1200">
-                <a:solidFill>
-                  <a:schemeClr val="tx1"/>
-                </a:solidFill>
-                <a:latin typeface="+mn-lt"/>
-                <a:ea typeface="+mn-ea"/>
-                <a:cs typeface="+mn-cs"/>
-              </a:defRPr>
-            </a:lvl6pPr>
-            <a:lvl7pPr marL="2971800" indent="-228600" algn="l" defTabSz="914400" rtl="0" eaLnBrk="1" latinLnBrk="0" hangingPunct="1">
-              <a:lnSpc>
-                <a:spcPct val="90000"/>
-              </a:lnSpc>
-              <a:spcBef>
-                <a:spcPts val="500"/>
-              </a:spcBef>
-              <a:buFont typeface="Arial" panose="020B0604020202020204" pitchFamily="34" charset="0"/>
-              <a:buChar char="•"/>
-              <a:defRPr kumimoji="1" sz="1800" kern="1200">
-                <a:solidFill>
-                  <a:schemeClr val="tx1"/>
-                </a:solidFill>
-                <a:latin typeface="+mn-lt"/>
-                <a:ea typeface="+mn-ea"/>
-                <a:cs typeface="+mn-cs"/>
-              </a:defRPr>
-            </a:lvl7pPr>
-            <a:lvl8pPr marL="3429000" indent="-228600" algn="l" defTabSz="914400" rtl="0" eaLnBrk="1" latinLnBrk="0" hangingPunct="1">
-              <a:lnSpc>
-                <a:spcPct val="90000"/>
-              </a:lnSpc>
-              <a:spcBef>
-                <a:spcPts val="500"/>
-              </a:spcBef>
-              <a:buFont typeface="Arial" panose="020B0604020202020204" pitchFamily="34" charset="0"/>
-              <a:buChar char="•"/>
-              <a:defRPr kumimoji="1" sz="1800" kern="1200">
-                <a:solidFill>
-                  <a:schemeClr val="tx1"/>
-                </a:solidFill>
-                <a:latin typeface="+mn-lt"/>
-                <a:ea typeface="+mn-ea"/>
-                <a:cs typeface="+mn-cs"/>
-              </a:defRPr>
-            </a:lvl8pPr>
-            <a:lvl9pPr marL="3886200" indent="-228600" algn="l" defTabSz="914400" rtl="0" eaLnBrk="1" latinLnBrk="0" hangingPunct="1">
-              <a:lnSpc>
-                <a:spcPct val="90000"/>
-              </a:lnSpc>
-              <a:spcBef>
-                <a:spcPts val="500"/>
-              </a:spcBef>
-              <a:buFont typeface="Arial" panose="020B0604020202020204" pitchFamily="34" charset="0"/>
-              <a:buChar char="•"/>
-              <a:defRPr kumimoji="1" sz="1800" kern="1200">
-                <a:solidFill>
-                  <a:schemeClr val="tx1"/>
-                </a:solidFill>
-                <a:latin typeface="+mn-lt"/>
-                <a:ea typeface="+mn-ea"/>
-                <a:cs typeface="+mn-cs"/>
-              </a:defRPr>
-            </a:lvl9pPr>
-          </a:lstStyle>
-          <a:p>
-            <a:pPr algn="ctr"/>
-            <a:r>
-              <a:rPr lang="en-US" altLang="ja-JP" dirty="0">
-                <a:solidFill>
-                  <a:srgbClr val="C00000"/>
-                </a:solidFill>
-              </a:rPr>
-              <a:t>GPT</a:t>
-            </a:r>
-            <a:endParaRPr lang="ja-JP" altLang="en-US" dirty="0">
-              <a:solidFill>
-                <a:srgbClr val="C00000"/>
-              </a:solidFill>
-            </a:endParaRPr>
-          </a:p>
-        </p:txBody>
-      </p:sp>
       <p:cxnSp>
         <p:nvCxnSpPr>
-          <p:cNvPr id="26" name="直線矢印コネクタ 25">
-            <a:extLst>
-              <a:ext uri="{FF2B5EF4-FFF2-40B4-BE49-F238E27FC236}">
-                <a16:creationId xmlns:a16="http://schemas.microsoft.com/office/drawing/2014/main" id="{F95E3D58-04BD-70E9-71A5-7B519ED0F8A6}"/>
+          <p:cNvPr id="34" name="コネクタ: カギ線 33">
+            <a:extLst>
+              <a:ext uri="{FF2B5EF4-FFF2-40B4-BE49-F238E27FC236}">
+                <a16:creationId xmlns:a16="http://schemas.microsoft.com/office/drawing/2014/main" id="{FCEBAE3A-B681-1EF0-F568-A2E1FABCCB45}"/>
               </a:ext>
             </a:extLst>
           </p:cNvPr>
           <p:cNvCxnSpPr>
-            <a:cxnSpLocks/>
-            <a:endCxn id="24" idx="0"/>
+            <a:stCxn id="16" idx="2"/>
+            <a:endCxn id="2" idx="3"/>
           </p:cNvCxnSpPr>
           <p:nvPr/>
         </p:nvCxnSpPr>
         <p:spPr>
-          <a:xfrm>
-            <a:off x="6579220" y="3322314"/>
-            <a:ext cx="2793475" cy="1349778"/>
+          <a:xfrm rot="5400000">
+            <a:off x="7916927" y="4646536"/>
+            <a:ext cx="1318286" cy="790819"/>
           </a:xfrm>
-          <a:prstGeom prst="straightConnector1">
+          <a:prstGeom prst="bentConnector2">
             <a:avLst/>
           </a:prstGeom>
           <a:ln>
@@ -8030,416 +8074,60 @@
       </p:cxnSp>
       <p:sp>
         <p:nvSpPr>
-          <p:cNvPr id="2" name="TextBox 1">
-            <a:extLst>
-              <a:ext uri="{FF2B5EF4-FFF2-40B4-BE49-F238E27FC236}">
-                <a16:creationId xmlns:a16="http://schemas.microsoft.com/office/drawing/2014/main" id="{7E14837F-3E6D-58A7-1777-78671C9D15D2}"/>
-              </a:ext>
-            </a:extLst>
-          </p:cNvPr>
-          <p:cNvSpPr txBox="1"/>
+          <p:cNvPr id="38" name="正方形/長方形 37">
+            <a:extLst>
+              <a:ext uri="{FF2B5EF4-FFF2-40B4-BE49-F238E27FC236}">
+                <a16:creationId xmlns:a16="http://schemas.microsoft.com/office/drawing/2014/main" id="{54E6AA2A-6D25-2AFB-1421-CC9340870896}"/>
+              </a:ext>
+            </a:extLst>
+          </p:cNvPr>
+          <p:cNvSpPr/>
           <p:nvPr/>
         </p:nvSpPr>
         <p:spPr>
           <a:xfrm>
-            <a:off x="2083326" y="5236904"/>
-            <a:ext cx="1471961" cy="923330"/>
+            <a:off x="4640012" y="1130191"/>
+            <a:ext cx="2888341" cy="3821370"/>
           </a:xfrm>
           <a:prstGeom prst="rect">
             <a:avLst/>
           </a:prstGeom>
           <a:noFill/>
+          <a:ln w="28575">
+            <a:solidFill>
+              <a:srgbClr val="7030A0"/>
+            </a:solidFill>
+          </a:ln>
         </p:spPr>
-        <p:txBody>
-          <a:bodyPr wrap="square" rtlCol="0">
-            <a:spAutoFit/>
-          </a:bodyPr>
+        <p:style>
+          <a:lnRef idx="2">
+            <a:schemeClr val="accent1">
+              <a:shade val="50000"/>
+            </a:schemeClr>
+          </a:lnRef>
+          <a:fillRef idx="1">
+            <a:schemeClr val="accent1"/>
+          </a:fillRef>
+          <a:effectRef idx="0">
+            <a:schemeClr val="accent1"/>
+          </a:effectRef>
+          <a:fontRef idx="minor">
+            <a:schemeClr val="lt1"/>
+          </a:fontRef>
+        </p:style>
+        <p:txBody>
+          <a:bodyPr rtlCol="0" anchor="ctr"/>
           <a:lstStyle/>
           <a:p>
             <a:pPr algn="ctr"/>
-            <a:r>
-              <a:rPr lang="en-US" altLang="ko-KR" dirty="0"/>
-              <a:t>Self-Attention</a:t>
-            </a:r>
-          </a:p>
-          <a:p>
-            <a:pPr algn="ctr"/>
-            <a:r>
-              <a:rPr lang="en-US" altLang="ko-KR" dirty="0"/>
-              <a:t>Bi-directional</a:t>
-            </a:r>
-          </a:p>
-          <a:p>
-            <a:pPr algn="ctr"/>
-            <a:r>
-              <a:rPr lang="en-US" altLang="ko-KR" dirty="0"/>
-              <a:t>Google</a:t>
-            </a:r>
-            <a:endParaRPr lang="ko-KR" altLang="en-US" dirty="0"/>
-          </a:p>
-        </p:txBody>
-      </p:sp>
-      <p:sp>
-        <p:nvSpPr>
-          <p:cNvPr id="3" name="TextBox 2">
-            <a:extLst>
-              <a:ext uri="{FF2B5EF4-FFF2-40B4-BE49-F238E27FC236}">
-                <a16:creationId xmlns:a16="http://schemas.microsoft.com/office/drawing/2014/main" id="{2D30BCAA-BDF4-8D4D-FB60-E14C2D6A1ED2}"/>
-              </a:ext>
-            </a:extLst>
-          </p:cNvPr>
-          <p:cNvSpPr txBox="1"/>
-          <p:nvPr/>
-        </p:nvSpPr>
-        <p:spPr>
-          <a:xfrm>
-            <a:off x="8115361" y="5236904"/>
-            <a:ext cx="2514666" cy="923330"/>
-          </a:xfrm>
-          <a:prstGeom prst="rect">
-            <a:avLst/>
-          </a:prstGeom>
-          <a:noFill/>
-        </p:spPr>
-        <p:txBody>
-          <a:bodyPr wrap="square" rtlCol="0">
-            <a:spAutoFit/>
-          </a:bodyPr>
-          <a:lstStyle/>
-          <a:p>
-            <a:pPr algn="ctr"/>
-            <a:r>
-              <a:rPr lang="en-US" altLang="ko-KR" dirty="0"/>
-              <a:t>Masked-Self-Attention</a:t>
-            </a:r>
-          </a:p>
-          <a:p>
-            <a:pPr algn="ctr"/>
-            <a:r>
-              <a:rPr lang="en-US" altLang="ko-KR" dirty="0"/>
-              <a:t>Uni-directional</a:t>
-            </a:r>
-          </a:p>
-          <a:p>
-            <a:pPr algn="ctr"/>
-            <a:r>
-              <a:rPr lang="en-US" altLang="ko-KR" dirty="0" err="1"/>
-              <a:t>OpenAI</a:t>
-            </a:r>
-            <a:endParaRPr lang="ko-KR" altLang="en-US" dirty="0"/>
-          </a:p>
-        </p:txBody>
-      </p:sp>
-      <p:grpSp>
-        <p:nvGrpSpPr>
-          <p:cNvPr id="12" name="그룹 11">
-            <a:extLst>
-              <a:ext uri="{FF2B5EF4-FFF2-40B4-BE49-F238E27FC236}">
-                <a16:creationId xmlns:a16="http://schemas.microsoft.com/office/drawing/2014/main" id="{B8A3EA08-5D58-4D22-15C8-BA75F8E83BB1}"/>
-              </a:ext>
-            </a:extLst>
-          </p:cNvPr>
-          <p:cNvGrpSpPr/>
-          <p:nvPr/>
-        </p:nvGrpSpPr>
-        <p:grpSpPr>
-          <a:xfrm>
-            <a:off x="4375940" y="3177912"/>
-            <a:ext cx="2692176" cy="3676653"/>
-            <a:chOff x="4817328" y="3395547"/>
-            <a:chExt cx="2540713" cy="3469803"/>
-          </a:xfrm>
-        </p:grpSpPr>
-        <p:pic>
-          <p:nvPicPr>
-            <p:cNvPr id="1026" name="Picture 2">
-              <a:extLst>
-                <a:ext uri="{FF2B5EF4-FFF2-40B4-BE49-F238E27FC236}">
-                  <a16:creationId xmlns:a16="http://schemas.microsoft.com/office/drawing/2014/main" id="{E75ADFFC-1BE0-69C9-729F-1BBB408DF6A2}"/>
-                </a:ext>
-              </a:extLst>
-            </p:cNvPr>
-            <p:cNvPicPr>
-              <a:picLocks noChangeAspect="1" noChangeArrowheads="1"/>
-            </p:cNvPicPr>
-            <p:nvPr/>
-          </p:nvPicPr>
-          <p:blipFill>
-            <a:blip r:embed="rId3">
-              <a:extLst>
-                <a:ext uri="{28A0092B-C50C-407E-A947-70E740481C1C}">
-                  <a14:useLocalDpi xmlns:a14="http://schemas.microsoft.com/office/drawing/2010/main" val="0"/>
-                </a:ext>
-              </a:extLst>
-            </a:blip>
-            <a:srcRect/>
-            <a:stretch>
-              <a:fillRect/>
-            </a:stretch>
-          </p:blipFill>
-          <p:spPr bwMode="auto">
-            <a:xfrm>
-              <a:off x="4924093" y="3395547"/>
-              <a:ext cx="2350355" cy="3463681"/>
-            </a:xfrm>
-            <a:prstGeom prst="rect">
-              <a:avLst/>
-            </a:prstGeom>
-            <a:noFill/>
-            <a:extLst>
-              <a:ext uri="{909E8E84-426E-40DD-AFC4-6F175D3DCCD1}">
-                <a14:hiddenFill xmlns:a14="http://schemas.microsoft.com/office/drawing/2010/main">
-                  <a:solidFill>
-                    <a:srgbClr val="FFFFFF"/>
-                  </a:solidFill>
-                </a14:hiddenFill>
-              </a:ext>
-            </a:extLst>
-          </p:spPr>
-        </p:pic>
-        <p:sp>
-          <p:nvSpPr>
-            <p:cNvPr id="9" name="곱하기 기호 8">
-              <a:extLst>
-                <a:ext uri="{FF2B5EF4-FFF2-40B4-BE49-F238E27FC236}">
-                  <a16:creationId xmlns:a16="http://schemas.microsoft.com/office/drawing/2014/main" id="{AD575566-1555-73C6-18FA-E32F6E3BD7BC}"/>
-                </a:ext>
-              </a:extLst>
-            </p:cNvPr>
-            <p:cNvSpPr/>
-            <p:nvPr/>
-          </p:nvSpPr>
-          <p:spPr>
-            <a:xfrm>
-              <a:off x="6023520" y="4545260"/>
-              <a:ext cx="1009237" cy="647040"/>
-            </a:xfrm>
-            <a:prstGeom prst="mathMultiply">
-              <a:avLst/>
-            </a:prstGeom>
-            <a:solidFill>
-              <a:srgbClr val="C00000"/>
-            </a:solidFill>
-            <a:ln>
-              <a:noFill/>
-            </a:ln>
-          </p:spPr>
-          <p:style>
-            <a:lnRef idx="2">
-              <a:schemeClr val="accent1">
-                <a:shade val="50000"/>
-              </a:schemeClr>
-            </a:lnRef>
-            <a:fillRef idx="1">
-              <a:schemeClr val="accent1"/>
-            </a:fillRef>
-            <a:effectRef idx="0">
-              <a:schemeClr val="accent1"/>
-            </a:effectRef>
-            <a:fontRef idx="minor">
-              <a:schemeClr val="lt1"/>
-            </a:fontRef>
-          </p:style>
-          <p:txBody>
-            <a:bodyPr rtlCol="0" anchor="ctr"/>
-            <a:lstStyle/>
-            <a:p>
-              <a:pPr algn="ctr"/>
-              <a:endParaRPr lang="ko-KR" altLang="en-US"/>
-            </a:p>
-          </p:txBody>
-        </p:sp>
-        <p:sp>
-          <p:nvSpPr>
-            <p:cNvPr id="10" name="직사각형 9">
-              <a:extLst>
-                <a:ext uri="{FF2B5EF4-FFF2-40B4-BE49-F238E27FC236}">
-                  <a16:creationId xmlns:a16="http://schemas.microsoft.com/office/drawing/2014/main" id="{6DB1B83B-EC7C-2F30-2433-4E18E468CF85}"/>
-                </a:ext>
-              </a:extLst>
-            </p:cNvPr>
-            <p:cNvSpPr/>
-            <p:nvPr/>
-          </p:nvSpPr>
-          <p:spPr>
-            <a:xfrm>
-              <a:off x="4817328" y="4553034"/>
-              <a:ext cx="1278672" cy="2311492"/>
-            </a:xfrm>
-            <a:prstGeom prst="rect">
-              <a:avLst/>
-            </a:prstGeom>
-            <a:noFill/>
-            <a:ln w="38100">
-              <a:solidFill>
-                <a:srgbClr val="002060"/>
-              </a:solidFill>
-            </a:ln>
-          </p:spPr>
-          <p:style>
-            <a:lnRef idx="2">
-              <a:schemeClr val="accent1">
-                <a:shade val="50000"/>
-              </a:schemeClr>
-            </a:lnRef>
-            <a:fillRef idx="1">
-              <a:schemeClr val="accent1"/>
-            </a:fillRef>
-            <a:effectRef idx="0">
-              <a:schemeClr val="accent1"/>
-            </a:effectRef>
-            <a:fontRef idx="minor">
-              <a:schemeClr val="lt1"/>
-            </a:fontRef>
-          </p:style>
-          <p:txBody>
-            <a:bodyPr rtlCol="0" anchor="ctr"/>
-            <a:lstStyle/>
-            <a:p>
-              <a:pPr algn="ctr"/>
-              <a:endParaRPr lang="ko-KR" altLang="en-US"/>
-            </a:p>
-          </p:txBody>
-        </p:sp>
-        <p:sp>
-          <p:nvSpPr>
-            <p:cNvPr id="11" name="직사각형 10">
-              <a:extLst>
-                <a:ext uri="{FF2B5EF4-FFF2-40B4-BE49-F238E27FC236}">
-                  <a16:creationId xmlns:a16="http://schemas.microsoft.com/office/drawing/2014/main" id="{105F8BBC-877E-2C3E-007B-11834603E96C}"/>
-                </a:ext>
-              </a:extLst>
-            </p:cNvPr>
-            <p:cNvSpPr/>
-            <p:nvPr/>
-          </p:nvSpPr>
-          <p:spPr>
-            <a:xfrm>
-              <a:off x="6127713" y="4081479"/>
-              <a:ext cx="1230328" cy="2783871"/>
-            </a:xfrm>
-            <a:prstGeom prst="rect">
-              <a:avLst/>
-            </a:prstGeom>
-            <a:noFill/>
-            <a:ln w="38100">
-              <a:solidFill>
-                <a:srgbClr val="C00000"/>
-              </a:solidFill>
-            </a:ln>
-          </p:spPr>
-          <p:style>
-            <a:lnRef idx="2">
-              <a:schemeClr val="accent1">
-                <a:shade val="50000"/>
-              </a:schemeClr>
-            </a:lnRef>
-            <a:fillRef idx="1">
-              <a:schemeClr val="accent1"/>
-            </a:fillRef>
-            <a:effectRef idx="0">
-              <a:schemeClr val="accent1"/>
-            </a:effectRef>
-            <a:fontRef idx="minor">
-              <a:schemeClr val="lt1"/>
-            </a:fontRef>
-          </p:style>
-          <p:txBody>
-            <a:bodyPr rtlCol="0" anchor="ctr"/>
-            <a:lstStyle/>
-            <a:p>
-              <a:pPr algn="ctr"/>
-              <a:endParaRPr lang="ko-KR" altLang="en-US"/>
-            </a:p>
-          </p:txBody>
-        </p:sp>
-      </p:grpSp>
-      <p:sp>
-        <p:nvSpPr>
-          <p:cNvPr id="13" name="TextBox 12">
-            <a:extLst>
-              <a:ext uri="{FF2B5EF4-FFF2-40B4-BE49-F238E27FC236}">
-                <a16:creationId xmlns:a16="http://schemas.microsoft.com/office/drawing/2014/main" id="{872DCE9D-B5C8-915D-9725-EA165D172E35}"/>
-              </a:ext>
-            </a:extLst>
-          </p:cNvPr>
-          <p:cNvSpPr txBox="1"/>
-          <p:nvPr/>
-        </p:nvSpPr>
-        <p:spPr>
-          <a:xfrm>
-            <a:off x="7068116" y="6400800"/>
-            <a:ext cx="3353699" cy="461665"/>
-          </a:xfrm>
-          <a:prstGeom prst="rect">
-            <a:avLst/>
-          </a:prstGeom>
-          <a:noFill/>
-        </p:spPr>
-        <p:txBody>
-          <a:bodyPr wrap="square" rtlCol="0">
-            <a:spAutoFit/>
-          </a:bodyPr>
-          <a:lstStyle/>
-          <a:p>
-            <a:r>
-              <a:rPr lang="en-US" altLang="ko-KR" sz="1200" b="0" i="0" dirty="0">
-                <a:solidFill>
-                  <a:srgbClr val="2E414F"/>
-                </a:solidFill>
-                <a:effectLst/>
-                <a:latin typeface="Roboto" panose="020B0604020202020204" pitchFamily="2" charset="0"/>
-              </a:rPr>
-              <a:t>Vaswani, Ashish et al. “Attention is All you Need.” </a:t>
-            </a:r>
-            <a:r>
-              <a:rPr lang="en-US" altLang="ko-KR" sz="1200" b="0" i="1" dirty="0" err="1">
-                <a:solidFill>
-                  <a:srgbClr val="2E414F"/>
-                </a:solidFill>
-                <a:effectLst/>
-                <a:latin typeface="Roboto" panose="020B0604020202020204" pitchFamily="2" charset="0"/>
-              </a:rPr>
-              <a:t>ArXiv</a:t>
-            </a:r>
-            <a:r>
-              <a:rPr lang="en-US" altLang="ko-KR" sz="1200" b="0" i="0" dirty="0">
-                <a:solidFill>
-                  <a:srgbClr val="2E414F"/>
-                </a:solidFill>
-                <a:effectLst/>
-                <a:latin typeface="Roboto" panose="020B0604020202020204" pitchFamily="2" charset="0"/>
-              </a:rPr>
-              <a:t> abs/1706.03762 (2017): n. </a:t>
-            </a:r>
-            <a:r>
-              <a:rPr lang="en-US" altLang="ko-KR" sz="1200" b="0" i="0" dirty="0" err="1">
-                <a:solidFill>
-                  <a:srgbClr val="2E414F"/>
-                </a:solidFill>
-                <a:effectLst/>
-                <a:latin typeface="Roboto" panose="020B0604020202020204" pitchFamily="2" charset="0"/>
-              </a:rPr>
-              <a:t>pag</a:t>
-            </a:r>
-            <a:r>
-              <a:rPr lang="en-US" altLang="ko-KR" sz="1200" b="0" i="0" dirty="0">
-                <a:solidFill>
-                  <a:srgbClr val="2E414F"/>
-                </a:solidFill>
-                <a:effectLst/>
-                <a:latin typeface="Roboto" panose="020B0604020202020204" pitchFamily="2" charset="0"/>
-              </a:rPr>
-              <a:t>.</a:t>
-            </a:r>
-            <a:endParaRPr lang="ko-KR" altLang="en-US" sz="1200" dirty="0"/>
+            <a:endParaRPr kumimoji="1" lang="ja-JP" altLang="en-US"/>
           </a:p>
         </p:txBody>
       </p:sp>
     </p:spTree>
     <p:extLst>
       <p:ext uri="{BB962C8B-B14F-4D97-AF65-F5344CB8AC3E}">
-        <p14:creationId xmlns:p14="http://schemas.microsoft.com/office/powerpoint/2010/main" val="4247498968"/>
+        <p14:creationId xmlns:p14="http://schemas.microsoft.com/office/powerpoint/2010/main" val="281058410"/>
       </p:ext>
     </p:extLst>
   </p:cSld>
@@ -8454,7 +8142,7 @@
 </p:sld>
 </file>
 
-<file path=ppt/slides/slide6.xml><?xml version="1.0" encoding="utf-8"?>
+<file path=ppt/slides/slide5.xml><?xml version="1.0" encoding="utf-8"?>
 <p:sld xmlns:a="http://schemas.openxmlformats.org/drawingml/2006/main" xmlns:r="http://schemas.openxmlformats.org/officeDocument/2006/relationships" xmlns:p="http://schemas.openxmlformats.org/presentationml/2006/main">
   <p:cSld>
     <p:spTree>
@@ -8511,7 +8199,7 @@
                   <a:spcPts val="600"/>
                 </a:spcAft>
               </a:pPr>
-              <a:t>6</a:t>
+              <a:t>5</a:t>
             </a:fld>
             <a:endParaRPr lang="ja-JP" altLang="en-US" noProof="0"/>
           </a:p>
@@ -8568,8 +8256,8 @@
         </p:nvSpPr>
         <p:spPr>
           <a:xfrm>
-            <a:off x="600315" y="4793674"/>
-            <a:ext cx="5421341" cy="646331"/>
+            <a:off x="425923" y="4672903"/>
+            <a:ext cx="5774544" cy="461665"/>
           </a:xfrm>
           <a:prstGeom prst="rect">
             <a:avLst/>
@@ -8583,8 +8271,32 @@
           <a:lstStyle/>
           <a:p>
             <a:r>
-              <a:rPr lang="ja-JP" altLang="en-US" sz="1200" dirty="0"/>
-              <a:t>[BART: Denoising Sequence-to-Sequence Pre-training for Natural Language Generation, Translation, and Comprehension](https://aclanthology.org/2020.acl-main.703) (Lewis et al., ACL 2020)</a:t>
+              <a:rPr lang="en-US" altLang="ja-JP" sz="1200" dirty="0">
+                <a:latin typeface="Noto Sans CJK KR Regular" panose="020B0500000000000000" pitchFamily="34" charset="-128"/>
+                <a:ea typeface="Noto Sans CJK KR Regular" panose="020B0500000000000000" pitchFamily="34" charset="-128"/>
+              </a:rPr>
+              <a:t>[3] </a:t>
+            </a:r>
+            <a:r>
+              <a:rPr lang="ja-JP" altLang="en-US" sz="1200" dirty="0">
+                <a:latin typeface="Noto Sans CJK KR Regular" panose="020B0500000000000000" pitchFamily="34" charset="-128"/>
+                <a:ea typeface="Noto Sans CJK KR Regular" panose="020B0500000000000000" pitchFamily="34" charset="-128"/>
+              </a:rPr>
+              <a:t>[BART: Denoising Sequence-to-Sequence Pre-training for Natural Language Generation, Translation, and Comprehension] </a:t>
+            </a:r>
+            <a:r>
+              <a:rPr lang="en-US" altLang="ja-JP" sz="1200" dirty="0">
+                <a:latin typeface="Noto Sans CJK KR Regular" panose="020B0500000000000000" pitchFamily="34" charset="-128"/>
+                <a:ea typeface="Noto Sans CJK KR Regular" panose="020B0500000000000000" pitchFamily="34" charset="-128"/>
+              </a:rPr>
+              <a:t>(</a:t>
+            </a:r>
+            <a:r>
+              <a:rPr lang="ja-JP" altLang="en-US" sz="1200" dirty="0">
+                <a:latin typeface="Noto Sans CJK KR Regular" panose="020B0500000000000000" pitchFamily="34" charset="-128"/>
+                <a:ea typeface="Noto Sans CJK KR Regular" panose="020B0500000000000000" pitchFamily="34" charset="-128"/>
+              </a:rPr>
+              <a:t>Lewis et al., ACL 2020)</a:t>
             </a:r>
           </a:p>
         </p:txBody>
@@ -8800,7 +8512,7 @@
 </p:sld>
 </file>
 
-<file path=ppt/slides/slide7.xml><?xml version="1.0" encoding="utf-8"?>
+<file path=ppt/slides/slide6.xml><?xml version="1.0" encoding="utf-8"?>
 <p:sld xmlns:a="http://schemas.openxmlformats.org/drawingml/2006/main" xmlns:r="http://schemas.openxmlformats.org/officeDocument/2006/relationships" xmlns:p="http://schemas.openxmlformats.org/presentationml/2006/main">
   <p:cSld>
     <p:spTree>
@@ -8836,24 +8548,27 @@
         <p:spPr>
           <a:xfrm>
             <a:off x="734291" y="1479649"/>
-            <a:ext cx="9901151" cy="464871"/>
+            <a:ext cx="10723418" cy="884238"/>
           </a:xfrm>
         </p:spPr>
         <p:txBody>
           <a:bodyPr/>
           <a:lstStyle/>
           <a:p>
-            <a:r>
-              <a:rPr lang="en-US" altLang="ja-JP" sz="1400" dirty="0"/>
-              <a:t>Ide, Tatsuya and Daisuke Kawahara. “</a:t>
-            </a:r>
-            <a:r>
-              <a:rPr lang="en-US" altLang="ja-JP" sz="1400" b="1" dirty="0"/>
+            <a:pPr algn="l"/>
+            <a:r>
+              <a:rPr lang="en-US" altLang="ja-JP" sz="1800" b="1" dirty="0">
+                <a:latin typeface="Noto Sans CJK KR Regular" panose="020B0500000000000000" pitchFamily="34" charset="-128"/>
+                <a:ea typeface="Noto Sans CJK KR Regular" panose="020B0500000000000000" pitchFamily="34" charset="-128"/>
+              </a:rPr>
               <a:t>Multi-Task Learning of Generation and Classification for Emotion-Aware Dialogue Response Generation</a:t>
             </a:r>
             <a:r>
-              <a:rPr lang="en-US" altLang="ja-JP" sz="1400" dirty="0"/>
-              <a:t>.” (2021).</a:t>
+              <a:rPr lang="en-US" altLang="ja-JP" sz="1800" dirty="0">
+                <a:latin typeface="Noto Sans CJK KR Regular" panose="020B0500000000000000" pitchFamily="34" charset="-128"/>
+                <a:ea typeface="Noto Sans CJK KR Regular" panose="020B0500000000000000" pitchFamily="34" charset="-128"/>
+              </a:rPr>
+              <a:t>. [Ide at al., 2021]</a:t>
             </a:r>
           </a:p>
         </p:txBody>
@@ -8882,7 +8597,7 @@
             <a:fld id="{8C2E478F-E849-4A8C-AF1F-CBCC78A7CBFA}" type="slidenum">
               <a:rPr lang="en-US" altLang="ja-JP" noProof="0" smtClean="0"/>
               <a:pPr/>
-              <a:t>7</a:t>
+              <a:t>6</a:t>
             </a:fld>
             <a:endParaRPr lang="ja-JP" altLang="en-US" noProof="0"/>
           </a:p>
@@ -8951,10 +8666,244 @@
           </a:prstGeom>
         </p:spPr>
       </p:pic>
+      <p:sp>
+        <p:nvSpPr>
+          <p:cNvPr id="3" name="テキスト ボックス 2">
+            <a:extLst>
+              <a:ext uri="{FF2B5EF4-FFF2-40B4-BE49-F238E27FC236}">
+                <a16:creationId xmlns:a16="http://schemas.microsoft.com/office/drawing/2014/main" id="{EB595E34-1AEF-BD4F-AA3A-02CD1D99655F}"/>
+              </a:ext>
+            </a:extLst>
+          </p:cNvPr>
+          <p:cNvSpPr txBox="1"/>
+          <p:nvPr/>
+        </p:nvSpPr>
+        <p:spPr>
+          <a:xfrm>
+            <a:off x="734291" y="5793697"/>
+            <a:ext cx="8458200" cy="461665"/>
+          </a:xfrm>
+          <a:prstGeom prst="rect">
+            <a:avLst/>
+          </a:prstGeom>
+          <a:noFill/>
+        </p:spPr>
+        <p:txBody>
+          <a:bodyPr wrap="square" rtlCol="0">
+            <a:spAutoFit/>
+          </a:bodyPr>
+          <a:lstStyle/>
+          <a:p>
+            <a:r>
+              <a:rPr kumimoji="1" lang="en-US" altLang="ja-JP" sz="1200" dirty="0">
+                <a:latin typeface="Noto Sans CJK KR Regular" panose="020B0500000000000000" pitchFamily="34" charset="-128"/>
+                <a:ea typeface="Noto Sans CJK KR Regular" panose="020B0500000000000000" pitchFamily="34" charset="-128"/>
+              </a:rPr>
+              <a:t>[8] Ide, Tatsuya and Daisuke Kawahara. “Multi-Task Learning of Generation and Classification for Emotion-Aware Dialogue Response Generation.” North American Chapter of the Association for Computational Linguistics (2021).</a:t>
+            </a:r>
+            <a:endParaRPr kumimoji="1" lang="ja-JP" altLang="en-US" sz="1200" dirty="0">
+              <a:latin typeface="Noto Sans CJK KR Regular" panose="020B0500000000000000" pitchFamily="34" charset="-128"/>
+              <a:ea typeface="Noto Sans CJK KR Regular" panose="020B0500000000000000" pitchFamily="34" charset="-128"/>
+            </a:endParaRPr>
+          </a:p>
+        </p:txBody>
+      </p:sp>
     </p:spTree>
     <p:extLst>
       <p:ext uri="{BB962C8B-B14F-4D97-AF65-F5344CB8AC3E}">
         <p14:creationId xmlns:p14="http://schemas.microsoft.com/office/powerpoint/2010/main" val="2652472914"/>
+      </p:ext>
+    </p:extLst>
+  </p:cSld>
+  <p:clrMapOvr>
+    <a:masterClrMapping/>
+  </p:clrMapOvr>
+</p:sld>
+</file>
+
+<file path=ppt/slides/slide7.xml><?xml version="1.0" encoding="utf-8"?>
+<p:sld xmlns:a="http://schemas.openxmlformats.org/drawingml/2006/main" xmlns:r="http://schemas.openxmlformats.org/officeDocument/2006/relationships" xmlns:p="http://schemas.openxmlformats.org/presentationml/2006/main">
+  <p:cSld>
+    <p:spTree>
+      <p:nvGrpSpPr>
+        <p:cNvPr id="1" name=""/>
+        <p:cNvGrpSpPr/>
+        <p:nvPr/>
+      </p:nvGrpSpPr>
+      <p:grpSpPr>
+        <a:xfrm>
+          <a:off x="0" y="0"/>
+          <a:ext cx="0" cy="0"/>
+          <a:chOff x="0" y="0"/>
+          <a:chExt cx="0" cy="0"/>
+        </a:xfrm>
+      </p:grpSpPr>
+      <p:sp>
+        <p:nvSpPr>
+          <p:cNvPr id="2" name="Text Placeholder 1">
+            <a:extLst>
+              <a:ext uri="{FF2B5EF4-FFF2-40B4-BE49-F238E27FC236}">
+                <a16:creationId xmlns:a16="http://schemas.microsoft.com/office/drawing/2014/main" id="{3CE832AD-29BC-434F-9B09-30D215989E8D}"/>
+              </a:ext>
+            </a:extLst>
+          </p:cNvPr>
+          <p:cNvSpPr>
+            <a:spLocks noGrp="1"/>
+          </p:cNvSpPr>
+          <p:nvPr>
+            <p:ph type="body" sz="quarter" idx="16"/>
+          </p:nvPr>
+        </p:nvSpPr>
+        <p:spPr/>
+        <p:txBody>
+          <a:bodyPr/>
+          <a:lstStyle/>
+          <a:p>
+            <a:endParaRPr lang="en-JP" dirty="0"/>
+          </a:p>
+        </p:txBody>
+      </p:sp>
+      <p:sp>
+        <p:nvSpPr>
+          <p:cNvPr id="3" name="Picture Placeholder 2">
+            <a:extLst>
+              <a:ext uri="{FF2B5EF4-FFF2-40B4-BE49-F238E27FC236}">
+                <a16:creationId xmlns:a16="http://schemas.microsoft.com/office/drawing/2014/main" id="{BC65FA6E-2633-92A2-35F5-5022B8070E6B}"/>
+              </a:ext>
+            </a:extLst>
+          </p:cNvPr>
+          <p:cNvSpPr>
+            <a:spLocks noGrp="1"/>
+          </p:cNvSpPr>
+          <p:nvPr>
+            <p:ph type="pic" sz="quarter" idx="14"/>
+          </p:nvPr>
+        </p:nvSpPr>
+        <p:spPr/>
+      </p:sp>
+      <p:sp>
+        <p:nvSpPr>
+          <p:cNvPr id="4" name="Slide Number Placeholder 3">
+            <a:extLst>
+              <a:ext uri="{FF2B5EF4-FFF2-40B4-BE49-F238E27FC236}">
+                <a16:creationId xmlns:a16="http://schemas.microsoft.com/office/drawing/2014/main" id="{251863AC-2231-D0E6-8FE7-1943CD76657F}"/>
+              </a:ext>
+            </a:extLst>
+          </p:cNvPr>
+          <p:cNvSpPr>
+            <a:spLocks noGrp="1"/>
+          </p:cNvSpPr>
+          <p:nvPr>
+            <p:ph type="sldNum" sz="quarter" idx="4"/>
+          </p:nvPr>
+        </p:nvSpPr>
+        <p:spPr/>
+        <p:txBody>
+          <a:bodyPr/>
+          <a:lstStyle/>
+          <a:p>
+            <a:fld id="{8C2E478F-E849-4A8C-AF1F-CBCC78A7CBFA}" type="slidenum">
+              <a:rPr lang="en-US" altLang="ja-JP" noProof="0" smtClean="0"/>
+              <a:pPr/>
+              <a:t>7</a:t>
+            </a:fld>
+            <a:endParaRPr lang="ja-JP" altLang="en-US" noProof="0"/>
+          </a:p>
+        </p:txBody>
+      </p:sp>
+      <p:sp>
+        <p:nvSpPr>
+          <p:cNvPr id="5" name="Content Placeholder 4">
+            <a:extLst>
+              <a:ext uri="{FF2B5EF4-FFF2-40B4-BE49-F238E27FC236}">
+                <a16:creationId xmlns:a16="http://schemas.microsoft.com/office/drawing/2014/main" id="{61F4FF6F-A491-1A20-B460-7915CCE841B2}"/>
+              </a:ext>
+            </a:extLst>
+          </p:cNvPr>
+          <p:cNvSpPr>
+            <a:spLocks noGrp="1"/>
+          </p:cNvSpPr>
+          <p:nvPr>
+            <p:ph idx="1"/>
+          </p:nvPr>
+        </p:nvSpPr>
+        <p:spPr/>
+        <p:txBody>
+          <a:bodyPr/>
+          <a:lstStyle/>
+          <a:p>
+            <a:r>
+              <a:rPr lang="ja-JP" altLang="en-US" sz="2400" dirty="0">
+                <a:cs typeface="Biome Light" panose="020B0303030204020804" pitchFamily="34" charset="0"/>
+              </a:rPr>
+              <a:t>この研究では、</a:t>
+            </a:r>
+            <a:r>
+              <a:rPr lang="en-US" altLang="ko-KR" sz="2400" dirty="0">
+                <a:cs typeface="Biome Light" panose="020B0303030204020804" pitchFamily="34" charset="0"/>
+              </a:rPr>
+              <a:t>BART</a:t>
+            </a:r>
+            <a:r>
+              <a:rPr lang="ja-JP" altLang="en-US" sz="2400" dirty="0">
+                <a:cs typeface="Biome Light" panose="020B0303030204020804" pitchFamily="34" charset="0"/>
+              </a:rPr>
+              <a:t>を使い、感情を理解し、それに適する</a:t>
+            </a:r>
+            <a:r>
+              <a:rPr lang="ja-JP" altLang="en-US" sz="2400" dirty="0">
+                <a:solidFill>
+                  <a:srgbClr val="FF0000"/>
+                </a:solidFill>
+                <a:cs typeface="Biome Light" panose="020B0303030204020804" pitchFamily="34" charset="0"/>
+              </a:rPr>
+              <a:t>感情的</a:t>
+            </a:r>
+            <a:r>
+              <a:rPr lang="ja-JP" altLang="en-US" sz="2400" dirty="0">
+                <a:cs typeface="Biome Light" panose="020B0303030204020804" pitchFamily="34" charset="0"/>
+              </a:rPr>
+              <a:t>な答えができるチャットボットを具現することを目標とする。</a:t>
+            </a:r>
+            <a:endParaRPr lang="ja-JP" altLang="en-US" sz="2400" dirty="0"/>
+          </a:p>
+          <a:p>
+            <a:endParaRPr lang="en-JP" sz="2400" dirty="0"/>
+          </a:p>
+        </p:txBody>
+      </p:sp>
+      <p:sp>
+        <p:nvSpPr>
+          <p:cNvPr id="6" name="Title 5">
+            <a:extLst>
+              <a:ext uri="{FF2B5EF4-FFF2-40B4-BE49-F238E27FC236}">
+                <a16:creationId xmlns:a16="http://schemas.microsoft.com/office/drawing/2014/main" id="{6A4DC3A8-34A8-5EA6-7DCC-17EDE35E5AC1}"/>
+              </a:ext>
+            </a:extLst>
+          </p:cNvPr>
+          <p:cNvSpPr>
+            <a:spLocks noGrp="1"/>
+          </p:cNvSpPr>
+          <p:nvPr>
+            <p:ph type="title"/>
+          </p:nvPr>
+        </p:nvSpPr>
+        <p:spPr/>
+        <p:txBody>
+          <a:bodyPr/>
+          <a:lstStyle/>
+          <a:p>
+            <a:r>
+              <a:rPr lang="en-JP" sz="3600" dirty="0"/>
+              <a:t>目的</a:t>
+            </a:r>
+          </a:p>
+        </p:txBody>
+      </p:sp>
+    </p:spTree>
+    <p:extLst>
+      <p:ext uri="{BB962C8B-B14F-4D97-AF65-F5344CB8AC3E}">
+        <p14:creationId xmlns:p14="http://schemas.microsoft.com/office/powerpoint/2010/main" val="1195508520"/>
       </p:ext>
     </p:extLst>
   </p:cSld>
@@ -8983,10 +8932,10 @@
       </p:grpSpPr>
       <p:sp>
         <p:nvSpPr>
-          <p:cNvPr id="2" name="Text Placeholder 1">
-            <a:extLst>
-              <a:ext uri="{FF2B5EF4-FFF2-40B4-BE49-F238E27FC236}">
-                <a16:creationId xmlns:a16="http://schemas.microsoft.com/office/drawing/2014/main" id="{3CE832AD-29BC-434F-9B09-30D215989E8D}"/>
+          <p:cNvPr id="6" name="Title 5">
+            <a:extLst>
+              <a:ext uri="{FF2B5EF4-FFF2-40B4-BE49-F238E27FC236}">
+                <a16:creationId xmlns:a16="http://schemas.microsoft.com/office/drawing/2014/main" id="{872A7E7B-DBED-D9BA-57CF-1DA5C1D4A9AA}"/>
               </a:ext>
             </a:extLst>
           </p:cNvPr>
@@ -8994,7 +8943,7 @@
             <a:spLocks noGrp="1"/>
           </p:cNvSpPr>
           <p:nvPr>
-            <p:ph type="body" sz="quarter" idx="16"/>
+            <p:ph type="title"/>
           </p:nvPr>
         </p:nvSpPr>
         <p:spPr/>
@@ -9002,16 +8951,19 @@
           <a:bodyPr/>
           <a:lstStyle/>
           <a:p>
-            <a:endParaRPr lang="en-JP" dirty="0"/>
-          </a:p>
-        </p:txBody>
-      </p:sp>
-      <p:sp>
-        <p:nvSpPr>
-          <p:cNvPr id="3" name="Picture Placeholder 2">
-            <a:extLst>
-              <a:ext uri="{FF2B5EF4-FFF2-40B4-BE49-F238E27FC236}">
-                <a16:creationId xmlns:a16="http://schemas.microsoft.com/office/drawing/2014/main" id="{BC65FA6E-2633-92A2-35F5-5022B8070E6B}"/>
+            <a:r>
+              <a:rPr lang="en-JP" dirty="0"/>
+              <a:t>予定</a:t>
+            </a:r>
+          </a:p>
+        </p:txBody>
+      </p:sp>
+      <p:sp>
+        <p:nvSpPr>
+          <p:cNvPr id="4" name="Slide Number Placeholder 3">
+            <a:extLst>
+              <a:ext uri="{FF2B5EF4-FFF2-40B4-BE49-F238E27FC236}">
+                <a16:creationId xmlns:a16="http://schemas.microsoft.com/office/drawing/2014/main" id="{A2B0077F-3C7E-9861-9C85-3572BF845EC8}"/>
               </a:ext>
             </a:extLst>
           </p:cNvPr>
@@ -9019,25 +8971,7 @@
             <a:spLocks noGrp="1"/>
           </p:cNvSpPr>
           <p:nvPr>
-            <p:ph type="pic" sz="quarter" idx="14"/>
-          </p:nvPr>
-        </p:nvSpPr>
-        <p:spPr/>
-      </p:sp>
-      <p:sp>
-        <p:nvSpPr>
-          <p:cNvPr id="4" name="Slide Number Placeholder 3">
-            <a:extLst>
-              <a:ext uri="{FF2B5EF4-FFF2-40B4-BE49-F238E27FC236}">
-                <a16:creationId xmlns:a16="http://schemas.microsoft.com/office/drawing/2014/main" id="{251863AC-2231-D0E6-8FE7-1943CD76657F}"/>
-              </a:ext>
-            </a:extLst>
-          </p:cNvPr>
-          <p:cNvSpPr>
-            <a:spLocks noGrp="1"/>
-          </p:cNvSpPr>
-          <p:nvPr>
-            <p:ph type="sldNum" sz="quarter" idx="4"/>
+            <p:ph type="sldNum" sz="quarter" idx="11"/>
           </p:nvPr>
         </p:nvSpPr>
         <p:spPr/>
@@ -9054,108 +8988,1670 @@
           </a:p>
         </p:txBody>
       </p:sp>
-      <p:sp>
-        <p:nvSpPr>
-          <p:cNvPr id="5" name="Content Placeholder 4">
-            <a:extLst>
-              <a:ext uri="{FF2B5EF4-FFF2-40B4-BE49-F238E27FC236}">
-                <a16:creationId xmlns:a16="http://schemas.microsoft.com/office/drawing/2014/main" id="{61F4FF6F-A491-1A20-B460-7915CCE841B2}"/>
-              </a:ext>
-            </a:extLst>
-          </p:cNvPr>
-          <p:cNvSpPr>
-            <a:spLocks noGrp="1"/>
-          </p:cNvSpPr>
-          <p:nvPr>
-            <p:ph idx="1"/>
-          </p:nvPr>
-        </p:nvSpPr>
-        <p:spPr/>
-        <p:txBody>
-          <a:bodyPr/>
-          <a:lstStyle/>
-          <a:p>
-            <a:r>
-              <a:rPr lang="ja-JP" altLang="en-US" dirty="0">
-                <a:cs typeface="Biome Light" panose="020B0303030204020804" pitchFamily="34" charset="0"/>
-              </a:rPr>
-              <a:t>この研究では、</a:t>
-            </a:r>
-            <a:r>
-              <a:rPr lang="en-US" altLang="ko-KR" dirty="0">
-                <a:cs typeface="Biome Light" panose="020B0303030204020804" pitchFamily="34" charset="0"/>
-              </a:rPr>
-              <a:t>BART(Mike Lewis et al., 2020)</a:t>
-            </a:r>
-            <a:r>
-              <a:rPr lang="ja-JP" altLang="en-US" dirty="0">
-                <a:cs typeface="Biome Light" panose="020B0303030204020804" pitchFamily="34" charset="0"/>
-              </a:rPr>
-              <a:t>を使い、感情を理解し、それに適する</a:t>
-            </a:r>
-            <a:r>
-              <a:rPr lang="en-US" altLang="ja-JP" dirty="0">
-                <a:cs typeface="Biome Light" panose="020B0303030204020804" pitchFamily="34" charset="0"/>
-              </a:rPr>
-              <a:t>”</a:t>
-            </a:r>
-            <a:r>
-              <a:rPr lang="ja-JP" altLang="en-US" dirty="0">
-                <a:cs typeface="Biome Light" panose="020B0303030204020804" pitchFamily="34" charset="0"/>
-              </a:rPr>
-              <a:t>感情的</a:t>
-            </a:r>
-            <a:r>
-              <a:rPr lang="en-US" altLang="ja-JP" dirty="0">
-                <a:cs typeface="Biome Light" panose="020B0303030204020804" pitchFamily="34" charset="0"/>
-              </a:rPr>
-              <a:t>”</a:t>
-            </a:r>
-            <a:r>
-              <a:rPr lang="ja-JP" altLang="en-US" dirty="0">
-                <a:cs typeface="Biome Light" panose="020B0303030204020804" pitchFamily="34" charset="0"/>
-              </a:rPr>
-              <a:t>な答えができるチャットボットを具現することを目標とする。</a:t>
-            </a:r>
-            <a:endParaRPr lang="ja-JP" altLang="en-US" dirty="0"/>
-          </a:p>
-          <a:p>
-            <a:endParaRPr lang="en-JP" dirty="0"/>
-          </a:p>
-        </p:txBody>
-      </p:sp>
-      <p:sp>
-        <p:nvSpPr>
-          <p:cNvPr id="6" name="Title 5">
-            <a:extLst>
-              <a:ext uri="{FF2B5EF4-FFF2-40B4-BE49-F238E27FC236}">
-                <a16:creationId xmlns:a16="http://schemas.microsoft.com/office/drawing/2014/main" id="{6A4DC3A8-34A8-5EA6-7DCC-17EDE35E5AC1}"/>
-              </a:ext>
-            </a:extLst>
-          </p:cNvPr>
-          <p:cNvSpPr>
-            <a:spLocks noGrp="1"/>
-          </p:cNvSpPr>
-          <p:nvPr>
-            <p:ph type="title"/>
-          </p:nvPr>
-        </p:nvSpPr>
-        <p:spPr/>
-        <p:txBody>
-          <a:bodyPr/>
-          <a:lstStyle/>
-          <a:p>
-            <a:r>
-              <a:rPr lang="en-JP" dirty="0"/>
-              <a:t>目的</a:t>
-            </a:r>
-          </a:p>
-        </p:txBody>
-      </p:sp>
+      <p:graphicFrame>
+        <p:nvGraphicFramePr>
+          <p:cNvPr id="16" name="表 16">
+            <a:extLst>
+              <a:ext uri="{FF2B5EF4-FFF2-40B4-BE49-F238E27FC236}">
+                <a16:creationId xmlns:a16="http://schemas.microsoft.com/office/drawing/2014/main" id="{4B320AD9-A1F1-0A76-C1A6-982D6B59F25E}"/>
+              </a:ext>
+            </a:extLst>
+          </p:cNvPr>
+          <p:cNvGraphicFramePr>
+            <a:graphicFrameLocks noGrp="1"/>
+          </p:cNvGraphicFramePr>
+          <p:nvPr>
+            <p:extLst>
+              <p:ext uri="{D42A27DB-BD31-4B8C-83A1-F6EECF244321}">
+                <p14:modId xmlns:p14="http://schemas.microsoft.com/office/powerpoint/2010/main" val="2454559333"/>
+              </p:ext>
+            </p:extLst>
+          </p:nvPr>
+        </p:nvGraphicFramePr>
+        <p:xfrm>
+          <a:off x="1576977" y="2352643"/>
+          <a:ext cx="9038046" cy="3016312"/>
+        </p:xfrm>
+        <a:graphic>
+          <a:graphicData uri="http://schemas.openxmlformats.org/drawingml/2006/table">
+            <a:tbl>
+              <a:tblPr firstRow="1" bandRow="1">
+                <a:tableStyleId>{5C22544A-7EE6-4342-B048-85BDC9FD1C3A}</a:tableStyleId>
+              </a:tblPr>
+              <a:tblGrid>
+                <a:gridCol w="2046306">
+                  <a:extLst>
+                    <a:ext uri="{9D8B030D-6E8A-4147-A177-3AD203B41FA5}">
+                      <a16:colId xmlns:a16="http://schemas.microsoft.com/office/drawing/2014/main" val="2667257741"/>
+                    </a:ext>
+                  </a:extLst>
+                </a:gridCol>
+                <a:gridCol w="1165290">
+                  <a:extLst>
+                    <a:ext uri="{9D8B030D-6E8A-4147-A177-3AD203B41FA5}">
+                      <a16:colId xmlns:a16="http://schemas.microsoft.com/office/drawing/2014/main" val="3778995893"/>
+                    </a:ext>
+                  </a:extLst>
+                </a:gridCol>
+                <a:gridCol w="1165290">
+                  <a:extLst>
+                    <a:ext uri="{9D8B030D-6E8A-4147-A177-3AD203B41FA5}">
+                      <a16:colId xmlns:a16="http://schemas.microsoft.com/office/drawing/2014/main" val="880400650"/>
+                    </a:ext>
+                  </a:extLst>
+                </a:gridCol>
+                <a:gridCol w="1165290">
+                  <a:extLst>
+                    <a:ext uri="{9D8B030D-6E8A-4147-A177-3AD203B41FA5}">
+                      <a16:colId xmlns:a16="http://schemas.microsoft.com/office/drawing/2014/main" val="714997595"/>
+                    </a:ext>
+                  </a:extLst>
+                </a:gridCol>
+                <a:gridCol w="1165290">
+                  <a:extLst>
+                    <a:ext uri="{9D8B030D-6E8A-4147-A177-3AD203B41FA5}">
+                      <a16:colId xmlns:a16="http://schemas.microsoft.com/office/drawing/2014/main" val="2884974181"/>
+                    </a:ext>
+                  </a:extLst>
+                </a:gridCol>
+                <a:gridCol w="1165290">
+                  <a:extLst>
+                    <a:ext uri="{9D8B030D-6E8A-4147-A177-3AD203B41FA5}">
+                      <a16:colId xmlns:a16="http://schemas.microsoft.com/office/drawing/2014/main" val="1546451193"/>
+                    </a:ext>
+                  </a:extLst>
+                </a:gridCol>
+                <a:gridCol w="1165290">
+                  <a:extLst>
+                    <a:ext uri="{9D8B030D-6E8A-4147-A177-3AD203B41FA5}">
+                      <a16:colId xmlns:a16="http://schemas.microsoft.com/office/drawing/2014/main" val="2827647075"/>
+                    </a:ext>
+                  </a:extLst>
+                </a:gridCol>
+              </a:tblGrid>
+              <a:tr h="754078">
+                <a:tc>
+                  <a:txBody>
+                    <a:bodyPr/>
+                    <a:lstStyle/>
+                    <a:p>
+                      <a:pPr algn="ctr"/>
+                      <a:endParaRPr kumimoji="1" lang="ja-JP" altLang="en-US" dirty="0">
+                        <a:solidFill>
+                          <a:schemeClr val="tx1"/>
+                        </a:solidFill>
+                      </a:endParaRPr>
+                    </a:p>
+                  </a:txBody>
+                  <a:tcPr anchor="ctr">
+                    <a:lnL w="12700" cap="flat" cmpd="sng" algn="ctr">
+                      <a:noFill/>
+                      <a:prstDash val="solid"/>
+                      <a:round/>
+                      <a:headEnd type="none" w="med" len="med"/>
+                      <a:tailEnd type="none" w="med" len="med"/>
+                    </a:lnL>
+                    <a:lnR w="12700" cap="flat" cmpd="sng" algn="ctr">
+                      <a:noFill/>
+                      <a:prstDash val="solid"/>
+                      <a:round/>
+                      <a:headEnd type="none" w="med" len="med"/>
+                      <a:tailEnd type="none" w="med" len="med"/>
+                    </a:lnR>
+                    <a:lnT w="12700" cap="flat" cmpd="sng" algn="ctr">
+                      <a:noFill/>
+                      <a:prstDash val="solid"/>
+                      <a:round/>
+                      <a:headEnd type="none" w="med" len="med"/>
+                      <a:tailEnd type="none" w="med" len="med"/>
+                    </a:lnT>
+                    <a:lnB w="12700" cap="flat" cmpd="sng" algn="ctr">
+                      <a:noFill/>
+                      <a:prstDash val="solid"/>
+                      <a:round/>
+                      <a:headEnd type="none" w="med" len="med"/>
+                      <a:tailEnd type="none" w="med" len="med"/>
+                    </a:lnB>
+                    <a:lnTlToBr w="12700" cmpd="sng">
+                      <a:noFill/>
+                      <a:prstDash val="solid"/>
+                    </a:lnTlToBr>
+                    <a:lnBlToTr w="12700" cmpd="sng">
+                      <a:noFill/>
+                      <a:prstDash val="solid"/>
+                    </a:lnBlToTr>
+                    <a:noFill/>
+                  </a:tcPr>
+                </a:tc>
+                <a:tc>
+                  <a:txBody>
+                    <a:bodyPr/>
+                    <a:lstStyle/>
+                    <a:p>
+                      <a:pPr algn="ctr"/>
+                      <a:r>
+                        <a:rPr kumimoji="1" lang="ja-JP" altLang="en-US" dirty="0">
+                          <a:solidFill>
+                            <a:schemeClr val="tx1"/>
+                          </a:solidFill>
+                        </a:rPr>
+                        <a:t>２月</a:t>
+                      </a:r>
+                      <a:endParaRPr kumimoji="1" lang="ja-JP" altLang="en-US" dirty="0"/>
+                    </a:p>
+                  </a:txBody>
+                  <a:tcPr anchor="ctr">
+                    <a:lnL w="12700" cap="flat" cmpd="sng" algn="ctr">
+                      <a:noFill/>
+                      <a:prstDash val="solid"/>
+                      <a:round/>
+                      <a:headEnd type="none" w="med" len="med"/>
+                      <a:tailEnd type="none" w="med" len="med"/>
+                    </a:lnL>
+                    <a:lnR w="12700" cap="flat" cmpd="sng" algn="ctr">
+                      <a:noFill/>
+                      <a:prstDash val="solid"/>
+                      <a:round/>
+                      <a:headEnd type="none" w="med" len="med"/>
+                      <a:tailEnd type="none" w="med" len="med"/>
+                    </a:lnR>
+                    <a:lnT w="12700" cap="flat" cmpd="sng" algn="ctr">
+                      <a:noFill/>
+                      <a:prstDash val="solid"/>
+                      <a:round/>
+                      <a:headEnd type="none" w="med" len="med"/>
+                      <a:tailEnd type="none" w="med" len="med"/>
+                    </a:lnT>
+                    <a:lnB w="12700" cap="flat" cmpd="sng" algn="ctr">
+                      <a:solidFill>
+                        <a:schemeClr val="tx1"/>
+                      </a:solidFill>
+                      <a:prstDash val="solid"/>
+                      <a:round/>
+                      <a:headEnd type="none" w="med" len="med"/>
+                      <a:tailEnd type="none" w="med" len="med"/>
+                    </a:lnB>
+                    <a:lnTlToBr w="12700" cmpd="sng">
+                      <a:noFill/>
+                      <a:prstDash val="solid"/>
+                    </a:lnTlToBr>
+                    <a:lnBlToTr w="12700" cmpd="sng">
+                      <a:noFill/>
+                      <a:prstDash val="solid"/>
+                    </a:lnBlToTr>
+                    <a:noFill/>
+                  </a:tcPr>
+                </a:tc>
+                <a:tc>
+                  <a:txBody>
+                    <a:bodyPr/>
+                    <a:lstStyle/>
+                    <a:p>
+                      <a:pPr algn="ctr"/>
+                      <a:r>
+                        <a:rPr kumimoji="1" lang="ja-JP" altLang="en-US" dirty="0">
+                          <a:solidFill>
+                            <a:schemeClr val="tx1"/>
+                          </a:solidFill>
+                        </a:rPr>
+                        <a:t>３月</a:t>
+                      </a:r>
+                      <a:endParaRPr kumimoji="1" lang="ja-JP" altLang="en-US" dirty="0"/>
+                    </a:p>
+                  </a:txBody>
+                  <a:tcPr anchor="ctr">
+                    <a:lnL w="12700" cap="flat" cmpd="sng" algn="ctr">
+                      <a:noFill/>
+                      <a:prstDash val="solid"/>
+                      <a:round/>
+                      <a:headEnd type="none" w="med" len="med"/>
+                      <a:tailEnd type="none" w="med" len="med"/>
+                    </a:lnL>
+                    <a:lnR w="12700" cap="flat" cmpd="sng" algn="ctr">
+                      <a:noFill/>
+                      <a:prstDash val="solid"/>
+                      <a:round/>
+                      <a:headEnd type="none" w="med" len="med"/>
+                      <a:tailEnd type="none" w="med" len="med"/>
+                    </a:lnR>
+                    <a:lnT w="12700" cap="flat" cmpd="sng" algn="ctr">
+                      <a:noFill/>
+                      <a:prstDash val="solid"/>
+                      <a:round/>
+                      <a:headEnd type="none" w="med" len="med"/>
+                      <a:tailEnd type="none" w="med" len="med"/>
+                    </a:lnT>
+                    <a:lnB w="12700" cap="flat" cmpd="sng" algn="ctr">
+                      <a:solidFill>
+                        <a:schemeClr val="tx1"/>
+                      </a:solidFill>
+                      <a:prstDash val="solid"/>
+                      <a:round/>
+                      <a:headEnd type="none" w="med" len="med"/>
+                      <a:tailEnd type="none" w="med" len="med"/>
+                    </a:lnB>
+                    <a:lnTlToBr w="12700" cmpd="sng">
+                      <a:noFill/>
+                      <a:prstDash val="solid"/>
+                    </a:lnTlToBr>
+                    <a:lnBlToTr w="12700" cmpd="sng">
+                      <a:noFill/>
+                      <a:prstDash val="solid"/>
+                    </a:lnBlToTr>
+                    <a:noFill/>
+                  </a:tcPr>
+                </a:tc>
+                <a:tc>
+                  <a:txBody>
+                    <a:bodyPr/>
+                    <a:lstStyle/>
+                    <a:p>
+                      <a:pPr algn="ctr"/>
+                      <a:r>
+                        <a:rPr kumimoji="1" lang="ja-JP" altLang="en-US" dirty="0">
+                          <a:solidFill>
+                            <a:schemeClr val="tx1"/>
+                          </a:solidFill>
+                        </a:rPr>
+                        <a:t>４月</a:t>
+                      </a:r>
+                      <a:endParaRPr kumimoji="1" lang="ja-JP" altLang="en-US" dirty="0"/>
+                    </a:p>
+                  </a:txBody>
+                  <a:tcPr anchor="ctr">
+                    <a:lnL w="12700" cap="flat" cmpd="sng" algn="ctr">
+                      <a:noFill/>
+                      <a:prstDash val="solid"/>
+                      <a:round/>
+                      <a:headEnd type="none" w="med" len="med"/>
+                      <a:tailEnd type="none" w="med" len="med"/>
+                    </a:lnL>
+                    <a:lnR w="12700" cap="flat" cmpd="sng" algn="ctr">
+                      <a:noFill/>
+                      <a:prstDash val="solid"/>
+                      <a:round/>
+                      <a:headEnd type="none" w="med" len="med"/>
+                      <a:tailEnd type="none" w="med" len="med"/>
+                    </a:lnR>
+                    <a:lnT w="12700" cap="flat" cmpd="sng" algn="ctr">
+                      <a:noFill/>
+                      <a:prstDash val="solid"/>
+                      <a:round/>
+                      <a:headEnd type="none" w="med" len="med"/>
+                      <a:tailEnd type="none" w="med" len="med"/>
+                    </a:lnT>
+                    <a:lnB w="12700" cap="flat" cmpd="sng" algn="ctr">
+                      <a:solidFill>
+                        <a:schemeClr val="tx1"/>
+                      </a:solidFill>
+                      <a:prstDash val="solid"/>
+                      <a:round/>
+                      <a:headEnd type="none" w="med" len="med"/>
+                      <a:tailEnd type="none" w="med" len="med"/>
+                    </a:lnB>
+                    <a:lnTlToBr w="12700" cmpd="sng">
+                      <a:noFill/>
+                      <a:prstDash val="solid"/>
+                    </a:lnTlToBr>
+                    <a:lnBlToTr w="12700" cmpd="sng">
+                      <a:noFill/>
+                      <a:prstDash val="solid"/>
+                    </a:lnBlToTr>
+                    <a:noFill/>
+                  </a:tcPr>
+                </a:tc>
+                <a:tc>
+                  <a:txBody>
+                    <a:bodyPr/>
+                    <a:lstStyle/>
+                    <a:p>
+                      <a:pPr algn="ctr"/>
+                      <a:r>
+                        <a:rPr kumimoji="1" lang="ja-JP" altLang="en-US" dirty="0">
+                          <a:solidFill>
+                            <a:schemeClr val="tx1"/>
+                          </a:solidFill>
+                        </a:rPr>
+                        <a:t>５月</a:t>
+                      </a:r>
+                      <a:endParaRPr kumimoji="1" lang="ja-JP" altLang="en-US" dirty="0"/>
+                    </a:p>
+                  </a:txBody>
+                  <a:tcPr anchor="ctr">
+                    <a:lnL w="12700" cap="flat" cmpd="sng" algn="ctr">
+                      <a:noFill/>
+                      <a:prstDash val="solid"/>
+                      <a:round/>
+                      <a:headEnd type="none" w="med" len="med"/>
+                      <a:tailEnd type="none" w="med" len="med"/>
+                    </a:lnL>
+                    <a:lnR w="12700" cap="flat" cmpd="sng" algn="ctr">
+                      <a:noFill/>
+                      <a:prstDash val="solid"/>
+                      <a:round/>
+                      <a:headEnd type="none" w="med" len="med"/>
+                      <a:tailEnd type="none" w="med" len="med"/>
+                    </a:lnR>
+                    <a:lnT w="12700" cap="flat" cmpd="sng" algn="ctr">
+                      <a:noFill/>
+                      <a:prstDash val="solid"/>
+                      <a:round/>
+                      <a:headEnd type="none" w="med" len="med"/>
+                      <a:tailEnd type="none" w="med" len="med"/>
+                    </a:lnT>
+                    <a:lnB w="12700" cap="flat" cmpd="sng" algn="ctr">
+                      <a:solidFill>
+                        <a:schemeClr val="tx1"/>
+                      </a:solidFill>
+                      <a:prstDash val="solid"/>
+                      <a:round/>
+                      <a:headEnd type="none" w="med" len="med"/>
+                      <a:tailEnd type="none" w="med" len="med"/>
+                    </a:lnB>
+                    <a:lnTlToBr w="12700" cmpd="sng">
+                      <a:noFill/>
+                      <a:prstDash val="solid"/>
+                    </a:lnTlToBr>
+                    <a:lnBlToTr w="12700" cmpd="sng">
+                      <a:noFill/>
+                      <a:prstDash val="solid"/>
+                    </a:lnBlToTr>
+                    <a:noFill/>
+                  </a:tcPr>
+                </a:tc>
+                <a:tc>
+                  <a:txBody>
+                    <a:bodyPr/>
+                    <a:lstStyle/>
+                    <a:p>
+                      <a:pPr algn="ctr"/>
+                      <a:r>
+                        <a:rPr kumimoji="1" lang="ja-JP" altLang="en-US" dirty="0">
+                          <a:solidFill>
+                            <a:schemeClr val="tx1"/>
+                          </a:solidFill>
+                        </a:rPr>
+                        <a:t>６月</a:t>
+                      </a:r>
+                      <a:endParaRPr kumimoji="1" lang="ja-JP" altLang="en-US" dirty="0"/>
+                    </a:p>
+                  </a:txBody>
+                  <a:tcPr anchor="ctr">
+                    <a:lnL w="12700" cap="flat" cmpd="sng" algn="ctr">
+                      <a:noFill/>
+                      <a:prstDash val="solid"/>
+                      <a:round/>
+                      <a:headEnd type="none" w="med" len="med"/>
+                      <a:tailEnd type="none" w="med" len="med"/>
+                    </a:lnL>
+                    <a:lnR w="12700" cap="flat" cmpd="sng" algn="ctr">
+                      <a:noFill/>
+                      <a:prstDash val="solid"/>
+                      <a:round/>
+                      <a:headEnd type="none" w="med" len="med"/>
+                      <a:tailEnd type="none" w="med" len="med"/>
+                    </a:lnR>
+                    <a:lnT w="12700" cap="flat" cmpd="sng" algn="ctr">
+                      <a:noFill/>
+                      <a:prstDash val="solid"/>
+                      <a:round/>
+                      <a:headEnd type="none" w="med" len="med"/>
+                      <a:tailEnd type="none" w="med" len="med"/>
+                    </a:lnT>
+                    <a:lnB w="12700" cap="flat" cmpd="sng" algn="ctr">
+                      <a:solidFill>
+                        <a:schemeClr val="tx1"/>
+                      </a:solidFill>
+                      <a:prstDash val="solid"/>
+                      <a:round/>
+                      <a:headEnd type="none" w="med" len="med"/>
+                      <a:tailEnd type="none" w="med" len="med"/>
+                    </a:lnB>
+                    <a:lnTlToBr w="12700" cmpd="sng">
+                      <a:noFill/>
+                      <a:prstDash val="solid"/>
+                    </a:lnTlToBr>
+                    <a:lnBlToTr w="12700" cmpd="sng">
+                      <a:noFill/>
+                      <a:prstDash val="solid"/>
+                    </a:lnBlToTr>
+                    <a:noFill/>
+                  </a:tcPr>
+                </a:tc>
+                <a:tc>
+                  <a:txBody>
+                    <a:bodyPr/>
+                    <a:lstStyle/>
+                    <a:p>
+                      <a:pPr algn="ctr"/>
+                      <a:r>
+                        <a:rPr kumimoji="1" lang="ja-JP" altLang="en-US" dirty="0">
+                          <a:solidFill>
+                            <a:schemeClr val="tx1"/>
+                          </a:solidFill>
+                        </a:rPr>
+                        <a:t>７月</a:t>
+                      </a:r>
+                      <a:endParaRPr kumimoji="1" lang="ja-JP" altLang="en-US" dirty="0"/>
+                    </a:p>
+                  </a:txBody>
+                  <a:tcPr anchor="ctr">
+                    <a:lnL w="12700" cap="flat" cmpd="sng" algn="ctr">
+                      <a:noFill/>
+                      <a:prstDash val="solid"/>
+                      <a:round/>
+                      <a:headEnd type="none" w="med" len="med"/>
+                      <a:tailEnd type="none" w="med" len="med"/>
+                    </a:lnL>
+                    <a:lnR w="12700" cap="flat" cmpd="sng" algn="ctr">
+                      <a:noFill/>
+                      <a:prstDash val="solid"/>
+                      <a:round/>
+                      <a:headEnd type="none" w="med" len="med"/>
+                      <a:tailEnd type="none" w="med" len="med"/>
+                    </a:lnR>
+                    <a:lnT w="12700" cap="flat" cmpd="sng" algn="ctr">
+                      <a:noFill/>
+                      <a:prstDash val="solid"/>
+                      <a:round/>
+                      <a:headEnd type="none" w="med" len="med"/>
+                      <a:tailEnd type="none" w="med" len="med"/>
+                    </a:lnT>
+                    <a:lnB w="12700" cap="flat" cmpd="sng" algn="ctr">
+                      <a:solidFill>
+                        <a:schemeClr val="tx1"/>
+                      </a:solidFill>
+                      <a:prstDash val="solid"/>
+                      <a:round/>
+                      <a:headEnd type="none" w="med" len="med"/>
+                      <a:tailEnd type="none" w="med" len="med"/>
+                    </a:lnB>
+                    <a:lnTlToBr w="12700" cmpd="sng">
+                      <a:noFill/>
+                      <a:prstDash val="solid"/>
+                    </a:lnTlToBr>
+                    <a:lnBlToTr w="12700" cmpd="sng">
+                      <a:noFill/>
+                      <a:prstDash val="solid"/>
+                    </a:lnBlToTr>
+                    <a:noFill/>
+                  </a:tcPr>
+                </a:tc>
+                <a:extLst>
+                  <a:ext uri="{0D108BD9-81ED-4DB2-BD59-A6C34878D82A}">
+                    <a16:rowId xmlns:a16="http://schemas.microsoft.com/office/drawing/2014/main" val="3583486252"/>
+                  </a:ext>
+                </a:extLst>
+              </a:tr>
+              <a:tr h="754078">
+                <a:tc>
+                  <a:txBody>
+                    <a:bodyPr/>
+                    <a:lstStyle/>
+                    <a:p>
+                      <a:pPr algn="ctr"/>
+                      <a:r>
+                        <a:rPr kumimoji="1" lang="en-US" altLang="ja-JP" dirty="0">
+                          <a:solidFill>
+                            <a:schemeClr val="accent5">
+                              <a:lumMod val="90000"/>
+                              <a:lumOff val="10000"/>
+                            </a:schemeClr>
+                          </a:solidFill>
+                        </a:rPr>
+                        <a:t>RNN &amp; Transformer</a:t>
+                      </a:r>
+                    </a:p>
+                    <a:p>
+                      <a:pPr algn="ctr"/>
+                      <a:r>
+                        <a:rPr kumimoji="1" lang="en-US" altLang="ja-JP" dirty="0">
+                          <a:solidFill>
+                            <a:schemeClr val="accent5">
+                              <a:lumMod val="90000"/>
+                              <a:lumOff val="10000"/>
+                            </a:schemeClr>
+                          </a:solidFill>
+                        </a:rPr>
+                        <a:t>&amp; Bart</a:t>
+                      </a:r>
+                      <a:r>
+                        <a:rPr kumimoji="1" lang="ja-JP" altLang="en-US" dirty="0">
+                          <a:solidFill>
+                            <a:schemeClr val="accent5">
+                              <a:lumMod val="90000"/>
+                              <a:lumOff val="10000"/>
+                            </a:schemeClr>
+                          </a:solidFill>
+                        </a:rPr>
+                        <a:t>の勉強</a:t>
+                      </a:r>
+                    </a:p>
+                  </a:txBody>
+                  <a:tcPr anchor="ctr">
+                    <a:lnL w="12700" cap="flat" cmpd="sng" algn="ctr">
+                      <a:noFill/>
+                      <a:prstDash val="solid"/>
+                      <a:round/>
+                      <a:headEnd type="none" w="med" len="med"/>
+                      <a:tailEnd type="none" w="med" len="med"/>
+                    </a:lnL>
+                    <a:lnR w="12700" cap="flat" cmpd="sng" algn="ctr">
+                      <a:solidFill>
+                        <a:schemeClr val="tx1"/>
+                      </a:solidFill>
+                      <a:prstDash val="solid"/>
+                      <a:round/>
+                      <a:headEnd type="none" w="med" len="med"/>
+                      <a:tailEnd type="none" w="med" len="med"/>
+                    </a:lnR>
+                    <a:lnT w="12700" cap="flat" cmpd="sng" algn="ctr">
+                      <a:noFill/>
+                      <a:prstDash val="solid"/>
+                      <a:round/>
+                      <a:headEnd type="none" w="med" len="med"/>
+                      <a:tailEnd type="none" w="med" len="med"/>
+                    </a:lnT>
+                    <a:lnB w="12700" cap="flat" cmpd="sng" algn="ctr">
+                      <a:noFill/>
+                      <a:prstDash val="solid"/>
+                      <a:round/>
+                      <a:headEnd type="none" w="med" len="med"/>
+                      <a:tailEnd type="none" w="med" len="med"/>
+                    </a:lnB>
+                    <a:lnTlToBr w="12700" cmpd="sng">
+                      <a:noFill/>
+                      <a:prstDash val="solid"/>
+                    </a:lnTlToBr>
+                    <a:lnBlToTr w="12700" cmpd="sng">
+                      <a:noFill/>
+                      <a:prstDash val="solid"/>
+                    </a:lnBlToTr>
+                    <a:noFill/>
+                  </a:tcPr>
+                </a:tc>
+                <a:tc>
+                  <a:txBody>
+                    <a:bodyPr/>
+                    <a:lstStyle/>
+                    <a:p>
+                      <a:pPr algn="ctr"/>
+                      <a:endParaRPr kumimoji="1" lang="ja-JP" altLang="en-US" dirty="0"/>
+                    </a:p>
+                  </a:txBody>
+                  <a:tcPr anchor="ctr">
+                    <a:lnL w="12700" cap="flat" cmpd="sng" algn="ctr">
+                      <a:solidFill>
+                        <a:schemeClr val="tx1"/>
+                      </a:solidFill>
+                      <a:prstDash val="solid"/>
+                      <a:round/>
+                      <a:headEnd type="none" w="med" len="med"/>
+                      <a:tailEnd type="none" w="med" len="med"/>
+                    </a:lnL>
+                    <a:lnR w="12700" cap="flat" cmpd="sng" algn="ctr">
+                      <a:solidFill>
+                        <a:schemeClr val="tx1"/>
+                      </a:solidFill>
+                      <a:prstDash val="solid"/>
+                      <a:round/>
+                      <a:headEnd type="none" w="med" len="med"/>
+                      <a:tailEnd type="none" w="med" len="med"/>
+                    </a:lnR>
+                    <a:lnT w="12700" cap="flat" cmpd="sng" algn="ctr">
+                      <a:solidFill>
+                        <a:schemeClr val="tx1"/>
+                      </a:solidFill>
+                      <a:prstDash val="solid"/>
+                      <a:round/>
+                      <a:headEnd type="none" w="med" len="med"/>
+                      <a:tailEnd type="none" w="med" len="med"/>
+                    </a:lnT>
+                    <a:lnB w="12700" cap="flat" cmpd="sng" algn="ctr">
+                      <a:solidFill>
+                        <a:schemeClr val="tx1"/>
+                      </a:solidFill>
+                      <a:prstDash val="solid"/>
+                      <a:round/>
+                      <a:headEnd type="none" w="med" len="med"/>
+                      <a:tailEnd type="none" w="med" len="med"/>
+                    </a:lnB>
+                    <a:lnTlToBr w="12700" cmpd="sng">
+                      <a:noFill/>
+                      <a:prstDash val="solid"/>
+                    </a:lnTlToBr>
+                    <a:lnBlToTr w="12700" cmpd="sng">
+                      <a:noFill/>
+                      <a:prstDash val="solid"/>
+                    </a:lnBlToTr>
+                    <a:solidFill>
+                      <a:srgbClr val="002060"/>
+                    </a:solidFill>
+                  </a:tcPr>
+                </a:tc>
+                <a:tc>
+                  <a:txBody>
+                    <a:bodyPr/>
+                    <a:lstStyle/>
+                    <a:p>
+                      <a:pPr algn="ctr"/>
+                      <a:endParaRPr kumimoji="1" lang="ja-JP" altLang="en-US" dirty="0"/>
+                    </a:p>
+                  </a:txBody>
+                  <a:tcPr anchor="ctr">
+                    <a:lnL w="12700" cap="flat" cmpd="sng" algn="ctr">
+                      <a:solidFill>
+                        <a:schemeClr val="tx1"/>
+                      </a:solidFill>
+                      <a:prstDash val="solid"/>
+                      <a:round/>
+                      <a:headEnd type="none" w="med" len="med"/>
+                      <a:tailEnd type="none" w="med" len="med"/>
+                    </a:lnL>
+                    <a:lnR w="12700" cap="flat" cmpd="sng" algn="ctr">
+                      <a:solidFill>
+                        <a:schemeClr val="tx1"/>
+                      </a:solidFill>
+                      <a:prstDash val="solid"/>
+                      <a:round/>
+                      <a:headEnd type="none" w="med" len="med"/>
+                      <a:tailEnd type="none" w="med" len="med"/>
+                    </a:lnR>
+                    <a:lnT w="12700" cap="flat" cmpd="sng" algn="ctr">
+                      <a:solidFill>
+                        <a:schemeClr val="tx1"/>
+                      </a:solidFill>
+                      <a:prstDash val="solid"/>
+                      <a:round/>
+                      <a:headEnd type="none" w="med" len="med"/>
+                      <a:tailEnd type="none" w="med" len="med"/>
+                    </a:lnT>
+                    <a:lnB w="12700" cap="flat" cmpd="sng" algn="ctr">
+                      <a:solidFill>
+                        <a:schemeClr val="tx1"/>
+                      </a:solidFill>
+                      <a:prstDash val="solid"/>
+                      <a:round/>
+                      <a:headEnd type="none" w="med" len="med"/>
+                      <a:tailEnd type="none" w="med" len="med"/>
+                    </a:lnB>
+                    <a:solidFill>
+                      <a:srgbClr val="002060"/>
+                    </a:solidFill>
+                  </a:tcPr>
+                </a:tc>
+                <a:tc>
+                  <a:txBody>
+                    <a:bodyPr/>
+                    <a:lstStyle/>
+                    <a:p>
+                      <a:pPr algn="ctr"/>
+                      <a:endParaRPr kumimoji="1" lang="ja-JP" altLang="en-US" dirty="0"/>
+                    </a:p>
+                  </a:txBody>
+                  <a:tcPr anchor="ctr">
+                    <a:lnL w="12700" cap="flat" cmpd="sng" algn="ctr">
+                      <a:solidFill>
+                        <a:schemeClr val="tx1"/>
+                      </a:solidFill>
+                      <a:prstDash val="solid"/>
+                      <a:round/>
+                      <a:headEnd type="none" w="med" len="med"/>
+                      <a:tailEnd type="none" w="med" len="med"/>
+                    </a:lnL>
+                    <a:lnR w="12700" cap="flat" cmpd="sng" algn="ctr">
+                      <a:solidFill>
+                        <a:schemeClr val="tx1"/>
+                      </a:solidFill>
+                      <a:prstDash val="solid"/>
+                      <a:round/>
+                      <a:headEnd type="none" w="med" len="med"/>
+                      <a:tailEnd type="none" w="med" len="med"/>
+                    </a:lnR>
+                    <a:lnT w="12700" cap="flat" cmpd="sng" algn="ctr">
+                      <a:solidFill>
+                        <a:schemeClr val="tx1"/>
+                      </a:solidFill>
+                      <a:prstDash val="solid"/>
+                      <a:round/>
+                      <a:headEnd type="none" w="med" len="med"/>
+                      <a:tailEnd type="none" w="med" len="med"/>
+                    </a:lnT>
+                    <a:lnB w="12700" cap="flat" cmpd="sng" algn="ctr">
+                      <a:solidFill>
+                        <a:schemeClr val="tx1"/>
+                      </a:solidFill>
+                      <a:prstDash val="solid"/>
+                      <a:round/>
+                      <a:headEnd type="none" w="med" len="med"/>
+                      <a:tailEnd type="none" w="med" len="med"/>
+                    </a:lnB>
+                    <a:solidFill>
+                      <a:srgbClr val="002060"/>
+                    </a:solidFill>
+                  </a:tcPr>
+                </a:tc>
+                <a:tc>
+                  <a:txBody>
+                    <a:bodyPr/>
+                    <a:lstStyle/>
+                    <a:p>
+                      <a:pPr algn="ctr"/>
+                      <a:endParaRPr kumimoji="1" lang="ja-JP" altLang="en-US" dirty="0"/>
+                    </a:p>
+                  </a:txBody>
+                  <a:tcPr anchor="ctr">
+                    <a:lnL w="12700" cap="flat" cmpd="sng" algn="ctr">
+                      <a:solidFill>
+                        <a:schemeClr val="tx1"/>
+                      </a:solidFill>
+                      <a:prstDash val="solid"/>
+                      <a:round/>
+                      <a:headEnd type="none" w="med" len="med"/>
+                      <a:tailEnd type="none" w="med" len="med"/>
+                    </a:lnL>
+                    <a:lnR w="12700" cap="flat" cmpd="sng" algn="ctr">
+                      <a:solidFill>
+                        <a:schemeClr val="tx1"/>
+                      </a:solidFill>
+                      <a:prstDash val="solid"/>
+                      <a:round/>
+                      <a:headEnd type="none" w="med" len="med"/>
+                      <a:tailEnd type="none" w="med" len="med"/>
+                    </a:lnR>
+                    <a:lnT w="12700" cap="flat" cmpd="sng" algn="ctr">
+                      <a:solidFill>
+                        <a:schemeClr val="tx1"/>
+                      </a:solidFill>
+                      <a:prstDash val="solid"/>
+                      <a:round/>
+                      <a:headEnd type="none" w="med" len="med"/>
+                      <a:tailEnd type="none" w="med" len="med"/>
+                    </a:lnT>
+                    <a:lnB w="12700" cap="flat" cmpd="sng" algn="ctr">
+                      <a:solidFill>
+                        <a:schemeClr val="tx1"/>
+                      </a:solidFill>
+                      <a:prstDash val="solid"/>
+                      <a:round/>
+                      <a:headEnd type="none" w="med" len="med"/>
+                      <a:tailEnd type="none" w="med" len="med"/>
+                    </a:lnB>
+                    <a:noFill/>
+                  </a:tcPr>
+                </a:tc>
+                <a:tc>
+                  <a:txBody>
+                    <a:bodyPr/>
+                    <a:lstStyle/>
+                    <a:p>
+                      <a:pPr algn="ctr"/>
+                      <a:endParaRPr kumimoji="1" lang="ja-JP" altLang="en-US" dirty="0"/>
+                    </a:p>
+                  </a:txBody>
+                  <a:tcPr anchor="ctr">
+                    <a:lnL w="12700" cap="flat" cmpd="sng" algn="ctr">
+                      <a:solidFill>
+                        <a:schemeClr val="tx1"/>
+                      </a:solidFill>
+                      <a:prstDash val="solid"/>
+                      <a:round/>
+                      <a:headEnd type="none" w="med" len="med"/>
+                      <a:tailEnd type="none" w="med" len="med"/>
+                    </a:lnL>
+                    <a:lnR w="12700" cap="flat" cmpd="sng" algn="ctr">
+                      <a:solidFill>
+                        <a:schemeClr val="tx1"/>
+                      </a:solidFill>
+                      <a:prstDash val="solid"/>
+                      <a:round/>
+                      <a:headEnd type="none" w="med" len="med"/>
+                      <a:tailEnd type="none" w="med" len="med"/>
+                    </a:lnR>
+                    <a:lnT w="12700" cap="flat" cmpd="sng" algn="ctr">
+                      <a:solidFill>
+                        <a:schemeClr val="tx1"/>
+                      </a:solidFill>
+                      <a:prstDash val="solid"/>
+                      <a:round/>
+                      <a:headEnd type="none" w="med" len="med"/>
+                      <a:tailEnd type="none" w="med" len="med"/>
+                    </a:lnT>
+                    <a:lnB w="12700" cap="flat" cmpd="sng" algn="ctr">
+                      <a:solidFill>
+                        <a:schemeClr val="tx1"/>
+                      </a:solidFill>
+                      <a:prstDash val="solid"/>
+                      <a:round/>
+                      <a:headEnd type="none" w="med" len="med"/>
+                      <a:tailEnd type="none" w="med" len="med"/>
+                    </a:lnB>
+                    <a:noFill/>
+                  </a:tcPr>
+                </a:tc>
+                <a:tc>
+                  <a:txBody>
+                    <a:bodyPr/>
+                    <a:lstStyle/>
+                    <a:p>
+                      <a:pPr algn="ctr"/>
+                      <a:endParaRPr kumimoji="1" lang="ja-JP" altLang="en-US" dirty="0"/>
+                    </a:p>
+                  </a:txBody>
+                  <a:tcPr anchor="ctr">
+                    <a:lnL w="12700" cap="flat" cmpd="sng" algn="ctr">
+                      <a:solidFill>
+                        <a:schemeClr val="tx1"/>
+                      </a:solidFill>
+                      <a:prstDash val="solid"/>
+                      <a:round/>
+                      <a:headEnd type="none" w="med" len="med"/>
+                      <a:tailEnd type="none" w="med" len="med"/>
+                    </a:lnL>
+                    <a:lnR w="12700" cap="flat" cmpd="sng" algn="ctr">
+                      <a:solidFill>
+                        <a:schemeClr val="tx1"/>
+                      </a:solidFill>
+                      <a:prstDash val="solid"/>
+                      <a:round/>
+                      <a:headEnd type="none" w="med" len="med"/>
+                      <a:tailEnd type="none" w="med" len="med"/>
+                    </a:lnR>
+                    <a:lnT w="12700" cap="flat" cmpd="sng" algn="ctr">
+                      <a:solidFill>
+                        <a:schemeClr val="tx1"/>
+                      </a:solidFill>
+                      <a:prstDash val="solid"/>
+                      <a:round/>
+                      <a:headEnd type="none" w="med" len="med"/>
+                      <a:tailEnd type="none" w="med" len="med"/>
+                    </a:lnT>
+                    <a:lnB w="12700" cap="flat" cmpd="sng" algn="ctr">
+                      <a:solidFill>
+                        <a:schemeClr val="tx1"/>
+                      </a:solidFill>
+                      <a:prstDash val="solid"/>
+                      <a:round/>
+                      <a:headEnd type="none" w="med" len="med"/>
+                      <a:tailEnd type="none" w="med" len="med"/>
+                    </a:lnB>
+                    <a:noFill/>
+                  </a:tcPr>
+                </a:tc>
+                <a:extLst>
+                  <a:ext uri="{0D108BD9-81ED-4DB2-BD59-A6C34878D82A}">
+                    <a16:rowId xmlns:a16="http://schemas.microsoft.com/office/drawing/2014/main" val="2872667835"/>
+                  </a:ext>
+                </a:extLst>
+              </a:tr>
+              <a:tr h="754078">
+                <a:tc>
+                  <a:txBody>
+                    <a:bodyPr/>
+                    <a:lstStyle/>
+                    <a:p>
+                      <a:pPr algn="ctr"/>
+                      <a:r>
+                        <a:rPr kumimoji="1" lang="ja-JP" altLang="en-US" dirty="0">
+                          <a:solidFill>
+                            <a:srgbClr val="00B050"/>
+                          </a:solidFill>
+                        </a:rPr>
+                        <a:t>モデル構築</a:t>
+                      </a:r>
+                    </a:p>
+                  </a:txBody>
+                  <a:tcPr anchor="ctr">
+                    <a:lnL w="12700" cap="flat" cmpd="sng" algn="ctr">
+                      <a:noFill/>
+                      <a:prstDash val="solid"/>
+                      <a:round/>
+                      <a:headEnd type="none" w="med" len="med"/>
+                      <a:tailEnd type="none" w="med" len="med"/>
+                    </a:lnL>
+                    <a:lnR w="12700" cap="flat" cmpd="sng" algn="ctr">
+                      <a:solidFill>
+                        <a:schemeClr val="tx1"/>
+                      </a:solidFill>
+                      <a:prstDash val="solid"/>
+                      <a:round/>
+                      <a:headEnd type="none" w="med" len="med"/>
+                      <a:tailEnd type="none" w="med" len="med"/>
+                    </a:lnR>
+                    <a:lnT w="12700" cap="flat" cmpd="sng" algn="ctr">
+                      <a:noFill/>
+                      <a:prstDash val="solid"/>
+                      <a:round/>
+                      <a:headEnd type="none" w="med" len="med"/>
+                      <a:tailEnd type="none" w="med" len="med"/>
+                    </a:lnT>
+                    <a:lnB w="12700" cap="flat" cmpd="sng" algn="ctr">
+                      <a:noFill/>
+                      <a:prstDash val="solid"/>
+                      <a:round/>
+                      <a:headEnd type="none" w="med" len="med"/>
+                      <a:tailEnd type="none" w="med" len="med"/>
+                    </a:lnB>
+                    <a:lnTlToBr w="12700" cmpd="sng">
+                      <a:noFill/>
+                      <a:prstDash val="solid"/>
+                    </a:lnTlToBr>
+                    <a:lnBlToTr w="12700" cmpd="sng">
+                      <a:noFill/>
+                      <a:prstDash val="solid"/>
+                    </a:lnBlToTr>
+                    <a:noFill/>
+                  </a:tcPr>
+                </a:tc>
+                <a:tc>
+                  <a:txBody>
+                    <a:bodyPr/>
+                    <a:lstStyle/>
+                    <a:p>
+                      <a:pPr algn="ctr"/>
+                      <a:endParaRPr kumimoji="1" lang="ja-JP" altLang="en-US" dirty="0"/>
+                    </a:p>
+                  </a:txBody>
+                  <a:tcPr anchor="ctr">
+                    <a:lnL w="12700" cap="flat" cmpd="sng" algn="ctr">
+                      <a:solidFill>
+                        <a:schemeClr val="tx1"/>
+                      </a:solidFill>
+                      <a:prstDash val="solid"/>
+                      <a:round/>
+                      <a:headEnd type="none" w="med" len="med"/>
+                      <a:tailEnd type="none" w="med" len="med"/>
+                    </a:lnL>
+                    <a:lnR w="12700" cap="flat" cmpd="sng" algn="ctr">
+                      <a:solidFill>
+                        <a:schemeClr val="tx1"/>
+                      </a:solidFill>
+                      <a:prstDash val="solid"/>
+                      <a:round/>
+                      <a:headEnd type="none" w="med" len="med"/>
+                      <a:tailEnd type="none" w="med" len="med"/>
+                    </a:lnR>
+                    <a:lnT w="12700" cap="flat" cmpd="sng" algn="ctr">
+                      <a:solidFill>
+                        <a:schemeClr val="tx1"/>
+                      </a:solidFill>
+                      <a:prstDash val="solid"/>
+                      <a:round/>
+                      <a:headEnd type="none" w="med" len="med"/>
+                      <a:tailEnd type="none" w="med" len="med"/>
+                    </a:lnT>
+                    <a:lnB w="12700" cap="flat" cmpd="sng" algn="ctr">
+                      <a:solidFill>
+                        <a:schemeClr val="tx1"/>
+                      </a:solidFill>
+                      <a:prstDash val="solid"/>
+                      <a:round/>
+                      <a:headEnd type="none" w="med" len="med"/>
+                      <a:tailEnd type="none" w="med" len="med"/>
+                    </a:lnB>
+                    <a:lnTlToBr w="12700" cmpd="sng">
+                      <a:noFill/>
+                      <a:prstDash val="solid"/>
+                    </a:lnTlToBr>
+                    <a:lnBlToTr w="12700" cmpd="sng">
+                      <a:noFill/>
+                      <a:prstDash val="solid"/>
+                    </a:lnBlToTr>
+                    <a:noFill/>
+                  </a:tcPr>
+                </a:tc>
+                <a:tc>
+                  <a:txBody>
+                    <a:bodyPr/>
+                    <a:lstStyle/>
+                    <a:p>
+                      <a:pPr algn="ctr"/>
+                      <a:endParaRPr kumimoji="1" lang="ja-JP" altLang="en-US" dirty="0"/>
+                    </a:p>
+                  </a:txBody>
+                  <a:tcPr anchor="ctr">
+                    <a:lnL w="12700" cap="flat" cmpd="sng" algn="ctr">
+                      <a:solidFill>
+                        <a:schemeClr val="tx1"/>
+                      </a:solidFill>
+                      <a:prstDash val="solid"/>
+                      <a:round/>
+                      <a:headEnd type="none" w="med" len="med"/>
+                      <a:tailEnd type="none" w="med" len="med"/>
+                    </a:lnL>
+                    <a:lnR w="12700" cap="flat" cmpd="sng" algn="ctr">
+                      <a:solidFill>
+                        <a:schemeClr val="tx1"/>
+                      </a:solidFill>
+                      <a:prstDash val="solid"/>
+                      <a:round/>
+                      <a:headEnd type="none" w="med" len="med"/>
+                      <a:tailEnd type="none" w="med" len="med"/>
+                    </a:lnR>
+                    <a:lnT w="12700" cap="flat" cmpd="sng" algn="ctr">
+                      <a:solidFill>
+                        <a:schemeClr val="tx1"/>
+                      </a:solidFill>
+                      <a:prstDash val="solid"/>
+                      <a:round/>
+                      <a:headEnd type="none" w="med" len="med"/>
+                      <a:tailEnd type="none" w="med" len="med"/>
+                    </a:lnT>
+                    <a:lnB w="12700" cap="flat" cmpd="sng" algn="ctr">
+                      <a:solidFill>
+                        <a:schemeClr val="tx1"/>
+                      </a:solidFill>
+                      <a:prstDash val="solid"/>
+                      <a:round/>
+                      <a:headEnd type="none" w="med" len="med"/>
+                      <a:tailEnd type="none" w="med" len="med"/>
+                    </a:lnB>
+                    <a:noFill/>
+                  </a:tcPr>
+                </a:tc>
+                <a:tc>
+                  <a:txBody>
+                    <a:bodyPr/>
+                    <a:lstStyle/>
+                    <a:p>
+                      <a:pPr algn="ctr"/>
+                      <a:endParaRPr kumimoji="1" lang="ja-JP" altLang="en-US" dirty="0"/>
+                    </a:p>
+                  </a:txBody>
+                  <a:tcPr anchor="ctr">
+                    <a:lnL w="12700" cap="flat" cmpd="sng" algn="ctr">
+                      <a:solidFill>
+                        <a:schemeClr val="tx1"/>
+                      </a:solidFill>
+                      <a:prstDash val="solid"/>
+                      <a:round/>
+                      <a:headEnd type="none" w="med" len="med"/>
+                      <a:tailEnd type="none" w="med" len="med"/>
+                    </a:lnL>
+                    <a:lnR w="12700" cap="flat" cmpd="sng" algn="ctr">
+                      <a:solidFill>
+                        <a:schemeClr val="tx1"/>
+                      </a:solidFill>
+                      <a:prstDash val="solid"/>
+                      <a:round/>
+                      <a:headEnd type="none" w="med" len="med"/>
+                      <a:tailEnd type="none" w="med" len="med"/>
+                    </a:lnR>
+                    <a:lnT w="12700" cap="flat" cmpd="sng" algn="ctr">
+                      <a:solidFill>
+                        <a:schemeClr val="tx1"/>
+                      </a:solidFill>
+                      <a:prstDash val="solid"/>
+                      <a:round/>
+                      <a:headEnd type="none" w="med" len="med"/>
+                      <a:tailEnd type="none" w="med" len="med"/>
+                    </a:lnT>
+                    <a:lnB w="12700" cap="flat" cmpd="sng" algn="ctr">
+                      <a:solidFill>
+                        <a:schemeClr val="tx1"/>
+                      </a:solidFill>
+                      <a:prstDash val="solid"/>
+                      <a:round/>
+                      <a:headEnd type="none" w="med" len="med"/>
+                      <a:tailEnd type="none" w="med" len="med"/>
+                    </a:lnB>
+                    <a:solidFill>
+                      <a:srgbClr val="00B050"/>
+                    </a:solidFill>
+                  </a:tcPr>
+                </a:tc>
+                <a:tc>
+                  <a:txBody>
+                    <a:bodyPr/>
+                    <a:lstStyle/>
+                    <a:p>
+                      <a:pPr algn="ctr"/>
+                      <a:endParaRPr kumimoji="1" lang="ja-JP" altLang="en-US" dirty="0"/>
+                    </a:p>
+                  </a:txBody>
+                  <a:tcPr anchor="ctr">
+                    <a:lnL w="12700" cap="flat" cmpd="sng" algn="ctr">
+                      <a:solidFill>
+                        <a:schemeClr val="tx1"/>
+                      </a:solidFill>
+                      <a:prstDash val="solid"/>
+                      <a:round/>
+                      <a:headEnd type="none" w="med" len="med"/>
+                      <a:tailEnd type="none" w="med" len="med"/>
+                    </a:lnL>
+                    <a:lnR w="12700" cap="flat" cmpd="sng" algn="ctr">
+                      <a:solidFill>
+                        <a:schemeClr val="tx1"/>
+                      </a:solidFill>
+                      <a:prstDash val="solid"/>
+                      <a:round/>
+                      <a:headEnd type="none" w="med" len="med"/>
+                      <a:tailEnd type="none" w="med" len="med"/>
+                    </a:lnR>
+                    <a:lnT w="12700" cap="flat" cmpd="sng" algn="ctr">
+                      <a:solidFill>
+                        <a:schemeClr val="tx1"/>
+                      </a:solidFill>
+                      <a:prstDash val="solid"/>
+                      <a:round/>
+                      <a:headEnd type="none" w="med" len="med"/>
+                      <a:tailEnd type="none" w="med" len="med"/>
+                    </a:lnT>
+                    <a:lnB w="12700" cap="flat" cmpd="sng" algn="ctr">
+                      <a:solidFill>
+                        <a:schemeClr val="tx1"/>
+                      </a:solidFill>
+                      <a:prstDash val="solid"/>
+                      <a:round/>
+                      <a:headEnd type="none" w="med" len="med"/>
+                      <a:tailEnd type="none" w="med" len="med"/>
+                    </a:lnB>
+                    <a:solidFill>
+                      <a:srgbClr val="00B050"/>
+                    </a:solidFill>
+                  </a:tcPr>
+                </a:tc>
+                <a:tc>
+                  <a:txBody>
+                    <a:bodyPr/>
+                    <a:lstStyle/>
+                    <a:p>
+                      <a:pPr algn="ctr"/>
+                      <a:endParaRPr kumimoji="1" lang="ja-JP" altLang="en-US" dirty="0"/>
+                    </a:p>
+                  </a:txBody>
+                  <a:tcPr anchor="ctr">
+                    <a:lnL w="12700" cap="flat" cmpd="sng" algn="ctr">
+                      <a:solidFill>
+                        <a:schemeClr val="tx1"/>
+                      </a:solidFill>
+                      <a:prstDash val="solid"/>
+                      <a:round/>
+                      <a:headEnd type="none" w="med" len="med"/>
+                      <a:tailEnd type="none" w="med" len="med"/>
+                    </a:lnL>
+                    <a:lnR w="12700" cap="flat" cmpd="sng" algn="ctr">
+                      <a:solidFill>
+                        <a:schemeClr val="tx1"/>
+                      </a:solidFill>
+                      <a:prstDash val="solid"/>
+                      <a:round/>
+                      <a:headEnd type="none" w="med" len="med"/>
+                      <a:tailEnd type="none" w="med" len="med"/>
+                    </a:lnR>
+                    <a:lnT w="12700" cap="flat" cmpd="sng" algn="ctr">
+                      <a:solidFill>
+                        <a:schemeClr val="tx1"/>
+                      </a:solidFill>
+                      <a:prstDash val="solid"/>
+                      <a:round/>
+                      <a:headEnd type="none" w="med" len="med"/>
+                      <a:tailEnd type="none" w="med" len="med"/>
+                    </a:lnT>
+                    <a:lnB w="12700" cap="flat" cmpd="sng" algn="ctr">
+                      <a:solidFill>
+                        <a:schemeClr val="tx1"/>
+                      </a:solidFill>
+                      <a:prstDash val="solid"/>
+                      <a:round/>
+                      <a:headEnd type="none" w="med" len="med"/>
+                      <a:tailEnd type="none" w="med" len="med"/>
+                    </a:lnB>
+                    <a:solidFill>
+                      <a:srgbClr val="00B050"/>
+                    </a:solidFill>
+                  </a:tcPr>
+                </a:tc>
+                <a:tc>
+                  <a:txBody>
+                    <a:bodyPr/>
+                    <a:lstStyle/>
+                    <a:p>
+                      <a:pPr algn="ctr"/>
+                      <a:endParaRPr kumimoji="1" lang="ja-JP" altLang="en-US" dirty="0"/>
+                    </a:p>
+                  </a:txBody>
+                  <a:tcPr anchor="ctr">
+                    <a:lnL w="12700" cap="flat" cmpd="sng" algn="ctr">
+                      <a:solidFill>
+                        <a:schemeClr val="tx1"/>
+                      </a:solidFill>
+                      <a:prstDash val="solid"/>
+                      <a:round/>
+                      <a:headEnd type="none" w="med" len="med"/>
+                      <a:tailEnd type="none" w="med" len="med"/>
+                    </a:lnL>
+                    <a:lnR w="12700" cap="flat" cmpd="sng" algn="ctr">
+                      <a:solidFill>
+                        <a:schemeClr val="tx1"/>
+                      </a:solidFill>
+                      <a:prstDash val="solid"/>
+                      <a:round/>
+                      <a:headEnd type="none" w="med" len="med"/>
+                      <a:tailEnd type="none" w="med" len="med"/>
+                    </a:lnR>
+                    <a:lnT w="12700" cap="flat" cmpd="sng" algn="ctr">
+                      <a:solidFill>
+                        <a:schemeClr val="tx1"/>
+                      </a:solidFill>
+                      <a:prstDash val="solid"/>
+                      <a:round/>
+                      <a:headEnd type="none" w="med" len="med"/>
+                      <a:tailEnd type="none" w="med" len="med"/>
+                    </a:lnT>
+                    <a:lnB w="12700" cap="flat" cmpd="sng" algn="ctr">
+                      <a:solidFill>
+                        <a:schemeClr val="tx1"/>
+                      </a:solidFill>
+                      <a:prstDash val="solid"/>
+                      <a:round/>
+                      <a:headEnd type="none" w="med" len="med"/>
+                      <a:tailEnd type="none" w="med" len="med"/>
+                    </a:lnB>
+                    <a:noFill/>
+                  </a:tcPr>
+                </a:tc>
+                <a:extLst>
+                  <a:ext uri="{0D108BD9-81ED-4DB2-BD59-A6C34878D82A}">
+                    <a16:rowId xmlns:a16="http://schemas.microsoft.com/office/drawing/2014/main" val="1251506477"/>
+                  </a:ext>
+                </a:extLst>
+              </a:tr>
+              <a:tr h="754078">
+                <a:tc>
+                  <a:txBody>
+                    <a:bodyPr/>
+                    <a:lstStyle/>
+                    <a:p>
+                      <a:pPr algn="ctr"/>
+                      <a:r>
+                        <a:rPr kumimoji="1" lang="ja-JP" altLang="en-US" dirty="0">
+                          <a:solidFill>
+                            <a:srgbClr val="FFC000"/>
+                          </a:solidFill>
+                        </a:rPr>
+                        <a:t>改善 </a:t>
+                      </a:r>
+                      <a:r>
+                        <a:rPr kumimoji="1" lang="en-US" altLang="ja-JP" dirty="0">
+                          <a:solidFill>
+                            <a:srgbClr val="FFC000"/>
+                          </a:solidFill>
+                        </a:rPr>
+                        <a:t>&amp; </a:t>
+                      </a:r>
+                      <a:r>
+                        <a:rPr kumimoji="1" lang="ja-JP" altLang="en-US" dirty="0">
+                          <a:solidFill>
+                            <a:srgbClr val="FFC000"/>
+                          </a:solidFill>
+                        </a:rPr>
+                        <a:t>論文</a:t>
+                      </a:r>
+                    </a:p>
+                  </a:txBody>
+                  <a:tcPr anchor="ctr">
+                    <a:lnL w="12700" cap="flat" cmpd="sng" algn="ctr">
+                      <a:noFill/>
+                      <a:prstDash val="solid"/>
+                      <a:round/>
+                      <a:headEnd type="none" w="med" len="med"/>
+                      <a:tailEnd type="none" w="med" len="med"/>
+                    </a:lnL>
+                    <a:lnR w="12700" cap="flat" cmpd="sng" algn="ctr">
+                      <a:solidFill>
+                        <a:schemeClr val="tx1"/>
+                      </a:solidFill>
+                      <a:prstDash val="solid"/>
+                      <a:round/>
+                      <a:headEnd type="none" w="med" len="med"/>
+                      <a:tailEnd type="none" w="med" len="med"/>
+                    </a:lnR>
+                    <a:lnT w="12700" cap="flat" cmpd="sng" algn="ctr">
+                      <a:noFill/>
+                      <a:prstDash val="solid"/>
+                      <a:round/>
+                      <a:headEnd type="none" w="med" len="med"/>
+                      <a:tailEnd type="none" w="med" len="med"/>
+                    </a:lnT>
+                    <a:lnB w="12700" cap="flat" cmpd="sng" algn="ctr">
+                      <a:noFill/>
+                      <a:prstDash val="solid"/>
+                      <a:round/>
+                      <a:headEnd type="none" w="med" len="med"/>
+                      <a:tailEnd type="none" w="med" len="med"/>
+                    </a:lnB>
+                    <a:lnTlToBr w="12700" cmpd="sng">
+                      <a:noFill/>
+                      <a:prstDash val="solid"/>
+                    </a:lnTlToBr>
+                    <a:lnBlToTr w="12700" cmpd="sng">
+                      <a:noFill/>
+                      <a:prstDash val="solid"/>
+                    </a:lnBlToTr>
+                    <a:noFill/>
+                  </a:tcPr>
+                </a:tc>
+                <a:tc>
+                  <a:txBody>
+                    <a:bodyPr/>
+                    <a:lstStyle/>
+                    <a:p>
+                      <a:pPr algn="ctr"/>
+                      <a:endParaRPr kumimoji="1" lang="ja-JP" altLang="en-US" dirty="0"/>
+                    </a:p>
+                  </a:txBody>
+                  <a:tcPr anchor="ctr">
+                    <a:lnL w="12700" cap="flat" cmpd="sng" algn="ctr">
+                      <a:solidFill>
+                        <a:schemeClr val="tx1"/>
+                      </a:solidFill>
+                      <a:prstDash val="solid"/>
+                      <a:round/>
+                      <a:headEnd type="none" w="med" len="med"/>
+                      <a:tailEnd type="none" w="med" len="med"/>
+                    </a:lnL>
+                    <a:lnR w="12700" cap="flat" cmpd="sng" algn="ctr">
+                      <a:solidFill>
+                        <a:schemeClr val="tx1"/>
+                      </a:solidFill>
+                      <a:prstDash val="solid"/>
+                      <a:round/>
+                      <a:headEnd type="none" w="med" len="med"/>
+                      <a:tailEnd type="none" w="med" len="med"/>
+                    </a:lnR>
+                    <a:lnT w="12700" cap="flat" cmpd="sng" algn="ctr">
+                      <a:solidFill>
+                        <a:schemeClr val="tx1"/>
+                      </a:solidFill>
+                      <a:prstDash val="solid"/>
+                      <a:round/>
+                      <a:headEnd type="none" w="med" len="med"/>
+                      <a:tailEnd type="none" w="med" len="med"/>
+                    </a:lnT>
+                    <a:lnB w="12700" cap="flat" cmpd="sng" algn="ctr">
+                      <a:solidFill>
+                        <a:schemeClr val="tx1"/>
+                      </a:solidFill>
+                      <a:prstDash val="solid"/>
+                      <a:round/>
+                      <a:headEnd type="none" w="med" len="med"/>
+                      <a:tailEnd type="none" w="med" len="med"/>
+                    </a:lnB>
+                    <a:lnTlToBr w="12700" cmpd="sng">
+                      <a:noFill/>
+                      <a:prstDash val="solid"/>
+                    </a:lnTlToBr>
+                    <a:lnBlToTr w="12700" cmpd="sng">
+                      <a:noFill/>
+                      <a:prstDash val="solid"/>
+                    </a:lnBlToTr>
+                    <a:noFill/>
+                  </a:tcPr>
+                </a:tc>
+                <a:tc>
+                  <a:txBody>
+                    <a:bodyPr/>
+                    <a:lstStyle/>
+                    <a:p>
+                      <a:pPr algn="ctr"/>
+                      <a:endParaRPr kumimoji="1" lang="ja-JP" altLang="en-US"/>
+                    </a:p>
+                  </a:txBody>
+                  <a:tcPr anchor="ctr">
+                    <a:lnL w="12700" cap="flat" cmpd="sng" algn="ctr">
+                      <a:solidFill>
+                        <a:schemeClr val="tx1"/>
+                      </a:solidFill>
+                      <a:prstDash val="solid"/>
+                      <a:round/>
+                      <a:headEnd type="none" w="med" len="med"/>
+                      <a:tailEnd type="none" w="med" len="med"/>
+                    </a:lnL>
+                    <a:lnR w="12700" cap="flat" cmpd="sng" algn="ctr">
+                      <a:solidFill>
+                        <a:schemeClr val="tx1"/>
+                      </a:solidFill>
+                      <a:prstDash val="solid"/>
+                      <a:round/>
+                      <a:headEnd type="none" w="med" len="med"/>
+                      <a:tailEnd type="none" w="med" len="med"/>
+                    </a:lnR>
+                    <a:lnT w="12700" cap="flat" cmpd="sng" algn="ctr">
+                      <a:solidFill>
+                        <a:schemeClr val="tx1"/>
+                      </a:solidFill>
+                      <a:prstDash val="solid"/>
+                      <a:round/>
+                      <a:headEnd type="none" w="med" len="med"/>
+                      <a:tailEnd type="none" w="med" len="med"/>
+                    </a:lnT>
+                    <a:lnB w="12700" cap="flat" cmpd="sng" algn="ctr">
+                      <a:solidFill>
+                        <a:schemeClr val="tx1"/>
+                      </a:solidFill>
+                      <a:prstDash val="solid"/>
+                      <a:round/>
+                      <a:headEnd type="none" w="med" len="med"/>
+                      <a:tailEnd type="none" w="med" len="med"/>
+                    </a:lnB>
+                    <a:noFill/>
+                  </a:tcPr>
+                </a:tc>
+                <a:tc>
+                  <a:txBody>
+                    <a:bodyPr/>
+                    <a:lstStyle/>
+                    <a:p>
+                      <a:pPr algn="ctr"/>
+                      <a:endParaRPr kumimoji="1" lang="ja-JP" altLang="en-US"/>
+                    </a:p>
+                  </a:txBody>
+                  <a:tcPr anchor="ctr">
+                    <a:lnL w="12700" cap="flat" cmpd="sng" algn="ctr">
+                      <a:solidFill>
+                        <a:schemeClr val="tx1"/>
+                      </a:solidFill>
+                      <a:prstDash val="solid"/>
+                      <a:round/>
+                      <a:headEnd type="none" w="med" len="med"/>
+                      <a:tailEnd type="none" w="med" len="med"/>
+                    </a:lnL>
+                    <a:lnR w="12700" cap="flat" cmpd="sng" algn="ctr">
+                      <a:solidFill>
+                        <a:schemeClr val="tx1"/>
+                      </a:solidFill>
+                      <a:prstDash val="solid"/>
+                      <a:round/>
+                      <a:headEnd type="none" w="med" len="med"/>
+                      <a:tailEnd type="none" w="med" len="med"/>
+                    </a:lnR>
+                    <a:lnT w="12700" cap="flat" cmpd="sng" algn="ctr">
+                      <a:solidFill>
+                        <a:schemeClr val="tx1"/>
+                      </a:solidFill>
+                      <a:prstDash val="solid"/>
+                      <a:round/>
+                      <a:headEnd type="none" w="med" len="med"/>
+                      <a:tailEnd type="none" w="med" len="med"/>
+                    </a:lnT>
+                    <a:lnB w="12700" cap="flat" cmpd="sng" algn="ctr">
+                      <a:solidFill>
+                        <a:schemeClr val="tx1"/>
+                      </a:solidFill>
+                      <a:prstDash val="solid"/>
+                      <a:round/>
+                      <a:headEnd type="none" w="med" len="med"/>
+                      <a:tailEnd type="none" w="med" len="med"/>
+                    </a:lnB>
+                    <a:noFill/>
+                  </a:tcPr>
+                </a:tc>
+                <a:tc>
+                  <a:txBody>
+                    <a:bodyPr/>
+                    <a:lstStyle/>
+                    <a:p>
+                      <a:pPr algn="ctr"/>
+                      <a:endParaRPr kumimoji="1" lang="ja-JP" altLang="en-US" dirty="0"/>
+                    </a:p>
+                  </a:txBody>
+                  <a:tcPr anchor="ctr">
+                    <a:lnL w="12700" cap="flat" cmpd="sng" algn="ctr">
+                      <a:solidFill>
+                        <a:schemeClr val="tx1"/>
+                      </a:solidFill>
+                      <a:prstDash val="solid"/>
+                      <a:round/>
+                      <a:headEnd type="none" w="med" len="med"/>
+                      <a:tailEnd type="none" w="med" len="med"/>
+                    </a:lnL>
+                    <a:lnR w="12700" cap="flat" cmpd="sng" algn="ctr">
+                      <a:solidFill>
+                        <a:schemeClr val="tx1"/>
+                      </a:solidFill>
+                      <a:prstDash val="solid"/>
+                      <a:round/>
+                      <a:headEnd type="none" w="med" len="med"/>
+                      <a:tailEnd type="none" w="med" len="med"/>
+                    </a:lnR>
+                    <a:lnT w="12700" cap="flat" cmpd="sng" algn="ctr">
+                      <a:solidFill>
+                        <a:schemeClr val="tx1"/>
+                      </a:solidFill>
+                      <a:prstDash val="solid"/>
+                      <a:round/>
+                      <a:headEnd type="none" w="med" len="med"/>
+                      <a:tailEnd type="none" w="med" len="med"/>
+                    </a:lnT>
+                    <a:lnB w="12700" cap="flat" cmpd="sng" algn="ctr">
+                      <a:solidFill>
+                        <a:schemeClr val="tx1"/>
+                      </a:solidFill>
+                      <a:prstDash val="solid"/>
+                      <a:round/>
+                      <a:headEnd type="none" w="med" len="med"/>
+                      <a:tailEnd type="none" w="med" len="med"/>
+                    </a:lnB>
+                    <a:noFill/>
+                  </a:tcPr>
+                </a:tc>
+                <a:tc>
+                  <a:txBody>
+                    <a:bodyPr/>
+                    <a:lstStyle/>
+                    <a:p>
+                      <a:pPr algn="ctr"/>
+                      <a:endParaRPr kumimoji="1" lang="ja-JP" altLang="en-US" dirty="0"/>
+                    </a:p>
+                  </a:txBody>
+                  <a:tcPr anchor="ctr">
+                    <a:lnL w="12700" cap="flat" cmpd="sng" algn="ctr">
+                      <a:solidFill>
+                        <a:schemeClr val="tx1"/>
+                      </a:solidFill>
+                      <a:prstDash val="solid"/>
+                      <a:round/>
+                      <a:headEnd type="none" w="med" len="med"/>
+                      <a:tailEnd type="none" w="med" len="med"/>
+                    </a:lnL>
+                    <a:lnR w="12700" cap="flat" cmpd="sng" algn="ctr">
+                      <a:solidFill>
+                        <a:schemeClr val="tx1"/>
+                      </a:solidFill>
+                      <a:prstDash val="solid"/>
+                      <a:round/>
+                      <a:headEnd type="none" w="med" len="med"/>
+                      <a:tailEnd type="none" w="med" len="med"/>
+                    </a:lnR>
+                    <a:lnT w="12700" cap="flat" cmpd="sng" algn="ctr">
+                      <a:solidFill>
+                        <a:schemeClr val="tx1"/>
+                      </a:solidFill>
+                      <a:prstDash val="solid"/>
+                      <a:round/>
+                      <a:headEnd type="none" w="med" len="med"/>
+                      <a:tailEnd type="none" w="med" len="med"/>
+                    </a:lnT>
+                    <a:lnB w="12700" cap="flat" cmpd="sng" algn="ctr">
+                      <a:solidFill>
+                        <a:schemeClr val="tx1"/>
+                      </a:solidFill>
+                      <a:prstDash val="solid"/>
+                      <a:round/>
+                      <a:headEnd type="none" w="med" len="med"/>
+                      <a:tailEnd type="none" w="med" len="med"/>
+                    </a:lnB>
+                    <a:solidFill>
+                      <a:srgbClr val="FFC000"/>
+                    </a:solidFill>
+                  </a:tcPr>
+                </a:tc>
+                <a:tc>
+                  <a:txBody>
+                    <a:bodyPr/>
+                    <a:lstStyle/>
+                    <a:p>
+                      <a:pPr algn="ctr"/>
+                      <a:endParaRPr kumimoji="1" lang="ja-JP" altLang="en-US" dirty="0"/>
+                    </a:p>
+                  </a:txBody>
+                  <a:tcPr anchor="ctr">
+                    <a:lnL w="12700" cap="flat" cmpd="sng" algn="ctr">
+                      <a:solidFill>
+                        <a:schemeClr val="tx1"/>
+                      </a:solidFill>
+                      <a:prstDash val="solid"/>
+                      <a:round/>
+                      <a:headEnd type="none" w="med" len="med"/>
+                      <a:tailEnd type="none" w="med" len="med"/>
+                    </a:lnL>
+                    <a:lnR w="12700" cap="flat" cmpd="sng" algn="ctr">
+                      <a:solidFill>
+                        <a:schemeClr val="tx1"/>
+                      </a:solidFill>
+                      <a:prstDash val="solid"/>
+                      <a:round/>
+                      <a:headEnd type="none" w="med" len="med"/>
+                      <a:tailEnd type="none" w="med" len="med"/>
+                    </a:lnR>
+                    <a:lnT w="12700" cap="flat" cmpd="sng" algn="ctr">
+                      <a:solidFill>
+                        <a:schemeClr val="tx1"/>
+                      </a:solidFill>
+                      <a:prstDash val="solid"/>
+                      <a:round/>
+                      <a:headEnd type="none" w="med" len="med"/>
+                      <a:tailEnd type="none" w="med" len="med"/>
+                    </a:lnT>
+                    <a:lnB w="12700" cap="flat" cmpd="sng" algn="ctr">
+                      <a:solidFill>
+                        <a:schemeClr val="tx1"/>
+                      </a:solidFill>
+                      <a:prstDash val="solid"/>
+                      <a:round/>
+                      <a:headEnd type="none" w="med" len="med"/>
+                      <a:tailEnd type="none" w="med" len="med"/>
+                    </a:lnB>
+                    <a:solidFill>
+                      <a:srgbClr val="FFC000"/>
+                    </a:solidFill>
+                  </a:tcPr>
+                </a:tc>
+                <a:extLst>
+                  <a:ext uri="{0D108BD9-81ED-4DB2-BD59-A6C34878D82A}">
+                    <a16:rowId xmlns:a16="http://schemas.microsoft.com/office/drawing/2014/main" val="446583682"/>
+                  </a:ext>
+                </a:extLst>
+              </a:tr>
+            </a:tbl>
+          </a:graphicData>
+        </a:graphic>
+      </p:graphicFrame>
     </p:spTree>
     <p:extLst>
       <p:ext uri="{BB962C8B-B14F-4D97-AF65-F5344CB8AC3E}">
-        <p14:creationId xmlns:p14="http://schemas.microsoft.com/office/powerpoint/2010/main" val="1195508520"/>
+        <p14:creationId xmlns:p14="http://schemas.microsoft.com/office/powerpoint/2010/main" val="2622489595"/>
       </p:ext>
     </p:extLst>
   </p:cSld>
@@ -9182,6 +10678,49 @@
           <a:chExt cx="0" cy="0"/>
         </a:xfrm>
       </p:grpSpPr>
+      <p:pic>
+        <p:nvPicPr>
+          <p:cNvPr id="2" name="図プレースホルダー 7" descr="抽象的な画像">
+            <a:extLst>
+              <a:ext uri="{FF2B5EF4-FFF2-40B4-BE49-F238E27FC236}">
+                <a16:creationId xmlns:a16="http://schemas.microsoft.com/office/drawing/2014/main" id="{4E7009E5-8986-697F-2744-9423C26CF66D}"/>
+              </a:ext>
+            </a:extLst>
+          </p:cNvPr>
+          <p:cNvPicPr>
+            <a:picLocks noChangeAspect="1"/>
+          </p:cNvPicPr>
+          <p:nvPr/>
+        </p:nvPicPr>
+        <p:blipFill rotWithShape="1">
+          <a:blip r:embed="rId2">
+            <a:alphaModFix amt="52000"/>
+            <a:extLst>
+              <a:ext uri="{BEBA8EAE-BF5A-486C-A8C5-ECC9F3942E4B}">
+                <a14:imgProps xmlns:a14="http://schemas.microsoft.com/office/drawing/2010/main">
+                  <a14:imgLayer r:embed="rId3">
+                    <a14:imgEffect>
+                      <a14:saturation sat="0"/>
+                    </a14:imgEffect>
+                  </a14:imgLayer>
+                </a14:imgProps>
+              </a:ext>
+            </a:extLst>
+          </a:blip>
+          <a:srcRect l="22717" r="45642"/>
+          <a:stretch/>
+        </p:blipFill>
+        <p:spPr>
+          <a:xfrm rot="16200000">
+            <a:off x="2667001" y="-2666999"/>
+            <a:ext cx="6858000" cy="12192000"/>
+          </a:xfrm>
+          <a:prstGeom prst="rect">
+            <a:avLst/>
+          </a:prstGeom>
+          <a:noFill/>
+        </p:spPr>
+      </p:pic>
       <p:sp>
         <p:nvSpPr>
           <p:cNvPr id="8" name="テキスト ボックス 7">
@@ -9245,6 +10784,10 @@
           <a:lstStyle/>
           <a:p>
             <a:r>
+              <a:rPr lang="en-US" altLang="ja-JP" sz="1200" dirty="0"/>
+              <a:t>[1] </a:t>
+            </a:r>
+            <a:r>
               <a:rPr lang="en-US" altLang="ja-JP" sz="1200" dirty="0" err="1"/>
               <a:t>Bellet</a:t>
             </a:r>
@@ -9256,20 +10799,20 @@
           <a:p>
             <a:r>
               <a:rPr lang="de-DE" altLang="ja-JP" sz="1200" dirty="0"/>
-              <a:t>Warum ich fühle, was Du fühlst (Joachim Bauer, 2005)</a:t>
+              <a:t>[2] Warum ich fühle, was Du fühlst (Joachim Bauer, 2005)</a:t>
             </a:r>
             <a:endParaRPr lang="en-US" altLang="ja-JP" sz="1200" dirty="0"/>
           </a:p>
           <a:p>
             <a:r>
               <a:rPr lang="en-US" altLang="ja-JP" sz="1200" dirty="0"/>
-              <a:t>[BART: Denoising Sequence-to-Sequence Pre-training for Natural Language Generation, Translation, and Comprehension](https://aclanthology.org/2020.acl-main.703) (Lewis et al., ACL 2020)</a:t>
+              <a:t>[3] [BART: Denoising Sequence-to-Sequence Pre-training for Natural Language Generation, Translation, and Comprehension](https://aclanthology.org/2020.acl-main.703) (Lewis et al., ACL 2020)</a:t>
             </a:r>
           </a:p>
           <a:p>
             <a:r>
               <a:rPr lang="en-US" altLang="ja-JP" sz="1200" dirty="0"/>
-              <a:t>Vaswani, Ashish et al. “Attention is All you Need.” </a:t>
+              <a:t>[4] Vaswani, Ashish et al. “Attention is All you Need.” </a:t>
             </a:r>
             <a:r>
               <a:rPr lang="en-US" altLang="ja-JP" sz="1200" dirty="0" err="1"/>
@@ -9291,7 +10834,7 @@
           <a:p>
             <a:r>
               <a:rPr lang="en-US" altLang="ja-JP" sz="1200" dirty="0"/>
-              <a:t>Devlin, Jacob, Ming-Wei Chang, Kenton Lee and Kristina Toutanova. “BERT: Pre-training of Deep Bidirectional Transformers for Language Understanding.” </a:t>
+              <a:t>[5] Devlin, Jacob, Ming-Wei Chang, Kenton Lee and Kristina Toutanova. “BERT: Pre-training of Deep Bidirectional Transformers for Language Understanding.” </a:t>
             </a:r>
             <a:r>
               <a:rPr lang="en-US" altLang="ja-JP" sz="1200" dirty="0" err="1"/>
@@ -9313,7 +10856,7 @@
           <a:p>
             <a:r>
               <a:rPr lang="en-US" altLang="ja-JP" sz="1200" dirty="0"/>
-              <a:t>Alec Radford, Karthik Narasimhan, Tim </a:t>
+              <a:t>[6] Alec Radford, Karthik Narasimhan, Tim </a:t>
             </a:r>
             <a:r>
               <a:rPr lang="en-US" altLang="ja-JP" sz="1200" dirty="0" err="1"/>
@@ -9343,7 +10886,7 @@
           <a:p>
             <a:r>
               <a:rPr lang="en-US" altLang="ja-JP" sz="1200" dirty="0"/>
-              <a:t>Brown, Tom B., Benjamin Mann, Nick Ryder, Melanie Subbiah, Jared Kaplan, Prafulla </a:t>
+              <a:t>[7] Brown, Tom B., Benjamin Mann, Nick Ryder, Melanie Subbiah, Jared Kaplan, Prafulla </a:t>
             </a:r>
             <a:r>
               <a:rPr lang="en-US" altLang="ja-JP" sz="1200" dirty="0" err="1"/>
@@ -9437,7 +10980,7 @@
           <a:p>
             <a:r>
               <a:rPr lang="en-US" altLang="ja-JP" sz="1200" dirty="0"/>
-              <a:t>Ide, Tatsuya and Daisuke Kawahara. “Multi-Task Learning of Generation and Classification for Emotion-Aware Dialogue Response Generation.” North American Chapter of the Association for Computational Linguistics (2021).</a:t>
+              <a:t>[8] Ide, Tatsuya and Daisuke Kawahara. “Multi-Task Learning of Generation and Classification for Emotion-Aware Dialogue Response Generation.” North American Chapter of the Association for Computational Linguistics (2021).</a:t>
             </a:r>
           </a:p>
           <a:p>
@@ -10344,15 +11887,6 @@
 </file>
 
 <file path=customXml/item1.xml><?xml version="1.0" encoding="utf-8"?>
-<?mso-contentType ?>
-<FormTemplates xmlns="http://schemas.microsoft.com/sharepoint/v3/contenttype/forms">
-  <Display>DocumentLibraryForm</Display>
-  <Edit>DocumentLibraryForm</Edit>
-  <New>DocumentLibraryForm</New>
-</FormTemplates>
-</file>
-
-<file path=customXml/item2.xml><?xml version="1.0" encoding="utf-8"?>
 <ct:contentTypeSchema xmlns:ct="http://schemas.microsoft.com/office/2006/metadata/contentType" xmlns:ma="http://schemas.microsoft.com/office/2006/metadata/properties/metaAttributes" ct:_="" ma:_="" ma:contentTypeName="Document" ma:contentTypeID="0x01010079F111ED35F8CC479449609E8A0923A6" ma:contentTypeVersion="12" ma:contentTypeDescription="Create a new document." ma:contentTypeScope="" ma:versionID="426e97fa315356fffbdcd9876fe988c2">
   <xsd:schema xmlns:xsd="http://www.w3.org/2001/XMLSchema" xmlns:xs="http://www.w3.org/2001/XMLSchema" xmlns:p="http://schemas.microsoft.com/office/2006/metadata/properties" xmlns:ns2="71af3243-3dd4-4a8d-8c0d-dd76da1f02a5" xmlns:ns3="16c05727-aa75-4e4a-9b5f-8a80a1165891" targetNamespace="http://schemas.microsoft.com/office/2006/metadata/properties" ma:root="true" ma:fieldsID="14b8f0def80e6d70ce3def20c90759ae" ns2:_="" ns3:_="">
     <xsd:import namespace="71af3243-3dd4-4a8d-8c0d-dd76da1f02a5"/>
@@ -10573,6 +12107,15 @@
 </ct:contentTypeSchema>
 </file>
 
+<file path=customXml/item2.xml><?xml version="1.0" encoding="utf-8"?>
+<?mso-contentType ?>
+<FormTemplates xmlns="http://schemas.microsoft.com/sharepoint/v3/contenttype/forms">
+  <Display>DocumentLibraryForm</Display>
+  <Edit>DocumentLibraryForm</Edit>
+  <New>DocumentLibraryForm</New>
+</FormTemplates>
+</file>
+
 <file path=customXml/item3.xml><?xml version="1.0" encoding="utf-8"?>
 <p:properties xmlns:p="http://schemas.microsoft.com/office/2006/metadata/properties" xmlns:xsi="http://www.w3.org/2001/XMLSchema-instance" xmlns:pc="http://schemas.microsoft.com/office/infopath/2007/PartnerControls">
   <documentManagement>
@@ -10583,14 +12126,6 @@
 </file>
 
 <file path=customXml/itemProps1.xml><?xml version="1.0" encoding="utf-8"?>
-<ds:datastoreItem xmlns:ds="http://schemas.openxmlformats.org/officeDocument/2006/customXml" ds:itemID="{1B7E2D32-4FDD-4266-880C-17595B801432}">
-  <ds:schemaRefs>
-    <ds:schemaRef ds:uri="http://schemas.microsoft.com/sharepoint/v3/contenttype/forms"/>
-  </ds:schemaRefs>
-</ds:datastoreItem>
-</file>
-
-<file path=customXml/itemProps2.xml><?xml version="1.0" encoding="utf-8"?>
 <ds:datastoreItem xmlns:ds="http://schemas.openxmlformats.org/officeDocument/2006/customXml" ds:itemID="{55BB9993-D5F9-46FA-B2E5-80E3632E9820}">
   <ds:schemaRefs>
     <ds:schemaRef ds:uri="http://schemas.microsoft.com/office/2006/metadata/contentType"/>
@@ -10609,6 +12144,14 @@
 </ds:datastoreItem>
 </file>
 
+<file path=customXml/itemProps2.xml><?xml version="1.0" encoding="utf-8"?>
+<ds:datastoreItem xmlns:ds="http://schemas.openxmlformats.org/officeDocument/2006/customXml" ds:itemID="{1B7E2D32-4FDD-4266-880C-17595B801432}">
+  <ds:schemaRefs>
+    <ds:schemaRef ds:uri="http://schemas.microsoft.com/sharepoint/v3/contenttype/forms"/>
+  </ds:schemaRefs>
+</ds:datastoreItem>
+</file>
+
 <file path=customXml/itemProps3.xml><?xml version="1.0" encoding="utf-8"?>
 <ds:datastoreItem xmlns:ds="http://schemas.openxmlformats.org/officeDocument/2006/customXml" ds:itemID="{E3D9F223-918A-45AF-9B53-56AB9E5E2182}">
   <ds:schemaRefs>

--- a/Presentation/感情認識に基づく対話システム.pptx
+++ b/Presentation/感情認識に基づく対話システム.pptx
@@ -1081,6 +1081,611 @@
 </file>
 
 <file path=ppt/notesSlides/notesSlide4.xml><?xml version="1.0" encoding="utf-8"?>
+<p:notes xmlns:a="http://schemas.openxmlformats.org/drawingml/2006/main" xmlns:r="http://schemas.openxmlformats.org/officeDocument/2006/relationships" xmlns:p="http://schemas.openxmlformats.org/presentationml/2006/main">
+  <p:cSld>
+    <p:spTree>
+      <p:nvGrpSpPr>
+        <p:cNvPr id="1" name=""/>
+        <p:cNvGrpSpPr/>
+        <p:nvPr/>
+      </p:nvGrpSpPr>
+      <p:grpSpPr>
+        <a:xfrm>
+          <a:off x="0" y="0"/>
+          <a:ext cx="0" cy="0"/>
+          <a:chOff x="0" y="0"/>
+          <a:chExt cx="0" cy="0"/>
+        </a:xfrm>
+      </p:grpSpPr>
+      <p:sp>
+        <p:nvSpPr>
+          <p:cNvPr id="2" name="슬라이드 이미지 개체 틀 1"/>
+          <p:cNvSpPr>
+            <a:spLocks noGrp="1" noRot="1" noChangeAspect="1"/>
+          </p:cNvSpPr>
+          <p:nvPr>
+            <p:ph type="sldImg"/>
+          </p:nvPr>
+        </p:nvSpPr>
+        <p:spPr/>
+      </p:sp>
+      <p:sp>
+        <p:nvSpPr>
+          <p:cNvPr id="3" name="슬라이드 노트 개체 틀 2"/>
+          <p:cNvSpPr>
+            <a:spLocks noGrp="1"/>
+          </p:cNvSpPr>
+          <p:nvPr>
+            <p:ph type="body" idx="1"/>
+          </p:nvPr>
+        </p:nvSpPr>
+        <p:spPr/>
+        <p:txBody>
+          <a:bodyPr/>
+          <a:lstStyle/>
+          <a:p>
+            <a:r>
+              <a:rPr lang="en-US" altLang="ja-JP" sz="1800" dirty="0">
+                <a:effectLst/>
+                <a:latin typeface="Malgun Gothic" panose="020B0503020000020004" pitchFamily="50" charset="-127"/>
+                <a:ea typeface="Malgun Gothic" panose="020B0503020000020004" pitchFamily="50" charset="-127"/>
+              </a:rPr>
+              <a:t>BART</a:t>
+            </a:r>
+            <a:r>
+              <a:rPr lang="ja-JP" altLang="en-US" sz="1800" dirty="0">
+                <a:effectLst/>
+                <a:latin typeface="Malgun Gothic" panose="020B0503020000020004" pitchFamily="50" charset="-127"/>
+                <a:ea typeface="Malgun Gothic" panose="020B0503020000020004" pitchFamily="50" charset="-127"/>
+              </a:rPr>
+              <a:t>とは、</a:t>
+            </a:r>
+            <a:r>
+              <a:rPr lang="en-US" altLang="ja-JP" sz="1800" dirty="0">
+                <a:effectLst/>
+                <a:latin typeface="Malgun Gothic" panose="020B0503020000020004" pitchFamily="50" charset="-127"/>
+                <a:ea typeface="Malgun Gothic" panose="020B0503020000020004" pitchFamily="50" charset="-127"/>
+              </a:rPr>
+              <a:t>Seq2Seq</a:t>
+            </a:r>
+            <a:r>
+              <a:rPr lang="ja-JP" altLang="en-US" sz="1800" dirty="0">
+                <a:effectLst/>
+                <a:latin typeface="Malgun Gothic" panose="020B0503020000020004" pitchFamily="50" charset="-127"/>
+                <a:ea typeface="Malgun Gothic" panose="020B0503020000020004" pitchFamily="50" charset="-127"/>
+              </a:rPr>
+              <a:t>モデルを事前学習させるための </a:t>
+            </a:r>
+            <a:r>
+              <a:rPr lang="en-US" altLang="ja-JP" sz="1800" dirty="0">
+                <a:effectLst/>
+                <a:latin typeface="Malgun Gothic" panose="020B0503020000020004" pitchFamily="50" charset="-127"/>
+                <a:ea typeface="Malgun Gothic" panose="020B0503020000020004" pitchFamily="50" charset="-127"/>
+              </a:rPr>
+              <a:t>Denoising autoencoder</a:t>
+            </a:r>
+            <a:r>
+              <a:rPr lang="ja-JP" altLang="en-US" sz="1800" dirty="0">
+                <a:effectLst/>
+                <a:latin typeface="Malgun Gothic" panose="020B0503020000020004" pitchFamily="50" charset="-127"/>
+                <a:ea typeface="Malgun Gothic" panose="020B0503020000020004" pitchFamily="50" charset="-127"/>
+              </a:rPr>
+              <a:t>である。</a:t>
+            </a:r>
+            <a:br>
+              <a:rPr lang="ja-JP" altLang="en-US" sz="1800" dirty="0">
+                <a:effectLst/>
+                <a:latin typeface="Malgun Gothic" panose="020B0503020000020004" pitchFamily="50" charset="-127"/>
+                <a:ea typeface="Malgun Gothic" panose="020B0503020000020004" pitchFamily="50" charset="-127"/>
+              </a:rPr>
+            </a:br>
+            <a:br>
+              <a:rPr lang="ja-JP" altLang="en-US" sz="1800" dirty="0">
+                <a:effectLst/>
+                <a:latin typeface="Malgun Gothic" panose="020B0503020000020004" pitchFamily="50" charset="-127"/>
+                <a:ea typeface="Malgun Gothic" panose="020B0503020000020004" pitchFamily="50" charset="-127"/>
+              </a:rPr>
+            </a:br>
+            <a:r>
+              <a:rPr lang="en-US" altLang="ja-JP" sz="1800" dirty="0">
+                <a:effectLst/>
+                <a:latin typeface="Malgun Gothic" panose="020B0503020000020004" pitchFamily="50" charset="-127"/>
+                <a:ea typeface="Malgun Gothic" panose="020B0503020000020004" pitchFamily="50" charset="-127"/>
+              </a:rPr>
+              <a:t>BART</a:t>
+            </a:r>
+            <a:r>
+              <a:rPr lang="ja-JP" altLang="en-US" sz="1800" dirty="0">
+                <a:effectLst/>
+                <a:latin typeface="Malgun Gothic" panose="020B0503020000020004" pitchFamily="50" charset="-127"/>
+                <a:ea typeface="Malgun Gothic" panose="020B0503020000020004" pitchFamily="50" charset="-127"/>
+              </a:rPr>
+              <a:t>は任意の </a:t>
+            </a:r>
+            <a:r>
+              <a:rPr lang="en-US" altLang="ja-JP" sz="1800" dirty="0">
+                <a:effectLst/>
+                <a:latin typeface="Malgun Gothic" panose="020B0503020000020004" pitchFamily="50" charset="-127"/>
+                <a:ea typeface="Malgun Gothic" panose="020B0503020000020004" pitchFamily="50" charset="-127"/>
+              </a:rPr>
+              <a:t>noising </a:t>
+            </a:r>
+            <a:r>
+              <a:rPr lang="en-US" altLang="ja-JP" sz="1800" dirty="0" err="1">
+                <a:effectLst/>
+                <a:latin typeface="Malgun Gothic" panose="020B0503020000020004" pitchFamily="50" charset="-127"/>
+                <a:ea typeface="Malgun Gothic" panose="020B0503020000020004" pitchFamily="50" charset="-127"/>
+              </a:rPr>
+              <a:t>fuction</a:t>
+            </a:r>
+            <a:r>
+              <a:rPr lang="ja-JP" altLang="en-US" sz="1800" dirty="0">
+                <a:effectLst/>
+                <a:latin typeface="Malgun Gothic" panose="020B0503020000020004" pitchFamily="50" charset="-127"/>
+                <a:ea typeface="Malgun Gothic" panose="020B0503020000020004" pitchFamily="50" charset="-127"/>
+              </a:rPr>
+              <a:t>でテキストを変形させ、元に復元するようにモデルを学習させるようになっている。</a:t>
+            </a:r>
+            <a:br>
+              <a:rPr lang="ja-JP" altLang="en-US" sz="1800" dirty="0">
+                <a:effectLst/>
+                <a:latin typeface="Malgun Gothic" panose="020B0503020000020004" pitchFamily="50" charset="-127"/>
+                <a:ea typeface="Malgun Gothic" panose="020B0503020000020004" pitchFamily="50" charset="-127"/>
+              </a:rPr>
+            </a:br>
+            <a:br>
+              <a:rPr lang="ja-JP" altLang="en-US" sz="1800" dirty="0">
+                <a:effectLst/>
+                <a:latin typeface="Malgun Gothic" panose="020B0503020000020004" pitchFamily="50" charset="-127"/>
+                <a:ea typeface="Malgun Gothic" panose="020B0503020000020004" pitchFamily="50" charset="-127"/>
+              </a:rPr>
+            </a:br>
+            <a:r>
+              <a:rPr lang="en-US" altLang="ja-JP" sz="1800" dirty="0">
+                <a:effectLst/>
+                <a:latin typeface="Malgun Gothic" panose="020B0503020000020004" pitchFamily="50" charset="-127"/>
+                <a:ea typeface="Malgun Gothic" panose="020B0503020000020004" pitchFamily="50" charset="-127"/>
+              </a:rPr>
+              <a:t>BART</a:t>
+            </a:r>
+            <a:r>
+              <a:rPr lang="ja-JP" altLang="en-US" sz="1800" dirty="0">
+                <a:effectLst/>
+                <a:latin typeface="Malgun Gothic" panose="020B0503020000020004" pitchFamily="50" charset="-127"/>
+                <a:ea typeface="Malgun Gothic" panose="020B0503020000020004" pitchFamily="50" charset="-127"/>
+              </a:rPr>
+              <a:t>は、</a:t>
+            </a:r>
+            <a:r>
+              <a:rPr lang="en-US" altLang="ja-JP" sz="1800" dirty="0">
+                <a:effectLst/>
+                <a:latin typeface="Malgun Gothic" panose="020B0503020000020004" pitchFamily="50" charset="-127"/>
+                <a:ea typeface="Malgun Gothic" panose="020B0503020000020004" pitchFamily="50" charset="-127"/>
+              </a:rPr>
+              <a:t>BERT</a:t>
+            </a:r>
+            <a:r>
+              <a:rPr lang="ja-JP" altLang="en-US" sz="1800" dirty="0">
+                <a:effectLst/>
+                <a:latin typeface="Malgun Gothic" panose="020B0503020000020004" pitchFamily="50" charset="-127"/>
+                <a:ea typeface="Malgun Gothic" panose="020B0503020000020004" pitchFamily="50" charset="-127"/>
+              </a:rPr>
+              <a:t>と</a:t>
+            </a:r>
+            <a:r>
+              <a:rPr lang="en-US" altLang="ja-JP" sz="1800" dirty="0">
+                <a:effectLst/>
+                <a:latin typeface="Malgun Gothic" panose="020B0503020000020004" pitchFamily="50" charset="-127"/>
+                <a:ea typeface="Malgun Gothic" panose="020B0503020000020004" pitchFamily="50" charset="-127"/>
+              </a:rPr>
+              <a:t>GPT</a:t>
+            </a:r>
+            <a:r>
+              <a:rPr lang="ja-JP" altLang="en-US" sz="1800" dirty="0">
+                <a:effectLst/>
+                <a:latin typeface="Malgun Gothic" panose="020B0503020000020004" pitchFamily="50" charset="-127"/>
+                <a:ea typeface="Malgun Gothic" panose="020B0503020000020004" pitchFamily="50" charset="-127"/>
+              </a:rPr>
+              <a:t>というモデルをそれぞれ</a:t>
+            </a:r>
+            <a:r>
+              <a:rPr lang="en-US" altLang="ja-JP" sz="1800" dirty="0">
+                <a:effectLst/>
+                <a:latin typeface="Malgun Gothic" panose="020B0503020000020004" pitchFamily="50" charset="-127"/>
+                <a:ea typeface="Malgun Gothic" panose="020B0503020000020004" pitchFamily="50" charset="-127"/>
+              </a:rPr>
+              <a:t>Encoder, Decoder</a:t>
+            </a:r>
+            <a:r>
+              <a:rPr lang="ja-JP" altLang="en-US" sz="1800" dirty="0">
+                <a:effectLst/>
+                <a:latin typeface="Malgun Gothic" panose="020B0503020000020004" pitchFamily="50" charset="-127"/>
+                <a:ea typeface="Malgun Gothic" panose="020B0503020000020004" pitchFamily="50" charset="-127"/>
+              </a:rPr>
+              <a:t>として合わせて作られたモデルである。</a:t>
+            </a:r>
+            <a:endParaRPr lang="en-US" altLang="ja-JP" sz="1800" dirty="0">
+              <a:effectLst/>
+              <a:latin typeface="Malgun Gothic" panose="020B0503020000020004" pitchFamily="50" charset="-127"/>
+              <a:ea typeface="Malgun Gothic" panose="020B0503020000020004" pitchFamily="50" charset="-127"/>
+            </a:endParaRPr>
+          </a:p>
+          <a:p>
+            <a:r>
+              <a:rPr lang="en-US" altLang="ja-JP" sz="1800" dirty="0">
+                <a:effectLst/>
+                <a:latin typeface="Malgun Gothic" panose="020B0503020000020004" pitchFamily="50" charset="-127"/>
+                <a:ea typeface="Malgun Gothic" panose="020B0503020000020004" pitchFamily="50" charset="-127"/>
+              </a:rPr>
+              <a:t>BERT </a:t>
+            </a:r>
+            <a:r>
+              <a:rPr lang="ja-JP" altLang="en-US" sz="1800" dirty="0">
+                <a:effectLst/>
+                <a:latin typeface="Malgun Gothic" panose="020B0503020000020004" pitchFamily="50" charset="-127"/>
+                <a:ea typeface="Malgun Gothic" panose="020B0503020000020004" pitchFamily="50" charset="-127"/>
+              </a:rPr>
+              <a:t>と </a:t>
+            </a:r>
+            <a:r>
+              <a:rPr lang="en-US" altLang="ja-JP" sz="1800" dirty="0">
+                <a:effectLst/>
+                <a:latin typeface="Malgun Gothic" panose="020B0503020000020004" pitchFamily="50" charset="-127"/>
+                <a:ea typeface="Malgun Gothic" panose="020B0503020000020004" pitchFamily="50" charset="-127"/>
+              </a:rPr>
+              <a:t>GPT</a:t>
+            </a:r>
+            <a:r>
+              <a:rPr lang="ja-JP" altLang="en-US" sz="1800" dirty="0">
+                <a:effectLst/>
+                <a:latin typeface="Malgun Gothic" panose="020B0503020000020004" pitchFamily="50" charset="-127"/>
+                <a:ea typeface="Malgun Gothic" panose="020B0503020000020004" pitchFamily="50" charset="-127"/>
+              </a:rPr>
+              <a:t>両方共、</a:t>
+            </a:r>
+            <a:r>
+              <a:rPr lang="en-US" altLang="ja-JP" sz="1800" dirty="0">
+                <a:effectLst/>
+                <a:latin typeface="Malgun Gothic" panose="020B0503020000020004" pitchFamily="50" charset="-127"/>
+                <a:ea typeface="Malgun Gothic" panose="020B0503020000020004" pitchFamily="50" charset="-127"/>
+              </a:rPr>
+              <a:t>Transformer</a:t>
+            </a:r>
+            <a:r>
+              <a:rPr lang="ja-JP" altLang="en-US" sz="1800" dirty="0">
+                <a:effectLst/>
+                <a:latin typeface="Malgun Gothic" panose="020B0503020000020004" pitchFamily="50" charset="-127"/>
+                <a:ea typeface="Malgun Gothic" panose="020B0503020000020004" pitchFamily="50" charset="-127"/>
+              </a:rPr>
+              <a:t>から出てるもので、</a:t>
+            </a:r>
+            <a:r>
+              <a:rPr lang="en-US" altLang="ja-JP" sz="1800" dirty="0">
+                <a:effectLst/>
+                <a:latin typeface="Malgun Gothic" panose="020B0503020000020004" pitchFamily="50" charset="-127"/>
+                <a:ea typeface="Malgun Gothic" panose="020B0503020000020004" pitchFamily="50" charset="-127"/>
+              </a:rPr>
+              <a:t>BERT</a:t>
+            </a:r>
+            <a:r>
+              <a:rPr lang="ja-JP" altLang="en-US" sz="1800" dirty="0">
+                <a:effectLst/>
+                <a:latin typeface="Malgun Gothic" panose="020B0503020000020004" pitchFamily="50" charset="-127"/>
+                <a:ea typeface="Malgun Gothic" panose="020B0503020000020004" pitchFamily="50" charset="-127"/>
+              </a:rPr>
+              <a:t>は</a:t>
+            </a:r>
+            <a:r>
+              <a:rPr lang="en-US" altLang="ja-JP" sz="1800" dirty="0">
+                <a:effectLst/>
+                <a:latin typeface="Malgun Gothic" panose="020B0503020000020004" pitchFamily="50" charset="-127"/>
+                <a:ea typeface="Malgun Gothic" panose="020B0503020000020004" pitchFamily="50" charset="-127"/>
+              </a:rPr>
+              <a:t>Transformer</a:t>
+            </a:r>
+            <a:r>
+              <a:rPr lang="ja-JP" altLang="en-US" sz="1800" dirty="0">
+                <a:effectLst/>
+                <a:latin typeface="Malgun Gothic" panose="020B0503020000020004" pitchFamily="50" charset="-127"/>
+                <a:ea typeface="Malgun Gothic" panose="020B0503020000020004" pitchFamily="50" charset="-127"/>
+              </a:rPr>
+              <a:t>の</a:t>
+            </a:r>
+            <a:r>
+              <a:rPr lang="en-US" altLang="ja-JP" sz="1800" dirty="0" err="1">
+                <a:effectLst/>
+                <a:latin typeface="Malgun Gothic" panose="020B0503020000020004" pitchFamily="50" charset="-127"/>
+                <a:ea typeface="Malgun Gothic" panose="020B0503020000020004" pitchFamily="50" charset="-127"/>
+              </a:rPr>
+              <a:t>Encorder</a:t>
+            </a:r>
+            <a:r>
+              <a:rPr lang="ja-JP" altLang="en-US" sz="1800" dirty="0">
+                <a:effectLst/>
+                <a:latin typeface="Malgun Gothic" panose="020B0503020000020004" pitchFamily="50" charset="-127"/>
+                <a:ea typeface="Malgun Gothic" panose="020B0503020000020004" pitchFamily="50" charset="-127"/>
+              </a:rPr>
+              <a:t>の部分、</a:t>
+            </a:r>
+            <a:r>
+              <a:rPr lang="en-US" altLang="ja-JP" sz="1800" dirty="0">
+                <a:effectLst/>
+                <a:latin typeface="Malgun Gothic" panose="020B0503020000020004" pitchFamily="50" charset="-127"/>
+                <a:ea typeface="Malgun Gothic" panose="020B0503020000020004" pitchFamily="50" charset="-127"/>
+              </a:rPr>
+              <a:t>GPT</a:t>
+            </a:r>
+            <a:r>
+              <a:rPr lang="ja-JP" altLang="en-US" sz="1800" dirty="0">
+                <a:effectLst/>
+                <a:latin typeface="Malgun Gothic" panose="020B0503020000020004" pitchFamily="50" charset="-127"/>
+                <a:ea typeface="Malgun Gothic" panose="020B0503020000020004" pitchFamily="50" charset="-127"/>
+              </a:rPr>
+              <a:t>は</a:t>
+            </a:r>
+            <a:r>
+              <a:rPr lang="en-US" altLang="ja-JP" sz="1800" dirty="0" err="1">
+                <a:effectLst/>
+                <a:latin typeface="Malgun Gothic" panose="020B0503020000020004" pitchFamily="50" charset="-127"/>
+                <a:ea typeface="Malgun Gothic" panose="020B0503020000020004" pitchFamily="50" charset="-127"/>
+              </a:rPr>
+              <a:t>Decorder</a:t>
+            </a:r>
+            <a:r>
+              <a:rPr lang="ja-JP" altLang="en-US" sz="1800" dirty="0">
+                <a:effectLst/>
+                <a:latin typeface="Malgun Gothic" panose="020B0503020000020004" pitchFamily="50" charset="-127"/>
+                <a:ea typeface="Malgun Gothic" panose="020B0503020000020004" pitchFamily="50" charset="-127"/>
+              </a:rPr>
+              <a:t>の所だけを使ってトレーニングされたモデルである。</a:t>
+            </a:r>
+            <a:br>
+              <a:rPr lang="ja-JP" altLang="en-US" sz="1800" dirty="0">
+                <a:effectLst/>
+                <a:latin typeface="Malgun Gothic" panose="020B0503020000020004" pitchFamily="50" charset="-127"/>
+                <a:ea typeface="Malgun Gothic" panose="020B0503020000020004" pitchFamily="50" charset="-127"/>
+              </a:rPr>
+            </a:br>
+            <a:br>
+              <a:rPr lang="ja-JP" altLang="en-US" sz="1800" dirty="0">
+                <a:effectLst/>
+                <a:latin typeface="Malgun Gothic" panose="020B0503020000020004" pitchFamily="50" charset="-127"/>
+                <a:ea typeface="Malgun Gothic" panose="020B0503020000020004" pitchFamily="50" charset="-127"/>
+              </a:rPr>
+            </a:br>
+            <a:r>
+              <a:rPr lang="en-US" altLang="ja-JP" sz="1800" dirty="0">
+                <a:effectLst/>
+                <a:latin typeface="Malgun Gothic" panose="020B0503020000020004" pitchFamily="50" charset="-127"/>
+                <a:ea typeface="Malgun Gothic" panose="020B0503020000020004" pitchFamily="50" charset="-127"/>
+              </a:rPr>
+              <a:t>Transformer</a:t>
+            </a:r>
+            <a:r>
+              <a:rPr lang="ja-JP" altLang="en-US" sz="1800" dirty="0">
+                <a:effectLst/>
+                <a:latin typeface="Malgun Gothic" panose="020B0503020000020004" pitchFamily="50" charset="-127"/>
+                <a:ea typeface="Malgun Gothic" panose="020B0503020000020004" pitchFamily="50" charset="-127"/>
+              </a:rPr>
+              <a:t>とは、</a:t>
+            </a:r>
+            <a:r>
+              <a:rPr lang="en-US" altLang="ja-JP" sz="1800" dirty="0">
+                <a:effectLst/>
+                <a:latin typeface="Malgun Gothic" panose="020B0503020000020004" pitchFamily="50" charset="-127"/>
+                <a:ea typeface="Malgun Gothic" panose="020B0503020000020004" pitchFamily="50" charset="-127"/>
+              </a:rPr>
+              <a:t>Seq2Seq</a:t>
+            </a:r>
+            <a:r>
+              <a:rPr lang="ja-JP" altLang="en-US" sz="1800" dirty="0">
+                <a:effectLst/>
+                <a:latin typeface="Malgun Gothic" panose="020B0503020000020004" pitchFamily="50" charset="-127"/>
+                <a:ea typeface="Malgun Gothic" panose="020B0503020000020004" pitchFamily="50" charset="-127"/>
+              </a:rPr>
+              <a:t>構造を基として作られたモデルで、論文の名前からも分けれるように、</a:t>
+            </a:r>
+            <a:r>
+              <a:rPr lang="en-US" altLang="ja-JP" sz="1800" dirty="0">
+                <a:effectLst/>
+                <a:latin typeface="Malgun Gothic" panose="020B0503020000020004" pitchFamily="50" charset="-127"/>
+                <a:ea typeface="Malgun Gothic" panose="020B0503020000020004" pitchFamily="50" charset="-127"/>
+              </a:rPr>
+              <a:t>Attention</a:t>
+            </a:r>
+            <a:r>
+              <a:rPr lang="ja-JP" altLang="en-US" sz="1800" dirty="0">
+                <a:effectLst/>
+                <a:latin typeface="Malgun Gothic" panose="020B0503020000020004" pitchFamily="50" charset="-127"/>
+                <a:ea typeface="Malgun Gothic" panose="020B0503020000020004" pitchFamily="50" charset="-127"/>
+              </a:rPr>
+              <a:t>メカニズムを使ったモデルである。</a:t>
+            </a:r>
+            <a:br>
+              <a:rPr lang="ja-JP" altLang="en-US" sz="1800" dirty="0">
+                <a:effectLst/>
+                <a:latin typeface="Malgun Gothic" panose="020B0503020000020004" pitchFamily="50" charset="-127"/>
+                <a:ea typeface="Malgun Gothic" panose="020B0503020000020004" pitchFamily="50" charset="-127"/>
+              </a:rPr>
+            </a:br>
+            <a:br>
+              <a:rPr lang="ja-JP" altLang="en-US" sz="1800" dirty="0">
+                <a:effectLst/>
+                <a:latin typeface="Malgun Gothic" panose="020B0503020000020004" pitchFamily="50" charset="-127"/>
+                <a:ea typeface="Malgun Gothic" panose="020B0503020000020004" pitchFamily="50" charset="-127"/>
+              </a:rPr>
+            </a:br>
+            <a:r>
+              <a:rPr lang="en-US" altLang="ja-JP" sz="1800" dirty="0">
+                <a:effectLst/>
+                <a:latin typeface="Malgun Gothic" panose="020B0503020000020004" pitchFamily="50" charset="-127"/>
+                <a:ea typeface="Malgun Gothic" panose="020B0503020000020004" pitchFamily="50" charset="-127"/>
+              </a:rPr>
+              <a:t>Attention</a:t>
+            </a:r>
+            <a:r>
+              <a:rPr lang="ja-JP" altLang="en-US" sz="1800" dirty="0">
+                <a:effectLst/>
+                <a:latin typeface="Malgun Gothic" panose="020B0503020000020004" pitchFamily="50" charset="-127"/>
+                <a:ea typeface="Malgun Gothic" panose="020B0503020000020004" pitchFamily="50" charset="-127"/>
+              </a:rPr>
+              <a:t>メカニズムとは、単語の間の相関関係を数値化し、学習に反映することで、文章を単語の間の</a:t>
+            </a:r>
+            <a:r>
+              <a:rPr lang="en-US" altLang="ja-JP" sz="1800" dirty="0">
+                <a:effectLst/>
+                <a:latin typeface="Malgun Gothic" panose="020B0503020000020004" pitchFamily="50" charset="-127"/>
+                <a:ea typeface="Malgun Gothic" panose="020B0503020000020004" pitchFamily="50" charset="-127"/>
+              </a:rPr>
+              <a:t>Attention</a:t>
+            </a:r>
+            <a:r>
+              <a:rPr lang="ja-JP" altLang="en-US" sz="1800" dirty="0">
+                <a:effectLst/>
+                <a:latin typeface="Malgun Gothic" panose="020B0503020000020004" pitchFamily="50" charset="-127"/>
+                <a:ea typeface="Malgun Gothic" panose="020B0503020000020004" pitchFamily="50" charset="-127"/>
+              </a:rPr>
+              <a:t>達の集まりとしてあつかうようになり、より正確で自然に自然語の処理ができるようにしたメカニズムである。</a:t>
+            </a:r>
+            <a:br>
+              <a:rPr lang="ja-JP" altLang="en-US" sz="1800" dirty="0">
+                <a:effectLst/>
+                <a:latin typeface="Malgun Gothic" panose="020B0503020000020004" pitchFamily="50" charset="-127"/>
+                <a:ea typeface="Malgun Gothic" panose="020B0503020000020004" pitchFamily="50" charset="-127"/>
+              </a:rPr>
+            </a:br>
+            <a:br>
+              <a:rPr lang="ja-JP" altLang="en-US" sz="1800" dirty="0">
+                <a:effectLst/>
+                <a:latin typeface="Malgun Gothic" panose="020B0503020000020004" pitchFamily="50" charset="-127"/>
+                <a:ea typeface="Malgun Gothic" panose="020B0503020000020004" pitchFamily="50" charset="-127"/>
+              </a:rPr>
+            </a:br>
+            <a:r>
+              <a:rPr lang="en-US" altLang="ja-JP" sz="1800" dirty="0">
+                <a:effectLst/>
+                <a:latin typeface="Malgun Gothic" panose="020B0503020000020004" pitchFamily="50" charset="-127"/>
+                <a:ea typeface="Malgun Gothic" panose="020B0503020000020004" pitchFamily="50" charset="-127"/>
+              </a:rPr>
+              <a:t>BERT</a:t>
+            </a:r>
+            <a:r>
+              <a:rPr lang="ja-JP" altLang="en-US" sz="1800" dirty="0">
+                <a:effectLst/>
+                <a:latin typeface="Malgun Gothic" panose="020B0503020000020004" pitchFamily="50" charset="-127"/>
+                <a:ea typeface="Malgun Gothic" panose="020B0503020000020004" pitchFamily="50" charset="-127"/>
+              </a:rPr>
+              <a:t>は</a:t>
+            </a:r>
+            <a:r>
+              <a:rPr lang="en-US" altLang="ja-JP" sz="1800" dirty="0">
+                <a:effectLst/>
+                <a:latin typeface="Malgun Gothic" panose="020B0503020000020004" pitchFamily="50" charset="-127"/>
+                <a:ea typeface="Malgun Gothic" panose="020B0503020000020004" pitchFamily="50" charset="-127"/>
+              </a:rPr>
+              <a:t>Attention</a:t>
+            </a:r>
+            <a:r>
+              <a:rPr lang="ja-JP" altLang="en-US" sz="1800" dirty="0">
+                <a:effectLst/>
+                <a:latin typeface="Malgun Gothic" panose="020B0503020000020004" pitchFamily="50" charset="-127"/>
+                <a:ea typeface="Malgun Gothic" panose="020B0503020000020004" pitchFamily="50" charset="-127"/>
+              </a:rPr>
+              <a:t>の参照の方向が</a:t>
+            </a:r>
+            <a:r>
+              <a:rPr lang="en-US" altLang="ja-JP" sz="1800" dirty="0">
+                <a:effectLst/>
+                <a:latin typeface="Malgun Gothic" panose="020B0503020000020004" pitchFamily="50" charset="-127"/>
+                <a:ea typeface="Malgun Gothic" panose="020B0503020000020004" pitchFamily="50" charset="-127"/>
+              </a:rPr>
+              <a:t>Bi-directional</a:t>
+            </a:r>
+            <a:r>
+              <a:rPr lang="ja-JP" altLang="en-US" sz="1800" dirty="0">
+                <a:effectLst/>
+                <a:latin typeface="Malgun Gothic" panose="020B0503020000020004" pitchFamily="50" charset="-127"/>
+                <a:ea typeface="Malgun Gothic" panose="020B0503020000020004" pitchFamily="50" charset="-127"/>
+              </a:rPr>
+              <a:t>であるため、情報量が多く、より優れている性能を見せるが、文章の生成は片方から反対の方にされるので、文章の生成には使うことが出来ず、</a:t>
+            </a:r>
+            <a:r>
+              <a:rPr lang="en-US" altLang="ja-JP" sz="1800" dirty="0">
+                <a:effectLst/>
+                <a:latin typeface="Malgun Gothic" panose="020B0503020000020004" pitchFamily="50" charset="-127"/>
+                <a:ea typeface="Malgun Gothic" panose="020B0503020000020004" pitchFamily="50" charset="-127"/>
+              </a:rPr>
+              <a:t>Uni-directional</a:t>
+            </a:r>
+            <a:r>
+              <a:rPr lang="ja-JP" altLang="en-US" sz="1800" dirty="0">
+                <a:effectLst/>
+                <a:latin typeface="Malgun Gothic" panose="020B0503020000020004" pitchFamily="50" charset="-127"/>
+                <a:ea typeface="Malgun Gothic" panose="020B0503020000020004" pitchFamily="50" charset="-127"/>
+              </a:rPr>
+              <a:t>である</a:t>
+            </a:r>
+            <a:r>
+              <a:rPr lang="en-US" altLang="ja-JP" sz="1800" dirty="0">
+                <a:effectLst/>
+                <a:latin typeface="Malgun Gothic" panose="020B0503020000020004" pitchFamily="50" charset="-127"/>
+                <a:ea typeface="Malgun Gothic" panose="020B0503020000020004" pitchFamily="50" charset="-127"/>
+              </a:rPr>
+              <a:t>GPT</a:t>
+            </a:r>
+            <a:r>
+              <a:rPr lang="ja-JP" altLang="en-US" sz="1800" dirty="0">
+                <a:effectLst/>
+                <a:latin typeface="Malgun Gothic" panose="020B0503020000020004" pitchFamily="50" charset="-127"/>
+                <a:ea typeface="Malgun Gothic" panose="020B0503020000020004" pitchFamily="50" charset="-127"/>
+              </a:rPr>
+              <a:t>が文章とかの生成には使われる。</a:t>
+            </a:r>
+            <a:endParaRPr lang="ko-KR" altLang="en-US" dirty="0"/>
+          </a:p>
+        </p:txBody>
+      </p:sp>
+      <p:sp>
+        <p:nvSpPr>
+          <p:cNvPr id="4" name="슬라이드 번호 개체 틀 3"/>
+          <p:cNvSpPr>
+            <a:spLocks noGrp="1"/>
+          </p:cNvSpPr>
+          <p:nvPr>
+            <p:ph type="sldNum" sz="quarter" idx="5"/>
+          </p:nvPr>
+        </p:nvSpPr>
+        <p:spPr/>
+        <p:txBody>
+          <a:bodyPr/>
+          <a:lstStyle/>
+          <a:p>
+            <a:fld id="{228B34ED-4CDD-41C9-90F7-D768D5559A6F}" type="slidenum">
+              <a:rPr lang="en-US" altLang="ja-JP" smtClean="0"/>
+              <a:pPr/>
+              <a:t>4</a:t>
+            </a:fld>
+            <a:endParaRPr lang="ja-JP" altLang="en-US">
+              <a:latin typeface="Meiryo UI" panose="020B0604030504040204" pitchFamily="50" charset="-128"/>
+              <a:ea typeface="Meiryo UI" panose="020B0604030504040204" pitchFamily="50" charset="-128"/>
+            </a:endParaRPr>
+          </a:p>
+        </p:txBody>
+      </p:sp>
+    </p:spTree>
+    <p:extLst>
+      <p:ext uri="{BB962C8B-B14F-4D97-AF65-F5344CB8AC3E}">
+        <p14:creationId xmlns:p14="http://schemas.microsoft.com/office/powerpoint/2010/main" val="3433084589"/>
+      </p:ext>
+    </p:extLst>
+  </p:cSld>
+  <p:clrMapOvr>
+    <a:masterClrMapping/>
+  </p:clrMapOvr>
+</p:notes>
+</file>
+
+<file path=ppt/notesSlides/notesSlide5.xml><?xml version="1.0" encoding="utf-8"?>
 <p:notes xmlns:a="http://schemas.openxmlformats.org/drawingml/2006/main" xmlns:r="http://schemas.openxmlformats.org/officeDocument/2006/relationships" xmlns:p="http://schemas.openxmlformats.org/presentationml/2006/main">
   <p:cSld>
     <p:spTree>
@@ -7247,7 +7852,7 @@
           <p:nvPr/>
         </p:nvPicPr>
         <p:blipFill rotWithShape="1">
-          <a:blip r:embed="rId3">
+          <a:blip r:embed="rId4">
             <a:extLst>
               <a:ext uri="{28A0092B-C50C-407E-A947-70E740481C1C}">
                 <a14:useLocalDpi xmlns:a14="http://schemas.microsoft.com/office/drawing/2010/main" val="0"/>
@@ -7397,7 +8002,7 @@
             <p:nvPr/>
           </p:nvPicPr>
           <p:blipFill>
-            <a:blip r:embed="rId4">
+            <a:blip r:embed="rId5">
               <a:extLst>
                 <a:ext uri="{28A0092B-C50C-407E-A947-70E740481C1C}">
                   <a14:useLocalDpi xmlns:a14="http://schemas.microsoft.com/office/drawing/2010/main" val="0"/>
@@ -8136,7 +8741,7 @@
   </p:clrMapOvr>
   <p:extLst>
     <p:ext uri="{6950BFC3-D8DA-4A85-94F7-54DA5524770B}">
-      <p188:commentRel xmlns:p188="http://schemas.microsoft.com/office/powerpoint/2018/8/main" r:id="rId2"/>
+      <p188:commentRel xmlns:p188="http://schemas.microsoft.com/office/powerpoint/2018/8/main" r:id="rId3"/>
     </p:ext>
   </p:extLst>
 </p:sld>

--- a/Presentation/感情認識に基づく対話システム.pptx
+++ b/Presentation/感情認識に基づく対話システム.pptx
@@ -14,9 +14,9 @@
     <p:sldId id="2448" r:id="rId5"/>
     <p:sldId id="2462" r:id="rId6"/>
     <p:sldId id="259" r:id="rId7"/>
-    <p:sldId id="2463" r:id="rId8"/>
-    <p:sldId id="2465" r:id="rId9"/>
-    <p:sldId id="2467" r:id="rId10"/>
+    <p:sldId id="2467" r:id="rId8"/>
+    <p:sldId id="2463" r:id="rId9"/>
+    <p:sldId id="2465" r:id="rId10"/>
     <p:sldId id="2468" r:id="rId11"/>
     <p:sldId id="2469" r:id="rId12"/>
     <p:sldId id="2466" r:id="rId13"/>
@@ -297,7 +297,7 @@
                 <a:latin typeface="Meiryo UI" panose="020B0604030504040204" pitchFamily="50" charset="-128"/>
                 <a:ea typeface="Meiryo UI" panose="020B0604030504040204" pitchFamily="50" charset="-128"/>
               </a:rPr>
-              <a:t>2023/1/16</a:t>
+              <a:t>2023/1/17</a:t>
             </a:fld>
             <a:endParaRPr lang="ja-JP" altLang="en-US">
               <a:latin typeface="Meiryo UI" panose="020B0604030504040204" pitchFamily="50" charset="-128"/>
@@ -499,7 +499,7 @@
             <a:fld id="{FE6E828E-191C-489F-B083-9CD39052DDA4}" type="datetime1">
               <a:rPr lang="ja-JP" altLang="en-US" smtClean="0"/>
               <a:pPr/>
-              <a:t>2023/1/16</a:t>
+              <a:t>2023/1/17</a:t>
             </a:fld>
             <a:endParaRPr lang="ja-JP" altLang="en-US" dirty="0"/>
           </a:p>
@@ -1663,7 +1663,7 @@
             <a:fld id="{228B34ED-4CDD-41C9-90F7-D768D5559A6F}" type="slidenum">
               <a:rPr lang="en-US" altLang="ja-JP" smtClean="0"/>
               <a:pPr/>
-              <a:t>4</a:t>
+              <a:t>5</a:t>
             </a:fld>
             <a:endParaRPr lang="ja-JP" altLang="en-US">
               <a:latin typeface="Meiryo UI" panose="020B0604030504040204" pitchFamily="50" charset="-128"/>
@@ -1686,6 +1686,182 @@
 </file>
 
 <file path=ppt/notesSlides/notesSlide5.xml><?xml version="1.0" encoding="utf-8"?>
+<p:notes xmlns:a="http://schemas.openxmlformats.org/drawingml/2006/main" xmlns:r="http://schemas.openxmlformats.org/officeDocument/2006/relationships" xmlns:p="http://schemas.openxmlformats.org/presentationml/2006/main">
+  <p:cSld>
+    <p:spTree>
+      <p:nvGrpSpPr>
+        <p:cNvPr id="1" name=""/>
+        <p:cNvGrpSpPr/>
+        <p:nvPr/>
+      </p:nvGrpSpPr>
+      <p:grpSpPr>
+        <a:xfrm>
+          <a:off x="0" y="0"/>
+          <a:ext cx="0" cy="0"/>
+          <a:chOff x="0" y="0"/>
+          <a:chExt cx="0" cy="0"/>
+        </a:xfrm>
+      </p:grpSpPr>
+      <p:sp>
+        <p:nvSpPr>
+          <p:cNvPr id="2" name="スライド イメージ プレースホルダー 1"/>
+          <p:cNvSpPr>
+            <a:spLocks noGrp="1" noRot="1" noChangeAspect="1"/>
+          </p:cNvSpPr>
+          <p:nvPr>
+            <p:ph type="sldImg"/>
+          </p:nvPr>
+        </p:nvSpPr>
+        <p:spPr/>
+      </p:sp>
+      <p:sp>
+        <p:nvSpPr>
+          <p:cNvPr id="3" name="ノート プレースホルダー 2"/>
+          <p:cNvSpPr>
+            <a:spLocks noGrp="1"/>
+          </p:cNvSpPr>
+          <p:nvPr>
+            <p:ph type="body" idx="1"/>
+          </p:nvPr>
+        </p:nvSpPr>
+        <p:spPr/>
+        <p:txBody>
+          <a:bodyPr/>
+          <a:lstStyle/>
+          <a:p>
+            <a:endParaRPr kumimoji="1" lang="ja-JP" altLang="en-US"/>
+          </a:p>
+        </p:txBody>
+      </p:sp>
+      <p:sp>
+        <p:nvSpPr>
+          <p:cNvPr id="4" name="スライド番号プレースホルダー 3"/>
+          <p:cNvSpPr>
+            <a:spLocks noGrp="1"/>
+          </p:cNvSpPr>
+          <p:nvPr>
+            <p:ph type="sldNum" sz="quarter" idx="5"/>
+          </p:nvPr>
+        </p:nvSpPr>
+        <p:spPr/>
+        <p:txBody>
+          <a:bodyPr/>
+          <a:lstStyle/>
+          <a:p>
+            <a:fld id="{228B34ED-4CDD-41C9-90F7-D768D5559A6F}" type="slidenum">
+              <a:rPr lang="en-US" altLang="ja-JP" smtClean="0"/>
+              <a:pPr/>
+              <a:t>7</a:t>
+            </a:fld>
+            <a:endParaRPr lang="ja-JP" altLang="en-US">
+              <a:latin typeface="Meiryo UI" panose="020B0604030504040204" pitchFamily="50" charset="-128"/>
+              <a:ea typeface="Meiryo UI" panose="020B0604030504040204" pitchFamily="50" charset="-128"/>
+            </a:endParaRPr>
+          </a:p>
+        </p:txBody>
+      </p:sp>
+    </p:spTree>
+    <p:extLst>
+      <p:ext uri="{BB962C8B-B14F-4D97-AF65-F5344CB8AC3E}">
+        <p14:creationId xmlns:p14="http://schemas.microsoft.com/office/powerpoint/2010/main" val="4066275204"/>
+      </p:ext>
+    </p:extLst>
+  </p:cSld>
+  <p:clrMapOvr>
+    <a:masterClrMapping/>
+  </p:clrMapOvr>
+</p:notes>
+</file>
+
+<file path=ppt/notesSlides/notesSlide6.xml><?xml version="1.0" encoding="utf-8"?>
+<p:notes xmlns:a="http://schemas.openxmlformats.org/drawingml/2006/main" xmlns:r="http://schemas.openxmlformats.org/officeDocument/2006/relationships" xmlns:p="http://schemas.openxmlformats.org/presentationml/2006/main">
+  <p:cSld>
+    <p:spTree>
+      <p:nvGrpSpPr>
+        <p:cNvPr id="1" name=""/>
+        <p:cNvGrpSpPr/>
+        <p:nvPr/>
+      </p:nvGrpSpPr>
+      <p:grpSpPr>
+        <a:xfrm>
+          <a:off x="0" y="0"/>
+          <a:ext cx="0" cy="0"/>
+          <a:chOff x="0" y="0"/>
+          <a:chExt cx="0" cy="0"/>
+        </a:xfrm>
+      </p:grpSpPr>
+      <p:sp>
+        <p:nvSpPr>
+          <p:cNvPr id="2" name="スライド イメージ プレースホルダー 1"/>
+          <p:cNvSpPr>
+            <a:spLocks noGrp="1" noRot="1" noChangeAspect="1"/>
+          </p:cNvSpPr>
+          <p:nvPr>
+            <p:ph type="sldImg"/>
+          </p:nvPr>
+        </p:nvSpPr>
+        <p:spPr/>
+      </p:sp>
+      <p:sp>
+        <p:nvSpPr>
+          <p:cNvPr id="3" name="ノート プレースホルダー 2"/>
+          <p:cNvSpPr>
+            <a:spLocks noGrp="1"/>
+          </p:cNvSpPr>
+          <p:nvPr>
+            <p:ph type="body" idx="1"/>
+          </p:nvPr>
+        </p:nvSpPr>
+        <p:spPr/>
+        <p:txBody>
+          <a:bodyPr/>
+          <a:lstStyle/>
+          <a:p>
+            <a:endParaRPr kumimoji="1" lang="ja-JP" altLang="en-US" dirty="0"/>
+          </a:p>
+        </p:txBody>
+      </p:sp>
+      <p:sp>
+        <p:nvSpPr>
+          <p:cNvPr id="4" name="スライド番号プレースホルダー 3"/>
+          <p:cNvSpPr>
+            <a:spLocks noGrp="1"/>
+          </p:cNvSpPr>
+          <p:nvPr>
+            <p:ph type="sldNum" sz="quarter" idx="5"/>
+          </p:nvPr>
+        </p:nvSpPr>
+        <p:spPr/>
+        <p:txBody>
+          <a:bodyPr/>
+          <a:lstStyle/>
+          <a:p>
+            <a:fld id="{228B34ED-4CDD-41C9-90F7-D768D5559A6F}" type="slidenum">
+              <a:rPr lang="en-US" altLang="ja-JP" smtClean="0"/>
+              <a:pPr/>
+              <a:t>9</a:t>
+            </a:fld>
+            <a:endParaRPr lang="ja-JP" altLang="en-US">
+              <a:latin typeface="Meiryo UI" panose="020B0604030504040204" pitchFamily="50" charset="-128"/>
+              <a:ea typeface="Meiryo UI" panose="020B0604030504040204" pitchFamily="50" charset="-128"/>
+            </a:endParaRPr>
+          </a:p>
+        </p:txBody>
+      </p:sp>
+    </p:spTree>
+    <p:extLst>
+      <p:ext uri="{BB962C8B-B14F-4D97-AF65-F5344CB8AC3E}">
+        <p14:creationId xmlns:p14="http://schemas.microsoft.com/office/powerpoint/2010/main" val="1919654180"/>
+      </p:ext>
+    </p:extLst>
+  </p:cSld>
+  <p:clrMapOvr>
+    <a:masterClrMapping/>
+  </p:clrMapOvr>
+</p:notes>
+</file>
+
+<file path=ppt/notesSlides/notesSlide7.xml><?xml version="1.0" encoding="utf-8"?>
 <p:notes xmlns:a="http://schemas.openxmlformats.org/drawingml/2006/main" xmlns:r="http://schemas.openxmlformats.org/officeDocument/2006/relationships" xmlns:p="http://schemas.openxmlformats.org/presentationml/2006/main">
   <p:cSld>
     <p:spTree>
@@ -7135,6 +7311,17 @@
             <a:endParaRPr lang="en-US" altLang="ja-JP" sz="2800" dirty="0"/>
           </a:p>
           <a:p>
+            <a:pPr marL="285750" indent="-285750">
+              <a:buFont typeface="Arial" panose="020B0604020202020204" pitchFamily="34" charset="0"/>
+              <a:buChar char="•"/>
+            </a:pPr>
+            <a:r>
+              <a:rPr lang="en-JP" altLang="ja-JP" sz="2800" dirty="0"/>
+              <a:t>関連研究</a:t>
+            </a:r>
+            <a:endParaRPr lang="en-US" altLang="ja-JP" sz="2800" dirty="0"/>
+          </a:p>
+          <a:p>
             <a:pPr marL="285750" indent="-285750" rtl="0">
               <a:buFont typeface="Arial" panose="020B0604020202020204" pitchFamily="34" charset="0"/>
               <a:buChar char="•"/>
@@ -7152,17 +7339,6 @@
             <a:r>
               <a:rPr lang="ja-JP" altLang="en-US" sz="2800" dirty="0"/>
               <a:t>感情的な応答生成モデル</a:t>
-            </a:r>
-            <a:endParaRPr lang="en-US" altLang="ja-JP" sz="2800" dirty="0"/>
-          </a:p>
-          <a:p>
-            <a:pPr marL="285750" indent="-285750" rtl="0">
-              <a:buFont typeface="Arial" panose="020B0604020202020204" pitchFamily="34" charset="0"/>
-              <a:buChar char="•"/>
-            </a:pPr>
-            <a:r>
-              <a:rPr lang="en-JP" altLang="ja-JP" sz="2800" dirty="0"/>
-              <a:t>関連研究</a:t>
             </a:r>
             <a:endParaRPr lang="en-US" altLang="ja-JP" sz="2800" dirty="0"/>
           </a:p>
@@ -7406,7 +7582,7 @@
               <a:rPr lang="ja-JP" altLang="en-US" sz="2200" dirty="0">
                 <a:cs typeface="Biome Light" panose="020B0303030204020804" pitchFamily="34" charset="0"/>
               </a:rPr>
-              <a:t>というのは、相手の立場から物事を理解したり、考える能力である。</a:t>
+              <a:t>というのは、相手の立場から物事を理解したり、考える能力である</a:t>
             </a:r>
             <a:r>
               <a:rPr lang="en-US" altLang="ja-JP" sz="2200" dirty="0">
@@ -7414,6 +7590,15 @@
               </a:rPr>
               <a:t>[1]</a:t>
             </a:r>
+            <a:r>
+              <a:rPr lang="ja-JP" altLang="en-US" sz="2200" dirty="0">
+                <a:cs typeface="Biome Light" panose="020B0303030204020804" pitchFamily="34" charset="0"/>
+              </a:rPr>
+              <a:t> 。</a:t>
+            </a:r>
+            <a:endParaRPr lang="en-US" altLang="ja-JP" sz="2200" dirty="0">
+              <a:cs typeface="Biome Light" panose="020B0303030204020804" pitchFamily="34" charset="0"/>
+            </a:endParaRPr>
           </a:p>
           <a:p>
             <a:r>
@@ -7696,10 +7881,10 @@
       </p:grpSpPr>
       <p:sp>
         <p:nvSpPr>
-          <p:cNvPr id="5" name="スライド番号プレースホルダー 4">
-            <a:extLst>
-              <a:ext uri="{FF2B5EF4-FFF2-40B4-BE49-F238E27FC236}">
-                <a16:creationId xmlns:a16="http://schemas.microsoft.com/office/drawing/2014/main" id="{65B69BD9-6E2E-60CB-3980-7BC8A9B92AA7}"/>
+          <p:cNvPr id="2" name="Text Placeholder 1">
+            <a:extLst>
+              <a:ext uri="{FF2B5EF4-FFF2-40B4-BE49-F238E27FC236}">
+                <a16:creationId xmlns:a16="http://schemas.microsoft.com/office/drawing/2014/main" id="{859FCCEE-25FF-E697-36AE-49259692A329}"/>
               </a:ext>
             </a:extLst>
           </p:cNvPr>
@@ -7707,6 +7892,215 @@
             <a:spLocks noGrp="1"/>
           </p:cNvSpPr>
           <p:nvPr>
+            <p:ph type="body" sz="quarter" idx="16"/>
+          </p:nvPr>
+        </p:nvSpPr>
+        <p:spPr>
+          <a:xfrm>
+            <a:off x="734291" y="1479649"/>
+            <a:ext cx="10723418" cy="884238"/>
+          </a:xfrm>
+        </p:spPr>
+        <p:txBody>
+          <a:bodyPr/>
+          <a:lstStyle/>
+          <a:p>
+            <a:pPr algn="l"/>
+            <a:r>
+              <a:rPr lang="en-US" altLang="ja-JP" sz="1800" b="1" dirty="0">
+                <a:latin typeface="Noto Sans CJK KR Regular" panose="020B0500000000000000" pitchFamily="34" charset="-128"/>
+                <a:ea typeface="Noto Sans CJK KR Regular" panose="020B0500000000000000" pitchFamily="34" charset="-128"/>
+              </a:rPr>
+              <a:t>Multi-Task Learning of Generation and Classification for Emotion-Aware Dialogue Response Generation</a:t>
+            </a:r>
+            <a:r>
+              <a:rPr lang="en-US" altLang="ja-JP" sz="1800" dirty="0">
+                <a:latin typeface="Noto Sans CJK KR Regular" panose="020B0500000000000000" pitchFamily="34" charset="-128"/>
+                <a:ea typeface="Noto Sans CJK KR Regular" panose="020B0500000000000000" pitchFamily="34" charset="-128"/>
+              </a:rPr>
+              <a:t>. [Ide at al., 2021]</a:t>
+            </a:r>
+          </a:p>
+        </p:txBody>
+      </p:sp>
+      <p:sp>
+        <p:nvSpPr>
+          <p:cNvPr id="4" name="Slide Number Placeholder 3">
+            <a:extLst>
+              <a:ext uri="{FF2B5EF4-FFF2-40B4-BE49-F238E27FC236}">
+                <a16:creationId xmlns:a16="http://schemas.microsoft.com/office/drawing/2014/main" id="{0A0CF66B-F20A-F87E-4B71-1CD35E4D633E}"/>
+              </a:ext>
+            </a:extLst>
+          </p:cNvPr>
+          <p:cNvSpPr>
+            <a:spLocks noGrp="1"/>
+          </p:cNvSpPr>
+          <p:nvPr>
+            <p:ph type="sldNum" sz="quarter" idx="4"/>
+          </p:nvPr>
+        </p:nvSpPr>
+        <p:spPr/>
+        <p:txBody>
+          <a:bodyPr/>
+          <a:lstStyle/>
+          <a:p>
+            <a:fld id="{8C2E478F-E849-4A8C-AF1F-CBCC78A7CBFA}" type="slidenum">
+              <a:rPr lang="en-US" altLang="ja-JP" noProof="0" smtClean="0"/>
+              <a:pPr/>
+              <a:t>4</a:t>
+            </a:fld>
+            <a:endParaRPr lang="ja-JP" altLang="en-US" noProof="0"/>
+          </a:p>
+        </p:txBody>
+      </p:sp>
+      <p:sp>
+        <p:nvSpPr>
+          <p:cNvPr id="6" name="Title 5">
+            <a:extLst>
+              <a:ext uri="{FF2B5EF4-FFF2-40B4-BE49-F238E27FC236}">
+                <a16:creationId xmlns:a16="http://schemas.microsoft.com/office/drawing/2014/main" id="{1049D00C-58EE-9690-CE55-0FE89BA6A855}"/>
+              </a:ext>
+            </a:extLst>
+          </p:cNvPr>
+          <p:cNvSpPr>
+            <a:spLocks noGrp="1"/>
+          </p:cNvSpPr>
+          <p:nvPr>
+            <p:ph type="title"/>
+          </p:nvPr>
+        </p:nvSpPr>
+        <p:spPr>
+          <a:xfrm>
+            <a:off x="734291" y="570011"/>
+            <a:ext cx="5897218" cy="884238"/>
+          </a:xfrm>
+        </p:spPr>
+        <p:txBody>
+          <a:bodyPr/>
+          <a:lstStyle/>
+          <a:p>
+            <a:r>
+              <a:rPr lang="en-JP" sz="4000" dirty="0"/>
+              <a:t>関連研究</a:t>
+            </a:r>
+          </a:p>
+        </p:txBody>
+      </p:sp>
+      <p:pic>
+        <p:nvPicPr>
+          <p:cNvPr id="8" name="図 7">
+            <a:extLst>
+              <a:ext uri="{FF2B5EF4-FFF2-40B4-BE49-F238E27FC236}">
+                <a16:creationId xmlns:a16="http://schemas.microsoft.com/office/drawing/2014/main" id="{E47A7519-21C3-8E80-8B33-C7CC76FBC974}"/>
+              </a:ext>
+            </a:extLst>
+          </p:cNvPr>
+          <p:cNvPicPr>
+            <a:picLocks noChangeAspect="1"/>
+          </p:cNvPicPr>
+          <p:nvPr/>
+        </p:nvPicPr>
+        <p:blipFill>
+          <a:blip r:embed="rId2"/>
+          <a:stretch>
+            <a:fillRect/>
+          </a:stretch>
+        </p:blipFill>
+        <p:spPr>
+          <a:xfrm>
+            <a:off x="734291" y="2363887"/>
+            <a:ext cx="7165109" cy="3429810"/>
+          </a:xfrm>
+          <a:prstGeom prst="rect">
+            <a:avLst/>
+          </a:prstGeom>
+        </p:spPr>
+      </p:pic>
+      <p:sp>
+        <p:nvSpPr>
+          <p:cNvPr id="3" name="テキスト ボックス 2">
+            <a:extLst>
+              <a:ext uri="{FF2B5EF4-FFF2-40B4-BE49-F238E27FC236}">
+                <a16:creationId xmlns:a16="http://schemas.microsoft.com/office/drawing/2014/main" id="{EB595E34-1AEF-BD4F-AA3A-02CD1D99655F}"/>
+              </a:ext>
+            </a:extLst>
+          </p:cNvPr>
+          <p:cNvSpPr txBox="1"/>
+          <p:nvPr/>
+        </p:nvSpPr>
+        <p:spPr>
+          <a:xfrm>
+            <a:off x="734291" y="5793697"/>
+            <a:ext cx="8458200" cy="461665"/>
+          </a:xfrm>
+          <a:prstGeom prst="rect">
+            <a:avLst/>
+          </a:prstGeom>
+          <a:noFill/>
+        </p:spPr>
+        <p:txBody>
+          <a:bodyPr wrap="square" rtlCol="0">
+            <a:spAutoFit/>
+          </a:bodyPr>
+          <a:lstStyle/>
+          <a:p>
+            <a:r>
+              <a:rPr kumimoji="1" lang="en-US" altLang="ja-JP" sz="1200" dirty="0">
+                <a:latin typeface="Noto Sans CJK KR Regular" panose="020B0500000000000000" pitchFamily="34" charset="-128"/>
+                <a:ea typeface="Noto Sans CJK KR Regular" panose="020B0500000000000000" pitchFamily="34" charset="-128"/>
+              </a:rPr>
+              <a:t>[8] Ide, Tatsuya and Daisuke Kawahara. “Multi-Task Learning of Generation and Classification for Emotion-Aware Dialogue Response Generation.” North American Chapter of the Association for Computational Linguistics (2021).</a:t>
+            </a:r>
+            <a:endParaRPr kumimoji="1" lang="ja-JP" altLang="en-US" sz="1200" dirty="0">
+              <a:latin typeface="Noto Sans CJK KR Regular" panose="020B0500000000000000" pitchFamily="34" charset="-128"/>
+              <a:ea typeface="Noto Sans CJK KR Regular" panose="020B0500000000000000" pitchFamily="34" charset="-128"/>
+            </a:endParaRPr>
+          </a:p>
+        </p:txBody>
+      </p:sp>
+    </p:spTree>
+    <p:extLst>
+      <p:ext uri="{BB962C8B-B14F-4D97-AF65-F5344CB8AC3E}">
+        <p14:creationId xmlns:p14="http://schemas.microsoft.com/office/powerpoint/2010/main" val="2652472914"/>
+      </p:ext>
+    </p:extLst>
+  </p:cSld>
+  <p:clrMapOvr>
+    <a:masterClrMapping/>
+  </p:clrMapOvr>
+</p:sld>
+</file>
+
+<file path=ppt/slides/slide5.xml><?xml version="1.0" encoding="utf-8"?>
+<p:sld xmlns:a="http://schemas.openxmlformats.org/drawingml/2006/main" xmlns:r="http://schemas.openxmlformats.org/officeDocument/2006/relationships" xmlns:p="http://schemas.openxmlformats.org/presentationml/2006/main">
+  <p:cSld>
+    <p:spTree>
+      <p:nvGrpSpPr>
+        <p:cNvPr id="1" name=""/>
+        <p:cNvGrpSpPr/>
+        <p:nvPr/>
+      </p:nvGrpSpPr>
+      <p:grpSpPr>
+        <a:xfrm>
+          <a:off x="0" y="0"/>
+          <a:ext cx="0" cy="0"/>
+          <a:chOff x="0" y="0"/>
+          <a:chExt cx="0" cy="0"/>
+        </a:xfrm>
+      </p:grpSpPr>
+      <p:sp>
+        <p:nvSpPr>
+          <p:cNvPr id="5" name="スライド番号プレースホルダー 4">
+            <a:extLst>
+              <a:ext uri="{FF2B5EF4-FFF2-40B4-BE49-F238E27FC236}">
+                <a16:creationId xmlns:a16="http://schemas.microsoft.com/office/drawing/2014/main" id="{65B69BD9-6E2E-60CB-3980-7BC8A9B92AA7}"/>
+              </a:ext>
+            </a:extLst>
+          </p:cNvPr>
+          <p:cNvSpPr>
+            <a:spLocks noGrp="1"/>
+          </p:cNvSpPr>
+          <p:nvPr>
             <p:ph type="sldNum" sz="quarter" idx="12"/>
           </p:nvPr>
         </p:nvSpPr>
@@ -7718,7 +8112,7 @@
             <a:pPr rtl="0"/>
             <a:fld id="{8C2E478F-E849-4A8C-AF1F-CBCC78A7CBFA}" type="slidenum">
               <a:rPr lang="en-US" altLang="ja-JP" noProof="0" smtClean="0"/>
-              <a:t>4</a:t>
+              <a:t>5</a:t>
             </a:fld>
             <a:endParaRPr lang="ja-JP" altLang="en-US" noProof="0"/>
           </a:p>
@@ -8691,7 +9085,7 @@
         </p:nvSpPr>
         <p:spPr>
           <a:xfrm>
-            <a:off x="4640012" y="1130191"/>
+            <a:off x="4666138" y="1143254"/>
             <a:ext cx="2888341" cy="3821370"/>
           </a:xfrm>
           <a:prstGeom prst="rect">
@@ -8747,7 +9141,7 @@
 </p:sld>
 </file>
 
-<file path=ppt/slides/slide5.xml><?xml version="1.0" encoding="utf-8"?>
+<file path=ppt/slides/slide6.xml><?xml version="1.0" encoding="utf-8"?>
 <p:sld xmlns:a="http://schemas.openxmlformats.org/drawingml/2006/main" xmlns:r="http://schemas.openxmlformats.org/officeDocument/2006/relationships" xmlns:p="http://schemas.openxmlformats.org/presentationml/2006/main">
   <p:cSld>
     <p:spTree>
@@ -8804,7 +9198,7 @@
                   <a:spcPts val="600"/>
                 </a:spcAft>
               </a:pPr>
-              <a:t>5</a:t>
+              <a:t>6</a:t>
             </a:fld>
             <a:endParaRPr lang="ja-JP" altLang="en-US" noProof="0"/>
           </a:p>
@@ -9108,215 +9502,6 @@
     <p:extLst>
       <p:ext uri="{BB962C8B-B14F-4D97-AF65-F5344CB8AC3E}">
         <p14:creationId xmlns:p14="http://schemas.microsoft.com/office/powerpoint/2010/main" val="1433064983"/>
-      </p:ext>
-    </p:extLst>
-  </p:cSld>
-  <p:clrMapOvr>
-    <a:masterClrMapping/>
-  </p:clrMapOvr>
-</p:sld>
-</file>
-
-<file path=ppt/slides/slide6.xml><?xml version="1.0" encoding="utf-8"?>
-<p:sld xmlns:a="http://schemas.openxmlformats.org/drawingml/2006/main" xmlns:r="http://schemas.openxmlformats.org/officeDocument/2006/relationships" xmlns:p="http://schemas.openxmlformats.org/presentationml/2006/main">
-  <p:cSld>
-    <p:spTree>
-      <p:nvGrpSpPr>
-        <p:cNvPr id="1" name=""/>
-        <p:cNvGrpSpPr/>
-        <p:nvPr/>
-      </p:nvGrpSpPr>
-      <p:grpSpPr>
-        <a:xfrm>
-          <a:off x="0" y="0"/>
-          <a:ext cx="0" cy="0"/>
-          <a:chOff x="0" y="0"/>
-          <a:chExt cx="0" cy="0"/>
-        </a:xfrm>
-      </p:grpSpPr>
-      <p:sp>
-        <p:nvSpPr>
-          <p:cNvPr id="2" name="Text Placeholder 1">
-            <a:extLst>
-              <a:ext uri="{FF2B5EF4-FFF2-40B4-BE49-F238E27FC236}">
-                <a16:creationId xmlns:a16="http://schemas.microsoft.com/office/drawing/2014/main" id="{859FCCEE-25FF-E697-36AE-49259692A329}"/>
-              </a:ext>
-            </a:extLst>
-          </p:cNvPr>
-          <p:cNvSpPr>
-            <a:spLocks noGrp="1"/>
-          </p:cNvSpPr>
-          <p:nvPr>
-            <p:ph type="body" sz="quarter" idx="16"/>
-          </p:nvPr>
-        </p:nvSpPr>
-        <p:spPr>
-          <a:xfrm>
-            <a:off x="734291" y="1479649"/>
-            <a:ext cx="10723418" cy="884238"/>
-          </a:xfrm>
-        </p:spPr>
-        <p:txBody>
-          <a:bodyPr/>
-          <a:lstStyle/>
-          <a:p>
-            <a:pPr algn="l"/>
-            <a:r>
-              <a:rPr lang="en-US" altLang="ja-JP" sz="1800" b="1" dirty="0">
-                <a:latin typeface="Noto Sans CJK KR Regular" panose="020B0500000000000000" pitchFamily="34" charset="-128"/>
-                <a:ea typeface="Noto Sans CJK KR Regular" panose="020B0500000000000000" pitchFamily="34" charset="-128"/>
-              </a:rPr>
-              <a:t>Multi-Task Learning of Generation and Classification for Emotion-Aware Dialogue Response Generation</a:t>
-            </a:r>
-            <a:r>
-              <a:rPr lang="en-US" altLang="ja-JP" sz="1800" dirty="0">
-                <a:latin typeface="Noto Sans CJK KR Regular" panose="020B0500000000000000" pitchFamily="34" charset="-128"/>
-                <a:ea typeface="Noto Sans CJK KR Regular" panose="020B0500000000000000" pitchFamily="34" charset="-128"/>
-              </a:rPr>
-              <a:t>. [Ide at al., 2021]</a:t>
-            </a:r>
-          </a:p>
-        </p:txBody>
-      </p:sp>
-      <p:sp>
-        <p:nvSpPr>
-          <p:cNvPr id="4" name="Slide Number Placeholder 3">
-            <a:extLst>
-              <a:ext uri="{FF2B5EF4-FFF2-40B4-BE49-F238E27FC236}">
-                <a16:creationId xmlns:a16="http://schemas.microsoft.com/office/drawing/2014/main" id="{0A0CF66B-F20A-F87E-4B71-1CD35E4D633E}"/>
-              </a:ext>
-            </a:extLst>
-          </p:cNvPr>
-          <p:cNvSpPr>
-            <a:spLocks noGrp="1"/>
-          </p:cNvSpPr>
-          <p:nvPr>
-            <p:ph type="sldNum" sz="quarter" idx="4"/>
-          </p:nvPr>
-        </p:nvSpPr>
-        <p:spPr/>
-        <p:txBody>
-          <a:bodyPr/>
-          <a:lstStyle/>
-          <a:p>
-            <a:fld id="{8C2E478F-E849-4A8C-AF1F-CBCC78A7CBFA}" type="slidenum">
-              <a:rPr lang="en-US" altLang="ja-JP" noProof="0" smtClean="0"/>
-              <a:pPr/>
-              <a:t>6</a:t>
-            </a:fld>
-            <a:endParaRPr lang="ja-JP" altLang="en-US" noProof="0"/>
-          </a:p>
-        </p:txBody>
-      </p:sp>
-      <p:sp>
-        <p:nvSpPr>
-          <p:cNvPr id="6" name="Title 5">
-            <a:extLst>
-              <a:ext uri="{FF2B5EF4-FFF2-40B4-BE49-F238E27FC236}">
-                <a16:creationId xmlns:a16="http://schemas.microsoft.com/office/drawing/2014/main" id="{1049D00C-58EE-9690-CE55-0FE89BA6A855}"/>
-              </a:ext>
-            </a:extLst>
-          </p:cNvPr>
-          <p:cNvSpPr>
-            <a:spLocks noGrp="1"/>
-          </p:cNvSpPr>
-          <p:nvPr>
-            <p:ph type="title"/>
-          </p:nvPr>
-        </p:nvSpPr>
-        <p:spPr>
-          <a:xfrm>
-            <a:off x="734291" y="570011"/>
-            <a:ext cx="5897218" cy="884238"/>
-          </a:xfrm>
-        </p:spPr>
-        <p:txBody>
-          <a:bodyPr/>
-          <a:lstStyle/>
-          <a:p>
-            <a:r>
-              <a:rPr lang="en-JP" sz="4000" dirty="0"/>
-              <a:t>関連研究</a:t>
-            </a:r>
-          </a:p>
-        </p:txBody>
-      </p:sp>
-      <p:pic>
-        <p:nvPicPr>
-          <p:cNvPr id="8" name="図 7">
-            <a:extLst>
-              <a:ext uri="{FF2B5EF4-FFF2-40B4-BE49-F238E27FC236}">
-                <a16:creationId xmlns:a16="http://schemas.microsoft.com/office/drawing/2014/main" id="{E47A7519-21C3-8E80-8B33-C7CC76FBC974}"/>
-              </a:ext>
-            </a:extLst>
-          </p:cNvPr>
-          <p:cNvPicPr>
-            <a:picLocks noChangeAspect="1"/>
-          </p:cNvPicPr>
-          <p:nvPr/>
-        </p:nvPicPr>
-        <p:blipFill>
-          <a:blip r:embed="rId2"/>
-          <a:stretch>
-            <a:fillRect/>
-          </a:stretch>
-        </p:blipFill>
-        <p:spPr>
-          <a:xfrm>
-            <a:off x="734291" y="2363887"/>
-            <a:ext cx="7165109" cy="3429810"/>
-          </a:xfrm>
-          <a:prstGeom prst="rect">
-            <a:avLst/>
-          </a:prstGeom>
-        </p:spPr>
-      </p:pic>
-      <p:sp>
-        <p:nvSpPr>
-          <p:cNvPr id="3" name="テキスト ボックス 2">
-            <a:extLst>
-              <a:ext uri="{FF2B5EF4-FFF2-40B4-BE49-F238E27FC236}">
-                <a16:creationId xmlns:a16="http://schemas.microsoft.com/office/drawing/2014/main" id="{EB595E34-1AEF-BD4F-AA3A-02CD1D99655F}"/>
-              </a:ext>
-            </a:extLst>
-          </p:cNvPr>
-          <p:cNvSpPr txBox="1"/>
-          <p:nvPr/>
-        </p:nvSpPr>
-        <p:spPr>
-          <a:xfrm>
-            <a:off x="734291" y="5793697"/>
-            <a:ext cx="8458200" cy="461665"/>
-          </a:xfrm>
-          <a:prstGeom prst="rect">
-            <a:avLst/>
-          </a:prstGeom>
-          <a:noFill/>
-        </p:spPr>
-        <p:txBody>
-          <a:bodyPr wrap="square" rtlCol="0">
-            <a:spAutoFit/>
-          </a:bodyPr>
-          <a:lstStyle/>
-          <a:p>
-            <a:r>
-              <a:rPr kumimoji="1" lang="en-US" altLang="ja-JP" sz="1200" dirty="0">
-                <a:latin typeface="Noto Sans CJK KR Regular" panose="020B0500000000000000" pitchFamily="34" charset="-128"/>
-                <a:ea typeface="Noto Sans CJK KR Regular" panose="020B0500000000000000" pitchFamily="34" charset="-128"/>
-              </a:rPr>
-              <a:t>[8] Ide, Tatsuya and Daisuke Kawahara. “Multi-Task Learning of Generation and Classification for Emotion-Aware Dialogue Response Generation.” North American Chapter of the Association for Computational Linguistics (2021).</a:t>
-            </a:r>
-            <a:endParaRPr kumimoji="1" lang="ja-JP" altLang="en-US" sz="1200" dirty="0">
-              <a:latin typeface="Noto Sans CJK KR Regular" panose="020B0500000000000000" pitchFamily="34" charset="-128"/>
-              <a:ea typeface="Noto Sans CJK KR Regular" panose="020B0500000000000000" pitchFamily="34" charset="-128"/>
-            </a:endParaRPr>
-          </a:p>
-        </p:txBody>
-      </p:sp>
-    </p:spTree>
-    <p:extLst>
-      <p:ext uri="{BB962C8B-B14F-4D97-AF65-F5344CB8AC3E}">
-        <p14:creationId xmlns:p14="http://schemas.microsoft.com/office/powerpoint/2010/main" val="2652472914"/>
       </p:ext>
     </p:extLst>
   </p:cSld>
@@ -11298,12 +11483,12 @@
           <p:nvPr/>
         </p:nvPicPr>
         <p:blipFill rotWithShape="1">
-          <a:blip r:embed="rId2">
+          <a:blip r:embed="rId3">
             <a:alphaModFix amt="52000"/>
             <a:extLst>
               <a:ext uri="{BEBA8EAE-BF5A-486C-A8C5-ECC9F3942E4B}">
                 <a14:imgProps xmlns:a14="http://schemas.microsoft.com/office/drawing/2010/main">
-                  <a14:imgLayer r:embed="rId3">
+                  <a14:imgLayer r:embed="rId4">
                     <a14:imgEffect>
                       <a14:saturation sat="0"/>
                     </a14:imgEffect>
@@ -12492,6 +12677,15 @@
 </file>
 
 <file path=customXml/item1.xml><?xml version="1.0" encoding="utf-8"?>
+<?mso-contentType ?>
+<FormTemplates xmlns="http://schemas.microsoft.com/sharepoint/v3/contenttype/forms">
+  <Display>DocumentLibraryForm</Display>
+  <Edit>DocumentLibraryForm</Edit>
+  <New>DocumentLibraryForm</New>
+</FormTemplates>
+</file>
+
+<file path=customXml/item2.xml><?xml version="1.0" encoding="utf-8"?>
 <ct:contentTypeSchema xmlns:ct="http://schemas.microsoft.com/office/2006/metadata/contentType" xmlns:ma="http://schemas.microsoft.com/office/2006/metadata/properties/metaAttributes" ct:_="" ma:_="" ma:contentTypeName="Document" ma:contentTypeID="0x01010079F111ED35F8CC479449609E8A0923A6" ma:contentTypeVersion="12" ma:contentTypeDescription="Create a new document." ma:contentTypeScope="" ma:versionID="426e97fa315356fffbdcd9876fe988c2">
   <xsd:schema xmlns:xsd="http://www.w3.org/2001/XMLSchema" xmlns:xs="http://www.w3.org/2001/XMLSchema" xmlns:p="http://schemas.microsoft.com/office/2006/metadata/properties" xmlns:ns2="71af3243-3dd4-4a8d-8c0d-dd76da1f02a5" xmlns:ns3="16c05727-aa75-4e4a-9b5f-8a80a1165891" targetNamespace="http://schemas.microsoft.com/office/2006/metadata/properties" ma:root="true" ma:fieldsID="14b8f0def80e6d70ce3def20c90759ae" ns2:_="" ns3:_="">
     <xsd:import namespace="71af3243-3dd4-4a8d-8c0d-dd76da1f02a5"/>
@@ -12712,15 +12906,6 @@
 </ct:contentTypeSchema>
 </file>
 
-<file path=customXml/item2.xml><?xml version="1.0" encoding="utf-8"?>
-<?mso-contentType ?>
-<FormTemplates xmlns="http://schemas.microsoft.com/sharepoint/v3/contenttype/forms">
-  <Display>DocumentLibraryForm</Display>
-  <Edit>DocumentLibraryForm</Edit>
-  <New>DocumentLibraryForm</New>
-</FormTemplates>
-</file>
-
 <file path=customXml/item3.xml><?xml version="1.0" encoding="utf-8"?>
 <p:properties xmlns:p="http://schemas.microsoft.com/office/2006/metadata/properties" xmlns:xsi="http://www.w3.org/2001/XMLSchema-instance" xmlns:pc="http://schemas.microsoft.com/office/infopath/2007/PartnerControls">
   <documentManagement>
@@ -12731,6 +12916,14 @@
 </file>
 
 <file path=customXml/itemProps1.xml><?xml version="1.0" encoding="utf-8"?>
+<ds:datastoreItem xmlns:ds="http://schemas.openxmlformats.org/officeDocument/2006/customXml" ds:itemID="{1B7E2D32-4FDD-4266-880C-17595B801432}">
+  <ds:schemaRefs>
+    <ds:schemaRef ds:uri="http://schemas.microsoft.com/sharepoint/v3/contenttype/forms"/>
+  </ds:schemaRefs>
+</ds:datastoreItem>
+</file>
+
+<file path=customXml/itemProps2.xml><?xml version="1.0" encoding="utf-8"?>
 <ds:datastoreItem xmlns:ds="http://schemas.openxmlformats.org/officeDocument/2006/customXml" ds:itemID="{55BB9993-D5F9-46FA-B2E5-80E3632E9820}">
   <ds:schemaRefs>
     <ds:schemaRef ds:uri="http://schemas.microsoft.com/office/2006/metadata/contentType"/>
@@ -12749,14 +12942,6 @@
 </ds:datastoreItem>
 </file>
 
-<file path=customXml/itemProps2.xml><?xml version="1.0" encoding="utf-8"?>
-<ds:datastoreItem xmlns:ds="http://schemas.openxmlformats.org/officeDocument/2006/customXml" ds:itemID="{1B7E2D32-4FDD-4266-880C-17595B801432}">
-  <ds:schemaRefs>
-    <ds:schemaRef ds:uri="http://schemas.microsoft.com/sharepoint/v3/contenttype/forms"/>
-  </ds:schemaRefs>
-</ds:datastoreItem>
-</file>
-
 <file path=customXml/itemProps3.xml><?xml version="1.0" encoding="utf-8"?>
 <ds:datastoreItem xmlns:ds="http://schemas.openxmlformats.org/officeDocument/2006/customXml" ds:itemID="{E3D9F223-918A-45AF-9B53-56AB9E5E2182}">
   <ds:schemaRefs>

--- a/Presentation/感情認識に基づく対話システム.pptx
+++ b/Presentation/感情認識に基づく対話システム.pptx
@@ -1036,7 +1036,7 @@
           <a:lstStyle/>
           <a:p>
             <a:pPr rtl="0"/>
-            <a:endParaRPr lang="ja-JP" altLang="en-US">
+            <a:endParaRPr lang="ja-JP" altLang="en-US" dirty="0">
               <a:latin typeface="Meiryo UI" panose="020B0604030504040204" pitchFamily="50" charset="-128"/>
               <a:ea typeface="Meiryo UI" panose="020B0604030504040204" pitchFamily="50" charset="-128"/>
             </a:endParaRPr>
@@ -1099,7 +1099,7 @@
       </p:grpSpPr>
       <p:sp>
         <p:nvSpPr>
-          <p:cNvPr id="2" name="슬라이드 이미지 개체 틀 1"/>
+          <p:cNvPr id="2" name="スライド イメージ プレースホルダー 1"/>
           <p:cNvSpPr>
             <a:spLocks noGrp="1" noRot="1" noChangeAspect="1"/>
           </p:cNvSpPr>
@@ -1111,7 +1111,7 @@
       </p:sp>
       <p:sp>
         <p:nvSpPr>
-          <p:cNvPr id="3" name="슬라이드 노트 개체 틀 2"/>
+          <p:cNvPr id="3" name="ノート プレースホルダー 2"/>
           <p:cNvSpPr>
             <a:spLocks noGrp="1"/>
           </p:cNvSpPr>
@@ -1125,529 +1125,175 @@
           <a:lstStyle/>
           <a:p>
             <a:r>
-              <a:rPr lang="en-US" altLang="ja-JP" sz="1800" dirty="0">
-                <a:effectLst/>
-                <a:latin typeface="Malgun Gothic" panose="020B0503020000020004" pitchFamily="50" charset="-127"/>
-                <a:ea typeface="Malgun Gothic" panose="020B0503020000020004" pitchFamily="50" charset="-127"/>
+              <a:rPr lang="ja-JP" altLang="en-US" sz="1200" b="0" dirty="0">
+                <a:latin typeface="Noto Sans CJK KR Regular" panose="020B0500000000000000" pitchFamily="34" charset="-128"/>
+                <a:ea typeface="Noto Sans CJK KR Regular" panose="020B0500000000000000" pitchFamily="34" charset="-128"/>
+              </a:rPr>
+              <a:t>私の研究の基になる、関連研究として、</a:t>
+            </a:r>
+            <a:endParaRPr lang="en-US" altLang="ja-JP" sz="1200" b="0" dirty="0">
+              <a:latin typeface="Noto Sans CJK KR Regular" panose="020B0500000000000000" pitchFamily="34" charset="-128"/>
+              <a:ea typeface="Noto Sans CJK KR Regular" panose="020B0500000000000000" pitchFamily="34" charset="-128"/>
+            </a:endParaRPr>
+          </a:p>
+          <a:p>
+            <a:r>
+              <a:rPr lang="en-US" altLang="ja-JP" sz="1200" b="1" dirty="0">
+                <a:latin typeface="Noto Sans CJK KR Regular" panose="020B0500000000000000" pitchFamily="34" charset="-128"/>
+                <a:ea typeface="Noto Sans CJK KR Regular" panose="020B0500000000000000" pitchFamily="34" charset="-128"/>
+              </a:rPr>
+              <a:t>Multi-Task Learning of Generation and Classification for Emotion-Aware Dialogue Response Generation</a:t>
+            </a:r>
+            <a:r>
+              <a:rPr lang="en-US" altLang="ja-JP" sz="1200" dirty="0">
+                <a:latin typeface="Noto Sans CJK KR Regular" panose="020B0500000000000000" pitchFamily="34" charset="-128"/>
+                <a:ea typeface="Noto Sans CJK KR Regular" panose="020B0500000000000000" pitchFamily="34" charset="-128"/>
+              </a:rPr>
+              <a:t>. </a:t>
+            </a:r>
+            <a:r>
+              <a:rPr lang="ja-JP" altLang="en-US" sz="1200" dirty="0">
+                <a:latin typeface="Noto Sans CJK KR Regular" panose="020B0500000000000000" pitchFamily="34" charset="-128"/>
+                <a:ea typeface="Noto Sans CJK KR Regular" panose="020B0500000000000000" pitchFamily="34" charset="-128"/>
+              </a:rPr>
+              <a:t>という論文を紹介させていただきます。</a:t>
+            </a:r>
+            <a:endParaRPr lang="en-US" altLang="ja-JP" sz="1200" dirty="0">
+              <a:latin typeface="Noto Sans CJK KR Regular" panose="020B0500000000000000" pitchFamily="34" charset="-128"/>
+              <a:ea typeface="Noto Sans CJK KR Regular" panose="020B0500000000000000" pitchFamily="34" charset="-128"/>
+            </a:endParaRPr>
+          </a:p>
+          <a:p>
+            <a:r>
+              <a:rPr kumimoji="1" lang="ja-JP" altLang="en-US" sz="1200" dirty="0">
+                <a:latin typeface="Noto Sans CJK KR Regular" panose="020B0500000000000000" pitchFamily="34" charset="-128"/>
+                <a:ea typeface="Noto Sans CJK KR Regular" panose="020B0500000000000000" pitchFamily="34" charset="-128"/>
+              </a:rPr>
+              <a:t>この論文では、</a:t>
+            </a:r>
+            <a:r>
+              <a:rPr kumimoji="1" lang="en-US" altLang="ja-JP" sz="1200" dirty="0">
+                <a:latin typeface="Noto Sans CJK KR Regular" panose="020B0500000000000000" pitchFamily="34" charset="-128"/>
+                <a:ea typeface="Noto Sans CJK KR Regular" panose="020B0500000000000000" pitchFamily="34" charset="-128"/>
               </a:rPr>
               <a:t>BART</a:t>
             </a:r>
             <a:r>
-              <a:rPr lang="ja-JP" altLang="en-US" sz="1800" dirty="0">
-                <a:effectLst/>
-                <a:latin typeface="Malgun Gothic" panose="020B0503020000020004" pitchFamily="50" charset="-127"/>
-                <a:ea typeface="Malgun Gothic" panose="020B0503020000020004" pitchFamily="50" charset="-127"/>
-              </a:rPr>
-              <a:t>とは、</a:t>
-            </a:r>
-            <a:r>
-              <a:rPr lang="en-US" altLang="ja-JP" sz="1800" dirty="0">
-                <a:effectLst/>
-                <a:latin typeface="Malgun Gothic" panose="020B0503020000020004" pitchFamily="50" charset="-127"/>
-                <a:ea typeface="Malgun Gothic" panose="020B0503020000020004" pitchFamily="50" charset="-127"/>
-              </a:rPr>
-              <a:t>Seq2Seq</a:t>
-            </a:r>
-            <a:r>
-              <a:rPr lang="ja-JP" altLang="en-US" sz="1800" dirty="0">
-                <a:effectLst/>
-                <a:latin typeface="Malgun Gothic" panose="020B0503020000020004" pitchFamily="50" charset="-127"/>
-                <a:ea typeface="Malgun Gothic" panose="020B0503020000020004" pitchFamily="50" charset="-127"/>
-              </a:rPr>
-              <a:t>モデルを事前学習させるための </a:t>
-            </a:r>
-            <a:r>
-              <a:rPr lang="en-US" altLang="ja-JP" sz="1800" dirty="0">
-                <a:effectLst/>
-                <a:latin typeface="Malgun Gothic" panose="020B0503020000020004" pitchFamily="50" charset="-127"/>
-                <a:ea typeface="Malgun Gothic" panose="020B0503020000020004" pitchFamily="50" charset="-127"/>
-              </a:rPr>
-              <a:t>Denoising autoencoder</a:t>
-            </a:r>
-            <a:r>
-              <a:rPr lang="ja-JP" altLang="en-US" sz="1800" dirty="0">
-                <a:effectLst/>
-                <a:latin typeface="Malgun Gothic" panose="020B0503020000020004" pitchFamily="50" charset="-127"/>
-                <a:ea typeface="Malgun Gothic" panose="020B0503020000020004" pitchFamily="50" charset="-127"/>
-              </a:rPr>
-              <a:t>である。</a:t>
-            </a:r>
-            <a:br>
-              <a:rPr lang="ja-JP" altLang="en-US" sz="1800" dirty="0">
-                <a:effectLst/>
-                <a:latin typeface="Malgun Gothic" panose="020B0503020000020004" pitchFamily="50" charset="-127"/>
-                <a:ea typeface="Malgun Gothic" panose="020B0503020000020004" pitchFamily="50" charset="-127"/>
-              </a:rPr>
-            </a:br>
-            <a:br>
-              <a:rPr lang="ja-JP" altLang="en-US" sz="1800" dirty="0">
-                <a:effectLst/>
-                <a:latin typeface="Malgun Gothic" panose="020B0503020000020004" pitchFamily="50" charset="-127"/>
-                <a:ea typeface="Malgun Gothic" panose="020B0503020000020004" pitchFamily="50" charset="-127"/>
-              </a:rPr>
-            </a:br>
-            <a:r>
-              <a:rPr lang="en-US" altLang="ja-JP" sz="1800" dirty="0">
-                <a:effectLst/>
-                <a:latin typeface="Malgun Gothic" panose="020B0503020000020004" pitchFamily="50" charset="-127"/>
-                <a:ea typeface="Malgun Gothic" panose="020B0503020000020004" pitchFamily="50" charset="-127"/>
-              </a:rPr>
+              <a:rPr kumimoji="1" lang="ja-JP" altLang="en-US" sz="1200" dirty="0">
+                <a:latin typeface="Noto Sans CJK KR Regular" panose="020B0500000000000000" pitchFamily="34" charset="-128"/>
+                <a:ea typeface="Noto Sans CJK KR Regular" panose="020B0500000000000000" pitchFamily="34" charset="-128"/>
+              </a:rPr>
+              <a:t>を使い、</a:t>
+            </a:r>
+            <a:r>
+              <a:rPr kumimoji="1" lang="ko-KR" altLang="en-US" sz="1200" dirty="0">
+                <a:latin typeface="Noto Sans CJK KR Regular" panose="020B0500000000000000" pitchFamily="34" charset="-128"/>
+                <a:ea typeface="Noto Sans CJK KR Regular" panose="020B0500000000000000" pitchFamily="34" charset="-128"/>
+              </a:rPr>
+              <a:t> </a:t>
+            </a:r>
+            <a:r>
+              <a:rPr kumimoji="1" lang="en-US" altLang="ko-KR" sz="1200" dirty="0">
+                <a:latin typeface="Noto Sans CJK KR Regular" panose="020B0500000000000000" pitchFamily="34" charset="-128"/>
+                <a:ea typeface="Noto Sans CJK KR Regular" panose="020B0500000000000000" pitchFamily="34" charset="-128"/>
+              </a:rPr>
+              <a:t>Language Model</a:t>
+            </a:r>
+            <a:r>
+              <a:rPr kumimoji="1" lang="ja-JP" altLang="en-US" sz="1200" dirty="0">
+                <a:latin typeface="Noto Sans CJK KR Regular" panose="020B0500000000000000" pitchFamily="34" charset="-128"/>
+                <a:ea typeface="Noto Sans CJK KR Regular" panose="020B0500000000000000" pitchFamily="34" charset="-128"/>
+              </a:rPr>
+              <a:t>と</a:t>
+            </a:r>
+            <a:r>
+              <a:rPr kumimoji="1" lang="en-US" altLang="ja-JP" sz="1200" dirty="0">
+                <a:latin typeface="Noto Sans CJK KR Regular" panose="020B0500000000000000" pitchFamily="34" charset="-128"/>
+                <a:ea typeface="Noto Sans CJK KR Regular" panose="020B0500000000000000" pitchFamily="34" charset="-128"/>
+              </a:rPr>
+              <a:t>Classification</a:t>
+            </a:r>
+            <a:r>
+              <a:rPr kumimoji="1" lang="ja-JP" altLang="en-US" sz="1200" dirty="0">
+                <a:latin typeface="Noto Sans CJK KR Regular" panose="020B0500000000000000" pitchFamily="34" charset="-128"/>
+                <a:ea typeface="Noto Sans CJK KR Regular" panose="020B0500000000000000" pitchFamily="34" charset="-128"/>
+              </a:rPr>
+              <a:t>作業を</a:t>
+            </a:r>
+            <a:r>
+              <a:rPr kumimoji="1" lang="en-US" altLang="ja-JP" sz="1200" dirty="0">
+                <a:latin typeface="Noto Sans CJK KR Regular" panose="020B0500000000000000" pitchFamily="34" charset="-128"/>
+                <a:ea typeface="Noto Sans CJK KR Regular" panose="020B0500000000000000" pitchFamily="34" charset="-128"/>
+              </a:rPr>
+              <a:t>Multi-Tasking </a:t>
+            </a:r>
+            <a:r>
+              <a:rPr kumimoji="1" lang="ja-JP" altLang="en-US" sz="1200" dirty="0">
+                <a:latin typeface="Noto Sans CJK KR Regular" panose="020B0500000000000000" pitchFamily="34" charset="-128"/>
+                <a:ea typeface="Noto Sans CJK KR Regular" panose="020B0500000000000000" pitchFamily="34" charset="-128"/>
+              </a:rPr>
+              <a:t>することで、感情を反映した答えを出すモデルを構築し、感情の分類が　</a:t>
+            </a:r>
+            <a:r>
+              <a:rPr kumimoji="1" lang="en-US" altLang="ja-JP" sz="1200" dirty="0">
+                <a:latin typeface="Noto Sans CJK KR Regular" panose="020B0500000000000000" pitchFamily="34" charset="-128"/>
+                <a:ea typeface="Noto Sans CJK KR Regular" panose="020B0500000000000000" pitchFamily="34" charset="-128"/>
+              </a:rPr>
+              <a:t>2</a:t>
+            </a:r>
+            <a:r>
+              <a:rPr kumimoji="1" lang="ja-JP" altLang="en-US" sz="1200" dirty="0">
+                <a:latin typeface="Noto Sans CJK KR Regular" panose="020B0500000000000000" pitchFamily="34" charset="-128"/>
+                <a:ea typeface="Noto Sans CJK KR Regular" panose="020B0500000000000000" pitchFamily="34" charset="-128"/>
+              </a:rPr>
+              <a:t>、６、</a:t>
+            </a:r>
+            <a:r>
+              <a:rPr kumimoji="1" lang="en-US" altLang="ja-JP" sz="1200" dirty="0">
+                <a:latin typeface="Noto Sans CJK KR Regular" panose="020B0500000000000000" pitchFamily="34" charset="-128"/>
+                <a:ea typeface="Noto Sans CJK KR Regular" panose="020B0500000000000000" pitchFamily="34" charset="-128"/>
+              </a:rPr>
+              <a:t>12</a:t>
+            </a:r>
+            <a:r>
+              <a:rPr kumimoji="1" lang="ja-JP" altLang="en-US" sz="1200" dirty="0">
+                <a:latin typeface="Noto Sans CJK KR Regular" panose="020B0500000000000000" pitchFamily="34" charset="-128"/>
+                <a:ea typeface="Noto Sans CJK KR Regular" panose="020B0500000000000000" pitchFamily="34" charset="-128"/>
+              </a:rPr>
+              <a:t>で、粗い、普通、細かい　という三つの基準で分類作業を行い、</a:t>
+            </a:r>
+            <a:endParaRPr kumimoji="1" lang="en-US" altLang="ja-JP" sz="1200" dirty="0">
+              <a:latin typeface="Noto Sans CJK KR Regular" panose="020B0500000000000000" pitchFamily="34" charset="-128"/>
+              <a:ea typeface="Noto Sans CJK KR Regular" panose="020B0500000000000000" pitchFamily="34" charset="-128"/>
+            </a:endParaRPr>
+          </a:p>
+          <a:p>
+            <a:r>
+              <a:rPr kumimoji="1" lang="ja-JP" altLang="en-US" dirty="0"/>
+              <a:t>一番いい結果を出す組み合わせを探すっていうことをしてました。</a:t>
+            </a:r>
+            <a:endParaRPr kumimoji="1" lang="en-US" altLang="ja-JP" dirty="0"/>
+          </a:p>
+          <a:p>
+            <a:r>
+              <a:rPr kumimoji="1" lang="ja-JP" altLang="en-US" dirty="0"/>
+              <a:t>私はこの研究を基に、</a:t>
+            </a:r>
+            <a:r>
+              <a:rPr kumimoji="1" lang="en-US" altLang="ja-JP" dirty="0"/>
               <a:t>BART</a:t>
             </a:r>
             <a:r>
-              <a:rPr lang="ja-JP" altLang="en-US" sz="1800" dirty="0">
-                <a:effectLst/>
-                <a:latin typeface="Malgun Gothic" panose="020B0503020000020004" pitchFamily="50" charset="-127"/>
-                <a:ea typeface="Malgun Gothic" panose="020B0503020000020004" pitchFamily="50" charset="-127"/>
-              </a:rPr>
-              <a:t>は任意の </a:t>
-            </a:r>
-            <a:r>
-              <a:rPr lang="en-US" altLang="ja-JP" sz="1800" dirty="0">
-                <a:effectLst/>
-                <a:latin typeface="Malgun Gothic" panose="020B0503020000020004" pitchFamily="50" charset="-127"/>
-                <a:ea typeface="Malgun Gothic" panose="020B0503020000020004" pitchFamily="50" charset="-127"/>
-              </a:rPr>
-              <a:t>noising </a:t>
-            </a:r>
-            <a:r>
-              <a:rPr lang="en-US" altLang="ja-JP" sz="1800" dirty="0" err="1">
-                <a:effectLst/>
-                <a:latin typeface="Malgun Gothic" panose="020B0503020000020004" pitchFamily="50" charset="-127"/>
-                <a:ea typeface="Malgun Gothic" panose="020B0503020000020004" pitchFamily="50" charset="-127"/>
-              </a:rPr>
-              <a:t>fuction</a:t>
-            </a:r>
-            <a:r>
-              <a:rPr lang="ja-JP" altLang="en-US" sz="1800" dirty="0">
-                <a:effectLst/>
-                <a:latin typeface="Malgun Gothic" panose="020B0503020000020004" pitchFamily="50" charset="-127"/>
-                <a:ea typeface="Malgun Gothic" panose="020B0503020000020004" pitchFamily="50" charset="-127"/>
-              </a:rPr>
-              <a:t>でテキストを変形させ、元に復元するようにモデルを学習させるようになっている。</a:t>
-            </a:r>
-            <a:br>
-              <a:rPr lang="ja-JP" altLang="en-US" sz="1800" dirty="0">
-                <a:effectLst/>
-                <a:latin typeface="Malgun Gothic" panose="020B0503020000020004" pitchFamily="50" charset="-127"/>
-                <a:ea typeface="Malgun Gothic" panose="020B0503020000020004" pitchFamily="50" charset="-127"/>
-              </a:rPr>
-            </a:br>
-            <a:br>
-              <a:rPr lang="ja-JP" altLang="en-US" sz="1800" dirty="0">
-                <a:effectLst/>
-                <a:latin typeface="Malgun Gothic" panose="020B0503020000020004" pitchFamily="50" charset="-127"/>
-                <a:ea typeface="Malgun Gothic" panose="020B0503020000020004" pitchFamily="50" charset="-127"/>
-              </a:rPr>
-            </a:br>
-            <a:r>
-              <a:rPr lang="en-US" altLang="ja-JP" sz="1800" dirty="0">
-                <a:effectLst/>
-                <a:latin typeface="Malgun Gothic" panose="020B0503020000020004" pitchFamily="50" charset="-127"/>
-                <a:ea typeface="Malgun Gothic" panose="020B0503020000020004" pitchFamily="50" charset="-127"/>
-              </a:rPr>
-              <a:t>BART</a:t>
-            </a:r>
-            <a:r>
-              <a:rPr lang="ja-JP" altLang="en-US" sz="1800" dirty="0">
-                <a:effectLst/>
-                <a:latin typeface="Malgun Gothic" panose="020B0503020000020004" pitchFamily="50" charset="-127"/>
-                <a:ea typeface="Malgun Gothic" panose="020B0503020000020004" pitchFamily="50" charset="-127"/>
-              </a:rPr>
-              <a:t>は、</a:t>
-            </a:r>
-            <a:r>
-              <a:rPr lang="en-US" altLang="ja-JP" sz="1800" dirty="0">
-                <a:effectLst/>
-                <a:latin typeface="Malgun Gothic" panose="020B0503020000020004" pitchFamily="50" charset="-127"/>
-                <a:ea typeface="Malgun Gothic" panose="020B0503020000020004" pitchFamily="50" charset="-127"/>
-              </a:rPr>
-              <a:t>BERT</a:t>
-            </a:r>
-            <a:r>
-              <a:rPr lang="ja-JP" altLang="en-US" sz="1800" dirty="0">
-                <a:effectLst/>
-                <a:latin typeface="Malgun Gothic" panose="020B0503020000020004" pitchFamily="50" charset="-127"/>
-                <a:ea typeface="Malgun Gothic" panose="020B0503020000020004" pitchFamily="50" charset="-127"/>
-              </a:rPr>
-              <a:t>と</a:t>
-            </a:r>
-            <a:r>
-              <a:rPr lang="en-US" altLang="ja-JP" sz="1800" dirty="0">
-                <a:effectLst/>
-                <a:latin typeface="Malgun Gothic" panose="020B0503020000020004" pitchFamily="50" charset="-127"/>
-                <a:ea typeface="Malgun Gothic" panose="020B0503020000020004" pitchFamily="50" charset="-127"/>
-              </a:rPr>
-              <a:t>GPT</a:t>
-            </a:r>
-            <a:r>
-              <a:rPr lang="ja-JP" altLang="en-US" sz="1800" dirty="0">
-                <a:effectLst/>
-                <a:latin typeface="Malgun Gothic" panose="020B0503020000020004" pitchFamily="50" charset="-127"/>
-                <a:ea typeface="Malgun Gothic" panose="020B0503020000020004" pitchFamily="50" charset="-127"/>
-              </a:rPr>
-              <a:t>というモデルをそれぞれ</a:t>
-            </a:r>
-            <a:r>
-              <a:rPr lang="en-US" altLang="ja-JP" sz="1800" dirty="0">
-                <a:effectLst/>
-                <a:latin typeface="Malgun Gothic" panose="020B0503020000020004" pitchFamily="50" charset="-127"/>
-                <a:ea typeface="Malgun Gothic" panose="020B0503020000020004" pitchFamily="50" charset="-127"/>
-              </a:rPr>
-              <a:t>Encoder, Decoder</a:t>
-            </a:r>
-            <a:r>
-              <a:rPr lang="ja-JP" altLang="en-US" sz="1800" dirty="0">
-                <a:effectLst/>
-                <a:latin typeface="Malgun Gothic" panose="020B0503020000020004" pitchFamily="50" charset="-127"/>
-                <a:ea typeface="Malgun Gothic" panose="020B0503020000020004" pitchFamily="50" charset="-127"/>
-              </a:rPr>
-              <a:t>として合わせて作られたモデルである。</a:t>
-            </a:r>
-            <a:endParaRPr lang="en-US" altLang="ja-JP" sz="1800" dirty="0">
-              <a:effectLst/>
-              <a:latin typeface="Malgun Gothic" panose="020B0503020000020004" pitchFamily="50" charset="-127"/>
-              <a:ea typeface="Malgun Gothic" panose="020B0503020000020004" pitchFamily="50" charset="-127"/>
-            </a:endParaRPr>
-          </a:p>
-          <a:p>
-            <a:r>
-              <a:rPr lang="en-US" altLang="ja-JP" sz="1800" dirty="0">
-                <a:effectLst/>
-                <a:latin typeface="Malgun Gothic" panose="020B0503020000020004" pitchFamily="50" charset="-127"/>
-                <a:ea typeface="Malgun Gothic" panose="020B0503020000020004" pitchFamily="50" charset="-127"/>
-              </a:rPr>
-              <a:t>BERT </a:t>
-            </a:r>
-            <a:r>
-              <a:rPr lang="ja-JP" altLang="en-US" sz="1800" dirty="0">
-                <a:effectLst/>
-                <a:latin typeface="Malgun Gothic" panose="020B0503020000020004" pitchFamily="50" charset="-127"/>
-                <a:ea typeface="Malgun Gothic" panose="020B0503020000020004" pitchFamily="50" charset="-127"/>
-              </a:rPr>
-              <a:t>と </a:t>
-            </a:r>
-            <a:r>
-              <a:rPr lang="en-US" altLang="ja-JP" sz="1800" dirty="0">
-                <a:effectLst/>
-                <a:latin typeface="Malgun Gothic" panose="020B0503020000020004" pitchFamily="50" charset="-127"/>
-                <a:ea typeface="Malgun Gothic" panose="020B0503020000020004" pitchFamily="50" charset="-127"/>
-              </a:rPr>
-              <a:t>GPT</a:t>
-            </a:r>
-            <a:r>
-              <a:rPr lang="ja-JP" altLang="en-US" sz="1800" dirty="0">
-                <a:effectLst/>
-                <a:latin typeface="Malgun Gothic" panose="020B0503020000020004" pitchFamily="50" charset="-127"/>
-                <a:ea typeface="Malgun Gothic" panose="020B0503020000020004" pitchFamily="50" charset="-127"/>
-              </a:rPr>
-              <a:t>両方共、</a:t>
-            </a:r>
-            <a:r>
-              <a:rPr lang="en-US" altLang="ja-JP" sz="1800" dirty="0">
-                <a:effectLst/>
-                <a:latin typeface="Malgun Gothic" panose="020B0503020000020004" pitchFamily="50" charset="-127"/>
-                <a:ea typeface="Malgun Gothic" panose="020B0503020000020004" pitchFamily="50" charset="-127"/>
-              </a:rPr>
-              <a:t>Transformer</a:t>
-            </a:r>
-            <a:r>
-              <a:rPr lang="ja-JP" altLang="en-US" sz="1800" dirty="0">
-                <a:effectLst/>
-                <a:latin typeface="Malgun Gothic" panose="020B0503020000020004" pitchFamily="50" charset="-127"/>
-                <a:ea typeface="Malgun Gothic" panose="020B0503020000020004" pitchFamily="50" charset="-127"/>
-              </a:rPr>
-              <a:t>から出てるもので、</a:t>
-            </a:r>
-            <a:r>
-              <a:rPr lang="en-US" altLang="ja-JP" sz="1800" dirty="0">
-                <a:effectLst/>
-                <a:latin typeface="Malgun Gothic" panose="020B0503020000020004" pitchFamily="50" charset="-127"/>
-                <a:ea typeface="Malgun Gothic" panose="020B0503020000020004" pitchFamily="50" charset="-127"/>
-              </a:rPr>
-              <a:t>BERT</a:t>
-            </a:r>
-            <a:r>
-              <a:rPr lang="ja-JP" altLang="en-US" sz="1800" dirty="0">
-                <a:effectLst/>
-                <a:latin typeface="Malgun Gothic" panose="020B0503020000020004" pitchFamily="50" charset="-127"/>
-                <a:ea typeface="Malgun Gothic" panose="020B0503020000020004" pitchFamily="50" charset="-127"/>
-              </a:rPr>
-              <a:t>は</a:t>
-            </a:r>
-            <a:r>
-              <a:rPr lang="en-US" altLang="ja-JP" sz="1800" dirty="0">
-                <a:effectLst/>
-                <a:latin typeface="Malgun Gothic" panose="020B0503020000020004" pitchFamily="50" charset="-127"/>
-                <a:ea typeface="Malgun Gothic" panose="020B0503020000020004" pitchFamily="50" charset="-127"/>
-              </a:rPr>
-              <a:t>Transformer</a:t>
-            </a:r>
-            <a:r>
-              <a:rPr lang="ja-JP" altLang="en-US" sz="1800" dirty="0">
-                <a:effectLst/>
-                <a:latin typeface="Malgun Gothic" panose="020B0503020000020004" pitchFamily="50" charset="-127"/>
-                <a:ea typeface="Malgun Gothic" panose="020B0503020000020004" pitchFamily="50" charset="-127"/>
-              </a:rPr>
-              <a:t>の</a:t>
-            </a:r>
-            <a:r>
-              <a:rPr lang="en-US" altLang="ja-JP" sz="1800" dirty="0" err="1">
-                <a:effectLst/>
-                <a:latin typeface="Malgun Gothic" panose="020B0503020000020004" pitchFamily="50" charset="-127"/>
-                <a:ea typeface="Malgun Gothic" panose="020B0503020000020004" pitchFamily="50" charset="-127"/>
-              </a:rPr>
-              <a:t>Encorder</a:t>
-            </a:r>
-            <a:r>
-              <a:rPr lang="ja-JP" altLang="en-US" sz="1800" dirty="0">
-                <a:effectLst/>
-                <a:latin typeface="Malgun Gothic" panose="020B0503020000020004" pitchFamily="50" charset="-127"/>
-                <a:ea typeface="Malgun Gothic" panose="020B0503020000020004" pitchFamily="50" charset="-127"/>
-              </a:rPr>
-              <a:t>の部分、</a:t>
-            </a:r>
-            <a:r>
-              <a:rPr lang="en-US" altLang="ja-JP" sz="1800" dirty="0">
-                <a:effectLst/>
-                <a:latin typeface="Malgun Gothic" panose="020B0503020000020004" pitchFamily="50" charset="-127"/>
-                <a:ea typeface="Malgun Gothic" panose="020B0503020000020004" pitchFamily="50" charset="-127"/>
-              </a:rPr>
-              <a:t>GPT</a:t>
-            </a:r>
-            <a:r>
-              <a:rPr lang="ja-JP" altLang="en-US" sz="1800" dirty="0">
-                <a:effectLst/>
-                <a:latin typeface="Malgun Gothic" panose="020B0503020000020004" pitchFamily="50" charset="-127"/>
-                <a:ea typeface="Malgun Gothic" panose="020B0503020000020004" pitchFamily="50" charset="-127"/>
-              </a:rPr>
-              <a:t>は</a:t>
-            </a:r>
-            <a:r>
-              <a:rPr lang="en-US" altLang="ja-JP" sz="1800" dirty="0" err="1">
-                <a:effectLst/>
-                <a:latin typeface="Malgun Gothic" panose="020B0503020000020004" pitchFamily="50" charset="-127"/>
-                <a:ea typeface="Malgun Gothic" panose="020B0503020000020004" pitchFamily="50" charset="-127"/>
-              </a:rPr>
-              <a:t>Decorder</a:t>
-            </a:r>
-            <a:r>
-              <a:rPr lang="ja-JP" altLang="en-US" sz="1800" dirty="0">
-                <a:effectLst/>
-                <a:latin typeface="Malgun Gothic" panose="020B0503020000020004" pitchFamily="50" charset="-127"/>
-                <a:ea typeface="Malgun Gothic" panose="020B0503020000020004" pitchFamily="50" charset="-127"/>
-              </a:rPr>
-              <a:t>の所だけを使ってトレーニングされたモデルである。</a:t>
-            </a:r>
-            <a:br>
-              <a:rPr lang="ja-JP" altLang="en-US" sz="1800" dirty="0">
-                <a:effectLst/>
-                <a:latin typeface="Malgun Gothic" panose="020B0503020000020004" pitchFamily="50" charset="-127"/>
-                <a:ea typeface="Malgun Gothic" panose="020B0503020000020004" pitchFamily="50" charset="-127"/>
-              </a:rPr>
-            </a:br>
-            <a:br>
-              <a:rPr lang="ja-JP" altLang="en-US" sz="1800" dirty="0">
-                <a:effectLst/>
-                <a:latin typeface="Malgun Gothic" panose="020B0503020000020004" pitchFamily="50" charset="-127"/>
-                <a:ea typeface="Malgun Gothic" panose="020B0503020000020004" pitchFamily="50" charset="-127"/>
-              </a:rPr>
-            </a:br>
-            <a:r>
-              <a:rPr lang="en-US" altLang="ja-JP" sz="1800" dirty="0">
-                <a:effectLst/>
-                <a:latin typeface="Malgun Gothic" panose="020B0503020000020004" pitchFamily="50" charset="-127"/>
-                <a:ea typeface="Malgun Gothic" panose="020B0503020000020004" pitchFamily="50" charset="-127"/>
-              </a:rPr>
-              <a:t>Transformer</a:t>
-            </a:r>
-            <a:r>
-              <a:rPr lang="ja-JP" altLang="en-US" sz="1800" dirty="0">
-                <a:effectLst/>
-                <a:latin typeface="Malgun Gothic" panose="020B0503020000020004" pitchFamily="50" charset="-127"/>
-                <a:ea typeface="Malgun Gothic" panose="020B0503020000020004" pitchFamily="50" charset="-127"/>
-              </a:rPr>
-              <a:t>とは、</a:t>
-            </a:r>
-            <a:r>
-              <a:rPr lang="en-US" altLang="ja-JP" sz="1800" dirty="0">
-                <a:effectLst/>
-                <a:latin typeface="Malgun Gothic" panose="020B0503020000020004" pitchFamily="50" charset="-127"/>
-                <a:ea typeface="Malgun Gothic" panose="020B0503020000020004" pitchFamily="50" charset="-127"/>
-              </a:rPr>
-              <a:t>Seq2Seq</a:t>
-            </a:r>
-            <a:r>
-              <a:rPr lang="ja-JP" altLang="en-US" sz="1800" dirty="0">
-                <a:effectLst/>
-                <a:latin typeface="Malgun Gothic" panose="020B0503020000020004" pitchFamily="50" charset="-127"/>
-                <a:ea typeface="Malgun Gothic" panose="020B0503020000020004" pitchFamily="50" charset="-127"/>
-              </a:rPr>
-              <a:t>構造を基として作られたモデルで、論文の名前からも分けれるように、</a:t>
-            </a:r>
-            <a:r>
-              <a:rPr lang="en-US" altLang="ja-JP" sz="1800" dirty="0">
-                <a:effectLst/>
-                <a:latin typeface="Malgun Gothic" panose="020B0503020000020004" pitchFamily="50" charset="-127"/>
-                <a:ea typeface="Malgun Gothic" panose="020B0503020000020004" pitchFamily="50" charset="-127"/>
-              </a:rPr>
-              <a:t>Attention</a:t>
-            </a:r>
-            <a:r>
-              <a:rPr lang="ja-JP" altLang="en-US" sz="1800" dirty="0">
-                <a:effectLst/>
-                <a:latin typeface="Malgun Gothic" panose="020B0503020000020004" pitchFamily="50" charset="-127"/>
-                <a:ea typeface="Malgun Gothic" panose="020B0503020000020004" pitchFamily="50" charset="-127"/>
-              </a:rPr>
-              <a:t>メカニズムを使ったモデルである。</a:t>
-            </a:r>
-            <a:br>
-              <a:rPr lang="ja-JP" altLang="en-US" sz="1800" dirty="0">
-                <a:effectLst/>
-                <a:latin typeface="Malgun Gothic" panose="020B0503020000020004" pitchFamily="50" charset="-127"/>
-                <a:ea typeface="Malgun Gothic" panose="020B0503020000020004" pitchFamily="50" charset="-127"/>
-              </a:rPr>
-            </a:br>
-            <a:br>
-              <a:rPr lang="ja-JP" altLang="en-US" sz="1800" dirty="0">
-                <a:effectLst/>
-                <a:latin typeface="Malgun Gothic" panose="020B0503020000020004" pitchFamily="50" charset="-127"/>
-                <a:ea typeface="Malgun Gothic" panose="020B0503020000020004" pitchFamily="50" charset="-127"/>
-              </a:rPr>
-            </a:br>
-            <a:r>
-              <a:rPr lang="en-US" altLang="ja-JP" sz="1800" dirty="0">
-                <a:effectLst/>
-                <a:latin typeface="Malgun Gothic" panose="020B0503020000020004" pitchFamily="50" charset="-127"/>
-                <a:ea typeface="Malgun Gothic" panose="020B0503020000020004" pitchFamily="50" charset="-127"/>
-              </a:rPr>
-              <a:t>Attention</a:t>
-            </a:r>
-            <a:r>
-              <a:rPr lang="ja-JP" altLang="en-US" sz="1800" dirty="0">
-                <a:effectLst/>
-                <a:latin typeface="Malgun Gothic" panose="020B0503020000020004" pitchFamily="50" charset="-127"/>
-                <a:ea typeface="Malgun Gothic" panose="020B0503020000020004" pitchFamily="50" charset="-127"/>
-              </a:rPr>
-              <a:t>メカニズムとは、単語の間の相関関係を数値化し、学習に反映することで、文章を単語の間の</a:t>
-            </a:r>
-            <a:r>
-              <a:rPr lang="en-US" altLang="ja-JP" sz="1800" dirty="0">
-                <a:effectLst/>
-                <a:latin typeface="Malgun Gothic" panose="020B0503020000020004" pitchFamily="50" charset="-127"/>
-                <a:ea typeface="Malgun Gothic" panose="020B0503020000020004" pitchFamily="50" charset="-127"/>
-              </a:rPr>
-              <a:t>Attention</a:t>
-            </a:r>
-            <a:r>
-              <a:rPr lang="ja-JP" altLang="en-US" sz="1800" dirty="0">
-                <a:effectLst/>
-                <a:latin typeface="Malgun Gothic" panose="020B0503020000020004" pitchFamily="50" charset="-127"/>
-                <a:ea typeface="Malgun Gothic" panose="020B0503020000020004" pitchFamily="50" charset="-127"/>
-              </a:rPr>
-              <a:t>達の集まりとしてあつかうようになり、より正確で自然に自然語の処理ができるようにしたメカニズムである。</a:t>
-            </a:r>
-            <a:br>
-              <a:rPr lang="ja-JP" altLang="en-US" sz="1800" dirty="0">
-                <a:effectLst/>
-                <a:latin typeface="Malgun Gothic" panose="020B0503020000020004" pitchFamily="50" charset="-127"/>
-                <a:ea typeface="Malgun Gothic" panose="020B0503020000020004" pitchFamily="50" charset="-127"/>
-              </a:rPr>
-            </a:br>
-            <a:br>
-              <a:rPr lang="ja-JP" altLang="en-US" sz="1800" dirty="0">
-                <a:effectLst/>
-                <a:latin typeface="Malgun Gothic" panose="020B0503020000020004" pitchFamily="50" charset="-127"/>
-                <a:ea typeface="Malgun Gothic" panose="020B0503020000020004" pitchFamily="50" charset="-127"/>
-              </a:rPr>
-            </a:br>
-            <a:r>
-              <a:rPr lang="en-US" altLang="ja-JP" sz="1800" dirty="0">
-                <a:effectLst/>
-                <a:latin typeface="Malgun Gothic" panose="020B0503020000020004" pitchFamily="50" charset="-127"/>
-                <a:ea typeface="Malgun Gothic" panose="020B0503020000020004" pitchFamily="50" charset="-127"/>
-              </a:rPr>
-              <a:t>BERT</a:t>
-            </a:r>
-            <a:r>
-              <a:rPr lang="ja-JP" altLang="en-US" sz="1800" dirty="0">
-                <a:effectLst/>
-                <a:latin typeface="Malgun Gothic" panose="020B0503020000020004" pitchFamily="50" charset="-127"/>
-                <a:ea typeface="Malgun Gothic" panose="020B0503020000020004" pitchFamily="50" charset="-127"/>
-              </a:rPr>
-              <a:t>は</a:t>
-            </a:r>
-            <a:r>
-              <a:rPr lang="en-US" altLang="ja-JP" sz="1800" dirty="0">
-                <a:effectLst/>
-                <a:latin typeface="Malgun Gothic" panose="020B0503020000020004" pitchFamily="50" charset="-127"/>
-                <a:ea typeface="Malgun Gothic" panose="020B0503020000020004" pitchFamily="50" charset="-127"/>
-              </a:rPr>
-              <a:t>Attention</a:t>
-            </a:r>
-            <a:r>
-              <a:rPr lang="ja-JP" altLang="en-US" sz="1800" dirty="0">
-                <a:effectLst/>
-                <a:latin typeface="Malgun Gothic" panose="020B0503020000020004" pitchFamily="50" charset="-127"/>
-                <a:ea typeface="Malgun Gothic" panose="020B0503020000020004" pitchFamily="50" charset="-127"/>
-              </a:rPr>
-              <a:t>の参照の方向が</a:t>
-            </a:r>
-            <a:r>
-              <a:rPr lang="en-US" altLang="ja-JP" sz="1800" dirty="0">
-                <a:effectLst/>
-                <a:latin typeface="Malgun Gothic" panose="020B0503020000020004" pitchFamily="50" charset="-127"/>
-                <a:ea typeface="Malgun Gothic" panose="020B0503020000020004" pitchFamily="50" charset="-127"/>
-              </a:rPr>
-              <a:t>Bi-directional</a:t>
-            </a:r>
-            <a:r>
-              <a:rPr lang="ja-JP" altLang="en-US" sz="1800" dirty="0">
-                <a:effectLst/>
-                <a:latin typeface="Malgun Gothic" panose="020B0503020000020004" pitchFamily="50" charset="-127"/>
-                <a:ea typeface="Malgun Gothic" panose="020B0503020000020004" pitchFamily="50" charset="-127"/>
-              </a:rPr>
-              <a:t>であるため、情報量が多く、より優れている性能を見せるが、文章の生成は片方から反対の方にされるので、文章の生成には使うことが出来ず、</a:t>
-            </a:r>
-            <a:r>
-              <a:rPr lang="en-US" altLang="ja-JP" sz="1800" dirty="0">
-                <a:effectLst/>
-                <a:latin typeface="Malgun Gothic" panose="020B0503020000020004" pitchFamily="50" charset="-127"/>
-                <a:ea typeface="Malgun Gothic" panose="020B0503020000020004" pitchFamily="50" charset="-127"/>
-              </a:rPr>
-              <a:t>Uni-directional</a:t>
-            </a:r>
-            <a:r>
-              <a:rPr lang="ja-JP" altLang="en-US" sz="1800" dirty="0">
-                <a:effectLst/>
-                <a:latin typeface="Malgun Gothic" panose="020B0503020000020004" pitchFamily="50" charset="-127"/>
-                <a:ea typeface="Malgun Gothic" panose="020B0503020000020004" pitchFamily="50" charset="-127"/>
-              </a:rPr>
-              <a:t>である</a:t>
-            </a:r>
-            <a:r>
-              <a:rPr lang="en-US" altLang="ja-JP" sz="1800" dirty="0">
-                <a:effectLst/>
-                <a:latin typeface="Malgun Gothic" panose="020B0503020000020004" pitchFamily="50" charset="-127"/>
-                <a:ea typeface="Malgun Gothic" panose="020B0503020000020004" pitchFamily="50" charset="-127"/>
-              </a:rPr>
-              <a:t>GPT</a:t>
-            </a:r>
-            <a:r>
-              <a:rPr lang="ja-JP" altLang="en-US" sz="1800" dirty="0">
-                <a:effectLst/>
-                <a:latin typeface="Malgun Gothic" panose="020B0503020000020004" pitchFamily="50" charset="-127"/>
-                <a:ea typeface="Malgun Gothic" panose="020B0503020000020004" pitchFamily="50" charset="-127"/>
-              </a:rPr>
-              <a:t>が文章とかの生成には使われる。</a:t>
-            </a:r>
-            <a:endParaRPr lang="ko-KR" altLang="en-US" dirty="0"/>
-          </a:p>
-        </p:txBody>
-      </p:sp>
-      <p:sp>
-        <p:nvSpPr>
-          <p:cNvPr id="4" name="슬라이드 번호 개체 틀 3"/>
+              <a:rPr kumimoji="1" lang="ja-JP" altLang="en-US" dirty="0"/>
+              <a:t>を用いてモデルを作り、研究をしていきたいと思っております。</a:t>
+            </a:r>
+            <a:endParaRPr kumimoji="1" lang="en-US" altLang="ja-JP" dirty="0"/>
+          </a:p>
+        </p:txBody>
+      </p:sp>
+      <p:sp>
+        <p:nvSpPr>
+          <p:cNvPr id="4" name="スライド番号プレースホルダー 3"/>
           <p:cNvSpPr>
             <a:spLocks noGrp="1"/>
           </p:cNvSpPr>
@@ -1663,7 +1309,7 @@
             <a:fld id="{228B34ED-4CDD-41C9-90F7-D768D5559A6F}" type="slidenum">
               <a:rPr lang="en-US" altLang="ja-JP" smtClean="0"/>
               <a:pPr/>
-              <a:t>5</a:t>
+              <a:t>4</a:t>
             </a:fld>
             <a:endParaRPr lang="ja-JP" altLang="en-US">
               <a:latin typeface="Meiryo UI" panose="020B0604030504040204" pitchFamily="50" charset="-128"/>
@@ -1675,7 +1321,7 @@
     </p:spTree>
     <p:extLst>
       <p:ext uri="{BB962C8B-B14F-4D97-AF65-F5344CB8AC3E}">
-        <p14:creationId xmlns:p14="http://schemas.microsoft.com/office/powerpoint/2010/main" val="3433084589"/>
+        <p14:creationId xmlns:p14="http://schemas.microsoft.com/office/powerpoint/2010/main" val="827691350"/>
       </p:ext>
     </p:extLst>
   </p:cSld>
@@ -1704,7 +1350,7 @@
       </p:grpSpPr>
       <p:sp>
         <p:nvSpPr>
-          <p:cNvPr id="2" name="スライド イメージ プレースホルダー 1"/>
+          <p:cNvPr id="2" name="슬라이드 이미지 개체 틀 1"/>
           <p:cNvSpPr>
             <a:spLocks noGrp="1" noRot="1" noChangeAspect="1"/>
           </p:cNvSpPr>
@@ -1716,7 +1362,7 @@
       </p:sp>
       <p:sp>
         <p:nvSpPr>
-          <p:cNvPr id="3" name="ノート プレースホルダー 2"/>
+          <p:cNvPr id="3" name="슬라이드 노트 개체 틀 2"/>
           <p:cNvSpPr>
             <a:spLocks noGrp="1"/>
           </p:cNvSpPr>
@@ -1729,13 +1375,560 @@
           <a:bodyPr/>
           <a:lstStyle/>
           <a:p>
-            <a:endParaRPr kumimoji="1" lang="ja-JP" altLang="en-US"/>
-          </a:p>
-        </p:txBody>
-      </p:sp>
-      <p:sp>
-        <p:nvSpPr>
-          <p:cNvPr id="4" name="スライド番号プレースホルダー 3"/>
+            <a:r>
+              <a:rPr lang="en-US" altLang="ja-JP" sz="1800" dirty="0">
+                <a:effectLst/>
+                <a:latin typeface="Malgun Gothic" panose="020B0503020000020004" pitchFamily="50" charset="-127"/>
+                <a:ea typeface="Malgun Gothic" panose="020B0503020000020004" pitchFamily="50" charset="-127"/>
+              </a:rPr>
+              <a:t>BART</a:t>
+            </a:r>
+            <a:r>
+              <a:rPr lang="ja-JP" altLang="en-US" sz="1800" dirty="0">
+                <a:effectLst/>
+                <a:latin typeface="Malgun Gothic" panose="020B0503020000020004" pitchFamily="50" charset="-127"/>
+                <a:ea typeface="Malgun Gothic" panose="020B0503020000020004" pitchFamily="50" charset="-127"/>
+              </a:rPr>
+              <a:t>とは、</a:t>
+            </a:r>
+            <a:r>
+              <a:rPr lang="en-US" altLang="ja-JP" sz="1800" dirty="0">
+                <a:effectLst/>
+                <a:latin typeface="Malgun Gothic" panose="020B0503020000020004" pitchFamily="50" charset="-127"/>
+                <a:ea typeface="Malgun Gothic" panose="020B0503020000020004" pitchFamily="50" charset="-127"/>
+              </a:rPr>
+              <a:t>Seq2Seq</a:t>
+            </a:r>
+            <a:r>
+              <a:rPr lang="ja-JP" altLang="en-US" sz="1800" dirty="0">
+                <a:effectLst/>
+                <a:latin typeface="Malgun Gothic" panose="020B0503020000020004" pitchFamily="50" charset="-127"/>
+                <a:ea typeface="Malgun Gothic" panose="020B0503020000020004" pitchFamily="50" charset="-127"/>
+              </a:rPr>
+              <a:t>構想を基に作られた</a:t>
+            </a:r>
+            <a:r>
+              <a:rPr lang="en-US" altLang="ja-JP" sz="1800" dirty="0">
+                <a:effectLst/>
+                <a:latin typeface="Malgun Gothic" panose="020B0503020000020004" pitchFamily="50" charset="-127"/>
+                <a:ea typeface="Malgun Gothic" panose="020B0503020000020004" pitchFamily="50" charset="-127"/>
+              </a:rPr>
+              <a:t>Transformer</a:t>
+            </a:r>
+            <a:r>
+              <a:rPr lang="ja-JP" altLang="en-US" sz="1800" dirty="0">
+                <a:effectLst/>
+                <a:latin typeface="Malgun Gothic" panose="020B0503020000020004" pitchFamily="50" charset="-127"/>
+                <a:ea typeface="Malgun Gothic" panose="020B0503020000020004" pitchFamily="50" charset="-127"/>
+              </a:rPr>
+              <a:t>モデルを事前学習させるための </a:t>
+            </a:r>
+            <a:r>
+              <a:rPr lang="en-US" altLang="ja-JP" sz="1800" dirty="0">
+                <a:effectLst/>
+                <a:latin typeface="Malgun Gothic" panose="020B0503020000020004" pitchFamily="50" charset="-127"/>
+                <a:ea typeface="Malgun Gothic" panose="020B0503020000020004" pitchFamily="50" charset="-127"/>
+              </a:rPr>
+              <a:t>Denoising autoencoder</a:t>
+            </a:r>
+            <a:r>
+              <a:rPr lang="ja-JP" altLang="en-US" sz="1800" dirty="0">
+                <a:effectLst/>
+                <a:latin typeface="Malgun Gothic" panose="020B0503020000020004" pitchFamily="50" charset="-127"/>
+                <a:ea typeface="Malgun Gothic" panose="020B0503020000020004" pitchFamily="50" charset="-127"/>
+              </a:rPr>
+              <a:t>である。</a:t>
+            </a:r>
+            <a:br>
+              <a:rPr lang="ja-JP" altLang="en-US" sz="1800" dirty="0">
+                <a:effectLst/>
+                <a:latin typeface="Malgun Gothic" panose="020B0503020000020004" pitchFamily="50" charset="-127"/>
+                <a:ea typeface="Malgun Gothic" panose="020B0503020000020004" pitchFamily="50" charset="-127"/>
+              </a:rPr>
+            </a:br>
+            <a:r>
+              <a:rPr lang="en-US" altLang="ja-JP" sz="1800" dirty="0">
+                <a:effectLst/>
+                <a:latin typeface="Malgun Gothic" panose="020B0503020000020004" pitchFamily="50" charset="-127"/>
+                <a:ea typeface="Malgun Gothic" panose="020B0503020000020004" pitchFamily="50" charset="-127"/>
+              </a:rPr>
+              <a:t>BART</a:t>
+            </a:r>
+            <a:r>
+              <a:rPr lang="ja-JP" altLang="en-US" sz="1800" dirty="0">
+                <a:effectLst/>
+                <a:latin typeface="Malgun Gothic" panose="020B0503020000020004" pitchFamily="50" charset="-127"/>
+                <a:ea typeface="Malgun Gothic" panose="020B0503020000020004" pitchFamily="50" charset="-127"/>
+              </a:rPr>
+              <a:t>は任意の </a:t>
+            </a:r>
+            <a:r>
+              <a:rPr lang="en-US" altLang="ja-JP" sz="1800" dirty="0">
+                <a:effectLst/>
+                <a:latin typeface="Malgun Gothic" panose="020B0503020000020004" pitchFamily="50" charset="-127"/>
+                <a:ea typeface="Malgun Gothic" panose="020B0503020000020004" pitchFamily="50" charset="-127"/>
+              </a:rPr>
+              <a:t>noising </a:t>
+            </a:r>
+            <a:r>
+              <a:rPr lang="en-US" altLang="ja-JP" sz="1800" dirty="0" err="1">
+                <a:effectLst/>
+                <a:latin typeface="Malgun Gothic" panose="020B0503020000020004" pitchFamily="50" charset="-127"/>
+                <a:ea typeface="Malgun Gothic" panose="020B0503020000020004" pitchFamily="50" charset="-127"/>
+              </a:rPr>
+              <a:t>fuction</a:t>
+            </a:r>
+            <a:r>
+              <a:rPr lang="ja-JP" altLang="en-US" sz="1800" dirty="0">
+                <a:effectLst/>
+                <a:latin typeface="Malgun Gothic" panose="020B0503020000020004" pitchFamily="50" charset="-127"/>
+                <a:ea typeface="Malgun Gothic" panose="020B0503020000020004" pitchFamily="50" charset="-127"/>
+              </a:rPr>
+              <a:t>でテキストを変形させ、元に復元するようにモデルを学習させるようになっている。</a:t>
+            </a:r>
+            <a:br>
+              <a:rPr lang="ja-JP" altLang="en-US" sz="1800" dirty="0">
+                <a:effectLst/>
+                <a:latin typeface="Malgun Gothic" panose="020B0503020000020004" pitchFamily="50" charset="-127"/>
+                <a:ea typeface="Malgun Gothic" panose="020B0503020000020004" pitchFamily="50" charset="-127"/>
+              </a:rPr>
+            </a:br>
+            <a:br>
+              <a:rPr lang="ja-JP" altLang="en-US" sz="1800" dirty="0">
+                <a:effectLst/>
+                <a:latin typeface="Malgun Gothic" panose="020B0503020000020004" pitchFamily="50" charset="-127"/>
+                <a:ea typeface="Malgun Gothic" panose="020B0503020000020004" pitchFamily="50" charset="-127"/>
+              </a:rPr>
+            </a:br>
+            <a:r>
+              <a:rPr lang="en-US" altLang="ja-JP" sz="1800" dirty="0">
+                <a:effectLst/>
+                <a:latin typeface="Malgun Gothic" panose="020B0503020000020004" pitchFamily="50" charset="-127"/>
+                <a:ea typeface="Malgun Gothic" panose="020B0503020000020004" pitchFamily="50" charset="-127"/>
+              </a:rPr>
+              <a:t>BART</a:t>
+            </a:r>
+            <a:r>
+              <a:rPr lang="ja-JP" altLang="en-US" sz="1800" dirty="0">
+                <a:effectLst/>
+                <a:latin typeface="Malgun Gothic" panose="020B0503020000020004" pitchFamily="50" charset="-127"/>
+                <a:ea typeface="Malgun Gothic" panose="020B0503020000020004" pitchFamily="50" charset="-127"/>
+              </a:rPr>
+              <a:t>は、</a:t>
+            </a:r>
+            <a:r>
+              <a:rPr lang="en-US" altLang="ja-JP" sz="1800" dirty="0">
+                <a:effectLst/>
+                <a:latin typeface="Malgun Gothic" panose="020B0503020000020004" pitchFamily="50" charset="-127"/>
+                <a:ea typeface="Malgun Gothic" panose="020B0503020000020004" pitchFamily="50" charset="-127"/>
+              </a:rPr>
+              <a:t>BERT</a:t>
+            </a:r>
+            <a:r>
+              <a:rPr lang="ja-JP" altLang="en-US" sz="1800" dirty="0">
+                <a:effectLst/>
+                <a:latin typeface="Malgun Gothic" panose="020B0503020000020004" pitchFamily="50" charset="-127"/>
+                <a:ea typeface="Malgun Gothic" panose="020B0503020000020004" pitchFamily="50" charset="-127"/>
+              </a:rPr>
+              <a:t>と</a:t>
+            </a:r>
+            <a:r>
+              <a:rPr lang="en-US" altLang="ja-JP" sz="1800" dirty="0">
+                <a:effectLst/>
+                <a:latin typeface="Malgun Gothic" panose="020B0503020000020004" pitchFamily="50" charset="-127"/>
+                <a:ea typeface="Malgun Gothic" panose="020B0503020000020004" pitchFamily="50" charset="-127"/>
+              </a:rPr>
+              <a:t>GPT</a:t>
+            </a:r>
+            <a:r>
+              <a:rPr lang="ja-JP" altLang="en-US" sz="1800" dirty="0">
+                <a:effectLst/>
+                <a:latin typeface="Malgun Gothic" panose="020B0503020000020004" pitchFamily="50" charset="-127"/>
+                <a:ea typeface="Malgun Gothic" panose="020B0503020000020004" pitchFamily="50" charset="-127"/>
+              </a:rPr>
+              <a:t>というモデルをそれぞれ</a:t>
+            </a:r>
+            <a:r>
+              <a:rPr lang="en-US" altLang="ja-JP" sz="1800" dirty="0">
+                <a:effectLst/>
+                <a:latin typeface="Malgun Gothic" panose="020B0503020000020004" pitchFamily="50" charset="-127"/>
+                <a:ea typeface="Malgun Gothic" panose="020B0503020000020004" pitchFamily="50" charset="-127"/>
+              </a:rPr>
+              <a:t>Encoder, Decoder</a:t>
+            </a:r>
+            <a:r>
+              <a:rPr lang="ja-JP" altLang="en-US" sz="1800" dirty="0">
+                <a:effectLst/>
+                <a:latin typeface="Malgun Gothic" panose="020B0503020000020004" pitchFamily="50" charset="-127"/>
+                <a:ea typeface="Malgun Gothic" panose="020B0503020000020004" pitchFamily="50" charset="-127"/>
+              </a:rPr>
+              <a:t>として合わせて作られたモデルである。</a:t>
+            </a:r>
+            <a:endParaRPr lang="en-US" altLang="ja-JP" sz="1800" dirty="0">
+              <a:effectLst/>
+              <a:latin typeface="Malgun Gothic" panose="020B0503020000020004" pitchFamily="50" charset="-127"/>
+              <a:ea typeface="Malgun Gothic" panose="020B0503020000020004" pitchFamily="50" charset="-127"/>
+            </a:endParaRPr>
+          </a:p>
+          <a:p>
+            <a:r>
+              <a:rPr lang="en-US" altLang="ja-JP" sz="1800" dirty="0">
+                <a:effectLst/>
+                <a:latin typeface="Malgun Gothic" panose="020B0503020000020004" pitchFamily="50" charset="-127"/>
+                <a:ea typeface="Malgun Gothic" panose="020B0503020000020004" pitchFamily="50" charset="-127"/>
+              </a:rPr>
+              <a:t>BERT </a:t>
+            </a:r>
+            <a:r>
+              <a:rPr lang="ja-JP" altLang="en-US" sz="1800" dirty="0">
+                <a:effectLst/>
+                <a:latin typeface="Malgun Gothic" panose="020B0503020000020004" pitchFamily="50" charset="-127"/>
+                <a:ea typeface="Malgun Gothic" panose="020B0503020000020004" pitchFamily="50" charset="-127"/>
+              </a:rPr>
+              <a:t>と </a:t>
+            </a:r>
+            <a:r>
+              <a:rPr lang="en-US" altLang="ja-JP" sz="1800" dirty="0">
+                <a:effectLst/>
+                <a:latin typeface="Malgun Gothic" panose="020B0503020000020004" pitchFamily="50" charset="-127"/>
+                <a:ea typeface="Malgun Gothic" panose="020B0503020000020004" pitchFamily="50" charset="-127"/>
+              </a:rPr>
+              <a:t>GPT</a:t>
+            </a:r>
+            <a:r>
+              <a:rPr lang="ja-JP" altLang="en-US" sz="1800" dirty="0">
+                <a:effectLst/>
+                <a:latin typeface="Malgun Gothic" panose="020B0503020000020004" pitchFamily="50" charset="-127"/>
+                <a:ea typeface="Malgun Gothic" panose="020B0503020000020004" pitchFamily="50" charset="-127"/>
+              </a:rPr>
+              <a:t>両方共、</a:t>
+            </a:r>
+            <a:r>
+              <a:rPr lang="en-US" altLang="ja-JP" sz="1800" dirty="0">
+                <a:effectLst/>
+                <a:latin typeface="Malgun Gothic" panose="020B0503020000020004" pitchFamily="50" charset="-127"/>
+                <a:ea typeface="Malgun Gothic" panose="020B0503020000020004" pitchFamily="50" charset="-127"/>
+              </a:rPr>
+              <a:t>Transformer</a:t>
+            </a:r>
+            <a:r>
+              <a:rPr lang="ja-JP" altLang="en-US" sz="1800" dirty="0">
+                <a:effectLst/>
+                <a:latin typeface="Malgun Gothic" panose="020B0503020000020004" pitchFamily="50" charset="-127"/>
+                <a:ea typeface="Malgun Gothic" panose="020B0503020000020004" pitchFamily="50" charset="-127"/>
+              </a:rPr>
+              <a:t>から出てるもので、</a:t>
+            </a:r>
+            <a:endParaRPr lang="en-US" altLang="ja-JP" sz="1800" dirty="0">
+              <a:effectLst/>
+              <a:latin typeface="Malgun Gothic" panose="020B0503020000020004" pitchFamily="50" charset="-127"/>
+              <a:ea typeface="Malgun Gothic" panose="020B0503020000020004" pitchFamily="50" charset="-127"/>
+            </a:endParaRPr>
+          </a:p>
+          <a:p>
+            <a:r>
+              <a:rPr lang="en-US" altLang="ja-JP" sz="1800" dirty="0">
+                <a:effectLst/>
+                <a:latin typeface="Malgun Gothic" panose="020B0503020000020004" pitchFamily="50" charset="-127"/>
+                <a:ea typeface="Malgun Gothic" panose="020B0503020000020004" pitchFamily="50" charset="-127"/>
+              </a:rPr>
+              <a:t>BERT</a:t>
+            </a:r>
+            <a:r>
+              <a:rPr lang="ja-JP" altLang="en-US" sz="1800" dirty="0">
+                <a:effectLst/>
+                <a:latin typeface="Malgun Gothic" panose="020B0503020000020004" pitchFamily="50" charset="-127"/>
+                <a:ea typeface="Malgun Gothic" panose="020B0503020000020004" pitchFamily="50" charset="-127"/>
+              </a:rPr>
+              <a:t>は</a:t>
+            </a:r>
+            <a:r>
+              <a:rPr lang="en-US" altLang="ja-JP" sz="1800" dirty="0">
+                <a:effectLst/>
+                <a:latin typeface="Malgun Gothic" panose="020B0503020000020004" pitchFamily="50" charset="-127"/>
+                <a:ea typeface="Malgun Gothic" panose="020B0503020000020004" pitchFamily="50" charset="-127"/>
+              </a:rPr>
+              <a:t>Transformer</a:t>
+            </a:r>
+            <a:r>
+              <a:rPr lang="ja-JP" altLang="en-US" sz="1800" dirty="0">
+                <a:effectLst/>
+                <a:latin typeface="Malgun Gothic" panose="020B0503020000020004" pitchFamily="50" charset="-127"/>
+                <a:ea typeface="Malgun Gothic" panose="020B0503020000020004" pitchFamily="50" charset="-127"/>
+              </a:rPr>
+              <a:t>の</a:t>
+            </a:r>
+            <a:r>
+              <a:rPr lang="en-US" altLang="ja-JP" sz="1800" dirty="0" err="1">
+                <a:effectLst/>
+                <a:latin typeface="Malgun Gothic" panose="020B0503020000020004" pitchFamily="50" charset="-127"/>
+                <a:ea typeface="Malgun Gothic" panose="020B0503020000020004" pitchFamily="50" charset="-127"/>
+              </a:rPr>
+              <a:t>Encorder</a:t>
+            </a:r>
+            <a:r>
+              <a:rPr lang="ja-JP" altLang="en-US" sz="1800" dirty="0">
+                <a:effectLst/>
+                <a:latin typeface="Malgun Gothic" panose="020B0503020000020004" pitchFamily="50" charset="-127"/>
+                <a:ea typeface="Malgun Gothic" panose="020B0503020000020004" pitchFamily="50" charset="-127"/>
+              </a:rPr>
+              <a:t>の部分、</a:t>
+            </a:r>
+            <a:r>
+              <a:rPr lang="en-US" altLang="ja-JP" sz="1800" dirty="0">
+                <a:effectLst/>
+                <a:latin typeface="Malgun Gothic" panose="020B0503020000020004" pitchFamily="50" charset="-127"/>
+                <a:ea typeface="Malgun Gothic" panose="020B0503020000020004" pitchFamily="50" charset="-127"/>
+              </a:rPr>
+              <a:t>GPT</a:t>
+            </a:r>
+            <a:r>
+              <a:rPr lang="ja-JP" altLang="en-US" sz="1800" dirty="0">
+                <a:effectLst/>
+                <a:latin typeface="Malgun Gothic" panose="020B0503020000020004" pitchFamily="50" charset="-127"/>
+                <a:ea typeface="Malgun Gothic" panose="020B0503020000020004" pitchFamily="50" charset="-127"/>
+              </a:rPr>
+              <a:t>は</a:t>
+            </a:r>
+            <a:r>
+              <a:rPr lang="en-US" altLang="ja-JP" sz="1800" dirty="0" err="1">
+                <a:effectLst/>
+                <a:latin typeface="Malgun Gothic" panose="020B0503020000020004" pitchFamily="50" charset="-127"/>
+                <a:ea typeface="Malgun Gothic" panose="020B0503020000020004" pitchFamily="50" charset="-127"/>
+              </a:rPr>
+              <a:t>Decorder</a:t>
+            </a:r>
+            <a:r>
+              <a:rPr lang="ja-JP" altLang="en-US" sz="1800" dirty="0">
+                <a:effectLst/>
+                <a:latin typeface="Malgun Gothic" panose="020B0503020000020004" pitchFamily="50" charset="-127"/>
+                <a:ea typeface="Malgun Gothic" panose="020B0503020000020004" pitchFamily="50" charset="-127"/>
+              </a:rPr>
+              <a:t>の所だけを使ってトレーニングされたモデルである。</a:t>
+            </a:r>
+            <a:endParaRPr lang="en-US" altLang="ja-JP" sz="1800" dirty="0">
+              <a:effectLst/>
+              <a:latin typeface="Malgun Gothic" panose="020B0503020000020004" pitchFamily="50" charset="-127"/>
+              <a:ea typeface="Malgun Gothic" panose="020B0503020000020004" pitchFamily="50" charset="-127"/>
+            </a:endParaRPr>
+          </a:p>
+          <a:p>
+            <a:r>
+              <a:rPr lang="en-US" altLang="ja-JP" sz="1800" dirty="0">
+                <a:effectLst/>
+                <a:latin typeface="Malgun Gothic" panose="020B0503020000020004" pitchFamily="50" charset="-127"/>
+                <a:ea typeface="Malgun Gothic" panose="020B0503020000020004" pitchFamily="50" charset="-127"/>
+              </a:rPr>
+              <a:t>BERT</a:t>
+            </a:r>
+            <a:r>
+              <a:rPr lang="ja-JP" altLang="en-US" sz="1800" dirty="0">
+                <a:effectLst/>
+                <a:latin typeface="Malgun Gothic" panose="020B0503020000020004" pitchFamily="50" charset="-127"/>
+                <a:ea typeface="Malgun Gothic" panose="020B0503020000020004" pitchFamily="50" charset="-127"/>
+              </a:rPr>
+              <a:t>は</a:t>
+            </a:r>
+            <a:r>
+              <a:rPr lang="en-US" altLang="ja-JP" sz="1800" dirty="0">
+                <a:effectLst/>
+                <a:latin typeface="Malgun Gothic" panose="020B0503020000020004" pitchFamily="50" charset="-127"/>
+                <a:ea typeface="Malgun Gothic" panose="020B0503020000020004" pitchFamily="50" charset="-127"/>
+              </a:rPr>
+              <a:t>Attention</a:t>
+            </a:r>
+            <a:r>
+              <a:rPr lang="ja-JP" altLang="en-US" sz="1800" dirty="0">
+                <a:effectLst/>
+                <a:latin typeface="Malgun Gothic" panose="020B0503020000020004" pitchFamily="50" charset="-127"/>
+                <a:ea typeface="Malgun Gothic" panose="020B0503020000020004" pitchFamily="50" charset="-127"/>
+              </a:rPr>
+              <a:t>の参照の方向が</a:t>
+            </a:r>
+            <a:r>
+              <a:rPr lang="en-US" altLang="ja-JP" sz="1800" dirty="0">
+                <a:effectLst/>
+                <a:latin typeface="Malgun Gothic" panose="020B0503020000020004" pitchFamily="50" charset="-127"/>
+                <a:ea typeface="Malgun Gothic" panose="020B0503020000020004" pitchFamily="50" charset="-127"/>
+              </a:rPr>
+              <a:t>Bi-directional</a:t>
+            </a:r>
+            <a:r>
+              <a:rPr lang="ja-JP" altLang="en-US" sz="1800" dirty="0">
+                <a:effectLst/>
+                <a:latin typeface="Malgun Gothic" panose="020B0503020000020004" pitchFamily="50" charset="-127"/>
+                <a:ea typeface="Malgun Gothic" panose="020B0503020000020004" pitchFamily="50" charset="-127"/>
+              </a:rPr>
+              <a:t>であるため、情報量が多く、より優れている性能を見せるが、文章の生成は片方から反対の方にされるので、文章の生成には使うことが出来ず、</a:t>
+            </a:r>
+            <a:endParaRPr lang="en-US" altLang="ja-JP" sz="1800" dirty="0">
+              <a:effectLst/>
+              <a:latin typeface="Malgun Gothic" panose="020B0503020000020004" pitchFamily="50" charset="-127"/>
+              <a:ea typeface="Malgun Gothic" panose="020B0503020000020004" pitchFamily="50" charset="-127"/>
+            </a:endParaRPr>
+          </a:p>
+          <a:p>
+            <a:r>
+              <a:rPr lang="en-US" altLang="ja-JP" sz="1800" dirty="0">
+                <a:effectLst/>
+                <a:latin typeface="Malgun Gothic" panose="020B0503020000020004" pitchFamily="50" charset="-127"/>
+                <a:ea typeface="Malgun Gothic" panose="020B0503020000020004" pitchFamily="50" charset="-127"/>
+              </a:rPr>
+              <a:t>Uni-directional</a:t>
+            </a:r>
+            <a:r>
+              <a:rPr lang="ja-JP" altLang="en-US" sz="1800" dirty="0">
+                <a:effectLst/>
+                <a:latin typeface="Malgun Gothic" panose="020B0503020000020004" pitchFamily="50" charset="-127"/>
+                <a:ea typeface="Malgun Gothic" panose="020B0503020000020004" pitchFamily="50" charset="-127"/>
+              </a:rPr>
+              <a:t>である</a:t>
+            </a:r>
+            <a:r>
+              <a:rPr lang="en-US" altLang="ja-JP" sz="1800" dirty="0">
+                <a:effectLst/>
+                <a:latin typeface="Malgun Gothic" panose="020B0503020000020004" pitchFamily="50" charset="-127"/>
+                <a:ea typeface="Malgun Gothic" panose="020B0503020000020004" pitchFamily="50" charset="-127"/>
+              </a:rPr>
+              <a:t>GPT</a:t>
+            </a:r>
+            <a:r>
+              <a:rPr lang="ja-JP" altLang="en-US" sz="1800" dirty="0">
+                <a:effectLst/>
+                <a:latin typeface="Malgun Gothic" panose="020B0503020000020004" pitchFamily="50" charset="-127"/>
+                <a:ea typeface="Malgun Gothic" panose="020B0503020000020004" pitchFamily="50" charset="-127"/>
+              </a:rPr>
+              <a:t>が文章とかの生成には使われる。</a:t>
+            </a:r>
+            <a:br>
+              <a:rPr lang="ja-JP" altLang="en-US" sz="1800" dirty="0">
+                <a:effectLst/>
+                <a:latin typeface="Malgun Gothic" panose="020B0503020000020004" pitchFamily="50" charset="-127"/>
+                <a:ea typeface="Malgun Gothic" panose="020B0503020000020004" pitchFamily="50" charset="-127"/>
+              </a:rPr>
+            </a:br>
+            <a:br>
+              <a:rPr lang="ja-JP" altLang="en-US" sz="1800" dirty="0">
+                <a:effectLst/>
+                <a:latin typeface="Malgun Gothic" panose="020B0503020000020004" pitchFamily="50" charset="-127"/>
+                <a:ea typeface="Malgun Gothic" panose="020B0503020000020004" pitchFamily="50" charset="-127"/>
+              </a:rPr>
+            </a:br>
+            <a:r>
+              <a:rPr lang="en-US" altLang="ja-JP" sz="1800" dirty="0">
+                <a:effectLst/>
+                <a:latin typeface="Malgun Gothic" panose="020B0503020000020004" pitchFamily="50" charset="-127"/>
+                <a:ea typeface="Malgun Gothic" panose="020B0503020000020004" pitchFamily="50" charset="-127"/>
+              </a:rPr>
+              <a:t>//Transformer</a:t>
+            </a:r>
+            <a:r>
+              <a:rPr lang="ja-JP" altLang="en-US" sz="1800" dirty="0">
+                <a:effectLst/>
+                <a:latin typeface="Malgun Gothic" panose="020B0503020000020004" pitchFamily="50" charset="-127"/>
+                <a:ea typeface="Malgun Gothic" panose="020B0503020000020004" pitchFamily="50" charset="-127"/>
+              </a:rPr>
+              <a:t>とは、</a:t>
+            </a:r>
+            <a:r>
+              <a:rPr lang="en-US" altLang="ja-JP" sz="1800" dirty="0">
+                <a:effectLst/>
+                <a:latin typeface="Malgun Gothic" panose="020B0503020000020004" pitchFamily="50" charset="-127"/>
+                <a:ea typeface="Malgun Gothic" panose="020B0503020000020004" pitchFamily="50" charset="-127"/>
+              </a:rPr>
+              <a:t>Seq2Seq</a:t>
+            </a:r>
+            <a:r>
+              <a:rPr lang="ja-JP" altLang="en-US" sz="1800" dirty="0">
+                <a:effectLst/>
+                <a:latin typeface="Malgun Gothic" panose="020B0503020000020004" pitchFamily="50" charset="-127"/>
+                <a:ea typeface="Malgun Gothic" panose="020B0503020000020004" pitchFamily="50" charset="-127"/>
+              </a:rPr>
+              <a:t>構造を基として作られたモデルで、論文の名前からも分けれるように、</a:t>
+            </a:r>
+            <a:r>
+              <a:rPr lang="en-US" altLang="ja-JP" sz="1800" dirty="0">
+                <a:effectLst/>
+                <a:latin typeface="Malgun Gothic" panose="020B0503020000020004" pitchFamily="50" charset="-127"/>
+                <a:ea typeface="Malgun Gothic" panose="020B0503020000020004" pitchFamily="50" charset="-127"/>
+              </a:rPr>
+              <a:t>Attention</a:t>
+            </a:r>
+            <a:r>
+              <a:rPr lang="ja-JP" altLang="en-US" sz="1800" dirty="0">
+                <a:effectLst/>
+                <a:latin typeface="Malgun Gothic" panose="020B0503020000020004" pitchFamily="50" charset="-127"/>
+                <a:ea typeface="Malgun Gothic" panose="020B0503020000020004" pitchFamily="50" charset="-127"/>
+              </a:rPr>
+              <a:t>メカニズムを使ったモデルである。</a:t>
+            </a:r>
+            <a:br>
+              <a:rPr lang="ja-JP" altLang="en-US" sz="1800" dirty="0">
+                <a:effectLst/>
+                <a:latin typeface="Malgun Gothic" panose="020B0503020000020004" pitchFamily="50" charset="-127"/>
+                <a:ea typeface="Malgun Gothic" panose="020B0503020000020004" pitchFamily="50" charset="-127"/>
+              </a:rPr>
+            </a:br>
+            <a:br>
+              <a:rPr lang="ja-JP" altLang="en-US" sz="1800" dirty="0">
+                <a:effectLst/>
+                <a:latin typeface="Malgun Gothic" panose="020B0503020000020004" pitchFamily="50" charset="-127"/>
+                <a:ea typeface="Malgun Gothic" panose="020B0503020000020004" pitchFamily="50" charset="-127"/>
+              </a:rPr>
+            </a:br>
+            <a:r>
+              <a:rPr lang="en-US" altLang="ja-JP" sz="1800" dirty="0">
+                <a:effectLst/>
+                <a:latin typeface="Malgun Gothic" panose="020B0503020000020004" pitchFamily="50" charset="-127"/>
+                <a:ea typeface="Malgun Gothic" panose="020B0503020000020004" pitchFamily="50" charset="-127"/>
+              </a:rPr>
+              <a:t>//Attention</a:t>
+            </a:r>
+            <a:r>
+              <a:rPr lang="ja-JP" altLang="en-US" sz="1800" dirty="0">
+                <a:effectLst/>
+                <a:latin typeface="Malgun Gothic" panose="020B0503020000020004" pitchFamily="50" charset="-127"/>
+                <a:ea typeface="Malgun Gothic" panose="020B0503020000020004" pitchFamily="50" charset="-127"/>
+              </a:rPr>
+              <a:t>メカニズムとは、単語の間の相関関係を数値化し、学習に反映することで、文章を単語の間の</a:t>
+            </a:r>
+            <a:r>
+              <a:rPr lang="en-US" altLang="ja-JP" sz="1800" dirty="0">
+                <a:effectLst/>
+                <a:latin typeface="Malgun Gothic" panose="020B0503020000020004" pitchFamily="50" charset="-127"/>
+                <a:ea typeface="Malgun Gothic" panose="020B0503020000020004" pitchFamily="50" charset="-127"/>
+              </a:rPr>
+              <a:t>Attention</a:t>
+            </a:r>
+            <a:r>
+              <a:rPr lang="ja-JP" altLang="en-US" sz="1800" dirty="0">
+                <a:effectLst/>
+                <a:latin typeface="Malgun Gothic" panose="020B0503020000020004" pitchFamily="50" charset="-127"/>
+                <a:ea typeface="Malgun Gothic" panose="020B0503020000020004" pitchFamily="50" charset="-127"/>
+              </a:rPr>
+              <a:t>達の集まりとしてあつかうようになり、より正確で自然に自然語の処理ができるようにしたメカニズムである。</a:t>
+            </a:r>
+            <a:br>
+              <a:rPr lang="ja-JP" altLang="en-US" sz="1800" dirty="0">
+                <a:effectLst/>
+                <a:latin typeface="Malgun Gothic" panose="020B0503020000020004" pitchFamily="50" charset="-127"/>
+                <a:ea typeface="Malgun Gothic" panose="020B0503020000020004" pitchFamily="50" charset="-127"/>
+              </a:rPr>
+            </a:br>
+            <a:br>
+              <a:rPr lang="ja-JP" altLang="en-US" sz="1800" dirty="0">
+                <a:effectLst/>
+                <a:latin typeface="Malgun Gothic" panose="020B0503020000020004" pitchFamily="50" charset="-127"/>
+                <a:ea typeface="Malgun Gothic" panose="020B0503020000020004" pitchFamily="50" charset="-127"/>
+              </a:rPr>
+            </a:br>
+            <a:endParaRPr lang="ko-KR" altLang="en-US" dirty="0"/>
+          </a:p>
+        </p:txBody>
+      </p:sp>
+      <p:sp>
+        <p:nvSpPr>
+          <p:cNvPr id="4" name="슬라이드 번호 개체 틀 3"/>
           <p:cNvSpPr>
             <a:spLocks noGrp="1"/>
           </p:cNvSpPr>
@@ -1751,7 +1944,7 @@
             <a:fld id="{228B34ED-4CDD-41C9-90F7-D768D5559A6F}" type="slidenum">
               <a:rPr lang="en-US" altLang="ja-JP" smtClean="0"/>
               <a:pPr/>
-              <a:t>7</a:t>
+              <a:t>5</a:t>
             </a:fld>
             <a:endParaRPr lang="ja-JP" altLang="en-US">
               <a:latin typeface="Meiryo UI" panose="020B0604030504040204" pitchFamily="50" charset="-128"/>
@@ -1763,7 +1956,7 @@
     </p:spTree>
     <p:extLst>
       <p:ext uri="{BB962C8B-B14F-4D97-AF65-F5344CB8AC3E}">
-        <p14:creationId xmlns:p14="http://schemas.microsoft.com/office/powerpoint/2010/main" val="4066275204"/>
+        <p14:creationId xmlns:p14="http://schemas.microsoft.com/office/powerpoint/2010/main" val="3433084589"/>
       </p:ext>
     </p:extLst>
   </p:cSld>
@@ -1839,6 +2032,182 @@
             <a:fld id="{228B34ED-4CDD-41C9-90F7-D768D5559A6F}" type="slidenum">
               <a:rPr lang="en-US" altLang="ja-JP" smtClean="0"/>
               <a:pPr/>
+              <a:t>6</a:t>
+            </a:fld>
+            <a:endParaRPr lang="ja-JP" altLang="en-US">
+              <a:latin typeface="Meiryo UI" panose="020B0604030504040204" pitchFamily="50" charset="-128"/>
+              <a:ea typeface="Meiryo UI" panose="020B0604030504040204" pitchFamily="50" charset="-128"/>
+            </a:endParaRPr>
+          </a:p>
+        </p:txBody>
+      </p:sp>
+    </p:spTree>
+    <p:extLst>
+      <p:ext uri="{BB962C8B-B14F-4D97-AF65-F5344CB8AC3E}">
+        <p14:creationId xmlns:p14="http://schemas.microsoft.com/office/powerpoint/2010/main" val="78120525"/>
+      </p:ext>
+    </p:extLst>
+  </p:cSld>
+  <p:clrMapOvr>
+    <a:masterClrMapping/>
+  </p:clrMapOvr>
+</p:notes>
+</file>
+
+<file path=ppt/notesSlides/notesSlide7.xml><?xml version="1.0" encoding="utf-8"?>
+<p:notes xmlns:a="http://schemas.openxmlformats.org/drawingml/2006/main" xmlns:r="http://schemas.openxmlformats.org/officeDocument/2006/relationships" xmlns:p="http://schemas.openxmlformats.org/presentationml/2006/main">
+  <p:cSld>
+    <p:spTree>
+      <p:nvGrpSpPr>
+        <p:cNvPr id="1" name=""/>
+        <p:cNvGrpSpPr/>
+        <p:nvPr/>
+      </p:nvGrpSpPr>
+      <p:grpSpPr>
+        <a:xfrm>
+          <a:off x="0" y="0"/>
+          <a:ext cx="0" cy="0"/>
+          <a:chOff x="0" y="0"/>
+          <a:chExt cx="0" cy="0"/>
+        </a:xfrm>
+      </p:grpSpPr>
+      <p:sp>
+        <p:nvSpPr>
+          <p:cNvPr id="2" name="スライド イメージ プレースホルダー 1"/>
+          <p:cNvSpPr>
+            <a:spLocks noGrp="1" noRot="1" noChangeAspect="1"/>
+          </p:cNvSpPr>
+          <p:nvPr>
+            <p:ph type="sldImg"/>
+          </p:nvPr>
+        </p:nvSpPr>
+        <p:spPr/>
+      </p:sp>
+      <p:sp>
+        <p:nvSpPr>
+          <p:cNvPr id="3" name="ノート プレースホルダー 2"/>
+          <p:cNvSpPr>
+            <a:spLocks noGrp="1"/>
+          </p:cNvSpPr>
+          <p:nvPr>
+            <p:ph type="body" idx="1"/>
+          </p:nvPr>
+        </p:nvSpPr>
+        <p:spPr/>
+        <p:txBody>
+          <a:bodyPr/>
+          <a:lstStyle/>
+          <a:p>
+            <a:endParaRPr kumimoji="1" lang="ja-JP" altLang="en-US" dirty="0"/>
+          </a:p>
+        </p:txBody>
+      </p:sp>
+      <p:sp>
+        <p:nvSpPr>
+          <p:cNvPr id="4" name="スライド番号プレースホルダー 3"/>
+          <p:cNvSpPr>
+            <a:spLocks noGrp="1"/>
+          </p:cNvSpPr>
+          <p:nvPr>
+            <p:ph type="sldNum" sz="quarter" idx="5"/>
+          </p:nvPr>
+        </p:nvSpPr>
+        <p:spPr/>
+        <p:txBody>
+          <a:bodyPr/>
+          <a:lstStyle/>
+          <a:p>
+            <a:fld id="{228B34ED-4CDD-41C9-90F7-D768D5559A6F}" type="slidenum">
+              <a:rPr lang="en-US" altLang="ja-JP" smtClean="0"/>
+              <a:pPr/>
+              <a:t>7</a:t>
+            </a:fld>
+            <a:endParaRPr lang="ja-JP" altLang="en-US">
+              <a:latin typeface="Meiryo UI" panose="020B0604030504040204" pitchFamily="50" charset="-128"/>
+              <a:ea typeface="Meiryo UI" panose="020B0604030504040204" pitchFamily="50" charset="-128"/>
+            </a:endParaRPr>
+          </a:p>
+        </p:txBody>
+      </p:sp>
+    </p:spTree>
+    <p:extLst>
+      <p:ext uri="{BB962C8B-B14F-4D97-AF65-F5344CB8AC3E}">
+        <p14:creationId xmlns:p14="http://schemas.microsoft.com/office/powerpoint/2010/main" val="4066275204"/>
+      </p:ext>
+    </p:extLst>
+  </p:cSld>
+  <p:clrMapOvr>
+    <a:masterClrMapping/>
+  </p:clrMapOvr>
+</p:notes>
+</file>
+
+<file path=ppt/notesSlides/notesSlide8.xml><?xml version="1.0" encoding="utf-8"?>
+<p:notes xmlns:a="http://schemas.openxmlformats.org/drawingml/2006/main" xmlns:r="http://schemas.openxmlformats.org/officeDocument/2006/relationships" xmlns:p="http://schemas.openxmlformats.org/presentationml/2006/main">
+  <p:cSld>
+    <p:spTree>
+      <p:nvGrpSpPr>
+        <p:cNvPr id="1" name=""/>
+        <p:cNvGrpSpPr/>
+        <p:nvPr/>
+      </p:nvGrpSpPr>
+      <p:grpSpPr>
+        <a:xfrm>
+          <a:off x="0" y="0"/>
+          <a:ext cx="0" cy="0"/>
+          <a:chOff x="0" y="0"/>
+          <a:chExt cx="0" cy="0"/>
+        </a:xfrm>
+      </p:grpSpPr>
+      <p:sp>
+        <p:nvSpPr>
+          <p:cNvPr id="2" name="スライド イメージ プレースホルダー 1"/>
+          <p:cNvSpPr>
+            <a:spLocks noGrp="1" noRot="1" noChangeAspect="1"/>
+          </p:cNvSpPr>
+          <p:nvPr>
+            <p:ph type="sldImg"/>
+          </p:nvPr>
+        </p:nvSpPr>
+        <p:spPr/>
+      </p:sp>
+      <p:sp>
+        <p:nvSpPr>
+          <p:cNvPr id="3" name="ノート プレースホルダー 2"/>
+          <p:cNvSpPr>
+            <a:spLocks noGrp="1"/>
+          </p:cNvSpPr>
+          <p:nvPr>
+            <p:ph type="body" idx="1"/>
+          </p:nvPr>
+        </p:nvSpPr>
+        <p:spPr/>
+        <p:txBody>
+          <a:bodyPr/>
+          <a:lstStyle/>
+          <a:p>
+            <a:endParaRPr kumimoji="1" lang="ja-JP" altLang="en-US" dirty="0"/>
+          </a:p>
+        </p:txBody>
+      </p:sp>
+      <p:sp>
+        <p:nvSpPr>
+          <p:cNvPr id="4" name="スライド番号プレースホルダー 3"/>
+          <p:cNvSpPr>
+            <a:spLocks noGrp="1"/>
+          </p:cNvSpPr>
+          <p:nvPr>
+            <p:ph type="sldNum" sz="quarter" idx="5"/>
+          </p:nvPr>
+        </p:nvSpPr>
+        <p:spPr/>
+        <p:txBody>
+          <a:bodyPr/>
+          <a:lstStyle/>
+          <a:p>
+            <a:fld id="{228B34ED-4CDD-41C9-90F7-D768D5559A6F}" type="slidenum">
+              <a:rPr lang="en-US" altLang="ja-JP" smtClean="0"/>
+              <a:pPr/>
               <a:t>9</a:t>
             </a:fld>
             <a:endParaRPr lang="ja-JP" altLang="en-US">
@@ -1861,7 +2230,7 @@
 </p:notes>
 </file>
 
-<file path=ppt/notesSlides/notesSlide7.xml><?xml version="1.0" encoding="utf-8"?>
+<file path=ppt/notesSlides/notesSlide9.xml><?xml version="1.0" encoding="utf-8"?>
 <p:notes xmlns:a="http://schemas.openxmlformats.org/drawingml/2006/main" xmlns:r="http://schemas.openxmlformats.org/officeDocument/2006/relationships" xmlns:p="http://schemas.openxmlformats.org/presentationml/2006/main">
   <p:cSld>
     <p:spTree>
@@ -7223,7 +7592,7 @@
         </p:nvSpPr>
         <p:spPr>
           <a:xfrm>
-            <a:off x="7068819" y="355542"/>
+            <a:off x="7068819" y="326667"/>
             <a:ext cx="4846320" cy="1435947"/>
           </a:xfrm>
         </p:spPr>
@@ -7292,7 +7661,7 @@
         </p:nvSpPr>
         <p:spPr>
           <a:xfrm>
-            <a:off x="7068819" y="1791489"/>
+            <a:off x="7068819" y="1695239"/>
             <a:ext cx="4846319" cy="3798888"/>
           </a:xfrm>
         </p:spPr>
@@ -7971,7 +8340,7 @@
         </p:nvSpPr>
         <p:spPr>
           <a:xfrm>
-            <a:off x="734291" y="570011"/>
+            <a:off x="734291" y="534843"/>
             <a:ext cx="5897218" cy="884238"/>
           </a:xfrm>
         </p:spPr>
@@ -7986,36 +8355,6 @@
           </a:p>
         </p:txBody>
       </p:sp>
-      <p:pic>
-        <p:nvPicPr>
-          <p:cNvPr id="8" name="図 7">
-            <a:extLst>
-              <a:ext uri="{FF2B5EF4-FFF2-40B4-BE49-F238E27FC236}">
-                <a16:creationId xmlns:a16="http://schemas.microsoft.com/office/drawing/2014/main" id="{E47A7519-21C3-8E80-8B33-C7CC76FBC974}"/>
-              </a:ext>
-            </a:extLst>
-          </p:cNvPr>
-          <p:cNvPicPr>
-            <a:picLocks noChangeAspect="1"/>
-          </p:cNvPicPr>
-          <p:nvPr/>
-        </p:nvPicPr>
-        <p:blipFill>
-          <a:blip r:embed="rId2"/>
-          <a:stretch>
-            <a:fillRect/>
-          </a:stretch>
-        </p:blipFill>
-        <p:spPr>
-          <a:xfrm>
-            <a:off x="734291" y="2363887"/>
-            <a:ext cx="7165109" cy="3429810"/>
-          </a:xfrm>
-          <a:prstGeom prst="rect">
-            <a:avLst/>
-          </a:prstGeom>
-        </p:spPr>
-      </p:pic>
       <p:sp>
         <p:nvSpPr>
           <p:cNvPr id="3" name="テキスト ボックス 2">
@@ -8058,6 +8397,35 @@
           </a:p>
         </p:txBody>
       </p:sp>
+      <p:pic>
+        <p:nvPicPr>
+          <p:cNvPr id="7" name="図 6">
+            <a:extLst>
+              <a:ext uri="{FF2B5EF4-FFF2-40B4-BE49-F238E27FC236}">
+                <a16:creationId xmlns:a16="http://schemas.microsoft.com/office/drawing/2014/main" id="{A3800FE5-FC10-382F-292C-3D489A6A5B67}"/>
+              </a:ext>
+            </a:extLst>
+          </p:cNvPr>
+          <p:cNvPicPr>
+            <a:picLocks noChangeAspect="1"/>
+          </p:cNvPicPr>
+          <p:nvPr/>
+        </p:nvPicPr>
+        <p:blipFill rotWithShape="1">
+          <a:blip r:embed="rId3"/>
+          <a:srcRect l="658" t="23048" r="14109" b="28782"/>
+          <a:stretch/>
+        </p:blipFill>
+        <p:spPr>
+          <a:xfrm>
+            <a:off x="716806" y="2427065"/>
+            <a:ext cx="6897189" cy="3303453"/>
+          </a:xfrm>
+          <a:prstGeom prst="rect">
+            <a:avLst/>
+          </a:prstGeom>
+        </p:spPr>
+      </p:pic>
     </p:spTree>
     <p:extLst>
       <p:ext uri="{BB962C8B-B14F-4D97-AF65-F5344CB8AC3E}">
@@ -8669,7 +9037,7 @@
             <a:pPr algn="ctr"/>
             <a:r>
               <a:rPr lang="en-US" altLang="ko-KR" dirty="0"/>
-              <a:t>Google</a:t>
+              <a:t>Google [5]</a:t>
             </a:r>
             <a:endParaRPr lang="ko-KR" altLang="en-US" dirty="0"/>
           </a:p>
@@ -8931,6 +9299,10 @@
               <a:rPr lang="en-US" altLang="ko-KR" dirty="0" err="1"/>
               <a:t>OpenAI</a:t>
             </a:r>
+            <a:r>
+              <a:rPr lang="en-US" altLang="ko-KR" dirty="0"/>
+              <a:t> [6]</a:t>
+            </a:r>
             <a:endParaRPr lang="ko-KR" altLang="en-US" dirty="0"/>
           </a:p>
         </p:txBody>
@@ -9085,7 +9457,7 @@
         </p:nvSpPr>
         <p:spPr>
           <a:xfrm>
-            <a:off x="4666138" y="1143254"/>
+            <a:off x="4655864" y="1143254"/>
             <a:ext cx="2888341" cy="3821370"/>
           </a:xfrm>
           <a:prstGeom prst="rect">
@@ -9366,7 +9738,7 @@
           <p:nvPr/>
         </p:nvPicPr>
         <p:blipFill rotWithShape="1">
-          <a:blip r:embed="rId2"/>
+          <a:blip r:embed="rId3"/>
           <a:srcRect b="28760"/>
           <a:stretch/>
         </p:blipFill>
@@ -9484,7 +9856,7 @@
           <p:nvPr/>
         </p:nvPicPr>
         <p:blipFill rotWithShape="1">
-          <a:blip r:embed="rId3"/>
+          <a:blip r:embed="rId4"/>
           <a:srcRect b="30748"/>
           <a:stretch/>
         </p:blipFill>
@@ -9549,27 +9921,13 @@
           <a:bodyPr/>
           <a:lstStyle/>
           <a:p>
+            <a:r>
+              <a:rPr lang="en-US" dirty="0"/>
+              <a:t> </a:t>
+            </a:r>
             <a:endParaRPr lang="en-JP" dirty="0"/>
           </a:p>
         </p:txBody>
-      </p:sp>
-      <p:sp>
-        <p:nvSpPr>
-          <p:cNvPr id="3" name="Picture Placeholder 2">
-            <a:extLst>
-              <a:ext uri="{FF2B5EF4-FFF2-40B4-BE49-F238E27FC236}">
-                <a16:creationId xmlns:a16="http://schemas.microsoft.com/office/drawing/2014/main" id="{BC65FA6E-2633-92A2-35F5-5022B8070E6B}"/>
-              </a:ext>
-            </a:extLst>
-          </p:cNvPr>
-          <p:cNvSpPr>
-            <a:spLocks noGrp="1"/>
-          </p:cNvSpPr>
-          <p:nvPr>
-            <p:ph type="pic" sz="quarter" idx="14"/>
-          </p:nvPr>
-        </p:nvSpPr>
-        <p:spPr/>
       </p:sp>
       <p:sp>
         <p:nvSpPr>
@@ -9630,6 +9988,9 @@
             </a:r>
             <a:r>
               <a:rPr lang="en-US" altLang="ko-KR" sz="2400" dirty="0">
+                <a:solidFill>
+                  <a:srgbClr val="FFC000"/>
+                </a:solidFill>
                 <a:cs typeface="Biome Light" panose="020B0303030204020804" pitchFamily="34" charset="0"/>
               </a:rPr>
               <a:t>BART</a:t>
@@ -9687,6 +10048,87 @@
               <a:rPr lang="en-JP" sz="3600" dirty="0"/>
               <a:t>目的</a:t>
             </a:r>
+          </a:p>
+        </p:txBody>
+      </p:sp>
+      <p:pic>
+        <p:nvPicPr>
+          <p:cNvPr id="1026" name="Picture 2">
+            <a:extLst>
+              <a:ext uri="{FF2B5EF4-FFF2-40B4-BE49-F238E27FC236}">
+                <a16:creationId xmlns:a16="http://schemas.microsoft.com/office/drawing/2014/main" id="{461FB94F-140B-AC10-3B5A-A14571730655}"/>
+              </a:ext>
+            </a:extLst>
+          </p:cNvPr>
+          <p:cNvPicPr>
+            <a:picLocks noGrp="1" noChangeAspect="1" noChangeArrowheads="1"/>
+          </p:cNvPicPr>
+          <p:nvPr>
+            <p:ph type="pic" sz="quarter" idx="14"/>
+          </p:nvPr>
+        </p:nvPicPr>
+        <p:blipFill>
+          <a:blip r:embed="rId3">
+            <a:extLst>
+              <a:ext uri="{28A0092B-C50C-407E-A947-70E740481C1C}">
+                <a14:useLocalDpi xmlns:a14="http://schemas.microsoft.com/office/drawing/2010/main" val="0"/>
+              </a:ext>
+            </a:extLst>
+          </a:blip>
+          <a:srcRect t="4090" b="4090"/>
+          <a:stretch>
+            <a:fillRect/>
+          </a:stretch>
+        </p:blipFill>
+        <p:spPr bwMode="auto">
+          <a:prstGeom prst="rect">
+            <a:avLst/>
+          </a:prstGeom>
+          <a:noFill/>
+          <a:extLst>
+            <a:ext uri="{909E8E84-426E-40DD-AFC4-6F175D3DCCD1}">
+              <a14:hiddenFill xmlns:a14="http://schemas.microsoft.com/office/drawing/2010/main">
+                <a:solidFill>
+                  <a:srgbClr val="FFFFFF"/>
+                </a:solidFill>
+              </a14:hiddenFill>
+            </a:ext>
+          </a:extLst>
+        </p:spPr>
+      </p:pic>
+      <p:sp>
+        <p:nvSpPr>
+          <p:cNvPr id="7" name="テキスト ボックス 6">
+            <a:extLst>
+              <a:ext uri="{FF2B5EF4-FFF2-40B4-BE49-F238E27FC236}">
+                <a16:creationId xmlns:a16="http://schemas.microsoft.com/office/drawing/2014/main" id="{B1A1EE7B-9CB3-6302-9EF3-457D44DF6B43}"/>
+              </a:ext>
+            </a:extLst>
+          </p:cNvPr>
+          <p:cNvSpPr txBox="1"/>
+          <p:nvPr/>
+        </p:nvSpPr>
+        <p:spPr>
+          <a:xfrm>
+            <a:off x="0" y="6619304"/>
+            <a:ext cx="2455817" cy="319263"/>
+          </a:xfrm>
+          <a:prstGeom prst="rect">
+            <a:avLst/>
+          </a:prstGeom>
+          <a:noFill/>
+        </p:spPr>
+        <p:txBody>
+          <a:bodyPr wrap="square" rtlCol="0">
+            <a:spAutoFit/>
+          </a:bodyPr>
+          <a:lstStyle/>
+          <a:p>
+            <a:r>
+              <a:rPr kumimoji="1" lang="en-US" altLang="ja-JP" sz="1400" dirty="0"/>
+              <a:t>Bart Simpson (Matt Groening)</a:t>
+            </a:r>
+            <a:endParaRPr kumimoji="1" lang="ja-JP" altLang="en-US" sz="1400" dirty="0"/>
           </a:p>
         </p:txBody>
       </p:sp>
@@ -11565,14 +12007,15 @@
         </p:nvSpPr>
         <p:spPr>
           <a:xfrm>
-            <a:off x="1478756" y="1177156"/>
-            <a:ext cx="9234488" cy="5680843"/>
+            <a:off x="975197" y="1163828"/>
+            <a:ext cx="10241606" cy="5680843"/>
           </a:xfrm>
         </p:spPr>
         <p:txBody>
           <a:bodyPr/>
           <a:lstStyle/>
           <a:p>
+            <a:pPr algn="l"/>
             <a:r>
               <a:rPr lang="en-US" altLang="ja-JP" sz="1200" dirty="0"/>
               <a:t>[1] </a:t>
@@ -11587,6 +12030,7 @@
             </a:r>
           </a:p>
           <a:p>
+            <a:pPr algn="l"/>
             <a:r>
               <a:rPr lang="de-DE" altLang="ja-JP" sz="1200" dirty="0"/>
               <a:t>[2] Warum ich fühle, was Du fühlst (Joachim Bauer, 2005)</a:t>
@@ -11594,12 +12038,14 @@
             <a:endParaRPr lang="en-US" altLang="ja-JP" sz="1200" dirty="0"/>
           </a:p>
           <a:p>
+            <a:pPr algn="l"/>
             <a:r>
               <a:rPr lang="en-US" altLang="ja-JP" sz="1200" dirty="0"/>
               <a:t>[3] [BART: Denoising Sequence-to-Sequence Pre-training for Natural Language Generation, Translation, and Comprehension](https://aclanthology.org/2020.acl-main.703) (Lewis et al., ACL 2020)</a:t>
             </a:r>
           </a:p>
           <a:p>
+            <a:pPr algn="l"/>
             <a:r>
               <a:rPr lang="en-US" altLang="ja-JP" sz="1200" dirty="0"/>
               <a:t>[4] Vaswani, Ashish et al. “Attention is All you Need.” </a:t>
@@ -11622,6 +12068,7 @@
             </a:r>
           </a:p>
           <a:p>
+            <a:pPr algn="l"/>
             <a:r>
               <a:rPr lang="en-US" altLang="ja-JP" sz="1200" dirty="0"/>
               <a:t>[5] Devlin, Jacob, Ming-Wei Chang, Kenton Lee and Kristina Toutanova. “BERT: Pre-training of Deep Bidirectional Transformers for Language Understanding.” </a:t>
@@ -11644,6 +12091,7 @@
             </a:r>
           </a:p>
           <a:p>
+            <a:pPr algn="l"/>
             <a:r>
               <a:rPr lang="en-US" altLang="ja-JP" sz="1200" dirty="0"/>
               <a:t>[6] Alec Radford, Karthik Narasimhan, Tim </a:t>
@@ -11674,6 +12122,7 @@
             </a:r>
           </a:p>
           <a:p>
+            <a:pPr algn="l"/>
             <a:r>
               <a:rPr lang="en-US" altLang="ja-JP" sz="1200" dirty="0"/>
               <a:t>[7] Brown, Tom B., Benjamin Mann, Nick Ryder, Melanie Subbiah, Jared Kaplan, Prafulla </a:t>
@@ -11768,12 +12217,14 @@
             </a:r>
           </a:p>
           <a:p>
+            <a:pPr algn="l"/>
             <a:r>
               <a:rPr lang="en-US" altLang="ja-JP" sz="1200" dirty="0"/>
               <a:t>[8] Ide, Tatsuya and Daisuke Kawahara. “Multi-Task Learning of Generation and Classification for Emotion-Aware Dialogue Response Generation.” North American Chapter of the Association for Computational Linguistics (2021).</a:t>
             </a:r>
           </a:p>
           <a:p>
+            <a:pPr algn="l"/>
             <a:endParaRPr lang="ja-JP" altLang="en-US" sz="1200" dirty="0"/>
           </a:p>
         </p:txBody>
@@ -12677,15 +13128,6 @@
 </file>
 
 <file path=customXml/item1.xml><?xml version="1.0" encoding="utf-8"?>
-<?mso-contentType ?>
-<FormTemplates xmlns="http://schemas.microsoft.com/sharepoint/v3/contenttype/forms">
-  <Display>DocumentLibraryForm</Display>
-  <Edit>DocumentLibraryForm</Edit>
-  <New>DocumentLibraryForm</New>
-</FormTemplates>
-</file>
-
-<file path=customXml/item2.xml><?xml version="1.0" encoding="utf-8"?>
 <ct:contentTypeSchema xmlns:ct="http://schemas.microsoft.com/office/2006/metadata/contentType" xmlns:ma="http://schemas.microsoft.com/office/2006/metadata/properties/metaAttributes" ct:_="" ma:_="" ma:contentTypeName="Document" ma:contentTypeID="0x01010079F111ED35F8CC479449609E8A0923A6" ma:contentTypeVersion="12" ma:contentTypeDescription="Create a new document." ma:contentTypeScope="" ma:versionID="426e97fa315356fffbdcd9876fe988c2">
   <xsd:schema xmlns:xsd="http://www.w3.org/2001/XMLSchema" xmlns:xs="http://www.w3.org/2001/XMLSchema" xmlns:p="http://schemas.microsoft.com/office/2006/metadata/properties" xmlns:ns2="71af3243-3dd4-4a8d-8c0d-dd76da1f02a5" xmlns:ns3="16c05727-aa75-4e4a-9b5f-8a80a1165891" targetNamespace="http://schemas.microsoft.com/office/2006/metadata/properties" ma:root="true" ma:fieldsID="14b8f0def80e6d70ce3def20c90759ae" ns2:_="" ns3:_="">
     <xsd:import namespace="71af3243-3dd4-4a8d-8c0d-dd76da1f02a5"/>
@@ -12906,6 +13348,15 @@
 </ct:contentTypeSchema>
 </file>
 
+<file path=customXml/item2.xml><?xml version="1.0" encoding="utf-8"?>
+<?mso-contentType ?>
+<FormTemplates xmlns="http://schemas.microsoft.com/sharepoint/v3/contenttype/forms">
+  <Display>DocumentLibraryForm</Display>
+  <Edit>DocumentLibraryForm</Edit>
+  <New>DocumentLibraryForm</New>
+</FormTemplates>
+</file>
+
 <file path=customXml/item3.xml><?xml version="1.0" encoding="utf-8"?>
 <p:properties xmlns:p="http://schemas.microsoft.com/office/2006/metadata/properties" xmlns:xsi="http://www.w3.org/2001/XMLSchema-instance" xmlns:pc="http://schemas.microsoft.com/office/infopath/2007/PartnerControls">
   <documentManagement>
@@ -12916,14 +13367,6 @@
 </file>
 
 <file path=customXml/itemProps1.xml><?xml version="1.0" encoding="utf-8"?>
-<ds:datastoreItem xmlns:ds="http://schemas.openxmlformats.org/officeDocument/2006/customXml" ds:itemID="{1B7E2D32-4FDD-4266-880C-17595B801432}">
-  <ds:schemaRefs>
-    <ds:schemaRef ds:uri="http://schemas.microsoft.com/sharepoint/v3/contenttype/forms"/>
-  </ds:schemaRefs>
-</ds:datastoreItem>
-</file>
-
-<file path=customXml/itemProps2.xml><?xml version="1.0" encoding="utf-8"?>
 <ds:datastoreItem xmlns:ds="http://schemas.openxmlformats.org/officeDocument/2006/customXml" ds:itemID="{55BB9993-D5F9-46FA-B2E5-80E3632E9820}">
   <ds:schemaRefs>
     <ds:schemaRef ds:uri="http://schemas.microsoft.com/office/2006/metadata/contentType"/>
@@ -12942,6 +13385,14 @@
 </ds:datastoreItem>
 </file>
 
+<file path=customXml/itemProps2.xml><?xml version="1.0" encoding="utf-8"?>
+<ds:datastoreItem xmlns:ds="http://schemas.openxmlformats.org/officeDocument/2006/customXml" ds:itemID="{1B7E2D32-4FDD-4266-880C-17595B801432}">
+  <ds:schemaRefs>
+    <ds:schemaRef ds:uri="http://schemas.microsoft.com/sharepoint/v3/contenttype/forms"/>
+  </ds:schemaRefs>
+</ds:datastoreItem>
+</file>
+
 <file path=customXml/itemProps3.xml><?xml version="1.0" encoding="utf-8"?>
 <ds:datastoreItem xmlns:ds="http://schemas.openxmlformats.org/officeDocument/2006/customXml" ds:itemID="{E3D9F223-918A-45AF-9B53-56AB9E5E2182}">
   <ds:schemaRefs>

--- a/Presentation/感情認識に基づく対話システム.pptx
+++ b/Presentation/感情認識に基づく対話システム.pptx
@@ -8218,6 +8218,35 @@
           </a:p>
         </p:txBody>
       </p:sp>
+      <p:pic>
+        <p:nvPicPr>
+          <p:cNvPr id="16" name="図 15" descr="人, 女性, テーブル, 男 が含まれている画像&#10;&#10;自動的に生成された説明">
+            <a:extLst>
+              <a:ext uri="{FF2B5EF4-FFF2-40B4-BE49-F238E27FC236}">
+                <a16:creationId xmlns:a16="http://schemas.microsoft.com/office/drawing/2014/main" id="{83CE0138-DB16-21D6-2B1F-1438BEF0A2DE}"/>
+              </a:ext>
+            </a:extLst>
+          </p:cNvPr>
+          <p:cNvPicPr>
+            <a:picLocks noChangeAspect="1"/>
+          </p:cNvPicPr>
+          <p:nvPr/>
+        </p:nvPicPr>
+        <p:blipFill rotWithShape="1">
+          <a:blip r:embed="rId5"/>
+          <a:srcRect l="7196" r="45450"/>
+          <a:stretch/>
+        </p:blipFill>
+        <p:spPr>
+          <a:xfrm>
+            <a:off x="0" y="-6516"/>
+            <a:ext cx="5416550" cy="6863275"/>
+          </a:xfrm>
+          <a:prstGeom prst="rect">
+            <a:avLst/>
+          </a:prstGeom>
+        </p:spPr>
+      </p:pic>
     </p:spTree>
     <p:extLst>
       <p:ext uri="{BB962C8B-B14F-4D97-AF65-F5344CB8AC3E}">
@@ -13128,6 +13157,15 @@
 </file>
 
 <file path=customXml/item1.xml><?xml version="1.0" encoding="utf-8"?>
+<?mso-contentType ?>
+<FormTemplates xmlns="http://schemas.microsoft.com/sharepoint/v3/contenttype/forms">
+  <Display>DocumentLibraryForm</Display>
+  <Edit>DocumentLibraryForm</Edit>
+  <New>DocumentLibraryForm</New>
+</FormTemplates>
+</file>
+
+<file path=customXml/item2.xml><?xml version="1.0" encoding="utf-8"?>
 <ct:contentTypeSchema xmlns:ct="http://schemas.microsoft.com/office/2006/metadata/contentType" xmlns:ma="http://schemas.microsoft.com/office/2006/metadata/properties/metaAttributes" ct:_="" ma:_="" ma:contentTypeName="Document" ma:contentTypeID="0x01010079F111ED35F8CC479449609E8A0923A6" ma:contentTypeVersion="12" ma:contentTypeDescription="Create a new document." ma:contentTypeScope="" ma:versionID="426e97fa315356fffbdcd9876fe988c2">
   <xsd:schema xmlns:xsd="http://www.w3.org/2001/XMLSchema" xmlns:xs="http://www.w3.org/2001/XMLSchema" xmlns:p="http://schemas.microsoft.com/office/2006/metadata/properties" xmlns:ns2="71af3243-3dd4-4a8d-8c0d-dd76da1f02a5" xmlns:ns3="16c05727-aa75-4e4a-9b5f-8a80a1165891" targetNamespace="http://schemas.microsoft.com/office/2006/metadata/properties" ma:root="true" ma:fieldsID="14b8f0def80e6d70ce3def20c90759ae" ns2:_="" ns3:_="">
     <xsd:import namespace="71af3243-3dd4-4a8d-8c0d-dd76da1f02a5"/>
@@ -13348,15 +13386,6 @@
 </ct:contentTypeSchema>
 </file>
 
-<file path=customXml/item2.xml><?xml version="1.0" encoding="utf-8"?>
-<?mso-contentType ?>
-<FormTemplates xmlns="http://schemas.microsoft.com/sharepoint/v3/contenttype/forms">
-  <Display>DocumentLibraryForm</Display>
-  <Edit>DocumentLibraryForm</Edit>
-  <New>DocumentLibraryForm</New>
-</FormTemplates>
-</file>
-
 <file path=customXml/item3.xml><?xml version="1.0" encoding="utf-8"?>
 <p:properties xmlns:p="http://schemas.microsoft.com/office/2006/metadata/properties" xmlns:xsi="http://www.w3.org/2001/XMLSchema-instance" xmlns:pc="http://schemas.microsoft.com/office/infopath/2007/PartnerControls">
   <documentManagement>
@@ -13367,6 +13396,14 @@
 </file>
 
 <file path=customXml/itemProps1.xml><?xml version="1.0" encoding="utf-8"?>
+<ds:datastoreItem xmlns:ds="http://schemas.openxmlformats.org/officeDocument/2006/customXml" ds:itemID="{1B7E2D32-4FDD-4266-880C-17595B801432}">
+  <ds:schemaRefs>
+    <ds:schemaRef ds:uri="http://schemas.microsoft.com/sharepoint/v3/contenttype/forms"/>
+  </ds:schemaRefs>
+</ds:datastoreItem>
+</file>
+
+<file path=customXml/itemProps2.xml><?xml version="1.0" encoding="utf-8"?>
 <ds:datastoreItem xmlns:ds="http://schemas.openxmlformats.org/officeDocument/2006/customXml" ds:itemID="{55BB9993-D5F9-46FA-B2E5-80E3632E9820}">
   <ds:schemaRefs>
     <ds:schemaRef ds:uri="http://schemas.microsoft.com/office/2006/metadata/contentType"/>
@@ -13385,14 +13422,6 @@
 </ds:datastoreItem>
 </file>
 
-<file path=customXml/itemProps2.xml><?xml version="1.0" encoding="utf-8"?>
-<ds:datastoreItem xmlns:ds="http://schemas.openxmlformats.org/officeDocument/2006/customXml" ds:itemID="{1B7E2D32-4FDD-4266-880C-17595B801432}">
-  <ds:schemaRefs>
-    <ds:schemaRef ds:uri="http://schemas.microsoft.com/sharepoint/v3/contenttype/forms"/>
-  </ds:schemaRefs>
-</ds:datastoreItem>
-</file>
-
 <file path=customXml/itemProps3.xml><?xml version="1.0" encoding="utf-8"?>
 <ds:datastoreItem xmlns:ds="http://schemas.openxmlformats.org/officeDocument/2006/customXml" ds:itemID="{E3D9F223-918A-45AF-9B53-56AB9E5E2182}">
   <ds:schemaRefs>

--- a/Presentation/感情認識に基づく対話システム.pptx
+++ b/Presentation/感情認識に基づく対話システム.pptx
@@ -8218,35 +8218,102 @@
           </a:p>
         </p:txBody>
       </p:sp>
-      <p:pic>
-        <p:nvPicPr>
-          <p:cNvPr id="16" name="図 15" descr="人, 女性, テーブル, 男 が含まれている画像&#10;&#10;自動的に生成された説明">
+      <p:grpSp>
+        <p:nvGrpSpPr>
+          <p:cNvPr id="6" name="グループ化 5">
             <a:extLst>
               <a:ext uri="{FF2B5EF4-FFF2-40B4-BE49-F238E27FC236}">
-                <a16:creationId xmlns:a16="http://schemas.microsoft.com/office/drawing/2014/main" id="{83CE0138-DB16-21D6-2B1F-1438BEF0A2DE}"/>
+                <a16:creationId xmlns:a16="http://schemas.microsoft.com/office/drawing/2014/main" id="{1BBD7141-3807-2022-ABB7-09C0DB6F736C}"/>
               </a:ext>
             </a:extLst>
           </p:cNvPr>
-          <p:cNvPicPr>
-            <a:picLocks noChangeAspect="1"/>
-          </p:cNvPicPr>
+          <p:cNvGrpSpPr/>
           <p:nvPr/>
-        </p:nvPicPr>
-        <p:blipFill rotWithShape="1">
-          <a:blip r:embed="rId5"/>
-          <a:srcRect l="7196" r="45450"/>
-          <a:stretch/>
-        </p:blipFill>
-        <p:spPr>
+        </p:nvGrpSpPr>
+        <p:grpSpPr>
           <a:xfrm>
-            <a:off x="0" y="-6516"/>
-            <a:ext cx="5416550" cy="6863275"/>
+            <a:off x="-36720" y="-6516"/>
+            <a:ext cx="5453270" cy="6890995"/>
+            <a:chOff x="-36720" y="-6516"/>
+            <a:chExt cx="5453270" cy="6890995"/>
           </a:xfrm>
-          <a:prstGeom prst="rect">
-            <a:avLst/>
-          </a:prstGeom>
-        </p:spPr>
-      </p:pic>
+        </p:grpSpPr>
+        <p:pic>
+          <p:nvPicPr>
+            <p:cNvPr id="16" name="図 15" descr="人, 女性, テーブル, 男 が含まれている画像&#10;&#10;自動的に生成された説明">
+              <a:extLst>
+                <a:ext uri="{FF2B5EF4-FFF2-40B4-BE49-F238E27FC236}">
+                  <a16:creationId xmlns:a16="http://schemas.microsoft.com/office/drawing/2014/main" id="{83CE0138-DB16-21D6-2B1F-1438BEF0A2DE}"/>
+                </a:ext>
+              </a:extLst>
+            </p:cNvPr>
+            <p:cNvPicPr>
+              <a:picLocks noChangeAspect="1"/>
+            </p:cNvPicPr>
+            <p:nvPr/>
+          </p:nvPicPr>
+          <p:blipFill rotWithShape="1">
+            <a:blip r:embed="rId5"/>
+            <a:srcRect l="7196" r="45450"/>
+            <a:stretch/>
+          </p:blipFill>
+          <p:spPr>
+            <a:xfrm>
+              <a:off x="0" y="-6516"/>
+              <a:ext cx="5416550" cy="6863275"/>
+            </a:xfrm>
+            <a:prstGeom prst="rect">
+              <a:avLst/>
+            </a:prstGeom>
+          </p:spPr>
+        </p:pic>
+        <p:sp>
+          <p:nvSpPr>
+            <p:cNvPr id="3" name="テキスト ボックス 2">
+              <a:extLst>
+                <a:ext uri="{FF2B5EF4-FFF2-40B4-BE49-F238E27FC236}">
+                  <a16:creationId xmlns:a16="http://schemas.microsoft.com/office/drawing/2014/main" id="{7593BD03-401D-342B-7813-4006BD47D6B2}"/>
+                </a:ext>
+              </a:extLst>
+            </p:cNvPr>
+            <p:cNvSpPr txBox="1"/>
+            <p:nvPr/>
+          </p:nvSpPr>
+          <p:spPr>
+            <a:xfrm>
+              <a:off x="-36720" y="6622869"/>
+              <a:ext cx="1397726" cy="261610"/>
+            </a:xfrm>
+            <a:prstGeom prst="rect">
+              <a:avLst/>
+            </a:prstGeom>
+            <a:noFill/>
+          </p:spPr>
+          <p:txBody>
+            <a:bodyPr wrap="square" rtlCol="0">
+              <a:spAutoFit/>
+            </a:bodyPr>
+            <a:lstStyle/>
+            <a:p>
+              <a:r>
+                <a:rPr lang="en-US" altLang="ja-JP" sz="1100" b="0" i="0" dirty="0" err="1">
+                  <a:solidFill>
+                    <a:schemeClr val="bg1"/>
+                  </a:solidFill>
+                  <a:effectLst/>
+                  <a:latin typeface="Open Sans" panose="020B0606030504020204" pitchFamily="34" charset="0"/>
+                </a:rPr>
+                <a:t>Blutgruppe</a:t>
+              </a:r>
+              <a:endParaRPr kumimoji="1" lang="ja-JP" altLang="en-US" sz="1100" dirty="0">
+                <a:solidFill>
+                  <a:schemeClr val="bg1"/>
+                </a:solidFill>
+              </a:endParaRPr>
+            </a:p>
+          </p:txBody>
+        </p:sp>
+      </p:grpSp>
     </p:spTree>
     <p:extLst>
       <p:ext uri="{BB962C8B-B14F-4D97-AF65-F5344CB8AC3E}">
@@ -13157,15 +13224,6 @@
 </file>
 
 <file path=customXml/item1.xml><?xml version="1.0" encoding="utf-8"?>
-<?mso-contentType ?>
-<FormTemplates xmlns="http://schemas.microsoft.com/sharepoint/v3/contenttype/forms">
-  <Display>DocumentLibraryForm</Display>
-  <Edit>DocumentLibraryForm</Edit>
-  <New>DocumentLibraryForm</New>
-</FormTemplates>
-</file>
-
-<file path=customXml/item2.xml><?xml version="1.0" encoding="utf-8"?>
 <ct:contentTypeSchema xmlns:ct="http://schemas.microsoft.com/office/2006/metadata/contentType" xmlns:ma="http://schemas.microsoft.com/office/2006/metadata/properties/metaAttributes" ct:_="" ma:_="" ma:contentTypeName="Document" ma:contentTypeID="0x01010079F111ED35F8CC479449609E8A0923A6" ma:contentTypeVersion="12" ma:contentTypeDescription="Create a new document." ma:contentTypeScope="" ma:versionID="426e97fa315356fffbdcd9876fe988c2">
   <xsd:schema xmlns:xsd="http://www.w3.org/2001/XMLSchema" xmlns:xs="http://www.w3.org/2001/XMLSchema" xmlns:p="http://schemas.microsoft.com/office/2006/metadata/properties" xmlns:ns2="71af3243-3dd4-4a8d-8c0d-dd76da1f02a5" xmlns:ns3="16c05727-aa75-4e4a-9b5f-8a80a1165891" targetNamespace="http://schemas.microsoft.com/office/2006/metadata/properties" ma:root="true" ma:fieldsID="14b8f0def80e6d70ce3def20c90759ae" ns2:_="" ns3:_="">
     <xsd:import namespace="71af3243-3dd4-4a8d-8c0d-dd76da1f02a5"/>
@@ -13386,6 +13444,15 @@
 </ct:contentTypeSchema>
 </file>
 
+<file path=customXml/item2.xml><?xml version="1.0" encoding="utf-8"?>
+<?mso-contentType ?>
+<FormTemplates xmlns="http://schemas.microsoft.com/sharepoint/v3/contenttype/forms">
+  <Display>DocumentLibraryForm</Display>
+  <Edit>DocumentLibraryForm</Edit>
+  <New>DocumentLibraryForm</New>
+</FormTemplates>
+</file>
+
 <file path=customXml/item3.xml><?xml version="1.0" encoding="utf-8"?>
 <p:properties xmlns:p="http://schemas.microsoft.com/office/2006/metadata/properties" xmlns:xsi="http://www.w3.org/2001/XMLSchema-instance" xmlns:pc="http://schemas.microsoft.com/office/infopath/2007/PartnerControls">
   <documentManagement>
@@ -13396,14 +13463,6 @@
 </file>
 
 <file path=customXml/itemProps1.xml><?xml version="1.0" encoding="utf-8"?>
-<ds:datastoreItem xmlns:ds="http://schemas.openxmlformats.org/officeDocument/2006/customXml" ds:itemID="{1B7E2D32-4FDD-4266-880C-17595B801432}">
-  <ds:schemaRefs>
-    <ds:schemaRef ds:uri="http://schemas.microsoft.com/sharepoint/v3/contenttype/forms"/>
-  </ds:schemaRefs>
-</ds:datastoreItem>
-</file>
-
-<file path=customXml/itemProps2.xml><?xml version="1.0" encoding="utf-8"?>
 <ds:datastoreItem xmlns:ds="http://schemas.openxmlformats.org/officeDocument/2006/customXml" ds:itemID="{55BB9993-D5F9-46FA-B2E5-80E3632E9820}">
   <ds:schemaRefs>
     <ds:schemaRef ds:uri="http://schemas.microsoft.com/office/2006/metadata/contentType"/>
@@ -13422,6 +13481,14 @@
 </ds:datastoreItem>
 </file>
 
+<file path=customXml/itemProps2.xml><?xml version="1.0" encoding="utf-8"?>
+<ds:datastoreItem xmlns:ds="http://schemas.openxmlformats.org/officeDocument/2006/customXml" ds:itemID="{1B7E2D32-4FDD-4266-880C-17595B801432}">
+  <ds:schemaRefs>
+    <ds:schemaRef ds:uri="http://schemas.microsoft.com/sharepoint/v3/contenttype/forms"/>
+  </ds:schemaRefs>
+</ds:datastoreItem>
+</file>
+
 <file path=customXml/itemProps3.xml><?xml version="1.0" encoding="utf-8"?>
 <ds:datastoreItem xmlns:ds="http://schemas.openxmlformats.org/officeDocument/2006/customXml" ds:itemID="{E3D9F223-918A-45AF-9B53-56AB9E5E2182}">
   <ds:schemaRefs>

--- a/Presentation/感情認識に基づく対話システム.pptx
+++ b/Presentation/感情認識に基づく対話システム.pptx
@@ -297,7 +297,7 @@
                 <a:latin typeface="Meiryo UI" panose="020B0604030504040204" pitchFamily="50" charset="-128"/>
                 <a:ea typeface="Meiryo UI" panose="020B0604030504040204" pitchFamily="50" charset="-128"/>
               </a:rPr>
-              <a:t>2023/1/17</a:t>
+              <a:t>2023/1/19</a:t>
             </a:fld>
             <a:endParaRPr lang="ja-JP" altLang="en-US">
               <a:latin typeface="Meiryo UI" panose="020B0604030504040204" pitchFamily="50" charset="-128"/>
@@ -499,7 +499,7 @@
             <a:fld id="{FE6E828E-191C-489F-B083-9CD39052DDA4}" type="datetime1">
               <a:rPr lang="ja-JP" altLang="en-US" smtClean="0"/>
               <a:pPr/>
-              <a:t>2023/1/17</a:t>
+              <a:t>2023/1/19</a:t>
             </a:fld>
             <a:endParaRPr lang="ja-JP" altLang="en-US" dirty="0"/>
           </a:p>
@@ -1129,7 +1129,7 @@
                 <a:latin typeface="Noto Sans CJK KR Regular" panose="020B0500000000000000" pitchFamily="34" charset="-128"/>
                 <a:ea typeface="Noto Sans CJK KR Regular" panose="020B0500000000000000" pitchFamily="34" charset="-128"/>
               </a:rPr>
-              <a:t>私の研究の基になる、関連研究として、</a:t>
+              <a:t>関連研究としては、</a:t>
             </a:r>
             <a:endParaRPr lang="en-US" altLang="ja-JP" sz="1200" b="0" dirty="0">
               <a:latin typeface="Noto Sans CJK KR Regular" panose="020B0500000000000000" pitchFamily="34" charset="-128"/>
@@ -1713,54 +1713,6 @@
             </a:endParaRPr>
           </a:p>
           <a:p>
-            <a:r>
-              <a:rPr lang="en-US" altLang="ja-JP" sz="1800" dirty="0">
-                <a:effectLst/>
-                <a:latin typeface="Malgun Gothic" panose="020B0503020000020004" pitchFamily="50" charset="-127"/>
-                <a:ea typeface="Malgun Gothic" panose="020B0503020000020004" pitchFamily="50" charset="-127"/>
-              </a:rPr>
-              <a:t>BERT</a:t>
-            </a:r>
-            <a:r>
-              <a:rPr lang="ja-JP" altLang="en-US" sz="1800" dirty="0">
-                <a:effectLst/>
-                <a:latin typeface="Malgun Gothic" panose="020B0503020000020004" pitchFamily="50" charset="-127"/>
-                <a:ea typeface="Malgun Gothic" panose="020B0503020000020004" pitchFamily="50" charset="-127"/>
-              </a:rPr>
-              <a:t>は</a:t>
-            </a:r>
-            <a:r>
-              <a:rPr lang="en-US" altLang="ja-JP" sz="1800" dirty="0">
-                <a:effectLst/>
-                <a:latin typeface="Malgun Gothic" panose="020B0503020000020004" pitchFamily="50" charset="-127"/>
-                <a:ea typeface="Malgun Gothic" panose="020B0503020000020004" pitchFamily="50" charset="-127"/>
-              </a:rPr>
-              <a:t>Attention</a:t>
-            </a:r>
-            <a:r>
-              <a:rPr lang="ja-JP" altLang="en-US" sz="1800" dirty="0">
-                <a:effectLst/>
-                <a:latin typeface="Malgun Gothic" panose="020B0503020000020004" pitchFamily="50" charset="-127"/>
-                <a:ea typeface="Malgun Gothic" panose="020B0503020000020004" pitchFamily="50" charset="-127"/>
-              </a:rPr>
-              <a:t>の参照の方向が</a:t>
-            </a:r>
-            <a:r>
-              <a:rPr lang="en-US" altLang="ja-JP" sz="1800" dirty="0">
-                <a:effectLst/>
-                <a:latin typeface="Malgun Gothic" panose="020B0503020000020004" pitchFamily="50" charset="-127"/>
-                <a:ea typeface="Malgun Gothic" panose="020B0503020000020004" pitchFamily="50" charset="-127"/>
-              </a:rPr>
-              <a:t>Bi-directional</a:t>
-            </a:r>
-            <a:r>
-              <a:rPr lang="ja-JP" altLang="en-US" sz="1800" dirty="0">
-                <a:effectLst/>
-                <a:latin typeface="Malgun Gothic" panose="020B0503020000020004" pitchFamily="50" charset="-127"/>
-                <a:ea typeface="Malgun Gothic" panose="020B0503020000020004" pitchFamily="50" charset="-127"/>
-              </a:rPr>
-              <a:t>であるため、情報量が多く、より優れている性能を見せるが、文章の生成は片方から反対の方にされるので、文章の生成には使うことが出来ず、</a:t>
-            </a:r>
             <a:endParaRPr lang="en-US" altLang="ja-JP" sz="1800" dirty="0">
               <a:effectLst/>
               <a:latin typeface="Malgun Gothic" panose="020B0503020000020004" pitchFamily="50" charset="-127"/>
@@ -1774,7 +1726,62 @@
                 <a:latin typeface="Malgun Gothic" panose="020B0503020000020004" pitchFamily="50" charset="-127"/>
                 <a:ea typeface="Malgun Gothic" panose="020B0503020000020004" pitchFamily="50" charset="-127"/>
               </a:rPr>
-              <a:t>Uni-directional</a:t>
+              <a:t>//BERT</a:t>
+            </a:r>
+            <a:r>
+              <a:rPr lang="ja-JP" altLang="en-US" sz="1800" dirty="0">
+                <a:effectLst/>
+                <a:latin typeface="Malgun Gothic" panose="020B0503020000020004" pitchFamily="50" charset="-127"/>
+                <a:ea typeface="Malgun Gothic" panose="020B0503020000020004" pitchFamily="50" charset="-127"/>
+              </a:rPr>
+              <a:t>は</a:t>
+            </a:r>
+            <a:r>
+              <a:rPr lang="en-US" altLang="ja-JP" sz="1800" dirty="0">
+                <a:effectLst/>
+                <a:latin typeface="Malgun Gothic" panose="020B0503020000020004" pitchFamily="50" charset="-127"/>
+                <a:ea typeface="Malgun Gothic" panose="020B0503020000020004" pitchFamily="50" charset="-127"/>
+              </a:rPr>
+              <a:t>Attention</a:t>
+            </a:r>
+            <a:r>
+              <a:rPr lang="ja-JP" altLang="en-US" sz="1800" dirty="0">
+                <a:effectLst/>
+                <a:latin typeface="Malgun Gothic" panose="020B0503020000020004" pitchFamily="50" charset="-127"/>
+                <a:ea typeface="Malgun Gothic" panose="020B0503020000020004" pitchFamily="50" charset="-127"/>
+              </a:rPr>
+              <a:t>の参照の方向が</a:t>
+            </a:r>
+            <a:r>
+              <a:rPr lang="en-US" altLang="ja-JP" sz="1800" dirty="0">
+                <a:effectLst/>
+                <a:latin typeface="Malgun Gothic" panose="020B0503020000020004" pitchFamily="50" charset="-127"/>
+                <a:ea typeface="Malgun Gothic" panose="020B0503020000020004" pitchFamily="50" charset="-127"/>
+              </a:rPr>
+              <a:t>Bi-directional</a:t>
+            </a:r>
+            <a:r>
+              <a:rPr lang="ja-JP" altLang="en-US" sz="1800" dirty="0">
+                <a:effectLst/>
+                <a:latin typeface="Malgun Gothic" panose="020B0503020000020004" pitchFamily="50" charset="-127"/>
+                <a:ea typeface="Malgun Gothic" panose="020B0503020000020004" pitchFamily="50" charset="-127"/>
+              </a:rPr>
+              <a:t>であるため、情報量が多く、より優れている性能を見せるが、文章の生成は片方から反対の方にされるので、文章の生成には使うことが出来ず、</a:t>
+            </a:r>
+            <a:endParaRPr lang="en-US" altLang="ja-JP" sz="1800" dirty="0">
+              <a:effectLst/>
+              <a:latin typeface="Malgun Gothic" panose="020B0503020000020004" pitchFamily="50" charset="-127"/>
+              <a:ea typeface="Malgun Gothic" panose="020B0503020000020004" pitchFamily="50" charset="-127"/>
+            </a:endParaRPr>
+          </a:p>
+          <a:p>
+            <a:r>
+              <a:rPr lang="en-US" altLang="ja-JP" sz="1800" dirty="0">
+                <a:effectLst/>
+                <a:latin typeface="Malgun Gothic" panose="020B0503020000020004" pitchFamily="50" charset="-127"/>
+                <a:ea typeface="Malgun Gothic" panose="020B0503020000020004" pitchFamily="50" charset="-127"/>
+              </a:rPr>
+              <a:t>//Uni-directional</a:t>
             </a:r>
             <a:r>
               <a:rPr lang="ja-JP" altLang="en-US" sz="1800" dirty="0">
@@ -2275,7 +2282,7 @@
           <a:lstStyle/>
           <a:p>
             <a:pPr rtl="0"/>
-            <a:endParaRPr lang="ja-JP" altLang="en-US">
+            <a:endParaRPr lang="ja-JP" altLang="en-US" dirty="0">
               <a:latin typeface="Meiryo UI" panose="020B0604030504040204" pitchFamily="50" charset="-128"/>
               <a:ea typeface="Meiryo UI" panose="020B0604030504040204" pitchFamily="50" charset="-128"/>
             </a:endParaRPr>
@@ -7502,7 +7509,7 @@
               </a:lnSpc>
             </a:pPr>
             <a:r>
-              <a:rPr lang="en-US" altLang="ja-JP" sz="1200" dirty="0"/>
+              <a:rPr lang="en-US" altLang="ja-JP" sz="1000" dirty="0"/>
               <a:t>8BDI2226</a:t>
             </a:r>
           </a:p>
@@ -13224,6 +13231,15 @@
 </file>
 
 <file path=customXml/item1.xml><?xml version="1.0" encoding="utf-8"?>
+<?mso-contentType ?>
+<FormTemplates xmlns="http://schemas.microsoft.com/sharepoint/v3/contenttype/forms">
+  <Display>DocumentLibraryForm</Display>
+  <Edit>DocumentLibraryForm</Edit>
+  <New>DocumentLibraryForm</New>
+</FormTemplates>
+</file>
+
+<file path=customXml/item2.xml><?xml version="1.0" encoding="utf-8"?>
 <ct:contentTypeSchema xmlns:ct="http://schemas.microsoft.com/office/2006/metadata/contentType" xmlns:ma="http://schemas.microsoft.com/office/2006/metadata/properties/metaAttributes" ct:_="" ma:_="" ma:contentTypeName="Document" ma:contentTypeID="0x01010079F111ED35F8CC479449609E8A0923A6" ma:contentTypeVersion="12" ma:contentTypeDescription="Create a new document." ma:contentTypeScope="" ma:versionID="426e97fa315356fffbdcd9876fe988c2">
   <xsd:schema xmlns:xsd="http://www.w3.org/2001/XMLSchema" xmlns:xs="http://www.w3.org/2001/XMLSchema" xmlns:p="http://schemas.microsoft.com/office/2006/metadata/properties" xmlns:ns2="71af3243-3dd4-4a8d-8c0d-dd76da1f02a5" xmlns:ns3="16c05727-aa75-4e4a-9b5f-8a80a1165891" targetNamespace="http://schemas.microsoft.com/office/2006/metadata/properties" ma:root="true" ma:fieldsID="14b8f0def80e6d70ce3def20c90759ae" ns2:_="" ns3:_="">
     <xsd:import namespace="71af3243-3dd4-4a8d-8c0d-dd76da1f02a5"/>
@@ -13444,15 +13460,6 @@
 </ct:contentTypeSchema>
 </file>
 
-<file path=customXml/item2.xml><?xml version="1.0" encoding="utf-8"?>
-<?mso-contentType ?>
-<FormTemplates xmlns="http://schemas.microsoft.com/sharepoint/v3/contenttype/forms">
-  <Display>DocumentLibraryForm</Display>
-  <Edit>DocumentLibraryForm</Edit>
-  <New>DocumentLibraryForm</New>
-</FormTemplates>
-</file>
-
 <file path=customXml/item3.xml><?xml version="1.0" encoding="utf-8"?>
 <p:properties xmlns:p="http://schemas.microsoft.com/office/2006/metadata/properties" xmlns:xsi="http://www.w3.org/2001/XMLSchema-instance" xmlns:pc="http://schemas.microsoft.com/office/infopath/2007/PartnerControls">
   <documentManagement>
@@ -13463,6 +13470,14 @@
 </file>
 
 <file path=customXml/itemProps1.xml><?xml version="1.0" encoding="utf-8"?>
+<ds:datastoreItem xmlns:ds="http://schemas.openxmlformats.org/officeDocument/2006/customXml" ds:itemID="{1B7E2D32-4FDD-4266-880C-17595B801432}">
+  <ds:schemaRefs>
+    <ds:schemaRef ds:uri="http://schemas.microsoft.com/sharepoint/v3/contenttype/forms"/>
+  </ds:schemaRefs>
+</ds:datastoreItem>
+</file>
+
+<file path=customXml/itemProps2.xml><?xml version="1.0" encoding="utf-8"?>
 <ds:datastoreItem xmlns:ds="http://schemas.openxmlformats.org/officeDocument/2006/customXml" ds:itemID="{55BB9993-D5F9-46FA-B2E5-80E3632E9820}">
   <ds:schemaRefs>
     <ds:schemaRef ds:uri="http://schemas.microsoft.com/office/2006/metadata/contentType"/>
@@ -13481,14 +13496,6 @@
 </ds:datastoreItem>
 </file>
 
-<file path=customXml/itemProps2.xml><?xml version="1.0" encoding="utf-8"?>
-<ds:datastoreItem xmlns:ds="http://schemas.openxmlformats.org/officeDocument/2006/customXml" ds:itemID="{1B7E2D32-4FDD-4266-880C-17595B801432}">
-  <ds:schemaRefs>
-    <ds:schemaRef ds:uri="http://schemas.microsoft.com/sharepoint/v3/contenttype/forms"/>
-  </ds:schemaRefs>
-</ds:datastoreItem>
-</file>
-
 <file path=customXml/itemProps3.xml><?xml version="1.0" encoding="utf-8"?>
 <ds:datastoreItem xmlns:ds="http://schemas.openxmlformats.org/officeDocument/2006/customXml" ds:itemID="{E3D9F223-918A-45AF-9B53-56AB9E5E2182}">
   <ds:schemaRefs>

--- a/Presentation/感情認識に基づく対話システム.pptx
+++ b/Presentation/感情認識に基づく対話システム.pptx
@@ -297,7 +297,7 @@
                 <a:latin typeface="Meiryo UI" panose="020B0604030504040204" pitchFamily="50" charset="-128"/>
                 <a:ea typeface="Meiryo UI" panose="020B0604030504040204" pitchFamily="50" charset="-128"/>
               </a:rPr>
-              <a:t>2023/1/19</a:t>
+              <a:t>2023/1/24</a:t>
             </a:fld>
             <a:endParaRPr lang="ja-JP" altLang="en-US">
               <a:latin typeface="Meiryo UI" panose="020B0604030504040204" pitchFamily="50" charset="-128"/>
@@ -499,7 +499,7 @@
             <a:fld id="{FE6E828E-191C-489F-B083-9CD39052DDA4}" type="datetime1">
               <a:rPr lang="ja-JP" altLang="en-US" smtClean="0"/>
               <a:pPr/>
-              <a:t>2023/1/19</a:t>
+              <a:t>2023/1/24</a:t>
             </a:fld>
             <a:endParaRPr lang="ja-JP" altLang="en-US" dirty="0"/>
           </a:p>
@@ -10078,11 +10078,20 @@
             <p:ph idx="1"/>
           </p:nvPr>
         </p:nvSpPr>
-        <p:spPr/>
+        <p:spPr>
+          <a:xfrm>
+            <a:off x="6095999" y="2468880"/>
+            <a:ext cx="5059680" cy="3894920"/>
+          </a:xfrm>
+        </p:spPr>
         <p:txBody>
           <a:bodyPr/>
           <a:lstStyle/>
           <a:p>
+            <a:pPr marL="342900" indent="-342900">
+              <a:buFont typeface="Arial" panose="020B0604020202020204" pitchFamily="34" charset="0"/>
+              <a:buChar char="•"/>
+            </a:pPr>
             <a:r>
               <a:rPr lang="ja-JP" altLang="en-US" sz="2400" dirty="0">
                 <a:cs typeface="Biome Light" panose="020B0303030204020804" pitchFamily="34" charset="0"/>
@@ -10102,7 +10111,118 @@
               <a:rPr lang="ja-JP" altLang="en-US" sz="2400" dirty="0">
                 <a:cs typeface="Biome Light" panose="020B0303030204020804" pitchFamily="34" charset="0"/>
               </a:rPr>
-              <a:t>を使い、感情を理解し、それに適する</a:t>
+              <a:t>の</a:t>
+            </a:r>
+            <a:r>
+              <a:rPr lang="en-US" altLang="ja-JP" sz="2400" dirty="0">
+                <a:cs typeface="Biome Light" panose="020B0303030204020804" pitchFamily="34" charset="0"/>
+              </a:rPr>
+              <a:t>Decoder</a:t>
+            </a:r>
+            <a:r>
+              <a:rPr lang="ja-JP" altLang="en-US" sz="2400" dirty="0">
+                <a:cs typeface="Biome Light" panose="020B0303030204020804" pitchFamily="34" charset="0"/>
+              </a:rPr>
+              <a:t>のところに、</a:t>
+            </a:r>
+            <a:r>
+              <a:rPr lang="en-US" altLang="ja-JP" sz="2400" dirty="0">
+                <a:solidFill>
+                  <a:srgbClr val="7030A0"/>
+                </a:solidFill>
+                <a:cs typeface="Biome Light" panose="020B0303030204020804" pitchFamily="34" charset="0"/>
+              </a:rPr>
+              <a:t>Transformer</a:t>
+            </a:r>
+            <a:r>
+              <a:rPr lang="ja-JP" altLang="en-US" sz="2400" dirty="0">
+                <a:cs typeface="Biome Light" panose="020B0303030204020804" pitchFamily="34" charset="0"/>
+              </a:rPr>
+              <a:t>基盤の</a:t>
+            </a:r>
+            <a:r>
+              <a:rPr lang="en-US" altLang="ja-JP" sz="2400" dirty="0">
+                <a:solidFill>
+                  <a:srgbClr val="00B050"/>
+                </a:solidFill>
+                <a:cs typeface="Biome Light" panose="020B0303030204020804" pitchFamily="34" charset="0"/>
+              </a:rPr>
+              <a:t>Pre-trained</a:t>
+            </a:r>
+            <a:r>
+              <a:rPr lang="ko-KR" altLang="en-US" sz="2400" dirty="0">
+                <a:solidFill>
+                  <a:srgbClr val="00B050"/>
+                </a:solidFill>
+                <a:cs typeface="Biome Light" panose="020B0303030204020804" pitchFamily="34" charset="0"/>
+              </a:rPr>
+              <a:t> </a:t>
+            </a:r>
+            <a:r>
+              <a:rPr lang="en-US" altLang="ko-KR" sz="2400" dirty="0">
+                <a:solidFill>
+                  <a:srgbClr val="00B050"/>
+                </a:solidFill>
+                <a:cs typeface="Biome Light" panose="020B0303030204020804" pitchFamily="34" charset="0"/>
+              </a:rPr>
+              <a:t>Sentiment</a:t>
+            </a:r>
+            <a:r>
+              <a:rPr lang="ko-KR" altLang="en-US" sz="2400" dirty="0">
+                <a:solidFill>
+                  <a:srgbClr val="00B050"/>
+                </a:solidFill>
+                <a:cs typeface="Biome Light" panose="020B0303030204020804" pitchFamily="34" charset="0"/>
+              </a:rPr>
+              <a:t> </a:t>
+            </a:r>
+            <a:r>
+              <a:rPr lang="en-US" altLang="ko-KR" sz="2400" dirty="0">
+                <a:solidFill>
+                  <a:srgbClr val="00B050"/>
+                </a:solidFill>
+                <a:cs typeface="Biome Light" panose="020B0303030204020804" pitchFamily="34" charset="0"/>
+              </a:rPr>
+              <a:t>Classification</a:t>
+            </a:r>
+            <a:r>
+              <a:rPr lang="ko-KR" altLang="en-US" sz="2400" dirty="0">
+                <a:solidFill>
+                  <a:srgbClr val="00B050"/>
+                </a:solidFill>
+                <a:cs typeface="Biome Light" panose="020B0303030204020804" pitchFamily="34" charset="0"/>
+              </a:rPr>
+              <a:t> </a:t>
+            </a:r>
+            <a:r>
+              <a:rPr lang="en-US" altLang="ko-KR" sz="2400" dirty="0">
+                <a:solidFill>
+                  <a:srgbClr val="00B050"/>
+                </a:solidFill>
+                <a:cs typeface="Biome Light" panose="020B0303030204020804" pitchFamily="34" charset="0"/>
+              </a:rPr>
+              <a:t>model</a:t>
+            </a:r>
+            <a:r>
+              <a:rPr lang="ja-JP" altLang="en-US" sz="2400" dirty="0">
+                <a:cs typeface="Biome Light" panose="020B0303030204020804" pitchFamily="34" charset="0"/>
+              </a:rPr>
+              <a:t>を追加する。</a:t>
+            </a:r>
+            <a:endParaRPr lang="en-US" altLang="ja-JP" sz="2400" dirty="0">
+              <a:cs typeface="Biome Light" panose="020B0303030204020804" pitchFamily="34" charset="0"/>
+            </a:endParaRPr>
+          </a:p>
+          <a:p>
+            <a:pPr marL="342900" indent="-342900">
+              <a:buFont typeface="Arial" panose="020B0604020202020204" pitchFamily="34" charset="0"/>
+              <a:buChar char="•"/>
+            </a:pPr>
+            <a:r>
+              <a:rPr lang="ja-JP" altLang="en-US" sz="2400" dirty="0">
+                <a:cs typeface="Biome Light" panose="020B0303030204020804" pitchFamily="34" charset="0"/>
+              </a:rPr>
+              <a:t>感情を理解し、それに適する</a:t>
             </a:r>
             <a:r>
               <a:rPr lang="ja-JP" altLang="en-US" sz="2400" dirty="0">
@@ -10117,11 +10237,72 @@
               <a:rPr lang="ja-JP" altLang="en-US" sz="2400" dirty="0">
                 <a:cs typeface="Biome Light" panose="020B0303030204020804" pitchFamily="34" charset="0"/>
               </a:rPr>
-              <a:t>な答えができるチャットボットを具現することを目標とする。</a:t>
+              <a:t>な答えができるチャットボットを具現できるように、</a:t>
+            </a:r>
+            <a:r>
+              <a:rPr lang="en-US" altLang="ja-JP" sz="2400" dirty="0">
+                <a:cs typeface="Biome Light" panose="020B0303030204020804" pitchFamily="34" charset="0"/>
+              </a:rPr>
+              <a:t> </a:t>
+            </a:r>
+            <a:r>
+              <a:rPr lang="en-US" altLang="ja-JP" sz="2400" dirty="0">
+                <a:solidFill>
+                  <a:srgbClr val="00B050"/>
+                </a:solidFill>
+                <a:cs typeface="Biome Light" panose="020B0303030204020804" pitchFamily="34" charset="0"/>
+              </a:rPr>
+              <a:t>Pre-trained</a:t>
+            </a:r>
+            <a:r>
+              <a:rPr lang="ko-KR" altLang="en-US" sz="2400" dirty="0">
+                <a:solidFill>
+                  <a:srgbClr val="00B050"/>
+                </a:solidFill>
+                <a:cs typeface="Biome Light" panose="020B0303030204020804" pitchFamily="34" charset="0"/>
+              </a:rPr>
+              <a:t> </a:t>
+            </a:r>
+            <a:r>
+              <a:rPr lang="en-US" altLang="ko-KR" sz="2400" dirty="0">
+                <a:solidFill>
+                  <a:srgbClr val="00B050"/>
+                </a:solidFill>
+                <a:cs typeface="Biome Light" panose="020B0303030204020804" pitchFamily="34" charset="0"/>
+              </a:rPr>
+              <a:t>Sentiment Classification</a:t>
+            </a:r>
+            <a:r>
+              <a:rPr lang="ko-KR" altLang="en-US" sz="2400" dirty="0">
+                <a:solidFill>
+                  <a:srgbClr val="00B050"/>
+                </a:solidFill>
+                <a:cs typeface="Biome Light" panose="020B0303030204020804" pitchFamily="34" charset="0"/>
+              </a:rPr>
+              <a:t> </a:t>
+            </a:r>
+            <a:r>
+              <a:rPr lang="en-US" altLang="ko-KR" sz="2400" dirty="0">
+                <a:solidFill>
+                  <a:srgbClr val="00B050"/>
+                </a:solidFill>
+                <a:cs typeface="Biome Light" panose="020B0303030204020804" pitchFamily="34" charset="0"/>
+              </a:rPr>
+              <a:t>model</a:t>
+            </a:r>
+            <a:r>
+              <a:rPr lang="ja-JP" altLang="en-US" sz="2400" dirty="0">
+                <a:cs typeface="Biome Light" panose="020B0303030204020804" pitchFamily="34" charset="0"/>
+              </a:rPr>
+              <a:t>の構築を目標とする。</a:t>
             </a:r>
             <a:endParaRPr lang="ja-JP" altLang="en-US" sz="2400" dirty="0"/>
           </a:p>
           <a:p>
+            <a:pPr marL="342900" indent="-342900">
+              <a:buFont typeface="Arial" panose="020B0604020202020204" pitchFamily="34" charset="0"/>
+              <a:buChar char="•"/>
+            </a:pPr>
             <a:endParaRPr lang="en-JP" sz="2400" dirty="0"/>
           </a:p>
         </p:txBody>
@@ -10156,85 +10337,34 @@
       </p:sp>
       <p:pic>
         <p:nvPicPr>
-          <p:cNvPr id="1026" name="Picture 2">
+          <p:cNvPr id="52" name="図 51" descr="ダイアグラム&#10;&#10;自動的に生成された説明">
             <a:extLst>
               <a:ext uri="{FF2B5EF4-FFF2-40B4-BE49-F238E27FC236}">
-                <a16:creationId xmlns:a16="http://schemas.microsoft.com/office/drawing/2014/main" id="{461FB94F-140B-AC10-3B5A-A14571730655}"/>
+                <a16:creationId xmlns:a16="http://schemas.microsoft.com/office/drawing/2014/main" id="{E709EDD0-7B67-3AD7-BE7B-015C82D88AB9}"/>
               </a:ext>
             </a:extLst>
           </p:cNvPr>
           <p:cNvPicPr>
-            <a:picLocks noGrp="1" noChangeAspect="1" noChangeArrowheads="1"/>
+            <a:picLocks noChangeAspect="1"/>
           </p:cNvPicPr>
-          <p:nvPr>
-            <p:ph type="pic" sz="quarter" idx="14"/>
-          </p:nvPr>
+          <p:nvPr/>
         </p:nvPicPr>
         <p:blipFill>
-          <a:blip r:embed="rId3">
-            <a:extLst>
-              <a:ext uri="{28A0092B-C50C-407E-A947-70E740481C1C}">
-                <a14:useLocalDpi xmlns:a14="http://schemas.microsoft.com/office/drawing/2010/main" val="0"/>
-              </a:ext>
-            </a:extLst>
-          </a:blip>
-          <a:srcRect t="4090" b="4090"/>
+          <a:blip r:embed="rId3"/>
           <a:stretch>
             <a:fillRect/>
           </a:stretch>
         </p:blipFill>
-        <p:spPr bwMode="auto">
-          <a:prstGeom prst="rect">
-            <a:avLst/>
-          </a:prstGeom>
-          <a:noFill/>
-          <a:extLst>
-            <a:ext uri="{909E8E84-426E-40DD-AFC4-6F175D3DCCD1}">
-              <a14:hiddenFill xmlns:a14="http://schemas.microsoft.com/office/drawing/2010/main">
-                <a:solidFill>
-                  <a:srgbClr val="FFFFFF"/>
-                </a:solidFill>
-              </a14:hiddenFill>
-            </a:ext>
-          </a:extLst>
-        </p:spPr>
-      </p:pic>
-      <p:sp>
-        <p:nvSpPr>
-          <p:cNvPr id="7" name="テキスト ボックス 6">
-            <a:extLst>
-              <a:ext uri="{FF2B5EF4-FFF2-40B4-BE49-F238E27FC236}">
-                <a16:creationId xmlns:a16="http://schemas.microsoft.com/office/drawing/2014/main" id="{B1A1EE7B-9CB3-6302-9EF3-457D44DF6B43}"/>
-              </a:ext>
-            </a:extLst>
-          </p:cNvPr>
-          <p:cNvSpPr txBox="1"/>
-          <p:nvPr/>
-        </p:nvSpPr>
         <p:spPr>
           <a:xfrm>
-            <a:off x="0" y="6619304"/>
-            <a:ext cx="2455817" cy="319263"/>
+            <a:off x="860739" y="658064"/>
+            <a:ext cx="4879618" cy="5541872"/>
           </a:xfrm>
           <a:prstGeom prst="rect">
             <a:avLst/>
           </a:prstGeom>
-          <a:noFill/>
         </p:spPr>
-        <p:txBody>
-          <a:bodyPr wrap="square" rtlCol="0">
-            <a:spAutoFit/>
-          </a:bodyPr>
-          <a:lstStyle/>
-          <a:p>
-            <a:r>
-              <a:rPr kumimoji="1" lang="en-US" altLang="ja-JP" sz="1400" dirty="0"/>
-              <a:t>Bart Simpson (Matt Groening)</a:t>
-            </a:r>
-            <a:endParaRPr kumimoji="1" lang="ja-JP" altLang="en-US" sz="1400" dirty="0"/>
-          </a:p>
-        </p:txBody>
-      </p:sp>
+      </p:pic>
     </p:spTree>
     <p:extLst>
       <p:ext uri="{BB962C8B-B14F-4D97-AF65-F5344CB8AC3E}">
@@ -13231,15 +13361,6 @@
 </file>
 
 <file path=customXml/item1.xml><?xml version="1.0" encoding="utf-8"?>
-<?mso-contentType ?>
-<FormTemplates xmlns="http://schemas.microsoft.com/sharepoint/v3/contenttype/forms">
-  <Display>DocumentLibraryForm</Display>
-  <Edit>DocumentLibraryForm</Edit>
-  <New>DocumentLibraryForm</New>
-</FormTemplates>
-</file>
-
-<file path=customXml/item2.xml><?xml version="1.0" encoding="utf-8"?>
 <ct:contentTypeSchema xmlns:ct="http://schemas.microsoft.com/office/2006/metadata/contentType" xmlns:ma="http://schemas.microsoft.com/office/2006/metadata/properties/metaAttributes" ct:_="" ma:_="" ma:contentTypeName="Document" ma:contentTypeID="0x01010079F111ED35F8CC479449609E8A0923A6" ma:contentTypeVersion="12" ma:contentTypeDescription="Create a new document." ma:contentTypeScope="" ma:versionID="426e97fa315356fffbdcd9876fe988c2">
   <xsd:schema xmlns:xsd="http://www.w3.org/2001/XMLSchema" xmlns:xs="http://www.w3.org/2001/XMLSchema" xmlns:p="http://schemas.microsoft.com/office/2006/metadata/properties" xmlns:ns2="71af3243-3dd4-4a8d-8c0d-dd76da1f02a5" xmlns:ns3="16c05727-aa75-4e4a-9b5f-8a80a1165891" targetNamespace="http://schemas.microsoft.com/office/2006/metadata/properties" ma:root="true" ma:fieldsID="14b8f0def80e6d70ce3def20c90759ae" ns2:_="" ns3:_="">
     <xsd:import namespace="71af3243-3dd4-4a8d-8c0d-dd76da1f02a5"/>
@@ -13460,7 +13581,7 @@
 </ct:contentTypeSchema>
 </file>
 
-<file path=customXml/item3.xml><?xml version="1.0" encoding="utf-8"?>
+<file path=customXml/item2.xml><?xml version="1.0" encoding="utf-8"?>
 <p:properties xmlns:p="http://schemas.microsoft.com/office/2006/metadata/properties" xmlns:xsi="http://www.w3.org/2001/XMLSchema-instance" xmlns:pc="http://schemas.microsoft.com/office/infopath/2007/PartnerControls">
   <documentManagement>
     <Status xmlns="71af3243-3dd4-4a8d-8c0d-dd76da1f02a5">Not started</Status>
@@ -13469,15 +13590,16 @@
 </p:properties>
 </file>
 
-<file path=customXml/itemProps1.xml><?xml version="1.0" encoding="utf-8"?>
-<ds:datastoreItem xmlns:ds="http://schemas.openxmlformats.org/officeDocument/2006/customXml" ds:itemID="{1B7E2D32-4FDD-4266-880C-17595B801432}">
-  <ds:schemaRefs>
-    <ds:schemaRef ds:uri="http://schemas.microsoft.com/sharepoint/v3/contenttype/forms"/>
-  </ds:schemaRefs>
-</ds:datastoreItem>
+<file path=customXml/item3.xml><?xml version="1.0" encoding="utf-8"?>
+<?mso-contentType ?>
+<FormTemplates xmlns="http://schemas.microsoft.com/sharepoint/v3/contenttype/forms">
+  <Display>DocumentLibraryForm</Display>
+  <Edit>DocumentLibraryForm</Edit>
+  <New>DocumentLibraryForm</New>
+</FormTemplates>
 </file>
 
-<file path=customXml/itemProps2.xml><?xml version="1.0" encoding="utf-8"?>
+<file path=customXml/itemProps1.xml><?xml version="1.0" encoding="utf-8"?>
 <ds:datastoreItem xmlns:ds="http://schemas.openxmlformats.org/officeDocument/2006/customXml" ds:itemID="{55BB9993-D5F9-46FA-B2E5-80E3632E9820}">
   <ds:schemaRefs>
     <ds:schemaRef ds:uri="http://schemas.microsoft.com/office/2006/metadata/contentType"/>
@@ -13496,7 +13618,7 @@
 </ds:datastoreItem>
 </file>
 
-<file path=customXml/itemProps3.xml><?xml version="1.0" encoding="utf-8"?>
+<file path=customXml/itemProps2.xml><?xml version="1.0" encoding="utf-8"?>
 <ds:datastoreItem xmlns:ds="http://schemas.openxmlformats.org/officeDocument/2006/customXml" ds:itemID="{E3D9F223-918A-45AF-9B53-56AB9E5E2182}">
   <ds:schemaRefs>
     <ds:schemaRef ds:uri="http://schemas.microsoft.com/office/2006/metadata/properties"/>
@@ -13504,4 +13626,12 @@
     <ds:schemaRef ds:uri="71af3243-3dd4-4a8d-8c0d-dd76da1f02a5"/>
   </ds:schemaRefs>
 </ds:datastoreItem>
+</file>
+
+<file path=customXml/itemProps3.xml><?xml version="1.0" encoding="utf-8"?>
+<ds:datastoreItem xmlns:ds="http://schemas.openxmlformats.org/officeDocument/2006/customXml" ds:itemID="{1B7E2D32-4FDD-4266-880C-17595B801432}">
+  <ds:schemaRefs>
+    <ds:schemaRef ds:uri="http://schemas.microsoft.com/sharepoint/v3/contenttype/forms"/>
+  </ds:schemaRefs>
+</ds:datastoreItem>
 </file>
--- a/Presentation/感情認識に基づく対話システム.pptx
+++ b/Presentation/感情認識に基づく対話システム.pptx
@@ -153,48 +153,6 @@
 </p188:authorLst>
 </file>
 
-<file path=ppt/comments/modernComment_99F_10C09C6A.xml><?xml version="1.0" encoding="utf-8"?>
-<p188:cmLst xmlns:a="http://schemas.openxmlformats.org/drawingml/2006/main" xmlns:r="http://schemas.openxmlformats.org/officeDocument/2006/relationships" xmlns:p188="http://schemas.microsoft.com/office/powerpoint/2018/8/main">
-  <p188:cm id="{0300F9F1-95B3-4788-9B19-87159DBB3712}" authorId="{1EFC48C2-2497-73DC-7537-DF61019DF009}" created="2023-01-15T09:20:29.568">
-    <pc:sldMkLst xmlns:pc="http://schemas.microsoft.com/office/powerpoint/2013/main/command">
-      <pc:docMk/>
-      <pc:sldMk cId="281058410" sldId="2463"/>
-    </pc:sldMkLst>
-    <p188:txBody>
-      <a:bodyPr/>
-      <a:lstStyle/>
-      <a:p>
-        <a:r>
-          <a:rPr lang="ko-KR" altLang="en-US"/>
-          <a:t>BARTとは、Seq2Seqモデルを事前学習させるための Denoising autoencoderである。
-BARTは任意の noising fuctionでテキストを変形させ、元に復元するようにモデルを学習させるようになっている。
-BARTは、BERTとGPTというモデルをそれぞれEncoder, Decoderとして合わせて作られたモデルである。</a:t>
-        </a:r>
-      </a:p>
-    </p188:txBody>
-  </p188:cm>
-  <p188:cm id="{7C275100-51B4-4A77-8E80-A1E94E9B6078}" authorId="{CE5DED92-5D91-C7EC-D967-EEE81D3D9608}" created="2023-01-16T11:42:43.874">
-    <pc:sldMkLst xmlns:pc="http://schemas.microsoft.com/office/powerpoint/2013/main/command">
-      <pc:docMk/>
-      <pc:sldMk cId="281058410" sldId="2463"/>
-    </pc:sldMkLst>
-    <p188:txBody>
-      <a:bodyPr/>
-      <a:lstStyle/>
-      <a:p>
-        <a:r>
-          <a:rPr lang="ja-JP" altLang="en-US"/>
-          <a:t>BERT と GPT両方共、Transformerから出てるもので、BERTはTransformerのEncorderの部分、GPTはDecorderの所だけを使ってトレーニングされたモデルである。
-Transformerとは、Seq2Seq構造を基として作られたモデルで、論文の名前からも分けれるように、Attentionメカニズムを使ったモデルである。
-Attentionメカニズムとは、単語の間の相関関係を数値化し、学習に反映することで、文章を単語の間のAttention達の集まりとしてあつかうようになり、より正確で自然に自然語の処理ができるようにしたメカニズムである。
-BERTはAttentionの参照の方向がBi-directionalであるため、情報量が多く、より優れている性能を見せるが、文章の生成は片方から反対の方にされるので、文章の生成には使うことが出来ず、Uni-directionalであるGPTが文章とかの生成には使われる。</a:t>
-        </a:r>
-      </a:p>
-    </p188:txBody>
-  </p188:cm>
-</p188:cmLst>
-</file>
-
 <file path=ppt/handoutMasters/handoutMaster1.xml><?xml version="1.0" encoding="utf-8"?>
 <p:handoutMaster xmlns:a="http://schemas.openxmlformats.org/drawingml/2006/main" xmlns:r="http://schemas.openxmlformats.org/officeDocument/2006/relationships" xmlns:p="http://schemas.openxmlformats.org/presentationml/2006/main">
   <p:cSld>
@@ -297,7 +255,7 @@
                 <a:latin typeface="Meiryo UI" panose="020B0604030504040204" pitchFamily="50" charset="-128"/>
                 <a:ea typeface="Meiryo UI" panose="020B0604030504040204" pitchFamily="50" charset="-128"/>
               </a:rPr>
-              <a:t>2023/1/24</a:t>
+              <a:t>2023/1/26</a:t>
             </a:fld>
             <a:endParaRPr lang="ja-JP" altLang="en-US">
               <a:latin typeface="Meiryo UI" panose="020B0604030504040204" pitchFamily="50" charset="-128"/>
@@ -499,7 +457,7 @@
             <a:fld id="{FE6E828E-191C-489F-B083-9CD39052DDA4}" type="datetime1">
               <a:rPr lang="ja-JP" altLang="en-US" smtClean="0"/>
               <a:pPr/>
-              <a:t>2023/1/24</a:t>
+              <a:t>2023/1/26</a:t>
             </a:fld>
             <a:endParaRPr lang="ja-JP" altLang="en-US" dirty="0"/>
           </a:p>
@@ -1452,7 +1410,7 @@
                 <a:latin typeface="Malgun Gothic" panose="020B0503020000020004" pitchFamily="50" charset="-127"/>
                 <a:ea typeface="Malgun Gothic" panose="020B0503020000020004" pitchFamily="50" charset="-127"/>
               </a:rPr>
-              <a:t>BART</a:t>
+              <a:t>//BART</a:t>
             </a:r>
             <a:r>
               <a:rPr lang="ja-JP" altLang="en-US" sz="1800" dirty="0">
@@ -8717,7 +8675,7 @@
           <p:nvPr/>
         </p:nvPicPr>
         <p:blipFill rotWithShape="1">
-          <a:blip r:embed="rId4">
+          <a:blip r:embed="rId3">
             <a:extLst>
               <a:ext uri="{28A0092B-C50C-407E-A947-70E740481C1C}">
                 <a14:useLocalDpi xmlns:a14="http://schemas.microsoft.com/office/drawing/2010/main" val="0"/>
@@ -8867,7 +8825,7 @@
             <p:nvPr/>
           </p:nvPicPr>
           <p:blipFill>
-            <a:blip r:embed="rId5">
+            <a:blip r:embed="rId4">
               <a:extLst>
                 <a:ext uri="{28A0092B-C50C-407E-A947-70E740481C1C}">
                   <a14:useLocalDpi xmlns:a14="http://schemas.microsoft.com/office/drawing/2010/main" val="0"/>
@@ -9608,11 +9566,6 @@
   <p:clrMapOvr>
     <a:masterClrMapping/>
   </p:clrMapOvr>
-  <p:extLst>
-    <p:ext uri="{6950BFC3-D8DA-4A85-94F7-54DA5524770B}">
-      <p188:commentRel xmlns:p188="http://schemas.microsoft.com/office/powerpoint/2018/8/main" r:id="rId3"/>
-    </p:ext>
-  </p:extLst>
 </p:sld>
 </file>
 
@@ -13361,6 +13314,24 @@
 </file>
 
 <file path=customXml/item1.xml><?xml version="1.0" encoding="utf-8"?>
+<?mso-contentType ?>
+<FormTemplates xmlns="http://schemas.microsoft.com/sharepoint/v3/contenttype/forms">
+  <Display>DocumentLibraryForm</Display>
+  <Edit>DocumentLibraryForm</Edit>
+  <New>DocumentLibraryForm</New>
+</FormTemplates>
+</file>
+
+<file path=customXml/item2.xml><?xml version="1.0" encoding="utf-8"?>
+<p:properties xmlns:p="http://schemas.microsoft.com/office/2006/metadata/properties" xmlns:xsi="http://www.w3.org/2001/XMLSchema-instance" xmlns:pc="http://schemas.microsoft.com/office/infopath/2007/PartnerControls">
+  <documentManagement>
+    <Status xmlns="71af3243-3dd4-4a8d-8c0d-dd76da1f02a5">Not started</Status>
+    <MediaServiceKeyPoints xmlns="71af3243-3dd4-4a8d-8c0d-dd76da1f02a5" xsi:nil="true"/>
+  </documentManagement>
+</p:properties>
+</file>
+
+<file path=customXml/item3.xml><?xml version="1.0" encoding="utf-8"?>
 <ct:contentTypeSchema xmlns:ct="http://schemas.microsoft.com/office/2006/metadata/contentType" xmlns:ma="http://schemas.microsoft.com/office/2006/metadata/properties/metaAttributes" ct:_="" ma:_="" ma:contentTypeName="Document" ma:contentTypeID="0x01010079F111ED35F8CC479449609E8A0923A6" ma:contentTypeVersion="12" ma:contentTypeDescription="Create a new document." ma:contentTypeScope="" ma:versionID="426e97fa315356fffbdcd9876fe988c2">
   <xsd:schema xmlns:xsd="http://www.w3.org/2001/XMLSchema" xmlns:xs="http://www.w3.org/2001/XMLSchema" xmlns:p="http://schemas.microsoft.com/office/2006/metadata/properties" xmlns:ns2="71af3243-3dd4-4a8d-8c0d-dd76da1f02a5" xmlns:ns3="16c05727-aa75-4e4a-9b5f-8a80a1165891" targetNamespace="http://schemas.microsoft.com/office/2006/metadata/properties" ma:root="true" ma:fieldsID="14b8f0def80e6d70ce3def20c90759ae" ns2:_="" ns3:_="">
     <xsd:import namespace="71af3243-3dd4-4a8d-8c0d-dd76da1f02a5"/>
@@ -13581,25 +13552,25 @@
 </ct:contentTypeSchema>
 </file>
 
-<file path=customXml/item2.xml><?xml version="1.0" encoding="utf-8"?>
-<p:properties xmlns:p="http://schemas.microsoft.com/office/2006/metadata/properties" xmlns:xsi="http://www.w3.org/2001/XMLSchema-instance" xmlns:pc="http://schemas.microsoft.com/office/infopath/2007/PartnerControls">
-  <documentManagement>
-    <Status xmlns="71af3243-3dd4-4a8d-8c0d-dd76da1f02a5">Not started</Status>
-    <MediaServiceKeyPoints xmlns="71af3243-3dd4-4a8d-8c0d-dd76da1f02a5" xsi:nil="true"/>
-  </documentManagement>
-</p:properties>
+<file path=customXml/itemProps1.xml><?xml version="1.0" encoding="utf-8"?>
+<ds:datastoreItem xmlns:ds="http://schemas.openxmlformats.org/officeDocument/2006/customXml" ds:itemID="{1B7E2D32-4FDD-4266-880C-17595B801432}">
+  <ds:schemaRefs>
+    <ds:schemaRef ds:uri="http://schemas.microsoft.com/sharepoint/v3/contenttype/forms"/>
+  </ds:schemaRefs>
+</ds:datastoreItem>
 </file>
 
-<file path=customXml/item3.xml><?xml version="1.0" encoding="utf-8"?>
-<?mso-contentType ?>
-<FormTemplates xmlns="http://schemas.microsoft.com/sharepoint/v3/contenttype/forms">
-  <Display>DocumentLibraryForm</Display>
-  <Edit>DocumentLibraryForm</Edit>
-  <New>DocumentLibraryForm</New>
-</FormTemplates>
+<file path=customXml/itemProps2.xml><?xml version="1.0" encoding="utf-8"?>
+<ds:datastoreItem xmlns:ds="http://schemas.openxmlformats.org/officeDocument/2006/customXml" ds:itemID="{E3D9F223-918A-45AF-9B53-56AB9E5E2182}">
+  <ds:schemaRefs>
+    <ds:schemaRef ds:uri="http://schemas.microsoft.com/office/2006/metadata/properties"/>
+    <ds:schemaRef ds:uri="http://schemas.microsoft.com/office/infopath/2007/PartnerControls"/>
+    <ds:schemaRef ds:uri="71af3243-3dd4-4a8d-8c0d-dd76da1f02a5"/>
+  </ds:schemaRefs>
+</ds:datastoreItem>
 </file>
 
-<file path=customXml/itemProps1.xml><?xml version="1.0" encoding="utf-8"?>
+<file path=customXml/itemProps3.xml><?xml version="1.0" encoding="utf-8"?>
 <ds:datastoreItem xmlns:ds="http://schemas.openxmlformats.org/officeDocument/2006/customXml" ds:itemID="{55BB9993-D5F9-46FA-B2E5-80E3632E9820}">
   <ds:schemaRefs>
     <ds:schemaRef ds:uri="http://schemas.microsoft.com/office/2006/metadata/contentType"/>
@@ -13616,22 +13587,4 @@
     <ds:schemaRef ds:uri="http://schemas.microsoft.com/internal/obd"/>
   </ds:schemaRefs>
 </ds:datastoreItem>
-</file>
-
-<file path=customXml/itemProps2.xml><?xml version="1.0" encoding="utf-8"?>
-<ds:datastoreItem xmlns:ds="http://schemas.openxmlformats.org/officeDocument/2006/customXml" ds:itemID="{E3D9F223-918A-45AF-9B53-56AB9E5E2182}">
-  <ds:schemaRefs>
-    <ds:schemaRef ds:uri="http://schemas.microsoft.com/office/2006/metadata/properties"/>
-    <ds:schemaRef ds:uri="http://schemas.microsoft.com/office/infopath/2007/PartnerControls"/>
-    <ds:schemaRef ds:uri="71af3243-3dd4-4a8d-8c0d-dd76da1f02a5"/>
-  </ds:schemaRefs>
-</ds:datastoreItem>
-</file>
-
-<file path=customXml/itemProps3.xml><?xml version="1.0" encoding="utf-8"?>
-<ds:datastoreItem xmlns:ds="http://schemas.openxmlformats.org/officeDocument/2006/customXml" ds:itemID="{1B7E2D32-4FDD-4266-880C-17595B801432}">
-  <ds:schemaRefs>
-    <ds:schemaRef ds:uri="http://schemas.microsoft.com/sharepoint/v3/contenttype/forms"/>
-  </ds:schemaRefs>
-</ds:datastoreItem>
 </file>